--- a/doc/presentation.pptx
+++ b/doc/presentation.pptx
@@ -1,15 +1,26 @@
 
 <file path=ppt/presentation.xml><?xml version="1.0" encoding="utf-8"?>
-<p:presentation xmlns:a="http://schemas.openxmlformats.org/drawingml/2006/main" xmlns:r="http://schemas.openxmlformats.org/officeDocument/2006/relationships" xmlns:p="http://schemas.openxmlformats.org/presentationml/2006/main" saveSubsetFonts="1">
+<p:presentation xmlns:a="http://schemas.openxmlformats.org/drawingml/2006/main" xmlns:r="http://schemas.openxmlformats.org/officeDocument/2006/relationships" xmlns:p="http://schemas.openxmlformats.org/presentationml/2006/main" showSpecialPlsOnTitleSld="0" saveSubsetFonts="1">
   <p:sldMasterIdLst>
-    <p:sldMasterId id="2147483648" r:id="rId1"/>
+    <p:sldMasterId id="2147483684" r:id="rId1"/>
   </p:sldMasterIdLst>
+  <p:notesMasterIdLst>
+    <p:notesMasterId r:id="rId15"/>
+  </p:notesMasterIdLst>
   <p:sldIdLst>
     <p:sldId id="256" r:id="rId2"/>
-    <p:sldId id="260" r:id="rId3"/>
-    <p:sldId id="257" r:id="rId4"/>
-    <p:sldId id="258" r:id="rId5"/>
-    <p:sldId id="259" r:id="rId6"/>
+    <p:sldId id="261" r:id="rId3"/>
+    <p:sldId id="270" r:id="rId4"/>
+    <p:sldId id="264" r:id="rId5"/>
+    <p:sldId id="263" r:id="rId6"/>
+    <p:sldId id="265" r:id="rId7"/>
+    <p:sldId id="266" r:id="rId8"/>
+    <p:sldId id="262" r:id="rId9"/>
+    <p:sldId id="267" r:id="rId10"/>
+    <p:sldId id="268" r:id="rId11"/>
+    <p:sldId id="257" r:id="rId12"/>
+    <p:sldId id="258" r:id="rId13"/>
+    <p:sldId id="259" r:id="rId14"/>
   </p:sldIdLst>
   <p:sldSz cx="9144000" cy="6858000" type="screen4x3"/>
   <p:notesSz cx="6858000" cy="9144000"/>
@@ -111,8 +122,442 @@
 </p:presentation>
 </file>
 
+<file path=ppt/notesMasters/notesMaster1.xml><?xml version="1.0" encoding="utf-8"?>
+<p:notesMaster xmlns:a="http://schemas.openxmlformats.org/drawingml/2006/main" xmlns:r="http://schemas.openxmlformats.org/officeDocument/2006/relationships" xmlns:p="http://schemas.openxmlformats.org/presentationml/2006/main">
+  <p:cSld>
+    <p:bg>
+      <p:bgRef idx="1001">
+        <a:schemeClr val="bg1"/>
+      </p:bgRef>
+    </p:bg>
+    <p:spTree>
+      <p:nvGrpSpPr>
+        <p:cNvPr id="1" name=""/>
+        <p:cNvGrpSpPr/>
+        <p:nvPr/>
+      </p:nvGrpSpPr>
+      <p:grpSpPr>
+        <a:xfrm>
+          <a:off x="0" y="0"/>
+          <a:ext cx="0" cy="0"/>
+          <a:chOff x="0" y="0"/>
+          <a:chExt cx="0" cy="0"/>
+        </a:xfrm>
+      </p:grpSpPr>
+      <p:sp>
+        <p:nvSpPr>
+          <p:cNvPr id="2" name="Espace réservé de l'en-tête 1"/>
+          <p:cNvSpPr>
+            <a:spLocks noGrp="1"/>
+          </p:cNvSpPr>
+          <p:nvPr>
+            <p:ph type="hdr" sz="quarter"/>
+          </p:nvPr>
+        </p:nvSpPr>
+        <p:spPr>
+          <a:xfrm>
+            <a:off x="0" y="0"/>
+            <a:ext cx="2971800" cy="457200"/>
+          </a:xfrm>
+          <a:prstGeom prst="rect">
+            <a:avLst/>
+          </a:prstGeom>
+        </p:spPr>
+        <p:txBody>
+          <a:bodyPr vert="horz" lIns="91440" tIns="45720" rIns="91440" bIns="45720" rtlCol="0"/>
+          <a:lstStyle>
+            <a:lvl1pPr algn="l">
+              <a:defRPr sz="1200"/>
+            </a:lvl1pPr>
+          </a:lstStyle>
+          <a:p>
+            <a:endParaRPr lang="en-US"/>
+          </a:p>
+        </p:txBody>
+      </p:sp>
+      <p:sp>
+        <p:nvSpPr>
+          <p:cNvPr id="3" name="Espace réservé de la date 2"/>
+          <p:cNvSpPr>
+            <a:spLocks noGrp="1"/>
+          </p:cNvSpPr>
+          <p:nvPr>
+            <p:ph type="dt" idx="1"/>
+          </p:nvPr>
+        </p:nvSpPr>
+        <p:spPr>
+          <a:xfrm>
+            <a:off x="3884613" y="0"/>
+            <a:ext cx="2971800" cy="457200"/>
+          </a:xfrm>
+          <a:prstGeom prst="rect">
+            <a:avLst/>
+          </a:prstGeom>
+        </p:spPr>
+        <p:txBody>
+          <a:bodyPr vert="horz" lIns="91440" tIns="45720" rIns="91440" bIns="45720" rtlCol="0"/>
+          <a:lstStyle>
+            <a:lvl1pPr algn="r">
+              <a:defRPr sz="1200"/>
+            </a:lvl1pPr>
+          </a:lstStyle>
+          <a:p>
+            <a:fld id="{1CF03306-DFAE-4C84-B071-54FE7C597BC6}" type="datetimeFigureOut">
+              <a:rPr lang="en-US" smtClean="0"/>
+              <a:t>1/25/2015</a:t>
+            </a:fld>
+            <a:endParaRPr lang="en-US"/>
+          </a:p>
+        </p:txBody>
+      </p:sp>
+      <p:sp>
+        <p:nvSpPr>
+          <p:cNvPr id="4" name="Espace réservé de l'image des diapositives 3"/>
+          <p:cNvSpPr>
+            <a:spLocks noGrp="1" noRot="1" noChangeAspect="1"/>
+          </p:cNvSpPr>
+          <p:nvPr>
+            <p:ph type="sldImg" idx="2"/>
+          </p:nvPr>
+        </p:nvSpPr>
+        <p:spPr>
+          <a:xfrm>
+            <a:off x="1143000" y="685800"/>
+            <a:ext cx="4572000" cy="3429000"/>
+          </a:xfrm>
+          <a:prstGeom prst="rect">
+            <a:avLst/>
+          </a:prstGeom>
+          <a:noFill/>
+          <a:ln w="12700">
+            <a:solidFill>
+              <a:prstClr val="black"/>
+            </a:solidFill>
+          </a:ln>
+        </p:spPr>
+        <p:txBody>
+          <a:bodyPr vert="horz" lIns="91440" tIns="45720" rIns="91440" bIns="45720" rtlCol="0" anchor="ctr"/>
+          <a:lstStyle/>
+          <a:p>
+            <a:endParaRPr lang="en-US"/>
+          </a:p>
+        </p:txBody>
+      </p:sp>
+      <p:sp>
+        <p:nvSpPr>
+          <p:cNvPr id="5" name="Espace réservé des commentaires 4"/>
+          <p:cNvSpPr>
+            <a:spLocks noGrp="1"/>
+          </p:cNvSpPr>
+          <p:nvPr>
+            <p:ph type="body" sz="quarter" idx="3"/>
+          </p:nvPr>
+        </p:nvSpPr>
+        <p:spPr>
+          <a:xfrm>
+            <a:off x="685800" y="4343400"/>
+            <a:ext cx="5486400" cy="4114800"/>
+          </a:xfrm>
+          <a:prstGeom prst="rect">
+            <a:avLst/>
+          </a:prstGeom>
+        </p:spPr>
+        <p:txBody>
+          <a:bodyPr vert="horz" lIns="91440" tIns="45720" rIns="91440" bIns="45720" rtlCol="0"/>
+          <a:lstStyle/>
+          <a:p>
+            <a:pPr lvl="0"/>
+            <a:r>
+              <a:rPr lang="fr-FR" smtClean="0"/>
+              <a:t>Modifiez les styles du texte du masque</a:t>
+            </a:r>
+          </a:p>
+          <a:p>
+            <a:pPr lvl="1"/>
+            <a:r>
+              <a:rPr lang="fr-FR" smtClean="0"/>
+              <a:t>Deuxième niveau</a:t>
+            </a:r>
+          </a:p>
+          <a:p>
+            <a:pPr lvl="2"/>
+            <a:r>
+              <a:rPr lang="fr-FR" smtClean="0"/>
+              <a:t>Troisième niveau</a:t>
+            </a:r>
+          </a:p>
+          <a:p>
+            <a:pPr lvl="3"/>
+            <a:r>
+              <a:rPr lang="fr-FR" smtClean="0"/>
+              <a:t>Quatrième niveau</a:t>
+            </a:r>
+          </a:p>
+          <a:p>
+            <a:pPr lvl="4"/>
+            <a:r>
+              <a:rPr lang="fr-FR" smtClean="0"/>
+              <a:t>Cinquième niveau</a:t>
+            </a:r>
+            <a:endParaRPr lang="en-US"/>
+          </a:p>
+        </p:txBody>
+      </p:sp>
+      <p:sp>
+        <p:nvSpPr>
+          <p:cNvPr id="6" name="Espace réservé du pied de page 5"/>
+          <p:cNvSpPr>
+            <a:spLocks noGrp="1"/>
+          </p:cNvSpPr>
+          <p:nvPr>
+            <p:ph type="ftr" sz="quarter" idx="4"/>
+          </p:nvPr>
+        </p:nvSpPr>
+        <p:spPr>
+          <a:xfrm>
+            <a:off x="0" y="8685213"/>
+            <a:ext cx="2971800" cy="457200"/>
+          </a:xfrm>
+          <a:prstGeom prst="rect">
+            <a:avLst/>
+          </a:prstGeom>
+        </p:spPr>
+        <p:txBody>
+          <a:bodyPr vert="horz" lIns="91440" tIns="45720" rIns="91440" bIns="45720" rtlCol="0" anchor="b"/>
+          <a:lstStyle>
+            <a:lvl1pPr algn="l">
+              <a:defRPr sz="1200"/>
+            </a:lvl1pPr>
+          </a:lstStyle>
+          <a:p>
+            <a:endParaRPr lang="en-US"/>
+          </a:p>
+        </p:txBody>
+      </p:sp>
+      <p:sp>
+        <p:nvSpPr>
+          <p:cNvPr id="7" name="Espace réservé du numéro de diapositive 6"/>
+          <p:cNvSpPr>
+            <a:spLocks noGrp="1"/>
+          </p:cNvSpPr>
+          <p:nvPr>
+            <p:ph type="sldNum" sz="quarter" idx="5"/>
+          </p:nvPr>
+        </p:nvSpPr>
+        <p:spPr>
+          <a:xfrm>
+            <a:off x="3884613" y="8685213"/>
+            <a:ext cx="2971800" cy="457200"/>
+          </a:xfrm>
+          <a:prstGeom prst="rect">
+            <a:avLst/>
+          </a:prstGeom>
+        </p:spPr>
+        <p:txBody>
+          <a:bodyPr vert="horz" lIns="91440" tIns="45720" rIns="91440" bIns="45720" rtlCol="0" anchor="b"/>
+          <a:lstStyle>
+            <a:lvl1pPr algn="r">
+              <a:defRPr sz="1200"/>
+            </a:lvl1pPr>
+          </a:lstStyle>
+          <a:p>
+            <a:fld id="{CEC7B2FE-3BAD-407E-AC5A-B51F826AE798}" type="slidenum">
+              <a:rPr lang="en-US" smtClean="0"/>
+              <a:t>‹N°›</a:t>
+            </a:fld>
+            <a:endParaRPr lang="en-US"/>
+          </a:p>
+        </p:txBody>
+      </p:sp>
+    </p:spTree>
+    <p:extLst>
+      <p:ext uri="{BB962C8B-B14F-4D97-AF65-F5344CB8AC3E}">
+        <p14:creationId xmlns:p14="http://schemas.microsoft.com/office/powerpoint/2010/main" val="2946670688"/>
+      </p:ext>
+    </p:extLst>
+  </p:cSld>
+  <p:clrMap bg1="lt1" tx1="dk1" bg2="lt2" tx2="dk2" accent1="accent1" accent2="accent2" accent3="accent3" accent4="accent4" accent5="accent5" accent6="accent6" hlink="hlink" folHlink="folHlink"/>
+  <p:notesStyle>
+    <a:lvl1pPr marL="0" algn="l" defTabSz="914400" rtl="0" eaLnBrk="1" latinLnBrk="0" hangingPunct="1">
+      <a:defRPr sz="1200" kern="1200">
+        <a:solidFill>
+          <a:schemeClr val="tx1"/>
+        </a:solidFill>
+        <a:latin typeface="+mn-lt"/>
+        <a:ea typeface="+mn-ea"/>
+        <a:cs typeface="+mn-cs"/>
+      </a:defRPr>
+    </a:lvl1pPr>
+    <a:lvl2pPr marL="457200" algn="l" defTabSz="914400" rtl="0" eaLnBrk="1" latinLnBrk="0" hangingPunct="1">
+      <a:defRPr sz="1200" kern="1200">
+        <a:solidFill>
+          <a:schemeClr val="tx1"/>
+        </a:solidFill>
+        <a:latin typeface="+mn-lt"/>
+        <a:ea typeface="+mn-ea"/>
+        <a:cs typeface="+mn-cs"/>
+      </a:defRPr>
+    </a:lvl2pPr>
+    <a:lvl3pPr marL="914400" algn="l" defTabSz="914400" rtl="0" eaLnBrk="1" latinLnBrk="0" hangingPunct="1">
+      <a:defRPr sz="1200" kern="1200">
+        <a:solidFill>
+          <a:schemeClr val="tx1"/>
+        </a:solidFill>
+        <a:latin typeface="+mn-lt"/>
+        <a:ea typeface="+mn-ea"/>
+        <a:cs typeface="+mn-cs"/>
+      </a:defRPr>
+    </a:lvl3pPr>
+    <a:lvl4pPr marL="1371600" algn="l" defTabSz="914400" rtl="0" eaLnBrk="1" latinLnBrk="0" hangingPunct="1">
+      <a:defRPr sz="1200" kern="1200">
+        <a:solidFill>
+          <a:schemeClr val="tx1"/>
+        </a:solidFill>
+        <a:latin typeface="+mn-lt"/>
+        <a:ea typeface="+mn-ea"/>
+        <a:cs typeface="+mn-cs"/>
+      </a:defRPr>
+    </a:lvl4pPr>
+    <a:lvl5pPr marL="1828800" algn="l" defTabSz="914400" rtl="0" eaLnBrk="1" latinLnBrk="0" hangingPunct="1">
+      <a:defRPr sz="1200" kern="1200">
+        <a:solidFill>
+          <a:schemeClr val="tx1"/>
+        </a:solidFill>
+        <a:latin typeface="+mn-lt"/>
+        <a:ea typeface="+mn-ea"/>
+        <a:cs typeface="+mn-cs"/>
+      </a:defRPr>
+    </a:lvl5pPr>
+    <a:lvl6pPr marL="2286000" algn="l" defTabSz="914400" rtl="0" eaLnBrk="1" latinLnBrk="0" hangingPunct="1">
+      <a:defRPr sz="1200" kern="1200">
+        <a:solidFill>
+          <a:schemeClr val="tx1"/>
+        </a:solidFill>
+        <a:latin typeface="+mn-lt"/>
+        <a:ea typeface="+mn-ea"/>
+        <a:cs typeface="+mn-cs"/>
+      </a:defRPr>
+    </a:lvl6pPr>
+    <a:lvl7pPr marL="2743200" algn="l" defTabSz="914400" rtl="0" eaLnBrk="1" latinLnBrk="0" hangingPunct="1">
+      <a:defRPr sz="1200" kern="1200">
+        <a:solidFill>
+          <a:schemeClr val="tx1"/>
+        </a:solidFill>
+        <a:latin typeface="+mn-lt"/>
+        <a:ea typeface="+mn-ea"/>
+        <a:cs typeface="+mn-cs"/>
+      </a:defRPr>
+    </a:lvl7pPr>
+    <a:lvl8pPr marL="3200400" algn="l" defTabSz="914400" rtl="0" eaLnBrk="1" latinLnBrk="0" hangingPunct="1">
+      <a:defRPr sz="1200" kern="1200">
+        <a:solidFill>
+          <a:schemeClr val="tx1"/>
+        </a:solidFill>
+        <a:latin typeface="+mn-lt"/>
+        <a:ea typeface="+mn-ea"/>
+        <a:cs typeface="+mn-cs"/>
+      </a:defRPr>
+    </a:lvl8pPr>
+    <a:lvl9pPr marL="3657600" algn="l" defTabSz="914400" rtl="0" eaLnBrk="1" latinLnBrk="0" hangingPunct="1">
+      <a:defRPr sz="1200" kern="1200">
+        <a:solidFill>
+          <a:schemeClr val="tx1"/>
+        </a:solidFill>
+        <a:latin typeface="+mn-lt"/>
+        <a:ea typeface="+mn-ea"/>
+        <a:cs typeface="+mn-cs"/>
+      </a:defRPr>
+    </a:lvl9pPr>
+  </p:notesStyle>
+</p:notesMaster>
+</file>
+
+<file path=ppt/notesSlides/notesSlide1.xml><?xml version="1.0" encoding="utf-8"?>
+<p:notes xmlns:a="http://schemas.openxmlformats.org/drawingml/2006/main" xmlns:r="http://schemas.openxmlformats.org/officeDocument/2006/relationships" xmlns:p="http://schemas.openxmlformats.org/presentationml/2006/main">
+  <p:cSld>
+    <p:spTree>
+      <p:nvGrpSpPr>
+        <p:cNvPr id="1" name=""/>
+        <p:cNvGrpSpPr/>
+        <p:nvPr/>
+      </p:nvGrpSpPr>
+      <p:grpSpPr>
+        <a:xfrm>
+          <a:off x="0" y="0"/>
+          <a:ext cx="0" cy="0"/>
+          <a:chOff x="0" y="0"/>
+          <a:chExt cx="0" cy="0"/>
+        </a:xfrm>
+      </p:grpSpPr>
+      <p:sp>
+        <p:nvSpPr>
+          <p:cNvPr id="2" name="Espace réservé de l'image des diapositives 1"/>
+          <p:cNvSpPr>
+            <a:spLocks noGrp="1" noRot="1" noChangeAspect="1"/>
+          </p:cNvSpPr>
+          <p:nvPr>
+            <p:ph type="sldImg"/>
+          </p:nvPr>
+        </p:nvSpPr>
+        <p:spPr/>
+      </p:sp>
+      <p:sp>
+        <p:nvSpPr>
+          <p:cNvPr id="3" name="Espace réservé des commentaires 2"/>
+          <p:cNvSpPr>
+            <a:spLocks noGrp="1"/>
+          </p:cNvSpPr>
+          <p:nvPr>
+            <p:ph type="body" idx="1"/>
+          </p:nvPr>
+        </p:nvSpPr>
+        <p:spPr/>
+        <p:txBody>
+          <a:bodyPr/>
+          <a:lstStyle/>
+          <a:p>
+            <a:endParaRPr lang="en-US"/>
+          </a:p>
+        </p:txBody>
+      </p:sp>
+      <p:sp>
+        <p:nvSpPr>
+          <p:cNvPr id="4" name="Espace réservé du numéro de diapositive 3"/>
+          <p:cNvSpPr>
+            <a:spLocks noGrp="1"/>
+          </p:cNvSpPr>
+          <p:nvPr>
+            <p:ph type="sldNum" sz="quarter" idx="10"/>
+          </p:nvPr>
+        </p:nvSpPr>
+        <p:spPr/>
+        <p:txBody>
+          <a:bodyPr/>
+          <a:lstStyle/>
+          <a:p>
+            <a:fld id="{CEC7B2FE-3BAD-407E-AC5A-B51F826AE798}" type="slidenum">
+              <a:rPr lang="en-US" smtClean="0"/>
+              <a:t>1</a:t>
+            </a:fld>
+            <a:endParaRPr lang="en-US"/>
+          </a:p>
+        </p:txBody>
+      </p:sp>
+    </p:spTree>
+    <p:extLst>
+      <p:ext uri="{BB962C8B-B14F-4D97-AF65-F5344CB8AC3E}">
+        <p14:creationId xmlns:p14="http://schemas.microsoft.com/office/powerpoint/2010/main" val="781878985"/>
+      </p:ext>
+    </p:extLst>
+  </p:cSld>
+  <p:clrMapOvr>
+    <a:masterClrMapping/>
+  </p:clrMapOvr>
+</p:notes>
+</file>
+
 <file path=ppt/slideLayouts/slideLayout1.xml><?xml version="1.0" encoding="utf-8"?>
-<p:sldLayout xmlns:a="http://schemas.openxmlformats.org/drawingml/2006/main" xmlns:r="http://schemas.openxmlformats.org/officeDocument/2006/relationships" xmlns:p="http://schemas.openxmlformats.org/presentationml/2006/main" type="title" preserve="1">
+<p:sldLayout xmlns:a="http://schemas.openxmlformats.org/drawingml/2006/main" xmlns:r="http://schemas.openxmlformats.org/officeDocument/2006/relationships" xmlns:p="http://schemas.openxmlformats.org/presentationml/2006/main" showMasterSp="0" type="title" preserve="1">
   <p:cSld name="Diapositive de titre">
     <p:spTree>
       <p:nvGrpSpPr>
@@ -130,58 +575,499 @@
       </p:grpSpPr>
       <p:sp>
         <p:nvSpPr>
-          <p:cNvPr id="2" name="Titre 1"/>
-          <p:cNvSpPr>
-            <a:spLocks noGrp="1"/>
-          </p:cNvSpPr>
-          <p:nvPr>
-            <p:ph type="ctrTitle"/>
-          </p:nvPr>
+          <p:cNvPr id="7" name="Rectangle 6"/>
+          <p:cNvSpPr/>
+          <p:nvPr/>
         </p:nvSpPr>
         <p:spPr>
           <a:xfrm>
-            <a:off x="685800" y="2130425"/>
-            <a:ext cx="7772400" cy="1470025"/>
+            <a:off x="0" y="0"/>
+            <a:ext cx="9144000" cy="6858000"/>
+          </a:xfrm>
+          <a:prstGeom prst="rect">
+            <a:avLst/>
+          </a:prstGeom>
+          <a:solidFill>
+            <a:srgbClr val="FFFFFF"/>
+          </a:solidFill>
+          <a:ln>
+            <a:noFill/>
+          </a:ln>
+        </p:spPr>
+        <p:style>
+          <a:lnRef idx="2">
+            <a:schemeClr val="accent1">
+              <a:shade val="50000"/>
+            </a:schemeClr>
+          </a:lnRef>
+          <a:fillRef idx="1">
+            <a:schemeClr val="accent1"/>
+          </a:fillRef>
+          <a:effectRef idx="0">
+            <a:schemeClr val="accent1"/>
+          </a:effectRef>
+          <a:fontRef idx="minor">
+            <a:schemeClr val="lt1"/>
+          </a:fontRef>
+        </p:style>
+        <p:txBody>
+          <a:bodyPr rtlCol="0" anchor="ctr"/>
+          <a:lstStyle/>
+          <a:p>
+            <a:pPr algn="ctr"/>
+            <a:endParaRPr lang="en-US"/>
+          </a:p>
+        </p:txBody>
+      </p:sp>
+      <p:sp useBgFill="1">
+        <p:nvSpPr>
+          <p:cNvPr id="8" name="Rounded Rectangle 7"/>
+          <p:cNvSpPr/>
+          <p:nvPr/>
+        </p:nvSpPr>
+        <p:spPr>
+          <a:xfrm>
+            <a:off x="91440" y="101600"/>
+            <a:ext cx="8961120" cy="6664960"/>
+          </a:xfrm>
+          <a:prstGeom prst="roundRect">
+            <a:avLst>
+              <a:gd name="adj" fmla="val 1735"/>
+            </a:avLst>
+          </a:prstGeom>
+          <a:ln w="12700" cmpd="sng">
+            <a:noFill/>
+          </a:ln>
+        </p:spPr>
+        <p:style>
+          <a:lnRef idx="2">
+            <a:schemeClr val="accent1">
+              <a:shade val="50000"/>
+            </a:schemeClr>
+          </a:lnRef>
+          <a:fillRef idx="1">
+            <a:schemeClr val="accent1"/>
+          </a:fillRef>
+          <a:effectRef idx="0">
+            <a:schemeClr val="accent1"/>
+          </a:effectRef>
+          <a:fontRef idx="minor">
+            <a:schemeClr val="lt1"/>
+          </a:fontRef>
+        </p:style>
+        <p:txBody>
+          <a:bodyPr rtlCol="0" anchor="ctr"/>
+          <a:lstStyle/>
+          <a:p>
+            <a:pPr algn="ctr"/>
+            <a:endParaRPr lang="en-US"/>
+          </a:p>
+        </p:txBody>
+      </p:sp>
+      <p:sp>
+        <p:nvSpPr>
+          <p:cNvPr id="4" name="Date Placeholder 3"/>
+          <p:cNvSpPr>
+            <a:spLocks noGrp="1"/>
+          </p:cNvSpPr>
+          <p:nvPr>
+            <p:ph type="dt" sz="half" idx="10"/>
+          </p:nvPr>
+        </p:nvSpPr>
+        <p:spPr/>
+        <p:txBody>
+          <a:bodyPr/>
+          <a:lstStyle/>
+          <a:p>
+            <a:fld id="{4855DD1D-A7A4-4661-A85D-2C1E60CFDA35}" type="datetime1">
+              <a:rPr lang="en-US" smtClean="0"/>
+              <a:t>1/25/2015</a:t>
+            </a:fld>
+            <a:endParaRPr lang="en-US"/>
+          </a:p>
+        </p:txBody>
+      </p:sp>
+      <p:sp>
+        <p:nvSpPr>
+          <p:cNvPr id="5" name="Footer Placeholder 4"/>
+          <p:cNvSpPr>
+            <a:spLocks noGrp="1"/>
+          </p:cNvSpPr>
+          <p:nvPr>
+            <p:ph type="ftr" sz="quarter" idx="11"/>
+          </p:nvPr>
+        </p:nvSpPr>
+        <p:spPr/>
+        <p:txBody>
+          <a:bodyPr/>
+          <a:lstStyle/>
+          <a:p>
+            <a:r>
+              <a:rPr lang="fr-FR" smtClean="0"/>
+              <a:t>INSA de Rennes - Projet 5 Info/EII</a:t>
+            </a:r>
+            <a:endParaRPr lang="en-US"/>
+          </a:p>
+        </p:txBody>
+      </p:sp>
+      <p:sp>
+        <p:nvSpPr>
+          <p:cNvPr id="9" name="Rectangle 8"/>
+          <p:cNvSpPr/>
+          <p:nvPr/>
+        </p:nvSpPr>
+        <p:spPr>
+          <a:xfrm>
+            <a:off x="345440" y="2060848"/>
+            <a:ext cx="7147931" cy="2463800"/>
+          </a:xfrm>
+          <a:prstGeom prst="rect">
+            <a:avLst/>
+          </a:prstGeom>
+          <a:solidFill>
+            <a:srgbClr val="FFFFFF">
+              <a:alpha val="83000"/>
+            </a:srgbClr>
+          </a:solidFill>
+          <a:ln>
+            <a:noFill/>
+          </a:ln>
+          <a:effectLst>
+            <a:softEdge rad="12700"/>
+          </a:effectLst>
+        </p:spPr>
+        <p:style>
+          <a:lnRef idx="2">
+            <a:schemeClr val="accent1">
+              <a:shade val="50000"/>
+            </a:schemeClr>
+          </a:lnRef>
+          <a:fillRef idx="1">
+            <a:schemeClr val="accent1"/>
+          </a:fillRef>
+          <a:effectRef idx="0">
+            <a:schemeClr val="accent1"/>
+          </a:effectRef>
+          <a:fontRef idx="minor">
+            <a:schemeClr val="lt1"/>
+          </a:fontRef>
+        </p:style>
+        <p:txBody>
+          <a:bodyPr rtlCol="0" anchor="ctr"/>
+          <a:lstStyle/>
+          <a:p>
+            <a:pPr algn="ctr"/>
+            <a:endParaRPr lang="en-US"/>
+          </a:p>
+        </p:txBody>
+      </p:sp>
+      <p:sp>
+        <p:nvSpPr>
+          <p:cNvPr id="12" name="Rectangle 11"/>
+          <p:cNvSpPr/>
+          <p:nvPr/>
+        </p:nvSpPr>
+        <p:spPr>
+          <a:xfrm>
+            <a:off x="7572652" y="2062880"/>
+            <a:ext cx="1190348" cy="2459736"/>
+          </a:xfrm>
+          <a:prstGeom prst="rect">
+            <a:avLst/>
+          </a:prstGeom>
+          <a:solidFill>
+            <a:srgbClr val="FFFFFF">
+              <a:alpha val="83000"/>
+            </a:srgbClr>
+          </a:solidFill>
+          <a:ln>
+            <a:noFill/>
+          </a:ln>
+          <a:effectLst>
+            <a:softEdge rad="12700"/>
+          </a:effectLst>
+        </p:spPr>
+        <p:style>
+          <a:lnRef idx="2">
+            <a:schemeClr val="accent1">
+              <a:shade val="50000"/>
+            </a:schemeClr>
+          </a:lnRef>
+          <a:fillRef idx="1">
+            <a:schemeClr val="accent1"/>
+          </a:fillRef>
+          <a:effectRef idx="0">
+            <a:schemeClr val="accent1"/>
+          </a:effectRef>
+          <a:fontRef idx="minor">
+            <a:schemeClr val="lt1"/>
+          </a:fontRef>
+        </p:style>
+        <p:txBody>
+          <a:bodyPr rtlCol="0" anchor="ctr"/>
+          <a:lstStyle/>
+          <a:p>
+            <a:pPr algn="ctr"/>
+            <a:endParaRPr lang="en-US"/>
+          </a:p>
+        </p:txBody>
+      </p:sp>
+      <p:sp>
+        <p:nvSpPr>
+          <p:cNvPr id="13" name="Rectangle 12"/>
+          <p:cNvSpPr/>
+          <p:nvPr/>
+        </p:nvSpPr>
+        <p:spPr>
+          <a:xfrm>
+            <a:off x="7712714" y="2254904"/>
+            <a:ext cx="910224" cy="2075688"/>
+          </a:xfrm>
+          <a:prstGeom prst="rect">
+            <a:avLst/>
+          </a:prstGeom>
+          <a:solidFill>
+            <a:schemeClr val="accent3">
+              <a:alpha val="70000"/>
+            </a:schemeClr>
+          </a:solidFill>
+          <a:ln w="6350">
+            <a:solidFill>
+              <a:schemeClr val="accent1">
+                <a:lumMod val="75000"/>
+              </a:schemeClr>
+            </a:solidFill>
+          </a:ln>
+        </p:spPr>
+        <p:style>
+          <a:lnRef idx="2">
+            <a:schemeClr val="accent1">
+              <a:shade val="50000"/>
+            </a:schemeClr>
+          </a:lnRef>
+          <a:fillRef idx="1">
+            <a:schemeClr val="accent1"/>
+          </a:fillRef>
+          <a:effectRef idx="0">
+            <a:schemeClr val="accent1"/>
+          </a:effectRef>
+          <a:fontRef idx="minor">
+            <a:schemeClr val="lt1"/>
+          </a:fontRef>
+        </p:style>
+        <p:txBody>
+          <a:bodyPr rtlCol="0" anchor="ctr"/>
+          <a:lstStyle/>
+          <a:p>
+            <a:pPr algn="ctr"/>
+            <a:endParaRPr lang="en-US"/>
+          </a:p>
+        </p:txBody>
+      </p:sp>
+      <p:sp>
+        <p:nvSpPr>
+          <p:cNvPr id="14" name="Rectangle 13"/>
+          <p:cNvSpPr/>
+          <p:nvPr/>
+        </p:nvSpPr>
+        <p:spPr>
+          <a:xfrm>
+            <a:off x="445483" y="2173867"/>
+            <a:ext cx="6947845" cy="2245359"/>
+          </a:xfrm>
+          <a:prstGeom prst="rect">
+            <a:avLst/>
+          </a:prstGeom>
+          <a:solidFill>
+            <a:srgbClr val="FFFFFF"/>
+          </a:solidFill>
+          <a:ln w="6350" cmpd="dbl">
+            <a:noFill/>
+          </a:ln>
+        </p:spPr>
+        <p:style>
+          <a:lnRef idx="2">
+            <a:schemeClr val="accent1">
+              <a:shade val="50000"/>
+            </a:schemeClr>
+          </a:lnRef>
+          <a:fillRef idx="1">
+            <a:schemeClr val="accent1"/>
+          </a:fillRef>
+          <a:effectRef idx="0">
+            <a:schemeClr val="accent1"/>
+          </a:effectRef>
+          <a:fontRef idx="minor">
+            <a:schemeClr val="lt1"/>
+          </a:fontRef>
+        </p:style>
+        <p:txBody>
+          <a:bodyPr rtlCol="0" anchor="ctr"/>
+          <a:lstStyle/>
+          <a:p>
+            <a:pPr algn="ctr"/>
+            <a:endParaRPr lang="en-US"/>
+          </a:p>
+        </p:txBody>
+      </p:sp>
+      <p:sp>
+        <p:nvSpPr>
+          <p:cNvPr id="6" name="Slide Number Placeholder 5"/>
+          <p:cNvSpPr>
+            <a:spLocks noGrp="1"/>
+          </p:cNvSpPr>
+          <p:nvPr>
+            <p:ph type="sldNum" sz="quarter" idx="12"/>
+          </p:nvPr>
+        </p:nvSpPr>
+        <p:spPr>
+          <a:xfrm>
+            <a:off x="7786826" y="3743514"/>
+            <a:ext cx="762000" cy="457200"/>
           </a:xfrm>
         </p:spPr>
         <p:txBody>
           <a:bodyPr/>
-          <a:lstStyle/>
-          <a:p>
-            <a:r>
-              <a:rPr lang="fr-FR" smtClean="0"/>
-              <a:t>Modifiez le style du titre</a:t>
-            </a:r>
-            <a:endParaRPr lang="en-US"/>
-          </a:p>
-        </p:txBody>
-      </p:sp>
-      <p:sp>
-        <p:nvSpPr>
-          <p:cNvPr id="3" name="Sous-titre 2"/>
-          <p:cNvSpPr>
-            <a:spLocks noGrp="1"/>
-          </p:cNvSpPr>
-          <p:nvPr>
-            <p:ph type="subTitle" idx="1"/>
-          </p:nvPr>
+          <a:lstStyle>
+            <a:lvl1pPr algn="ctr">
+              <a:defRPr sz="2800">
+                <a:solidFill>
+                  <a:schemeClr val="accent1">
+                    <a:lumMod val="50000"/>
+                  </a:schemeClr>
+                </a:solidFill>
+              </a:defRPr>
+            </a:lvl1pPr>
+          </a:lstStyle>
+          <a:p>
+            <a:fld id="{B7A829E3-38C6-4CB0-9AAB-6DF7D752CC12}" type="slidenum">
+              <a:rPr lang="en-US" smtClean="0"/>
+              <a:t>‹N°›</a:t>
+            </a:fld>
+            <a:endParaRPr lang="en-US" dirty="0"/>
+          </a:p>
+        </p:txBody>
+      </p:sp>
+      <p:sp>
+        <p:nvSpPr>
+          <p:cNvPr id="11" name="Rectangle 10"/>
+          <p:cNvSpPr/>
+          <p:nvPr/>
         </p:nvSpPr>
         <p:spPr>
           <a:xfrm>
-            <a:off x="1371600" y="3886200"/>
-            <a:ext cx="6400800" cy="1752600"/>
+            <a:off x="541822" y="3677522"/>
+            <a:ext cx="6755166" cy="664367"/>
+          </a:xfrm>
+          <a:prstGeom prst="rect">
+            <a:avLst/>
+          </a:prstGeom>
+          <a:solidFill>
+            <a:schemeClr val="accent1"/>
+          </a:solidFill>
+          <a:ln w="6350">
+            <a:noFill/>
+          </a:ln>
+        </p:spPr>
+        <p:style>
+          <a:lnRef idx="2">
+            <a:schemeClr val="accent1">
+              <a:shade val="50000"/>
+            </a:schemeClr>
+          </a:lnRef>
+          <a:fillRef idx="1">
+            <a:schemeClr val="accent1"/>
+          </a:fillRef>
+          <a:effectRef idx="0">
+            <a:schemeClr val="accent1"/>
+          </a:effectRef>
+          <a:fontRef idx="minor">
+            <a:schemeClr val="lt1"/>
+          </a:fontRef>
+        </p:style>
+        <p:txBody>
+          <a:bodyPr rtlCol="0" anchor="ctr"/>
+          <a:lstStyle/>
+          <a:p>
+            <a:pPr algn="ctr"/>
+            <a:endParaRPr lang="en-US"/>
+          </a:p>
+        </p:txBody>
+      </p:sp>
+      <p:sp>
+        <p:nvSpPr>
+          <p:cNvPr id="10" name="Rectangle 9"/>
+          <p:cNvSpPr/>
+          <p:nvPr/>
+        </p:nvSpPr>
+        <p:spPr>
+          <a:xfrm>
+            <a:off x="538971" y="2257686"/>
+            <a:ext cx="6760868" cy="2077720"/>
+          </a:xfrm>
+          <a:prstGeom prst="rect">
+            <a:avLst/>
+          </a:prstGeom>
+          <a:noFill/>
+          <a:ln w="6350" cmpd="dbl">
+            <a:solidFill>
+              <a:schemeClr val="accent1">
+                <a:lumMod val="75000"/>
+              </a:schemeClr>
+            </a:solidFill>
+          </a:ln>
+        </p:spPr>
+        <p:style>
+          <a:lnRef idx="2">
+            <a:schemeClr val="accent1">
+              <a:shade val="50000"/>
+            </a:schemeClr>
+          </a:lnRef>
+          <a:fillRef idx="1">
+            <a:schemeClr val="accent1"/>
+          </a:fillRef>
+          <a:effectRef idx="0">
+            <a:schemeClr val="accent1"/>
+          </a:effectRef>
+          <a:fontRef idx="minor">
+            <a:schemeClr val="lt1"/>
+          </a:fontRef>
+        </p:style>
+        <p:txBody>
+          <a:bodyPr rtlCol="0" anchor="ctr"/>
+          <a:lstStyle/>
+          <a:p>
+            <a:pPr algn="ctr"/>
+            <a:endParaRPr lang="en-US"/>
+          </a:p>
+        </p:txBody>
+      </p:sp>
+      <p:sp>
+        <p:nvSpPr>
+          <p:cNvPr id="3" name="Subtitle 2"/>
+          <p:cNvSpPr>
+            <a:spLocks noGrp="1"/>
+          </p:cNvSpPr>
+          <p:nvPr>
+            <p:ph type="subTitle" idx="1"/>
+          </p:nvPr>
+        </p:nvSpPr>
+        <p:spPr>
+          <a:xfrm>
+            <a:off x="642805" y="3766446"/>
+            <a:ext cx="6553200" cy="457200"/>
           </a:xfrm>
         </p:spPr>
         <p:txBody>
-          <a:bodyPr/>
+          <a:bodyPr>
+            <a:normAutofit/>
+          </a:bodyPr>
           <a:lstStyle>
             <a:lvl1pPr marL="0" indent="0" algn="ctr">
               <a:buNone/>
-              <a:defRPr>
+              <a:defRPr sz="1800" cap="all" spc="300" baseline="0">
                 <a:solidFill>
-                  <a:schemeClr val="tx1">
-                    <a:tint val="75000"/>
-                  </a:schemeClr>
+                  <a:srgbClr val="FFFFFF"/>
                 </a:solidFill>
               </a:defRPr>
             </a:lvl1pPr>
@@ -271,85 +1157,62 @@
               <a:rPr lang="fr-FR" smtClean="0"/>
               <a:t>Modifiez le style des sous-titres du masque</a:t>
             </a:r>
-            <a:endParaRPr lang="en-US"/>
-          </a:p>
-        </p:txBody>
-      </p:sp>
-      <p:sp>
-        <p:nvSpPr>
-          <p:cNvPr id="4" name="Espace réservé de la date 3"/>
-          <p:cNvSpPr>
-            <a:spLocks noGrp="1"/>
-          </p:cNvSpPr>
-          <p:nvPr>
-            <p:ph type="dt" sz="half" idx="10"/>
-          </p:nvPr>
-        </p:nvSpPr>
-        <p:spPr/>
-        <p:txBody>
-          <a:bodyPr/>
-          <a:lstStyle/>
-          <a:p>
-            <a:fld id="{129D1520-23EB-4C9E-B686-D110DC775BB8}" type="datetimeFigureOut">
-              <a:rPr lang="en-US" smtClean="0"/>
-              <a:t>1/25/2015</a:t>
-            </a:fld>
-            <a:endParaRPr lang="en-US"/>
-          </a:p>
-        </p:txBody>
-      </p:sp>
-      <p:sp>
-        <p:nvSpPr>
-          <p:cNvPr id="5" name="Espace réservé du pied de page 4"/>
-          <p:cNvSpPr>
-            <a:spLocks noGrp="1"/>
-          </p:cNvSpPr>
-          <p:nvPr>
-            <p:ph type="ftr" sz="quarter" idx="11"/>
-          </p:nvPr>
-        </p:nvSpPr>
-        <p:spPr/>
-        <p:txBody>
-          <a:bodyPr/>
-          <a:lstStyle/>
-          <a:p>
-            <a:endParaRPr lang="en-US"/>
-          </a:p>
-        </p:txBody>
-      </p:sp>
-      <p:sp>
-        <p:nvSpPr>
-          <p:cNvPr id="6" name="Espace réservé du numéro de diapositive 5"/>
-          <p:cNvSpPr>
-            <a:spLocks noGrp="1"/>
-          </p:cNvSpPr>
-          <p:nvPr>
-            <p:ph type="sldNum" sz="quarter" idx="12"/>
-          </p:nvPr>
-        </p:nvSpPr>
-        <p:spPr/>
-        <p:txBody>
-          <a:bodyPr/>
-          <a:lstStyle/>
-          <a:p>
-            <a:fld id="{B7A829E3-38C6-4CB0-9AAB-6DF7D752CC12}" type="slidenum">
-              <a:rPr lang="en-US" smtClean="0"/>
-              <a:t>‹N°›</a:t>
-            </a:fld>
-            <a:endParaRPr lang="en-US"/>
+            <a:endParaRPr lang="en-US" dirty="0"/>
+          </a:p>
+        </p:txBody>
+      </p:sp>
+      <p:sp>
+        <p:nvSpPr>
+          <p:cNvPr id="2" name="Title 1"/>
+          <p:cNvSpPr>
+            <a:spLocks noGrp="1"/>
+          </p:cNvSpPr>
+          <p:nvPr>
+            <p:ph type="ctrTitle"/>
+          </p:nvPr>
+        </p:nvSpPr>
+        <p:spPr>
+          <a:xfrm>
+            <a:off x="604705" y="2345279"/>
+            <a:ext cx="6629400" cy="1219201"/>
+          </a:xfrm>
+        </p:spPr>
+        <p:txBody>
+          <a:bodyPr anchor="b" anchorCtr="0">
+            <a:noAutofit/>
+          </a:bodyPr>
+          <a:lstStyle>
+            <a:lvl1pPr>
+              <a:defRPr sz="4000">
+                <a:solidFill>
+                  <a:schemeClr val="accent1">
+                    <a:lumMod val="50000"/>
+                  </a:schemeClr>
+                </a:solidFill>
+              </a:defRPr>
+            </a:lvl1pPr>
+          </a:lstStyle>
+          <a:p>
+            <a:r>
+              <a:rPr lang="fr-FR" smtClean="0"/>
+              <a:t>Modifiez le style du titre</a:t>
+            </a:r>
+            <a:endParaRPr lang="en-US" dirty="0"/>
           </a:p>
         </p:txBody>
       </p:sp>
     </p:spTree>
-    <p:extLst>
-      <p:ext uri="{BB962C8B-B14F-4D97-AF65-F5344CB8AC3E}">
-        <p14:creationId xmlns:p14="http://schemas.microsoft.com/office/powerpoint/2010/main" val="2094714984"/>
-      </p:ext>
-    </p:extLst>
   </p:cSld>
   <p:clrMapOvr>
     <a:masterClrMapping/>
   </p:clrMapOvr>
+  <p:timing>
+    <p:tnLst>
+      <p:par>
+        <p:cTn id="1" dur="indefinite" restart="never" nodeType="tmRoot"/>
+      </p:par>
+    </p:tnLst>
+  </p:timing>
 </p:sldLayout>
 </file>
 
@@ -372,7 +1235,7 @@
       </p:grpSpPr>
       <p:sp>
         <p:nvSpPr>
-          <p:cNvPr id="2" name="Titre 1"/>
+          <p:cNvPr id="2" name="Title 1"/>
           <p:cNvSpPr>
             <a:spLocks noGrp="1"/>
           </p:cNvSpPr>
@@ -395,7 +1258,7 @@
       </p:sp>
       <p:sp>
         <p:nvSpPr>
-          <p:cNvPr id="3" name="Espace réservé du texte vertical 2"/>
+          <p:cNvPr id="3" name="Vertical Text Placeholder 2"/>
           <p:cNvSpPr>
             <a:spLocks noGrp="1"/>
           </p:cNvSpPr>
@@ -447,7 +1310,7 @@
       </p:sp>
       <p:sp>
         <p:nvSpPr>
-          <p:cNvPr id="4" name="Espace réservé de la date 3"/>
+          <p:cNvPr id="4" name="Date Placeholder 3"/>
           <p:cNvSpPr>
             <a:spLocks noGrp="1"/>
           </p:cNvSpPr>
@@ -460,7 +1323,7 @@
           <a:bodyPr/>
           <a:lstStyle/>
           <a:p>
-            <a:fld id="{129D1520-23EB-4C9E-B686-D110DC775BB8}" type="datetimeFigureOut">
+            <a:fld id="{B8FECBF3-D68E-4BDF-AC32-361EAD887DBC}" type="datetime1">
               <a:rPr lang="en-US" smtClean="0"/>
               <a:t>1/25/2015</a:t>
             </a:fld>
@@ -470,7 +1333,7 @@
       </p:sp>
       <p:sp>
         <p:nvSpPr>
-          <p:cNvPr id="5" name="Espace réservé du pied de page 4"/>
+          <p:cNvPr id="5" name="Footer Placeholder 4"/>
           <p:cNvSpPr>
             <a:spLocks noGrp="1"/>
           </p:cNvSpPr>
@@ -483,13 +1346,17 @@
           <a:bodyPr/>
           <a:lstStyle/>
           <a:p>
-            <a:endParaRPr lang="en-US"/>
-          </a:p>
-        </p:txBody>
-      </p:sp>
-      <p:sp>
-        <p:nvSpPr>
-          <p:cNvPr id="6" name="Espace réservé du numéro de diapositive 5"/>
+            <a:r>
+              <a:rPr lang="fr-FR" smtClean="0"/>
+              <a:t>INSA de Rennes - Projet 5 Info/EII</a:t>
+            </a:r>
+            <a:endParaRPr lang="en-US"/>
+          </a:p>
+        </p:txBody>
+      </p:sp>
+      <p:sp>
+        <p:nvSpPr>
+          <p:cNvPr id="6" name="Slide Number Placeholder 5"/>
           <p:cNvSpPr>
             <a:spLocks noGrp="1"/>
           </p:cNvSpPr>
@@ -511,11 +1378,6 @@
         </p:txBody>
       </p:sp>
     </p:spTree>
-    <p:extLst>
-      <p:ext uri="{BB962C8B-B14F-4D97-AF65-F5344CB8AC3E}">
-        <p14:creationId xmlns:p14="http://schemas.microsoft.com/office/powerpoint/2010/main" val="938485006"/>
-      </p:ext>
-    </p:extLst>
   </p:cSld>
   <p:clrMapOvr>
     <a:masterClrMapping/>
@@ -524,7 +1386,7 @@
 </file>
 
 <file path=ppt/slideLayouts/slideLayout11.xml><?xml version="1.0" encoding="utf-8"?>
-<p:sldLayout xmlns:a="http://schemas.openxmlformats.org/drawingml/2006/main" xmlns:r="http://schemas.openxmlformats.org/officeDocument/2006/relationships" xmlns:p="http://schemas.openxmlformats.org/presentationml/2006/main" type="vertTitleAndTx" preserve="1">
+<p:sldLayout xmlns:a="http://schemas.openxmlformats.org/drawingml/2006/main" xmlns:r="http://schemas.openxmlformats.org/officeDocument/2006/relationships" xmlns:p="http://schemas.openxmlformats.org/presentationml/2006/main" showMasterSp="0" type="vertTitleAndTx" preserve="1">
   <p:cSld name="Titre vertical et texte">
     <p:spTree>
       <p:nvGrpSpPr>
@@ -542,18 +1404,120 @@
       </p:grpSpPr>
       <p:sp>
         <p:nvSpPr>
-          <p:cNvPr id="2" name="Titre vertical 1"/>
-          <p:cNvSpPr>
-            <a:spLocks noGrp="1"/>
-          </p:cNvSpPr>
-          <p:nvPr>
-            <p:ph type="title" orient="vert"/>
-          </p:nvPr>
+          <p:cNvPr id="7" name="Rectangle 6"/>
+          <p:cNvSpPr/>
+          <p:nvPr/>
         </p:nvSpPr>
         <p:spPr>
           <a:xfrm>
-            <a:off x="6629400" y="274638"/>
-            <a:ext cx="2057400" cy="5851525"/>
+            <a:off x="6861702" y="228600"/>
+            <a:ext cx="1859280" cy="6122634"/>
+          </a:xfrm>
+          <a:prstGeom prst="rect">
+            <a:avLst/>
+          </a:prstGeom>
+          <a:solidFill>
+            <a:srgbClr val="FFFFFF">
+              <a:alpha val="85000"/>
+            </a:srgbClr>
+          </a:solidFill>
+          <a:ln>
+            <a:noFill/>
+          </a:ln>
+          <a:effectLst/>
+        </p:spPr>
+        <p:style>
+          <a:lnRef idx="2">
+            <a:schemeClr val="accent1">
+              <a:shade val="50000"/>
+            </a:schemeClr>
+          </a:lnRef>
+          <a:fillRef idx="1">
+            <a:schemeClr val="accent1"/>
+          </a:fillRef>
+          <a:effectRef idx="0">
+            <a:schemeClr val="accent1"/>
+          </a:effectRef>
+          <a:fontRef idx="minor">
+            <a:schemeClr val="lt1"/>
+          </a:fontRef>
+        </p:style>
+        <p:txBody>
+          <a:bodyPr rtlCol="0" anchor="ctr"/>
+          <a:lstStyle/>
+          <a:p>
+            <a:pPr marL="0" algn="ctr" defTabSz="914400" rtl="0" eaLnBrk="1" latinLnBrk="0" hangingPunct="1"/>
+            <a:endParaRPr lang="en-US" sz="1800" kern="1200">
+              <a:solidFill>
+                <a:schemeClr val="lt1"/>
+              </a:solidFill>
+              <a:latin typeface="+mn-lt"/>
+              <a:ea typeface="+mn-ea"/>
+              <a:cs typeface="+mn-cs"/>
+            </a:endParaRPr>
+          </a:p>
+        </p:txBody>
+      </p:sp>
+      <p:sp>
+        <p:nvSpPr>
+          <p:cNvPr id="8" name="Rectangle 7"/>
+          <p:cNvSpPr/>
+          <p:nvPr/>
+        </p:nvSpPr>
+        <p:spPr>
+          <a:xfrm>
+            <a:off x="6955225" y="351409"/>
+            <a:ext cx="1672235" cy="5877017"/>
+          </a:xfrm>
+          <a:prstGeom prst="rect">
+            <a:avLst/>
+          </a:prstGeom>
+          <a:solidFill>
+            <a:srgbClr val="FFFFFF"/>
+          </a:solidFill>
+          <a:ln w="6350">
+            <a:noFill/>
+          </a:ln>
+        </p:spPr>
+        <p:style>
+          <a:lnRef idx="2">
+            <a:schemeClr val="accent1">
+              <a:shade val="50000"/>
+            </a:schemeClr>
+          </a:lnRef>
+          <a:fillRef idx="1">
+            <a:schemeClr val="accent1"/>
+          </a:fillRef>
+          <a:effectRef idx="0">
+            <a:schemeClr val="accent1"/>
+          </a:effectRef>
+          <a:fontRef idx="minor">
+            <a:schemeClr val="lt1"/>
+          </a:fontRef>
+        </p:style>
+        <p:txBody>
+          <a:bodyPr rtlCol="0" anchor="ctr"/>
+          <a:lstStyle/>
+          <a:p>
+            <a:pPr algn="ctr"/>
+            <a:endParaRPr lang="en-US"/>
+          </a:p>
+        </p:txBody>
+      </p:sp>
+      <p:sp>
+        <p:nvSpPr>
+          <p:cNvPr id="2" name="Vertical Title 1"/>
+          <p:cNvSpPr>
+            <a:spLocks noGrp="1"/>
+          </p:cNvSpPr>
+          <p:nvPr>
+            <p:ph type="title" orient="vert"/>
+          </p:nvPr>
+        </p:nvSpPr>
+        <p:spPr>
+          <a:xfrm>
+            <a:off x="7048577" y="395427"/>
+            <a:ext cx="1485531" cy="5788981"/>
           </a:xfrm>
         </p:spPr>
         <p:txBody>
@@ -564,13 +1528,13 @@
               <a:rPr lang="fr-FR" smtClean="0"/>
               <a:t>Modifiez le style du titre</a:t>
             </a:r>
-            <a:endParaRPr lang="en-US"/>
-          </a:p>
-        </p:txBody>
-      </p:sp>
-      <p:sp>
-        <p:nvSpPr>
-          <p:cNvPr id="3" name="Espace réservé du texte vertical 2"/>
+            <a:endParaRPr lang="en-US" dirty="0"/>
+          </a:p>
+        </p:txBody>
+      </p:sp>
+      <p:sp>
+        <p:nvSpPr>
+          <p:cNvPr id="3" name="Vertical Text Placeholder 2"/>
           <p:cNvSpPr>
             <a:spLocks noGrp="1"/>
           </p:cNvSpPr>
@@ -580,8 +1544,8 @@
         </p:nvSpPr>
         <p:spPr>
           <a:xfrm>
-            <a:off x="457200" y="274638"/>
-            <a:ext cx="6019800" cy="5851525"/>
+            <a:off x="457200" y="380999"/>
+            <a:ext cx="6172200" cy="5791201"/>
           </a:xfrm>
         </p:spPr>
         <p:txBody>
@@ -621,13 +1585,13 @@
               <a:rPr lang="fr-FR" smtClean="0"/>
               <a:t>Cinquième niveau</a:t>
             </a:r>
-            <a:endParaRPr lang="en-US"/>
-          </a:p>
-        </p:txBody>
-      </p:sp>
-      <p:sp>
-        <p:nvSpPr>
-          <p:cNvPr id="4" name="Espace réservé de la date 3"/>
+            <a:endParaRPr lang="en-US" dirty="0"/>
+          </a:p>
+        </p:txBody>
+      </p:sp>
+      <p:sp>
+        <p:nvSpPr>
+          <p:cNvPr id="4" name="Date Placeholder 3"/>
           <p:cNvSpPr>
             <a:spLocks noGrp="1"/>
           </p:cNvSpPr>
@@ -640,7 +1604,7 @@
           <a:bodyPr/>
           <a:lstStyle/>
           <a:p>
-            <a:fld id="{129D1520-23EB-4C9E-B686-D110DC775BB8}" type="datetimeFigureOut">
+            <a:fld id="{B1D4257E-FBDC-4BD0-A762-18691614C1E2}" type="datetime1">
               <a:rPr lang="en-US" smtClean="0"/>
               <a:t>1/25/2015</a:t>
             </a:fld>
@@ -650,7 +1614,7 @@
       </p:sp>
       <p:sp>
         <p:nvSpPr>
-          <p:cNvPr id="5" name="Espace réservé du pied de page 4"/>
+          <p:cNvPr id="5" name="Footer Placeholder 4"/>
           <p:cNvSpPr>
             <a:spLocks noGrp="1"/>
           </p:cNvSpPr>
@@ -663,13 +1627,17 @@
           <a:bodyPr/>
           <a:lstStyle/>
           <a:p>
-            <a:endParaRPr lang="en-US"/>
-          </a:p>
-        </p:txBody>
-      </p:sp>
-      <p:sp>
-        <p:nvSpPr>
-          <p:cNvPr id="6" name="Espace réservé du numéro de diapositive 5"/>
+            <a:r>
+              <a:rPr lang="fr-FR" smtClean="0"/>
+              <a:t>INSA de Rennes - Projet 5 Info/EII</a:t>
+            </a:r>
+            <a:endParaRPr lang="en-US"/>
+          </a:p>
+        </p:txBody>
+      </p:sp>
+      <p:sp>
+        <p:nvSpPr>
+          <p:cNvPr id="6" name="Slide Number Placeholder 5"/>
           <p:cNvSpPr>
             <a:spLocks noGrp="1"/>
           </p:cNvSpPr>
@@ -691,11 +1659,6 @@
         </p:txBody>
       </p:sp>
     </p:spTree>
-    <p:extLst>
-      <p:ext uri="{BB962C8B-B14F-4D97-AF65-F5344CB8AC3E}">
-        <p14:creationId xmlns:p14="http://schemas.microsoft.com/office/powerpoint/2010/main" val="1343831166"/>
-      </p:ext>
-    </p:extLst>
   </p:cSld>
   <p:clrMapOvr>
     <a:masterClrMapping/>
@@ -722,7 +1685,7 @@
       </p:grpSpPr>
       <p:sp>
         <p:nvSpPr>
-          <p:cNvPr id="2" name="Titre 1"/>
+          <p:cNvPr id="2" name="Title 1"/>
           <p:cNvSpPr>
             <a:spLocks noGrp="1"/>
           </p:cNvSpPr>
@@ -745,7 +1708,7 @@
       </p:sp>
       <p:sp>
         <p:nvSpPr>
-          <p:cNvPr id="3" name="Espace réservé du contenu 2"/>
+          <p:cNvPr id="3" name="Content Placeholder 2"/>
           <p:cNvSpPr>
             <a:spLocks noGrp="1"/>
           </p:cNvSpPr>
@@ -797,7 +1760,7 @@
       </p:sp>
       <p:sp>
         <p:nvSpPr>
-          <p:cNvPr id="4" name="Espace réservé de la date 3"/>
+          <p:cNvPr id="4" name="Date Placeholder 3"/>
           <p:cNvSpPr>
             <a:spLocks noGrp="1"/>
           </p:cNvSpPr>
@@ -810,7 +1773,7 @@
           <a:bodyPr/>
           <a:lstStyle/>
           <a:p>
-            <a:fld id="{129D1520-23EB-4C9E-B686-D110DC775BB8}" type="datetimeFigureOut">
+            <a:fld id="{6EBC5AF1-2798-4883-9BF4-69A5875AB82F}" type="datetime1">
               <a:rPr lang="en-US" smtClean="0"/>
               <a:t>1/25/2015</a:t>
             </a:fld>
@@ -820,7 +1783,7 @@
       </p:sp>
       <p:sp>
         <p:nvSpPr>
-          <p:cNvPr id="5" name="Espace réservé du pied de page 4"/>
+          <p:cNvPr id="5" name="Footer Placeholder 4"/>
           <p:cNvSpPr>
             <a:spLocks noGrp="1"/>
           </p:cNvSpPr>
@@ -833,13 +1796,17 @@
           <a:bodyPr/>
           <a:lstStyle/>
           <a:p>
-            <a:endParaRPr lang="en-US"/>
-          </a:p>
-        </p:txBody>
-      </p:sp>
-      <p:sp>
-        <p:nvSpPr>
-          <p:cNvPr id="6" name="Espace réservé du numéro de diapositive 5"/>
+            <a:r>
+              <a:rPr lang="fr-FR" smtClean="0"/>
+              <a:t>INSA de Rennes - Projet 5 Info/EII</a:t>
+            </a:r>
+            <a:endParaRPr lang="en-US"/>
+          </a:p>
+        </p:txBody>
+      </p:sp>
+      <p:sp>
+        <p:nvSpPr>
+          <p:cNvPr id="6" name="Slide Number Placeholder 5"/>
           <p:cNvSpPr>
             <a:spLocks noGrp="1"/>
           </p:cNvSpPr>
@@ -861,20 +1828,22 @@
         </p:txBody>
       </p:sp>
     </p:spTree>
-    <p:extLst>
-      <p:ext uri="{BB962C8B-B14F-4D97-AF65-F5344CB8AC3E}">
-        <p14:creationId xmlns:p14="http://schemas.microsoft.com/office/powerpoint/2010/main" val="1614950534"/>
-      </p:ext>
-    </p:extLst>
   </p:cSld>
   <p:clrMapOvr>
     <a:masterClrMapping/>
   </p:clrMapOvr>
+  <p:timing>
+    <p:tnLst>
+      <p:par>
+        <p:cTn id="1" dur="indefinite" restart="never" nodeType="tmRoot"/>
+      </p:par>
+    </p:tnLst>
+  </p:timing>
 </p:sldLayout>
 </file>
 
 <file path=ppt/slideLayouts/slideLayout3.xml><?xml version="1.0" encoding="utf-8"?>
-<p:sldLayout xmlns:a="http://schemas.openxmlformats.org/drawingml/2006/main" xmlns:r="http://schemas.openxmlformats.org/officeDocument/2006/relationships" xmlns:p="http://schemas.openxmlformats.org/presentationml/2006/main" type="secHead" preserve="1">
+<p:sldLayout xmlns:a="http://schemas.openxmlformats.org/drawingml/2006/main" xmlns:r="http://schemas.openxmlformats.org/officeDocument/2006/relationships" xmlns:p="http://schemas.openxmlformats.org/presentationml/2006/main" showMasterSp="0" preserve="1" userDrawn="1">
   <p:cSld name="Titre de section">
     <p:spTree>
       <p:nvGrpSpPr>
@@ -892,158 +1861,98 @@
       </p:grpSpPr>
       <p:sp>
         <p:nvSpPr>
-          <p:cNvPr id="2" name="Titre 1"/>
-          <p:cNvSpPr>
-            <a:spLocks noGrp="1"/>
-          </p:cNvSpPr>
-          <p:nvPr>
-            <p:ph type="title"/>
-          </p:nvPr>
+          <p:cNvPr id="7" name="Rectangle 6"/>
+          <p:cNvSpPr/>
+          <p:nvPr/>
         </p:nvSpPr>
         <p:spPr>
           <a:xfrm>
-            <a:off x="722313" y="4406900"/>
-            <a:ext cx="7772400" cy="1362075"/>
+            <a:off x="0" y="0"/>
+            <a:ext cx="9144000" cy="6858000"/>
           </a:xfrm>
+          <a:prstGeom prst="rect">
+            <a:avLst/>
+          </a:prstGeom>
+          <a:solidFill>
+            <a:srgbClr val="FFFFFF"/>
+          </a:solidFill>
+          <a:ln>
+            <a:noFill/>
+          </a:ln>
         </p:spPr>
-        <p:txBody>
-          <a:bodyPr anchor="t"/>
-          <a:lstStyle>
-            <a:lvl1pPr algn="l">
-              <a:defRPr sz="4000" b="1" cap="all"/>
-            </a:lvl1pPr>
-          </a:lstStyle>
-          <a:p>
-            <a:r>
-              <a:rPr lang="fr-FR" smtClean="0"/>
-              <a:t>Modifiez le style du titre</a:t>
-            </a:r>
-            <a:endParaRPr lang="en-US"/>
-          </a:p>
-        </p:txBody>
-      </p:sp>
-      <p:sp>
-        <p:nvSpPr>
-          <p:cNvPr id="3" name="Espace réservé du texte 2"/>
-          <p:cNvSpPr>
-            <a:spLocks noGrp="1"/>
-          </p:cNvSpPr>
-          <p:nvPr>
-            <p:ph type="body" idx="1"/>
-          </p:nvPr>
+        <p:style>
+          <a:lnRef idx="2">
+            <a:schemeClr val="accent1">
+              <a:shade val="50000"/>
+            </a:schemeClr>
+          </a:lnRef>
+          <a:fillRef idx="1">
+            <a:schemeClr val="accent1"/>
+          </a:fillRef>
+          <a:effectRef idx="0">
+            <a:schemeClr val="accent1"/>
+          </a:effectRef>
+          <a:fontRef idx="minor">
+            <a:schemeClr val="lt1"/>
+          </a:fontRef>
+        </p:style>
+        <p:txBody>
+          <a:bodyPr rtlCol="0" anchor="ctr"/>
+          <a:lstStyle/>
+          <a:p>
+            <a:pPr algn="ctr"/>
+            <a:endParaRPr lang="en-US"/>
+          </a:p>
+        </p:txBody>
+      </p:sp>
+      <p:sp useBgFill="1">
+        <p:nvSpPr>
+          <p:cNvPr id="8" name="Rounded Rectangle 7"/>
+          <p:cNvSpPr/>
+          <p:nvPr/>
         </p:nvSpPr>
         <p:spPr>
           <a:xfrm>
-            <a:off x="722313" y="2906713"/>
-            <a:ext cx="7772400" cy="1500187"/>
+            <a:off x="91440" y="101600"/>
+            <a:ext cx="8961120" cy="6664960"/>
           </a:xfrm>
+          <a:prstGeom prst="roundRect">
+            <a:avLst>
+              <a:gd name="adj" fmla="val 1735"/>
+            </a:avLst>
+          </a:prstGeom>
+          <a:ln w="12700" cmpd="sng">
+            <a:noFill/>
+          </a:ln>
         </p:spPr>
-        <p:txBody>
-          <a:bodyPr anchor="b"/>
-          <a:lstStyle>
-            <a:lvl1pPr marL="0" indent="0">
-              <a:buNone/>
-              <a:defRPr sz="2000">
-                <a:solidFill>
-                  <a:schemeClr val="tx1">
-                    <a:tint val="75000"/>
-                  </a:schemeClr>
-                </a:solidFill>
-              </a:defRPr>
-            </a:lvl1pPr>
-            <a:lvl2pPr marL="457200" indent="0">
-              <a:buNone/>
-              <a:defRPr sz="1800">
-                <a:solidFill>
-                  <a:schemeClr val="tx1">
-                    <a:tint val="75000"/>
-                  </a:schemeClr>
-                </a:solidFill>
-              </a:defRPr>
-            </a:lvl2pPr>
-            <a:lvl3pPr marL="914400" indent="0">
-              <a:buNone/>
-              <a:defRPr sz="1600">
-                <a:solidFill>
-                  <a:schemeClr val="tx1">
-                    <a:tint val="75000"/>
-                  </a:schemeClr>
-                </a:solidFill>
-              </a:defRPr>
-            </a:lvl3pPr>
-            <a:lvl4pPr marL="1371600" indent="0">
-              <a:buNone/>
-              <a:defRPr sz="1400">
-                <a:solidFill>
-                  <a:schemeClr val="tx1">
-                    <a:tint val="75000"/>
-                  </a:schemeClr>
-                </a:solidFill>
-              </a:defRPr>
-            </a:lvl4pPr>
-            <a:lvl5pPr marL="1828800" indent="0">
-              <a:buNone/>
-              <a:defRPr sz="1400">
-                <a:solidFill>
-                  <a:schemeClr val="tx1">
-                    <a:tint val="75000"/>
-                  </a:schemeClr>
-                </a:solidFill>
-              </a:defRPr>
-            </a:lvl5pPr>
-            <a:lvl6pPr marL="2286000" indent="0">
-              <a:buNone/>
-              <a:defRPr sz="1400">
-                <a:solidFill>
-                  <a:schemeClr val="tx1">
-                    <a:tint val="75000"/>
-                  </a:schemeClr>
-                </a:solidFill>
-              </a:defRPr>
-            </a:lvl6pPr>
-            <a:lvl7pPr marL="2743200" indent="0">
-              <a:buNone/>
-              <a:defRPr sz="1400">
-                <a:solidFill>
-                  <a:schemeClr val="tx1">
-                    <a:tint val="75000"/>
-                  </a:schemeClr>
-                </a:solidFill>
-              </a:defRPr>
-            </a:lvl7pPr>
-            <a:lvl8pPr marL="3200400" indent="0">
-              <a:buNone/>
-              <a:defRPr sz="1400">
-                <a:solidFill>
-                  <a:schemeClr val="tx1">
-                    <a:tint val="75000"/>
-                  </a:schemeClr>
-                </a:solidFill>
-              </a:defRPr>
-            </a:lvl8pPr>
-            <a:lvl9pPr marL="3657600" indent="0">
-              <a:buNone/>
-              <a:defRPr sz="1400">
-                <a:solidFill>
-                  <a:schemeClr val="tx1">
-                    <a:tint val="75000"/>
-                  </a:schemeClr>
-                </a:solidFill>
-              </a:defRPr>
-            </a:lvl9pPr>
-          </a:lstStyle>
-          <a:p>
-            <a:pPr lvl="0"/>
-            <a:r>
-              <a:rPr lang="fr-FR" smtClean="0"/>
-              <a:t>Modifiez les styles du texte du masque</a:t>
-            </a:r>
-          </a:p>
-        </p:txBody>
-      </p:sp>
-      <p:sp>
-        <p:nvSpPr>
-          <p:cNvPr id="4" name="Espace réservé de la date 3"/>
+        <p:style>
+          <a:lnRef idx="2">
+            <a:schemeClr val="accent1">
+              <a:shade val="50000"/>
+            </a:schemeClr>
+          </a:lnRef>
+          <a:fillRef idx="1">
+            <a:schemeClr val="accent1"/>
+          </a:fillRef>
+          <a:effectRef idx="0">
+            <a:schemeClr val="accent1"/>
+          </a:effectRef>
+          <a:fontRef idx="minor">
+            <a:schemeClr val="lt1"/>
+          </a:fontRef>
+        </p:style>
+        <p:txBody>
+          <a:bodyPr rtlCol="0" anchor="ctr"/>
+          <a:lstStyle/>
+          <a:p>
+            <a:pPr algn="ctr"/>
+            <a:endParaRPr lang="en-US"/>
+          </a:p>
+        </p:txBody>
+      </p:sp>
+      <p:sp>
+        <p:nvSpPr>
+          <p:cNvPr id="4" name="Date Placeholder 3"/>
           <p:cNvSpPr>
             <a:spLocks noGrp="1"/>
           </p:cNvSpPr>
@@ -1056,7 +1965,7 @@
           <a:bodyPr/>
           <a:lstStyle/>
           <a:p>
-            <a:fld id="{129D1520-23EB-4C9E-B686-D110DC775BB8}" type="datetimeFigureOut">
+            <a:fld id="{86260F56-9C94-4C82-AE8B-7040A9C47954}" type="datetime1">
               <a:rPr lang="en-US" smtClean="0"/>
               <a:t>1/25/2015</a:t>
             </a:fld>
@@ -1066,7 +1975,104 @@
       </p:sp>
       <p:sp>
         <p:nvSpPr>
-          <p:cNvPr id="5" name="Espace réservé du pied de page 4"/>
+          <p:cNvPr id="13" name="Rectangle 12"/>
+          <p:cNvSpPr/>
+          <p:nvPr/>
+        </p:nvSpPr>
+        <p:spPr>
+          <a:xfrm>
+            <a:off x="451976" y="2946400"/>
+            <a:ext cx="8265160" cy="2463800"/>
+          </a:xfrm>
+          <a:prstGeom prst="rect">
+            <a:avLst/>
+          </a:prstGeom>
+          <a:solidFill>
+            <a:srgbClr val="FFFFFF">
+              <a:alpha val="83000"/>
+            </a:srgbClr>
+          </a:solidFill>
+          <a:ln>
+            <a:noFill/>
+          </a:ln>
+          <a:effectLst>
+            <a:softEdge rad="12700"/>
+          </a:effectLst>
+        </p:spPr>
+        <p:style>
+          <a:lnRef idx="2">
+            <a:schemeClr val="accent1">
+              <a:shade val="50000"/>
+            </a:schemeClr>
+          </a:lnRef>
+          <a:fillRef idx="1">
+            <a:schemeClr val="accent1"/>
+          </a:fillRef>
+          <a:effectRef idx="0">
+            <a:schemeClr val="accent1"/>
+          </a:effectRef>
+          <a:fontRef idx="minor">
+            <a:schemeClr val="lt1"/>
+          </a:fontRef>
+        </p:style>
+        <p:txBody>
+          <a:bodyPr rtlCol="0" anchor="ctr"/>
+          <a:lstStyle/>
+          <a:p>
+            <a:pPr algn="ctr"/>
+            <a:endParaRPr lang="en-US"/>
+          </a:p>
+        </p:txBody>
+      </p:sp>
+      <p:sp>
+        <p:nvSpPr>
+          <p:cNvPr id="16" name="Rectangle 15"/>
+          <p:cNvSpPr/>
+          <p:nvPr/>
+        </p:nvSpPr>
+        <p:spPr>
+          <a:xfrm>
+            <a:off x="567656" y="3048000"/>
+            <a:ext cx="8033800" cy="2245359"/>
+          </a:xfrm>
+          <a:prstGeom prst="rect">
+            <a:avLst/>
+          </a:prstGeom>
+          <a:solidFill>
+            <a:srgbClr val="FFFFFF"/>
+          </a:solidFill>
+          <a:ln w="6350" cmpd="dbl">
+            <a:noFill/>
+          </a:ln>
+        </p:spPr>
+        <p:style>
+          <a:lnRef idx="2">
+            <a:schemeClr val="accent1">
+              <a:shade val="50000"/>
+            </a:schemeClr>
+          </a:lnRef>
+          <a:fillRef idx="1">
+            <a:schemeClr val="accent1"/>
+          </a:fillRef>
+          <a:effectRef idx="0">
+            <a:schemeClr val="accent1"/>
+          </a:effectRef>
+          <a:fontRef idx="minor">
+            <a:schemeClr val="lt1"/>
+          </a:fontRef>
+        </p:style>
+        <p:txBody>
+          <a:bodyPr rtlCol="0" anchor="ctr"/>
+          <a:lstStyle/>
+          <a:p>
+            <a:pPr algn="ctr"/>
+            <a:endParaRPr lang="en-US"/>
+          </a:p>
+        </p:txBody>
+      </p:sp>
+      <p:sp>
+        <p:nvSpPr>
+          <p:cNvPr id="5" name="Footer Placeholder 4"/>
           <p:cNvSpPr>
             <a:spLocks noGrp="1"/>
           </p:cNvSpPr>
@@ -1079,13 +2085,17 @@
           <a:bodyPr/>
           <a:lstStyle/>
           <a:p>
-            <a:endParaRPr lang="en-US"/>
-          </a:p>
-        </p:txBody>
-      </p:sp>
-      <p:sp>
-        <p:nvSpPr>
-          <p:cNvPr id="6" name="Espace réservé du numéro de diapositive 5"/>
+            <a:r>
+              <a:rPr lang="fr-FR" smtClean="0"/>
+              <a:t>INSA de Rennes - Projet 5 Info/EII</a:t>
+            </a:r>
+            <a:endParaRPr lang="en-US"/>
+          </a:p>
+        </p:txBody>
+      </p:sp>
+      <p:sp>
+        <p:nvSpPr>
+          <p:cNvPr id="6" name="Slide Number Placeholder 5"/>
           <p:cNvSpPr>
             <a:spLocks noGrp="1"/>
           </p:cNvSpPr>
@@ -1106,16 +2116,113 @@
           </a:p>
         </p:txBody>
       </p:sp>
+      <p:sp>
+        <p:nvSpPr>
+          <p:cNvPr id="2" name="Title 1"/>
+          <p:cNvSpPr>
+            <a:spLocks noGrp="1"/>
+          </p:cNvSpPr>
+          <p:nvPr>
+            <p:ph type="title"/>
+          </p:nvPr>
+        </p:nvSpPr>
+        <p:spPr>
+          <a:xfrm>
+            <a:off x="736456" y="3200399"/>
+            <a:ext cx="7696200" cy="1452737"/>
+          </a:xfrm>
+        </p:spPr>
+        <p:txBody>
+          <a:bodyPr anchor="b" anchorCtr="0">
+            <a:noAutofit/>
+          </a:bodyPr>
+          <a:lstStyle>
+            <a:lvl1pPr algn="ctr" defTabSz="914400" rtl="0" eaLnBrk="1" latinLnBrk="0" hangingPunct="1">
+              <a:spcBef>
+                <a:spcPct val="0"/>
+              </a:spcBef>
+              <a:buNone/>
+              <a:defRPr lang="en-US" sz="4000" kern="1200" cap="all" baseline="0" dirty="0">
+                <a:solidFill>
+                  <a:schemeClr val="accent1">
+                    <a:lumMod val="50000"/>
+                  </a:schemeClr>
+                </a:solidFill>
+                <a:latin typeface="+mj-lt"/>
+                <a:ea typeface="+mj-ea"/>
+                <a:cs typeface="+mj-cs"/>
+              </a:defRPr>
+            </a:lvl1pPr>
+          </a:lstStyle>
+          <a:p>
+            <a:r>
+              <a:rPr lang="fr-FR" dirty="0" smtClean="0"/>
+              <a:t>Modifiez le style du titre</a:t>
+            </a:r>
+            <a:endParaRPr lang="en-US" dirty="0"/>
+          </a:p>
+        </p:txBody>
+      </p:sp>
+      <p:sp>
+        <p:nvSpPr>
+          <p:cNvPr id="14" name="Rectangle 13"/>
+          <p:cNvSpPr/>
+          <p:nvPr/>
+        </p:nvSpPr>
+        <p:spPr>
+          <a:xfrm>
+            <a:off x="675757" y="3124200"/>
+            <a:ext cx="7817599" cy="2077720"/>
+          </a:xfrm>
+          <a:prstGeom prst="rect">
+            <a:avLst/>
+          </a:prstGeom>
+          <a:noFill/>
+          <a:ln w="6350" cmpd="dbl">
+            <a:solidFill>
+              <a:schemeClr val="accent1">
+                <a:lumMod val="75000"/>
+              </a:schemeClr>
+            </a:solidFill>
+          </a:ln>
+        </p:spPr>
+        <p:style>
+          <a:lnRef idx="2">
+            <a:schemeClr val="accent1">
+              <a:shade val="50000"/>
+            </a:schemeClr>
+          </a:lnRef>
+          <a:fillRef idx="1">
+            <a:schemeClr val="accent1"/>
+          </a:fillRef>
+          <a:effectRef idx="0">
+            <a:schemeClr val="accent1"/>
+          </a:effectRef>
+          <a:fontRef idx="minor">
+            <a:schemeClr val="lt1"/>
+          </a:fontRef>
+        </p:style>
+        <p:txBody>
+          <a:bodyPr rtlCol="0" anchor="ctr"/>
+          <a:lstStyle/>
+          <a:p>
+            <a:pPr algn="ctr"/>
+            <a:endParaRPr lang="en-US"/>
+          </a:p>
+        </p:txBody>
+      </p:sp>
     </p:spTree>
-    <p:extLst>
-      <p:ext uri="{BB962C8B-B14F-4D97-AF65-F5344CB8AC3E}">
-        <p14:creationId xmlns:p14="http://schemas.microsoft.com/office/powerpoint/2010/main" val="431538071"/>
-      </p:ext>
-    </p:extLst>
   </p:cSld>
   <p:clrMapOvr>
     <a:masterClrMapping/>
   </p:clrMapOvr>
+  <p:timing>
+    <p:tnLst>
+      <p:par>
+        <p:cTn id="1" dur="indefinite" restart="never" nodeType="tmRoot"/>
+      </p:par>
+    </p:tnLst>
+  </p:timing>
 </p:sldLayout>
 </file>
 
@@ -1138,41 +2245,46 @@
       </p:grpSpPr>
       <p:sp>
         <p:nvSpPr>
-          <p:cNvPr id="2" name="Titre 1"/>
+          <p:cNvPr id="2" name="Title 1"/>
           <p:cNvSpPr>
             <a:spLocks noGrp="1"/>
           </p:cNvSpPr>
           <p:nvPr>
             <p:ph type="title"/>
-          </p:nvPr>
-        </p:nvSpPr>
-        <p:spPr/>
-        <p:txBody>
-          <a:bodyPr/>
-          <a:lstStyle/>
-          <a:p>
-            <a:r>
-              <a:rPr lang="fr-FR" smtClean="0"/>
-              <a:t>Modifiez le style du titre</a:t>
-            </a:r>
-            <a:endParaRPr lang="en-US"/>
-          </a:p>
-        </p:txBody>
-      </p:sp>
-      <p:sp>
-        <p:nvSpPr>
-          <p:cNvPr id="3" name="Espace réservé du contenu 2"/>
-          <p:cNvSpPr>
-            <a:spLocks noGrp="1"/>
-          </p:cNvSpPr>
-          <p:nvPr>
-            <p:ph sz="half" idx="1"/>
           </p:nvPr>
         </p:nvSpPr>
         <p:spPr>
           <a:xfrm>
-            <a:off x="457200" y="1600200"/>
-            <a:ext cx="4038600" cy="4525963"/>
+            <a:off x="426128" y="408372"/>
+            <a:ext cx="8260672" cy="1039427"/>
+          </a:xfrm>
+        </p:spPr>
+        <p:txBody>
+          <a:bodyPr/>
+          <a:lstStyle/>
+          <a:p>
+            <a:r>
+              <a:rPr lang="fr-FR" smtClean="0"/>
+              <a:t>Modifiez le style du titre</a:t>
+            </a:r>
+            <a:endParaRPr lang="en-US"/>
+          </a:p>
+        </p:txBody>
+      </p:sp>
+      <p:sp>
+        <p:nvSpPr>
+          <p:cNvPr id="3" name="Content Placeholder 2"/>
+          <p:cNvSpPr>
+            <a:spLocks noGrp="1"/>
+          </p:cNvSpPr>
+          <p:nvPr>
+            <p:ph sz="half" idx="1"/>
+          </p:nvPr>
+        </p:nvSpPr>
+        <p:spPr>
+          <a:xfrm>
+            <a:off x="426128" y="1719071"/>
+            <a:ext cx="4038600" cy="4407408"/>
           </a:xfrm>
         </p:spPr>
         <p:txBody>
@@ -1240,13 +2352,13 @@
               <a:rPr lang="fr-FR" smtClean="0"/>
               <a:t>Cinquième niveau</a:t>
             </a:r>
-            <a:endParaRPr lang="en-US"/>
-          </a:p>
-        </p:txBody>
-      </p:sp>
-      <p:sp>
-        <p:nvSpPr>
-          <p:cNvPr id="4" name="Espace réservé du contenu 3"/>
+            <a:endParaRPr lang="en-US" dirty="0"/>
+          </a:p>
+        </p:txBody>
+      </p:sp>
+      <p:sp>
+        <p:nvSpPr>
+          <p:cNvPr id="4" name="Content Placeholder 3"/>
           <p:cNvSpPr>
             <a:spLocks noGrp="1"/>
           </p:cNvSpPr>
@@ -1256,8 +2368,8 @@
         </p:nvSpPr>
         <p:spPr>
           <a:xfrm>
-            <a:off x="4648200" y="1600200"/>
-            <a:ext cx="4038600" cy="4525963"/>
+            <a:off x="4648200" y="1719071"/>
+            <a:ext cx="4038600" cy="4407408"/>
           </a:xfrm>
         </p:spPr>
         <p:txBody>
@@ -1325,13 +2437,13 @@
               <a:rPr lang="fr-FR" smtClean="0"/>
               <a:t>Cinquième niveau</a:t>
             </a:r>
-            <a:endParaRPr lang="en-US"/>
-          </a:p>
-        </p:txBody>
-      </p:sp>
-      <p:sp>
-        <p:nvSpPr>
-          <p:cNvPr id="5" name="Espace réservé de la date 4"/>
+            <a:endParaRPr lang="en-US" dirty="0"/>
+          </a:p>
+        </p:txBody>
+      </p:sp>
+      <p:sp>
+        <p:nvSpPr>
+          <p:cNvPr id="5" name="Date Placeholder 4"/>
           <p:cNvSpPr>
             <a:spLocks noGrp="1"/>
           </p:cNvSpPr>
@@ -1344,7 +2456,7 @@
           <a:bodyPr/>
           <a:lstStyle/>
           <a:p>
-            <a:fld id="{129D1520-23EB-4C9E-B686-D110DC775BB8}" type="datetimeFigureOut">
+            <a:fld id="{DBBAACAF-7E45-47DC-8113-E488D08A66B3}" type="datetime1">
               <a:rPr lang="en-US" smtClean="0"/>
               <a:t>1/25/2015</a:t>
             </a:fld>
@@ -1354,7 +2466,7 @@
       </p:sp>
       <p:sp>
         <p:nvSpPr>
-          <p:cNvPr id="6" name="Espace réservé du pied de page 5"/>
+          <p:cNvPr id="6" name="Footer Placeholder 5"/>
           <p:cNvSpPr>
             <a:spLocks noGrp="1"/>
           </p:cNvSpPr>
@@ -1367,13 +2479,17 @@
           <a:bodyPr/>
           <a:lstStyle/>
           <a:p>
-            <a:endParaRPr lang="en-US"/>
-          </a:p>
-        </p:txBody>
-      </p:sp>
-      <p:sp>
-        <p:nvSpPr>
-          <p:cNvPr id="7" name="Espace réservé du numéro de diapositive 6"/>
+            <a:r>
+              <a:rPr lang="fr-FR" smtClean="0"/>
+              <a:t>INSA de Rennes - Projet 5 Info/EII</a:t>
+            </a:r>
+            <a:endParaRPr lang="en-US"/>
+          </a:p>
+        </p:txBody>
+      </p:sp>
+      <p:sp>
+        <p:nvSpPr>
+          <p:cNvPr id="7" name="Slide Number Placeholder 6"/>
           <p:cNvSpPr>
             <a:spLocks noGrp="1"/>
           </p:cNvSpPr>
@@ -1395,11 +2511,6 @@
         </p:txBody>
       </p:sp>
     </p:spTree>
-    <p:extLst>
-      <p:ext uri="{BB962C8B-B14F-4D97-AF65-F5344CB8AC3E}">
-        <p14:creationId xmlns:p14="http://schemas.microsoft.com/office/powerpoint/2010/main" val="969453642"/>
-      </p:ext>
-    </p:extLst>
   </p:cSld>
   <p:clrMapOvr>
     <a:masterClrMapping/>
@@ -1426,7 +2537,7 @@
       </p:grpSpPr>
       <p:sp>
         <p:nvSpPr>
-          <p:cNvPr id="2" name="Titre 1"/>
+          <p:cNvPr id="2" name="Title 1"/>
           <p:cNvSpPr>
             <a:spLocks noGrp="1"/>
           </p:cNvSpPr>
@@ -1434,7 +2545,12 @@
             <p:ph type="title"/>
           </p:nvPr>
         </p:nvSpPr>
-        <p:spPr/>
+        <p:spPr>
+          <a:xfrm>
+            <a:off x="426128" y="408372"/>
+            <a:ext cx="8260672" cy="1039427"/>
+          </a:xfrm>
+        </p:spPr>
         <p:txBody>
           <a:bodyPr/>
           <a:lstStyle>
@@ -1453,7 +2569,7 @@
       </p:sp>
       <p:sp>
         <p:nvSpPr>
-          <p:cNvPr id="3" name="Espace réservé du texte 2"/>
+          <p:cNvPr id="3" name="Text Placeholder 2"/>
           <p:cNvSpPr>
             <a:spLocks noGrp="1"/>
           </p:cNvSpPr>
@@ -1463,16 +2579,18 @@
         </p:nvSpPr>
         <p:spPr>
           <a:xfrm>
-            <a:off x="457200" y="1535113"/>
+            <a:off x="426128" y="1722438"/>
             <a:ext cx="4040188" cy="639762"/>
           </a:xfrm>
         </p:spPr>
         <p:txBody>
-          <a:bodyPr anchor="b"/>
+          <a:bodyPr anchor="b">
+            <a:noAutofit/>
+          </a:bodyPr>
           <a:lstStyle>
-            <a:lvl1pPr marL="0" indent="0">
+            <a:lvl1pPr marL="0" indent="0" algn="ctr">
               <a:buNone/>
-              <a:defRPr sz="2400" b="1"/>
+              <a:defRPr sz="2200" b="1"/>
             </a:lvl1pPr>
             <a:lvl2pPr marL="457200" indent="0">
               <a:buNone/>
@@ -1518,7 +2636,7 @@
       </p:sp>
       <p:sp>
         <p:nvSpPr>
-          <p:cNvPr id="4" name="Espace réservé du contenu 3"/>
+          <p:cNvPr id="4" name="Content Placeholder 3"/>
           <p:cNvSpPr>
             <a:spLocks noGrp="1"/>
           </p:cNvSpPr>
@@ -1528,8 +2646,8 @@
         </p:nvSpPr>
         <p:spPr>
           <a:xfrm>
-            <a:off x="457200" y="2174875"/>
-            <a:ext cx="4040188" cy="3951288"/>
+            <a:off x="426128" y="2438400"/>
+            <a:ext cx="4040188" cy="3687762"/>
           </a:xfrm>
         </p:spPr>
         <p:txBody>
@@ -1597,13 +2715,13 @@
               <a:rPr lang="fr-FR" smtClean="0"/>
               <a:t>Cinquième niveau</a:t>
             </a:r>
-            <a:endParaRPr lang="en-US"/>
-          </a:p>
-        </p:txBody>
-      </p:sp>
-      <p:sp>
-        <p:nvSpPr>
-          <p:cNvPr id="5" name="Espace réservé du texte 4"/>
+            <a:endParaRPr lang="en-US" dirty="0"/>
+          </a:p>
+        </p:txBody>
+      </p:sp>
+      <p:sp>
+        <p:nvSpPr>
+          <p:cNvPr id="5" name="Text Placeholder 4"/>
           <p:cNvSpPr>
             <a:spLocks noGrp="1"/>
           </p:cNvSpPr>
@@ -1613,16 +2731,18 @@
         </p:nvSpPr>
         <p:spPr>
           <a:xfrm>
-            <a:off x="4645025" y="1535113"/>
+            <a:off x="4645025" y="1722438"/>
             <a:ext cx="4041775" cy="639762"/>
           </a:xfrm>
         </p:spPr>
         <p:txBody>
-          <a:bodyPr anchor="b"/>
+          <a:bodyPr anchor="b">
+            <a:noAutofit/>
+          </a:bodyPr>
           <a:lstStyle>
-            <a:lvl1pPr marL="0" indent="0">
+            <a:lvl1pPr marL="0" indent="0" algn="ctr">
               <a:buNone/>
-              <a:defRPr sz="2400" b="1"/>
+              <a:defRPr sz="2200" b="1"/>
             </a:lvl1pPr>
             <a:lvl2pPr marL="457200" indent="0">
               <a:buNone/>
@@ -1668,7 +2788,7 @@
       </p:sp>
       <p:sp>
         <p:nvSpPr>
-          <p:cNvPr id="6" name="Espace réservé du contenu 5"/>
+          <p:cNvPr id="6" name="Content Placeholder 5"/>
           <p:cNvSpPr>
             <a:spLocks noGrp="1"/>
           </p:cNvSpPr>
@@ -1678,8 +2798,8 @@
         </p:nvSpPr>
         <p:spPr>
           <a:xfrm>
-            <a:off x="4645025" y="2174875"/>
-            <a:ext cx="4041775" cy="3951288"/>
+            <a:off x="4645025" y="2438400"/>
+            <a:ext cx="4041775" cy="3687762"/>
           </a:xfrm>
         </p:spPr>
         <p:txBody>
@@ -1747,13 +2867,13 @@
               <a:rPr lang="fr-FR" smtClean="0"/>
               <a:t>Cinquième niveau</a:t>
             </a:r>
-            <a:endParaRPr lang="en-US"/>
-          </a:p>
-        </p:txBody>
-      </p:sp>
-      <p:sp>
-        <p:nvSpPr>
-          <p:cNvPr id="7" name="Espace réservé de la date 6"/>
+            <a:endParaRPr lang="en-US" dirty="0"/>
+          </a:p>
+        </p:txBody>
+      </p:sp>
+      <p:sp>
+        <p:nvSpPr>
+          <p:cNvPr id="7" name="Date Placeholder 6"/>
           <p:cNvSpPr>
             <a:spLocks noGrp="1"/>
           </p:cNvSpPr>
@@ -1766,7 +2886,7 @@
           <a:bodyPr/>
           <a:lstStyle/>
           <a:p>
-            <a:fld id="{129D1520-23EB-4C9E-B686-D110DC775BB8}" type="datetimeFigureOut">
+            <a:fld id="{96365790-2B05-402A-A9A4-7FEBB7588484}" type="datetime1">
               <a:rPr lang="en-US" smtClean="0"/>
               <a:t>1/25/2015</a:t>
             </a:fld>
@@ -1776,7 +2896,7 @@
       </p:sp>
       <p:sp>
         <p:nvSpPr>
-          <p:cNvPr id="8" name="Espace réservé du pied de page 7"/>
+          <p:cNvPr id="8" name="Footer Placeholder 7"/>
           <p:cNvSpPr>
             <a:spLocks noGrp="1"/>
           </p:cNvSpPr>
@@ -1789,13 +2909,17 @@
           <a:bodyPr/>
           <a:lstStyle/>
           <a:p>
-            <a:endParaRPr lang="en-US"/>
-          </a:p>
-        </p:txBody>
-      </p:sp>
-      <p:sp>
-        <p:nvSpPr>
-          <p:cNvPr id="9" name="Espace réservé du numéro de diapositive 8"/>
+            <a:r>
+              <a:rPr lang="fr-FR" smtClean="0"/>
+              <a:t>INSA de Rennes - Projet 5 Info/EII</a:t>
+            </a:r>
+            <a:endParaRPr lang="en-US"/>
+          </a:p>
+        </p:txBody>
+      </p:sp>
+      <p:sp>
+        <p:nvSpPr>
+          <p:cNvPr id="9" name="Slide Number Placeholder 8"/>
           <p:cNvSpPr>
             <a:spLocks noGrp="1"/>
           </p:cNvSpPr>
@@ -1817,11 +2941,6 @@
         </p:txBody>
       </p:sp>
     </p:spTree>
-    <p:extLst>
-      <p:ext uri="{BB962C8B-B14F-4D97-AF65-F5344CB8AC3E}">
-        <p14:creationId xmlns:p14="http://schemas.microsoft.com/office/powerpoint/2010/main" val="3730970266"/>
-      </p:ext>
-    </p:extLst>
   </p:cSld>
   <p:clrMapOvr>
     <a:masterClrMapping/>
@@ -1848,7 +2967,7 @@
       </p:grpSpPr>
       <p:sp>
         <p:nvSpPr>
-          <p:cNvPr id="2" name="Titre 1"/>
+          <p:cNvPr id="2" name="Title 1"/>
           <p:cNvSpPr>
             <a:spLocks noGrp="1"/>
           </p:cNvSpPr>
@@ -1871,7 +2990,7 @@
       </p:sp>
       <p:sp>
         <p:nvSpPr>
-          <p:cNvPr id="3" name="Espace réservé de la date 2"/>
+          <p:cNvPr id="3" name="Date Placeholder 2"/>
           <p:cNvSpPr>
             <a:spLocks noGrp="1"/>
           </p:cNvSpPr>
@@ -1884,7 +3003,7 @@
           <a:bodyPr/>
           <a:lstStyle/>
           <a:p>
-            <a:fld id="{129D1520-23EB-4C9E-B686-D110DC775BB8}" type="datetimeFigureOut">
+            <a:fld id="{4C383CAE-8156-480F-AA8E-2B248C52EEC0}" type="datetime1">
               <a:rPr lang="en-US" smtClean="0"/>
               <a:t>1/25/2015</a:t>
             </a:fld>
@@ -1894,7 +3013,7 @@
       </p:sp>
       <p:sp>
         <p:nvSpPr>
-          <p:cNvPr id="4" name="Espace réservé du pied de page 3"/>
+          <p:cNvPr id="4" name="Footer Placeholder 3"/>
           <p:cNvSpPr>
             <a:spLocks noGrp="1"/>
           </p:cNvSpPr>
@@ -1907,13 +3026,17 @@
           <a:bodyPr/>
           <a:lstStyle/>
           <a:p>
-            <a:endParaRPr lang="en-US"/>
-          </a:p>
-        </p:txBody>
-      </p:sp>
-      <p:sp>
-        <p:nvSpPr>
-          <p:cNvPr id="5" name="Espace réservé du numéro de diapositive 4"/>
+            <a:r>
+              <a:rPr lang="fr-FR" smtClean="0"/>
+              <a:t>INSA de Rennes - Projet 5 Info/EII</a:t>
+            </a:r>
+            <a:endParaRPr lang="en-US"/>
+          </a:p>
+        </p:txBody>
+      </p:sp>
+      <p:sp>
+        <p:nvSpPr>
+          <p:cNvPr id="5" name="Slide Number Placeholder 4"/>
           <p:cNvSpPr>
             <a:spLocks noGrp="1"/>
           </p:cNvSpPr>
@@ -1935,11 +3058,6 @@
         </p:txBody>
       </p:sp>
     </p:spTree>
-    <p:extLst>
-      <p:ext uri="{BB962C8B-B14F-4D97-AF65-F5344CB8AC3E}">
-        <p14:creationId xmlns:p14="http://schemas.microsoft.com/office/powerpoint/2010/main" val="290489752"/>
-      </p:ext>
-    </p:extLst>
   </p:cSld>
   <p:clrMapOvr>
     <a:masterClrMapping/>
@@ -1948,7 +3066,7 @@
 </file>
 
 <file path=ppt/slideLayouts/slideLayout7.xml><?xml version="1.0" encoding="utf-8"?>
-<p:sldLayout xmlns:a="http://schemas.openxmlformats.org/drawingml/2006/main" xmlns:r="http://schemas.openxmlformats.org/officeDocument/2006/relationships" xmlns:p="http://schemas.openxmlformats.org/presentationml/2006/main" type="blank" preserve="1">
+<p:sldLayout xmlns:a="http://schemas.openxmlformats.org/drawingml/2006/main" xmlns:r="http://schemas.openxmlformats.org/officeDocument/2006/relationships" xmlns:p="http://schemas.openxmlformats.org/presentationml/2006/main" showMasterSp="0" type="blank" preserve="1">
   <p:cSld name="Vide">
     <p:spTree>
       <p:nvGrpSpPr>
@@ -1966,7 +3084,98 @@
       </p:grpSpPr>
       <p:sp>
         <p:nvSpPr>
-          <p:cNvPr id="2" name="Espace réservé de la date 1"/>
+          <p:cNvPr id="5" name="Rectangle 4"/>
+          <p:cNvSpPr/>
+          <p:nvPr/>
+        </p:nvSpPr>
+        <p:spPr>
+          <a:xfrm>
+            <a:off x="0" y="0"/>
+            <a:ext cx="9144000" cy="6858000"/>
+          </a:xfrm>
+          <a:prstGeom prst="rect">
+            <a:avLst/>
+          </a:prstGeom>
+          <a:solidFill>
+            <a:srgbClr val="FFFFFF"/>
+          </a:solidFill>
+          <a:ln>
+            <a:noFill/>
+          </a:ln>
+        </p:spPr>
+        <p:style>
+          <a:lnRef idx="2">
+            <a:schemeClr val="accent1">
+              <a:shade val="50000"/>
+            </a:schemeClr>
+          </a:lnRef>
+          <a:fillRef idx="1">
+            <a:schemeClr val="accent1"/>
+          </a:fillRef>
+          <a:effectRef idx="0">
+            <a:schemeClr val="accent1"/>
+          </a:effectRef>
+          <a:fontRef idx="minor">
+            <a:schemeClr val="lt1"/>
+          </a:fontRef>
+        </p:style>
+        <p:txBody>
+          <a:bodyPr rtlCol="0" anchor="ctr"/>
+          <a:lstStyle/>
+          <a:p>
+            <a:pPr algn="ctr"/>
+            <a:endParaRPr lang="en-US"/>
+          </a:p>
+        </p:txBody>
+      </p:sp>
+      <p:sp useBgFill="1">
+        <p:nvSpPr>
+          <p:cNvPr id="11" name="Rounded Rectangle 10"/>
+          <p:cNvSpPr/>
+          <p:nvPr/>
+        </p:nvSpPr>
+        <p:spPr>
+          <a:xfrm>
+            <a:off x="91440" y="101600"/>
+            <a:ext cx="8961120" cy="6664960"/>
+          </a:xfrm>
+          <a:prstGeom prst="roundRect">
+            <a:avLst>
+              <a:gd name="adj" fmla="val 1735"/>
+            </a:avLst>
+          </a:prstGeom>
+          <a:ln w="12700" cmpd="sng">
+            <a:noFill/>
+          </a:ln>
+        </p:spPr>
+        <p:style>
+          <a:lnRef idx="2">
+            <a:schemeClr val="accent1">
+              <a:shade val="50000"/>
+            </a:schemeClr>
+          </a:lnRef>
+          <a:fillRef idx="1">
+            <a:schemeClr val="accent1"/>
+          </a:fillRef>
+          <a:effectRef idx="0">
+            <a:schemeClr val="accent1"/>
+          </a:effectRef>
+          <a:fontRef idx="minor">
+            <a:schemeClr val="lt1"/>
+          </a:fontRef>
+        </p:style>
+        <p:txBody>
+          <a:bodyPr rtlCol="0" anchor="ctr"/>
+          <a:lstStyle/>
+          <a:p>
+            <a:pPr algn="ctr"/>
+            <a:endParaRPr lang="en-US"/>
+          </a:p>
+        </p:txBody>
+      </p:sp>
+      <p:sp>
+        <p:nvSpPr>
+          <p:cNvPr id="2" name="Date Placeholder 1"/>
           <p:cNvSpPr>
             <a:spLocks noGrp="1"/>
           </p:cNvSpPr>
@@ -1979,7 +3188,7 @@
           <a:bodyPr/>
           <a:lstStyle/>
           <a:p>
-            <a:fld id="{129D1520-23EB-4C9E-B686-D110DC775BB8}" type="datetimeFigureOut">
+            <a:fld id="{E801013B-FD6D-4163-A7A5-C5660D4750B8}" type="datetime1">
               <a:rPr lang="en-US" smtClean="0"/>
               <a:t>1/25/2015</a:t>
             </a:fld>
@@ -1989,7 +3198,7 @@
       </p:sp>
       <p:sp>
         <p:nvSpPr>
-          <p:cNvPr id="3" name="Espace réservé du pied de page 2"/>
+          <p:cNvPr id="3" name="Footer Placeholder 2"/>
           <p:cNvSpPr>
             <a:spLocks noGrp="1"/>
           </p:cNvSpPr>
@@ -2002,13 +3211,17 @@
           <a:bodyPr/>
           <a:lstStyle/>
           <a:p>
-            <a:endParaRPr lang="en-US"/>
-          </a:p>
-        </p:txBody>
-      </p:sp>
-      <p:sp>
-        <p:nvSpPr>
-          <p:cNvPr id="4" name="Espace réservé du numéro de diapositive 3"/>
+            <a:r>
+              <a:rPr lang="fr-FR" smtClean="0"/>
+              <a:t>INSA de Rennes - Projet 5 Info/EII</a:t>
+            </a:r>
+            <a:endParaRPr lang="en-US"/>
+          </a:p>
+        </p:txBody>
+      </p:sp>
+      <p:sp>
+        <p:nvSpPr>
+          <p:cNvPr id="4" name="Slide Number Placeholder 3"/>
           <p:cNvSpPr>
             <a:spLocks noGrp="1"/>
           </p:cNvSpPr>
@@ -2030,11 +3243,6 @@
         </p:txBody>
       </p:sp>
     </p:spTree>
-    <p:extLst>
-      <p:ext uri="{BB962C8B-B14F-4D97-AF65-F5344CB8AC3E}">
-        <p14:creationId xmlns:p14="http://schemas.microsoft.com/office/powerpoint/2010/main" val="1402755156"/>
-      </p:ext>
-    </p:extLst>
   </p:cSld>
   <p:clrMapOvr>
     <a:masterClrMapping/>
@@ -2043,7 +3251,7 @@
 </file>
 
 <file path=ppt/slideLayouts/slideLayout8.xml><?xml version="1.0" encoding="utf-8"?>
-<p:sldLayout xmlns:a="http://schemas.openxmlformats.org/drawingml/2006/main" xmlns:r="http://schemas.openxmlformats.org/officeDocument/2006/relationships" xmlns:p="http://schemas.openxmlformats.org/presentationml/2006/main" type="objTx" preserve="1">
+<p:sldLayout xmlns:a="http://schemas.openxmlformats.org/drawingml/2006/main" xmlns:r="http://schemas.openxmlformats.org/officeDocument/2006/relationships" xmlns:p="http://schemas.openxmlformats.org/presentationml/2006/main" showMasterSp="0" type="objTx" preserve="1">
   <p:cSld name="Contenu avec légende">
     <p:spTree>
       <p:nvGrpSpPr>
@@ -2061,50 +3269,109 @@
       </p:grpSpPr>
       <p:sp>
         <p:nvSpPr>
-          <p:cNvPr id="2" name="Titre 1"/>
-          <p:cNvSpPr>
-            <a:spLocks noGrp="1"/>
-          </p:cNvSpPr>
-          <p:nvPr>
-            <p:ph type="title"/>
-          </p:nvPr>
+          <p:cNvPr id="11" name="Rectangle 10"/>
+          <p:cNvSpPr/>
+          <p:nvPr/>
         </p:nvSpPr>
         <p:spPr>
           <a:xfrm>
-            <a:off x="457200" y="273050"/>
-            <a:ext cx="3008313" cy="1162050"/>
+            <a:off x="0" y="0"/>
+            <a:ext cx="9144000" cy="6858000"/>
           </a:xfrm>
+          <a:prstGeom prst="rect">
+            <a:avLst/>
+          </a:prstGeom>
+          <a:solidFill>
+            <a:srgbClr val="FFFFFF"/>
+          </a:solidFill>
+          <a:ln>
+            <a:noFill/>
+          </a:ln>
         </p:spPr>
-        <p:txBody>
-          <a:bodyPr anchor="b"/>
-          <a:lstStyle>
-            <a:lvl1pPr algn="l">
-              <a:defRPr sz="2000" b="1"/>
-            </a:lvl1pPr>
-          </a:lstStyle>
-          <a:p>
-            <a:r>
-              <a:rPr lang="fr-FR" smtClean="0"/>
-              <a:t>Modifiez le style du titre</a:t>
-            </a:r>
-            <a:endParaRPr lang="en-US"/>
-          </a:p>
-        </p:txBody>
-      </p:sp>
-      <p:sp>
-        <p:nvSpPr>
-          <p:cNvPr id="3" name="Espace réservé du contenu 2"/>
-          <p:cNvSpPr>
-            <a:spLocks noGrp="1"/>
-          </p:cNvSpPr>
-          <p:nvPr>
-            <p:ph idx="1"/>
-          </p:nvPr>
+        <p:style>
+          <a:lnRef idx="2">
+            <a:schemeClr val="accent1">
+              <a:shade val="50000"/>
+            </a:schemeClr>
+          </a:lnRef>
+          <a:fillRef idx="1">
+            <a:schemeClr val="accent1"/>
+          </a:fillRef>
+          <a:effectRef idx="0">
+            <a:schemeClr val="accent1"/>
+          </a:effectRef>
+          <a:fontRef idx="minor">
+            <a:schemeClr val="lt1"/>
+          </a:fontRef>
+        </p:style>
+        <p:txBody>
+          <a:bodyPr rtlCol="0" anchor="ctr"/>
+          <a:lstStyle/>
+          <a:p>
+            <a:pPr algn="ctr"/>
+            <a:endParaRPr lang="en-US"/>
+          </a:p>
+        </p:txBody>
+      </p:sp>
+      <p:sp useBgFill="1">
+        <p:nvSpPr>
+          <p:cNvPr id="12" name="Rounded Rectangle 11"/>
+          <p:cNvSpPr/>
+          <p:nvPr/>
         </p:nvSpPr>
         <p:spPr>
           <a:xfrm>
-            <a:off x="3575050" y="273050"/>
-            <a:ext cx="5111750" cy="5853113"/>
+            <a:off x="91440" y="101600"/>
+            <a:ext cx="8961120" cy="6664960"/>
+          </a:xfrm>
+          <a:prstGeom prst="roundRect">
+            <a:avLst>
+              <a:gd name="adj" fmla="val 1735"/>
+            </a:avLst>
+          </a:prstGeom>
+          <a:ln w="12700" cmpd="sng">
+            <a:noFill/>
+          </a:ln>
+        </p:spPr>
+        <p:style>
+          <a:lnRef idx="2">
+            <a:schemeClr val="accent1">
+              <a:shade val="50000"/>
+            </a:schemeClr>
+          </a:lnRef>
+          <a:fillRef idx="1">
+            <a:schemeClr val="accent1"/>
+          </a:fillRef>
+          <a:effectRef idx="0">
+            <a:schemeClr val="accent1"/>
+          </a:effectRef>
+          <a:fontRef idx="minor">
+            <a:schemeClr val="lt1"/>
+          </a:fontRef>
+        </p:style>
+        <p:txBody>
+          <a:bodyPr rtlCol="0" anchor="ctr"/>
+          <a:lstStyle/>
+          <a:p>
+            <a:pPr algn="ctr"/>
+            <a:endParaRPr lang="en-US"/>
+          </a:p>
+        </p:txBody>
+      </p:sp>
+      <p:sp>
+        <p:nvSpPr>
+          <p:cNvPr id="3" name="Content Placeholder 2"/>
+          <p:cNvSpPr>
+            <a:spLocks noGrp="1"/>
+          </p:cNvSpPr>
+          <p:nvPr>
+            <p:ph idx="1"/>
+          </p:nvPr>
+        </p:nvSpPr>
+        <p:spPr>
+          <a:xfrm>
+            <a:off x="3886200" y="685800"/>
+            <a:ext cx="4572000" cy="5257802"/>
           </a:xfrm>
         </p:spPr>
         <p:txBody>
@@ -2172,32 +3439,211 @@
               <a:rPr lang="fr-FR" smtClean="0"/>
               <a:t>Cinquième niveau</a:t>
             </a:r>
-            <a:endParaRPr lang="en-US"/>
-          </a:p>
-        </p:txBody>
-      </p:sp>
-      <p:sp>
-        <p:nvSpPr>
-          <p:cNvPr id="4" name="Espace réservé du texte 3"/>
-          <p:cNvSpPr>
-            <a:spLocks noGrp="1"/>
-          </p:cNvSpPr>
-          <p:nvPr>
-            <p:ph type="body" sz="half" idx="2"/>
-          </p:nvPr>
+            <a:endParaRPr lang="en-US" dirty="0"/>
+          </a:p>
+        </p:txBody>
+      </p:sp>
+      <p:sp>
+        <p:nvSpPr>
+          <p:cNvPr id="5" name="Date Placeholder 4"/>
+          <p:cNvSpPr>
+            <a:spLocks noGrp="1"/>
+          </p:cNvSpPr>
+          <p:nvPr>
+            <p:ph type="dt" sz="half" idx="10"/>
+          </p:nvPr>
+        </p:nvSpPr>
+        <p:spPr/>
+        <p:txBody>
+          <a:bodyPr/>
+          <a:lstStyle/>
+          <a:p>
+            <a:fld id="{A719A948-48B9-4D47-9DC6-E3266F6F4D9E}" type="datetime1">
+              <a:rPr lang="en-US" smtClean="0"/>
+              <a:t>1/25/2015</a:t>
+            </a:fld>
+            <a:endParaRPr lang="en-US"/>
+          </a:p>
+        </p:txBody>
+      </p:sp>
+      <p:sp>
+        <p:nvSpPr>
+          <p:cNvPr id="6" name="Footer Placeholder 5"/>
+          <p:cNvSpPr>
+            <a:spLocks noGrp="1"/>
+          </p:cNvSpPr>
+          <p:nvPr>
+            <p:ph type="ftr" sz="quarter" idx="11"/>
+          </p:nvPr>
+        </p:nvSpPr>
+        <p:spPr/>
+        <p:txBody>
+          <a:bodyPr/>
+          <a:lstStyle/>
+          <a:p>
+            <a:r>
+              <a:rPr lang="fr-FR" smtClean="0"/>
+              <a:t>INSA de Rennes - Projet 5 Info/EII</a:t>
+            </a:r>
+            <a:endParaRPr lang="en-US"/>
+          </a:p>
+        </p:txBody>
+      </p:sp>
+      <p:sp>
+        <p:nvSpPr>
+          <p:cNvPr id="7" name="Slide Number Placeholder 6"/>
+          <p:cNvSpPr>
+            <a:spLocks noGrp="1"/>
+          </p:cNvSpPr>
+          <p:nvPr>
+            <p:ph type="sldNum" sz="quarter" idx="12"/>
+          </p:nvPr>
+        </p:nvSpPr>
+        <p:spPr/>
+        <p:txBody>
+          <a:bodyPr/>
+          <a:lstStyle/>
+          <a:p>
+            <a:fld id="{B7A829E3-38C6-4CB0-9AAB-6DF7D752CC12}" type="slidenum">
+              <a:rPr lang="en-US" smtClean="0"/>
+              <a:t>‹N°›</a:t>
+            </a:fld>
+            <a:endParaRPr lang="en-US"/>
+          </a:p>
+        </p:txBody>
+      </p:sp>
+      <p:sp>
+        <p:nvSpPr>
+          <p:cNvPr id="8" name="Rectangle 7"/>
+          <p:cNvSpPr/>
+          <p:nvPr/>
         </p:nvSpPr>
         <p:spPr>
           <a:xfrm>
-            <a:off x="457200" y="1435100"/>
-            <a:ext cx="3008313" cy="4691063"/>
+            <a:off x="560034" y="1505712"/>
+            <a:ext cx="2716566" cy="3523488"/>
+          </a:xfrm>
+          <a:prstGeom prst="rect">
+            <a:avLst/>
+          </a:prstGeom>
+          <a:solidFill>
+            <a:srgbClr val="FFFFFF">
+              <a:alpha val="83000"/>
+            </a:srgbClr>
+          </a:solidFill>
+          <a:ln>
+            <a:noFill/>
+          </a:ln>
+          <a:effectLst>
+            <a:softEdge rad="12700"/>
+          </a:effectLst>
+        </p:spPr>
+        <p:style>
+          <a:lnRef idx="2">
+            <a:schemeClr val="accent1">
+              <a:shade val="50000"/>
+            </a:schemeClr>
+          </a:lnRef>
+          <a:fillRef idx="1">
+            <a:schemeClr val="accent1"/>
+          </a:fillRef>
+          <a:effectRef idx="0">
+            <a:schemeClr val="accent1"/>
+          </a:effectRef>
+          <a:fontRef idx="minor">
+            <a:schemeClr val="lt1"/>
+          </a:fontRef>
+        </p:style>
+        <p:txBody>
+          <a:bodyPr rtlCol="0" anchor="ctr"/>
+          <a:lstStyle/>
+          <a:p>
+            <a:pPr algn="ctr"/>
+            <a:endParaRPr lang="en-US"/>
+          </a:p>
+        </p:txBody>
+      </p:sp>
+      <p:sp>
+        <p:nvSpPr>
+          <p:cNvPr id="10" name="Rectangle 9"/>
+          <p:cNvSpPr/>
+          <p:nvPr/>
+        </p:nvSpPr>
+        <p:spPr>
+          <a:xfrm>
+            <a:off x="676690" y="1642472"/>
+            <a:ext cx="2483254" cy="3234328"/>
+          </a:xfrm>
+          <a:prstGeom prst="rect">
+            <a:avLst/>
+          </a:prstGeom>
+          <a:solidFill>
+            <a:srgbClr val="FFFFFF"/>
+          </a:solidFill>
+          <a:ln w="6350" cmpd="dbl">
+            <a:solidFill>
+              <a:schemeClr val="accent1">
+                <a:lumMod val="75000"/>
+              </a:schemeClr>
+            </a:solidFill>
+          </a:ln>
+        </p:spPr>
+        <p:style>
+          <a:lnRef idx="2">
+            <a:schemeClr val="accent1">
+              <a:shade val="50000"/>
+            </a:schemeClr>
+          </a:lnRef>
+          <a:fillRef idx="1">
+            <a:schemeClr val="accent1"/>
+          </a:fillRef>
+          <a:effectRef idx="0">
+            <a:schemeClr val="accent1"/>
+          </a:effectRef>
+          <a:fontRef idx="minor">
+            <a:schemeClr val="lt1"/>
+          </a:fontRef>
+        </p:style>
+        <p:txBody>
+          <a:bodyPr rtlCol="0" anchor="ctr"/>
+          <a:lstStyle/>
+          <a:p>
+            <a:pPr algn="ctr"/>
+            <a:endParaRPr lang="en-US"/>
+          </a:p>
+        </p:txBody>
+      </p:sp>
+      <p:sp>
+        <p:nvSpPr>
+          <p:cNvPr id="4" name="Text Placeholder 3"/>
+          <p:cNvSpPr>
+            <a:spLocks noGrp="1"/>
+          </p:cNvSpPr>
+          <p:nvPr>
+            <p:ph type="body" sz="half" idx="2"/>
+          </p:nvPr>
+        </p:nvSpPr>
+        <p:spPr>
+          <a:xfrm>
+            <a:off x="769000" y="2971800"/>
+            <a:ext cx="2298634" cy="1752600"/>
           </a:xfrm>
         </p:spPr>
         <p:txBody>
           <a:bodyPr/>
           <a:lstStyle>
             <a:lvl1pPr marL="0" indent="0">
+              <a:spcBef>
+                <a:spcPts val="400"/>
+              </a:spcBef>
               <a:buNone/>
-              <a:defRPr sz="1400"/>
+              <a:defRPr sz="1400">
+                <a:solidFill>
+                  <a:schemeClr val="accent1">
+                    <a:lumMod val="50000"/>
+                  </a:schemeClr>
+                </a:solidFill>
+              </a:defRPr>
             </a:lvl1pPr>
             <a:lvl2pPr marL="457200" indent="0">
               <a:buNone/>
@@ -2243,75 +3689,45 @@
       </p:sp>
       <p:sp>
         <p:nvSpPr>
-          <p:cNvPr id="5" name="Espace réservé de la date 4"/>
-          <p:cNvSpPr>
-            <a:spLocks noGrp="1"/>
-          </p:cNvSpPr>
-          <p:nvPr>
-            <p:ph type="dt" sz="half" idx="10"/>
-          </p:nvPr>
-        </p:nvSpPr>
-        <p:spPr/>
-        <p:txBody>
-          <a:bodyPr/>
-          <a:lstStyle/>
-          <a:p>
-            <a:fld id="{129D1520-23EB-4C9E-B686-D110DC775BB8}" type="datetimeFigureOut">
-              <a:rPr lang="en-US" smtClean="0"/>
-              <a:t>1/25/2015</a:t>
-            </a:fld>
-            <a:endParaRPr lang="en-US"/>
-          </a:p>
-        </p:txBody>
-      </p:sp>
-      <p:sp>
-        <p:nvSpPr>
-          <p:cNvPr id="6" name="Espace réservé du pied de page 5"/>
-          <p:cNvSpPr>
-            <a:spLocks noGrp="1"/>
-          </p:cNvSpPr>
-          <p:nvPr>
-            <p:ph type="ftr" sz="quarter" idx="11"/>
-          </p:nvPr>
-        </p:nvSpPr>
-        <p:spPr/>
-        <p:txBody>
-          <a:bodyPr/>
-          <a:lstStyle/>
-          <a:p>
-            <a:endParaRPr lang="en-US"/>
-          </a:p>
-        </p:txBody>
-      </p:sp>
-      <p:sp>
-        <p:nvSpPr>
-          <p:cNvPr id="7" name="Espace réservé du numéro de diapositive 6"/>
-          <p:cNvSpPr>
-            <a:spLocks noGrp="1"/>
-          </p:cNvSpPr>
-          <p:nvPr>
-            <p:ph type="sldNum" sz="quarter" idx="12"/>
-          </p:nvPr>
-        </p:nvSpPr>
-        <p:spPr/>
-        <p:txBody>
-          <a:bodyPr/>
-          <a:lstStyle/>
-          <a:p>
-            <a:fld id="{B7A829E3-38C6-4CB0-9AAB-6DF7D752CC12}" type="slidenum">
-              <a:rPr lang="en-US" smtClean="0"/>
-              <a:t>‹N°›</a:t>
-            </a:fld>
-            <a:endParaRPr lang="en-US"/>
+          <p:cNvPr id="2" name="Title 1"/>
+          <p:cNvSpPr>
+            <a:spLocks noGrp="1"/>
+          </p:cNvSpPr>
+          <p:nvPr>
+            <p:ph type="title"/>
+          </p:nvPr>
+        </p:nvSpPr>
+        <p:spPr>
+          <a:xfrm>
+            <a:off x="769000" y="1734312"/>
+            <a:ext cx="2298634" cy="1191620"/>
+          </a:xfrm>
+        </p:spPr>
+        <p:txBody>
+          <a:bodyPr anchor="b">
+            <a:normAutofit/>
+          </a:bodyPr>
+          <a:lstStyle>
+            <a:lvl1pPr algn="l">
+              <a:defRPr sz="2000" b="0">
+                <a:solidFill>
+                  <a:schemeClr val="accent1">
+                    <a:lumMod val="75000"/>
+                  </a:schemeClr>
+                </a:solidFill>
+              </a:defRPr>
+            </a:lvl1pPr>
+          </a:lstStyle>
+          <a:p>
+            <a:r>
+              <a:rPr lang="fr-FR" smtClean="0"/>
+              <a:t>Modifiez le style du titre</a:t>
+            </a:r>
+            <a:endParaRPr lang="en-US" dirty="0"/>
           </a:p>
         </p:txBody>
       </p:sp>
     </p:spTree>
-    <p:extLst>
-      <p:ext uri="{BB962C8B-B14F-4D97-AF65-F5344CB8AC3E}">
-        <p14:creationId xmlns:p14="http://schemas.microsoft.com/office/powerpoint/2010/main" val="2562264917"/>
-      </p:ext>
-    </p:extLst>
   </p:cSld>
   <p:clrMapOvr>
     <a:masterClrMapping/>
@@ -2320,7 +3736,7 @@
 </file>
 
 <file path=ppt/slideLayouts/slideLayout9.xml><?xml version="1.0" encoding="utf-8"?>
-<p:sldLayout xmlns:a="http://schemas.openxmlformats.org/drawingml/2006/main" xmlns:r="http://schemas.openxmlformats.org/officeDocument/2006/relationships" xmlns:p="http://schemas.openxmlformats.org/presentationml/2006/main" type="picTx" preserve="1">
+<p:sldLayout xmlns:a="http://schemas.openxmlformats.org/drawingml/2006/main" xmlns:r="http://schemas.openxmlformats.org/officeDocument/2006/relationships" xmlns:p="http://schemas.openxmlformats.org/presentationml/2006/main" showMasterSp="0" type="picTx" preserve="1">
   <p:cSld name="Image avec légende">
     <p:spTree>
       <p:nvGrpSpPr>
@@ -2338,51 +3754,119 @@
       </p:grpSpPr>
       <p:sp>
         <p:nvSpPr>
-          <p:cNvPr id="2" name="Titre 1"/>
-          <p:cNvSpPr>
-            <a:spLocks noGrp="1"/>
-          </p:cNvSpPr>
-          <p:nvPr>
-            <p:ph type="title"/>
-          </p:nvPr>
+          <p:cNvPr id="8" name="Rectangle 7"/>
+          <p:cNvSpPr/>
+          <p:nvPr/>
         </p:nvSpPr>
         <p:spPr>
           <a:xfrm>
-            <a:off x="1792288" y="4800600"/>
-            <a:ext cx="5486400" cy="566738"/>
+            <a:off x="0" y="0"/>
+            <a:ext cx="9144000" cy="6858000"/>
           </a:xfrm>
+          <a:prstGeom prst="rect">
+            <a:avLst/>
+          </a:prstGeom>
+          <a:solidFill>
+            <a:srgbClr val="FFFFFF"/>
+          </a:solidFill>
+          <a:ln>
+            <a:noFill/>
+          </a:ln>
         </p:spPr>
-        <p:txBody>
-          <a:bodyPr anchor="b"/>
-          <a:lstStyle>
-            <a:lvl1pPr algn="l">
-              <a:defRPr sz="2000" b="1"/>
-            </a:lvl1pPr>
-          </a:lstStyle>
-          <a:p>
-            <a:r>
-              <a:rPr lang="fr-FR" smtClean="0"/>
-              <a:t>Modifiez le style du titre</a:t>
-            </a:r>
-            <a:endParaRPr lang="en-US"/>
-          </a:p>
-        </p:txBody>
-      </p:sp>
-      <p:sp>
-        <p:nvSpPr>
-          <p:cNvPr id="3" name="Espace réservé pour une image  2"/>
-          <p:cNvSpPr>
-            <a:spLocks noGrp="1"/>
-          </p:cNvSpPr>
-          <p:nvPr>
-            <p:ph type="pic" idx="1"/>
-          </p:nvPr>
+        <p:style>
+          <a:lnRef idx="2">
+            <a:schemeClr val="accent1">
+              <a:shade val="50000"/>
+            </a:schemeClr>
+          </a:lnRef>
+          <a:fillRef idx="1">
+            <a:schemeClr val="accent1"/>
+          </a:fillRef>
+          <a:effectRef idx="0">
+            <a:schemeClr val="accent1"/>
+          </a:effectRef>
+          <a:fontRef idx="minor">
+            <a:schemeClr val="lt1"/>
+          </a:fontRef>
+        </p:style>
+        <p:txBody>
+          <a:bodyPr rtlCol="0" anchor="ctr"/>
+          <a:lstStyle/>
+          <a:p>
+            <a:pPr algn="ctr"/>
+            <a:endParaRPr lang="en-US"/>
+          </a:p>
+        </p:txBody>
+      </p:sp>
+      <p:sp useBgFill="1">
+        <p:nvSpPr>
+          <p:cNvPr id="9" name="Rounded Rectangle 8"/>
+          <p:cNvSpPr/>
+          <p:nvPr/>
         </p:nvSpPr>
         <p:spPr>
           <a:xfrm>
-            <a:off x="1792288" y="612775"/>
-            <a:ext cx="5486400" cy="4114800"/>
+            <a:off x="91440" y="101600"/>
+            <a:ext cx="8961120" cy="6664960"/>
           </a:xfrm>
+          <a:prstGeom prst="roundRect">
+            <a:avLst>
+              <a:gd name="adj" fmla="val 1735"/>
+            </a:avLst>
+          </a:prstGeom>
+          <a:ln w="12700" cmpd="sng">
+            <a:noFill/>
+          </a:ln>
+        </p:spPr>
+        <p:style>
+          <a:lnRef idx="2">
+            <a:schemeClr val="accent1">
+              <a:shade val="50000"/>
+            </a:schemeClr>
+          </a:lnRef>
+          <a:fillRef idx="1">
+            <a:schemeClr val="accent1"/>
+          </a:fillRef>
+          <a:effectRef idx="0">
+            <a:schemeClr val="accent1"/>
+          </a:effectRef>
+          <a:fontRef idx="minor">
+            <a:schemeClr val="lt1"/>
+          </a:fontRef>
+        </p:style>
+        <p:txBody>
+          <a:bodyPr rtlCol="0" anchor="ctr"/>
+          <a:lstStyle/>
+          <a:p>
+            <a:pPr algn="ctr"/>
+            <a:endParaRPr lang="en-US"/>
+          </a:p>
+        </p:txBody>
+      </p:sp>
+      <p:sp>
+        <p:nvSpPr>
+          <p:cNvPr id="3" name="Picture Placeholder 2"/>
+          <p:cNvSpPr>
+            <a:spLocks noGrp="1"/>
+          </p:cNvSpPr>
+          <p:nvPr>
+            <p:ph type="pic" idx="1"/>
+          </p:nvPr>
+        </p:nvSpPr>
+        <p:spPr>
+          <a:xfrm>
+            <a:off x="685800" y="621437"/>
+            <a:ext cx="7772400" cy="4331564"/>
+          </a:xfrm>
+          <a:solidFill>
+            <a:schemeClr val="bg2"/>
+          </a:solidFill>
+          <a:ln>
+            <a:noFill/>
+          </a:ln>
+          <a:effectLst>
+            <a:softEdge rad="12700"/>
+          </a:effectLst>
         </p:spPr>
         <p:txBody>
           <a:bodyPr/>
@@ -2425,32 +3909,298 @@
             </a:lvl9pPr>
           </a:lstStyle>
           <a:p>
-            <a:endParaRPr lang="en-US"/>
-          </a:p>
-        </p:txBody>
-      </p:sp>
-      <p:sp>
-        <p:nvSpPr>
-          <p:cNvPr id="4" name="Espace réservé du texte 3"/>
-          <p:cNvSpPr>
-            <a:spLocks noGrp="1"/>
-          </p:cNvSpPr>
-          <p:nvPr>
-            <p:ph type="body" sz="half" idx="2"/>
-          </p:nvPr>
+            <a:r>
+              <a:rPr lang="fr-FR" smtClean="0"/>
+              <a:t>Cliquez sur l'icône pour ajouter une image</a:t>
+            </a:r>
+            <a:endParaRPr lang="en-US" dirty="0"/>
+          </a:p>
+        </p:txBody>
+      </p:sp>
+      <p:sp>
+        <p:nvSpPr>
+          <p:cNvPr id="5" name="Date Placeholder 4"/>
+          <p:cNvSpPr>
+            <a:spLocks noGrp="1"/>
+          </p:cNvSpPr>
+          <p:nvPr>
+            <p:ph type="dt" sz="half" idx="10"/>
+          </p:nvPr>
+        </p:nvSpPr>
+        <p:spPr/>
+        <p:txBody>
+          <a:bodyPr/>
+          <a:lstStyle/>
+          <a:p>
+            <a:fld id="{0B5C994B-3F28-47E2-B1D4-14A5B4F38C5A}" type="datetime1">
+              <a:rPr lang="en-US" smtClean="0"/>
+              <a:t>1/25/2015</a:t>
+            </a:fld>
+            <a:endParaRPr lang="en-US"/>
+          </a:p>
+        </p:txBody>
+      </p:sp>
+      <p:sp>
+        <p:nvSpPr>
+          <p:cNvPr id="7" name="Slide Number Placeholder 6"/>
+          <p:cNvSpPr>
+            <a:spLocks noGrp="1"/>
+          </p:cNvSpPr>
+          <p:nvPr>
+            <p:ph type="sldNum" sz="quarter" idx="12"/>
+          </p:nvPr>
+        </p:nvSpPr>
+        <p:spPr/>
+        <p:txBody>
+          <a:bodyPr/>
+          <a:lstStyle/>
+          <a:p>
+            <a:fld id="{B7A829E3-38C6-4CB0-9AAB-6DF7D752CC12}" type="slidenum">
+              <a:rPr lang="en-US" smtClean="0"/>
+              <a:t>‹N°›</a:t>
+            </a:fld>
+            <a:endParaRPr lang="en-US"/>
+          </a:p>
+        </p:txBody>
+      </p:sp>
+      <p:sp>
+        <p:nvSpPr>
+          <p:cNvPr id="10" name="Rectangle 9"/>
+          <p:cNvSpPr/>
+          <p:nvPr/>
         </p:nvSpPr>
         <p:spPr>
           <a:xfrm>
-            <a:off x="1792288" y="5367338"/>
-            <a:ext cx="5486400" cy="804862"/>
+            <a:off x="685800" y="4953000"/>
+            <a:ext cx="7772400" cy="1371600"/>
+          </a:xfrm>
+          <a:prstGeom prst="rect">
+            <a:avLst/>
+          </a:prstGeom>
+          <a:solidFill>
+            <a:srgbClr val="FFFFFF">
+              <a:alpha val="83000"/>
+            </a:srgbClr>
+          </a:solidFill>
+          <a:ln>
+            <a:noFill/>
+          </a:ln>
+          <a:effectLst>
+            <a:softEdge rad="12700"/>
+          </a:effectLst>
+        </p:spPr>
+        <p:style>
+          <a:lnRef idx="2">
+            <a:schemeClr val="accent1">
+              <a:shade val="50000"/>
+            </a:schemeClr>
+          </a:lnRef>
+          <a:fillRef idx="1">
+            <a:schemeClr val="accent1"/>
+          </a:fillRef>
+          <a:effectRef idx="0">
+            <a:schemeClr val="accent1"/>
+          </a:effectRef>
+          <a:fontRef idx="minor">
+            <a:schemeClr val="lt1"/>
+          </a:fontRef>
+        </p:style>
+        <p:txBody>
+          <a:bodyPr rtlCol="0" anchor="ctr"/>
+          <a:lstStyle/>
+          <a:p>
+            <a:pPr algn="ctr"/>
+            <a:endParaRPr lang="en-US"/>
+          </a:p>
+        </p:txBody>
+      </p:sp>
+      <p:sp>
+        <p:nvSpPr>
+          <p:cNvPr id="12" name="Rectangle 11"/>
+          <p:cNvSpPr/>
+          <p:nvPr/>
+        </p:nvSpPr>
+        <p:spPr>
+          <a:xfrm>
+            <a:off x="761999" y="5029200"/>
+            <a:ext cx="7600765" cy="1202924"/>
+          </a:xfrm>
+          <a:prstGeom prst="rect">
+            <a:avLst/>
+          </a:prstGeom>
+          <a:solidFill>
+            <a:srgbClr val="FFFFFF"/>
+          </a:solidFill>
+          <a:ln w="6350" cmpd="dbl">
+            <a:noFill/>
+          </a:ln>
+        </p:spPr>
+        <p:style>
+          <a:lnRef idx="2">
+            <a:schemeClr val="accent1">
+              <a:shade val="50000"/>
+            </a:schemeClr>
+          </a:lnRef>
+          <a:fillRef idx="1">
+            <a:schemeClr val="accent1"/>
+          </a:fillRef>
+          <a:effectRef idx="0">
+            <a:schemeClr val="accent1"/>
+          </a:effectRef>
+          <a:fontRef idx="minor">
+            <a:schemeClr val="lt1"/>
+          </a:fontRef>
+        </p:style>
+        <p:txBody>
+          <a:bodyPr rtlCol="0" anchor="ctr"/>
+          <a:lstStyle/>
+          <a:p>
+            <a:pPr algn="ctr"/>
+            <a:endParaRPr lang="en-US"/>
+          </a:p>
+        </p:txBody>
+      </p:sp>
+      <p:sp>
+        <p:nvSpPr>
+          <p:cNvPr id="6" name="Footer Placeholder 5"/>
+          <p:cNvSpPr>
+            <a:spLocks noGrp="1"/>
+          </p:cNvSpPr>
+          <p:nvPr>
+            <p:ph type="ftr" sz="quarter" idx="11"/>
+          </p:nvPr>
+        </p:nvSpPr>
+        <p:spPr/>
+        <p:txBody>
+          <a:bodyPr/>
+          <a:lstStyle/>
+          <a:p>
+            <a:r>
+              <a:rPr lang="fr-FR" smtClean="0"/>
+              <a:t>INSA de Rennes - Projet 5 Info/EII</a:t>
+            </a:r>
+            <a:endParaRPr lang="en-US"/>
+          </a:p>
+        </p:txBody>
+      </p:sp>
+      <p:sp>
+        <p:nvSpPr>
+          <p:cNvPr id="13" name="Rectangle 12"/>
+          <p:cNvSpPr/>
+          <p:nvPr/>
+        </p:nvSpPr>
+        <p:spPr>
+          <a:xfrm>
+            <a:off x="914400" y="5638800"/>
+            <a:ext cx="7328514" cy="451696"/>
+          </a:xfrm>
+          <a:prstGeom prst="rect">
+            <a:avLst/>
+          </a:prstGeom>
+          <a:solidFill>
+            <a:schemeClr val="accent1"/>
+          </a:solidFill>
+          <a:ln w="6350" cmpd="dbl">
+            <a:noFill/>
+          </a:ln>
+        </p:spPr>
+        <p:style>
+          <a:lnRef idx="2">
+            <a:schemeClr val="accent1">
+              <a:shade val="50000"/>
+            </a:schemeClr>
+          </a:lnRef>
+          <a:fillRef idx="1">
+            <a:schemeClr val="accent1"/>
+          </a:fillRef>
+          <a:effectRef idx="0">
+            <a:schemeClr val="accent1"/>
+          </a:effectRef>
+          <a:fontRef idx="minor">
+            <a:schemeClr val="lt1"/>
+          </a:fontRef>
+        </p:style>
+        <p:txBody>
+          <a:bodyPr rtlCol="0" anchor="ctr"/>
+          <a:lstStyle/>
+          <a:p>
+            <a:pPr algn="ctr"/>
+            <a:endParaRPr lang="en-US"/>
+          </a:p>
+        </p:txBody>
+      </p:sp>
+      <p:sp>
+        <p:nvSpPr>
+          <p:cNvPr id="11" name="Rectangle 10"/>
+          <p:cNvSpPr/>
+          <p:nvPr/>
+        </p:nvSpPr>
+        <p:spPr>
+          <a:xfrm>
+            <a:off x="605589" y="5074920"/>
+            <a:ext cx="7946136" cy="1097280"/>
+          </a:xfrm>
+          <a:prstGeom prst="rect">
+            <a:avLst/>
+          </a:prstGeom>
+          <a:noFill/>
+          <a:ln w="6350" cmpd="dbl">
+            <a:noFill/>
+          </a:ln>
+        </p:spPr>
+        <p:style>
+          <a:lnRef idx="2">
+            <a:schemeClr val="accent1">
+              <a:shade val="50000"/>
+            </a:schemeClr>
+          </a:lnRef>
+          <a:fillRef idx="1">
+            <a:schemeClr val="accent1"/>
+          </a:fillRef>
+          <a:effectRef idx="0">
+            <a:schemeClr val="accent1"/>
+          </a:effectRef>
+          <a:fontRef idx="minor">
+            <a:schemeClr val="lt1"/>
+          </a:fontRef>
+        </p:style>
+        <p:txBody>
+          <a:bodyPr rtlCol="0" anchor="ctr"/>
+          <a:lstStyle/>
+          <a:p>
+            <a:pPr algn="ctr"/>
+            <a:endParaRPr lang="en-US"/>
+          </a:p>
+        </p:txBody>
+      </p:sp>
+      <p:sp>
+        <p:nvSpPr>
+          <p:cNvPr id="4" name="Text Placeholder 3"/>
+          <p:cNvSpPr>
+            <a:spLocks noGrp="1"/>
+          </p:cNvSpPr>
+          <p:nvPr>
+            <p:ph type="body" sz="half" idx="2"/>
+          </p:nvPr>
+        </p:nvSpPr>
+        <p:spPr>
+          <a:xfrm>
+            <a:off x="956289" y="5656556"/>
+            <a:ext cx="7244736" cy="401715"/>
           </a:xfrm>
         </p:spPr>
         <p:txBody>
-          <a:bodyPr/>
+          <a:bodyPr anchor="ctr">
+            <a:normAutofit/>
+          </a:bodyPr>
           <a:lstStyle>
-            <a:lvl1pPr marL="0" indent="0">
+            <a:lvl1pPr marL="0" indent="0" algn="ctr">
               <a:buNone/>
-              <a:defRPr sz="1400"/>
+              <a:defRPr sz="1500" cap="all" spc="250" baseline="0">
+                <a:solidFill>
+                  <a:srgbClr val="FFFFFF"/>
+                </a:solidFill>
+              </a:defRPr>
             </a:lvl1pPr>
             <a:lvl2pPr marL="457200" indent="0">
               <a:buNone/>
@@ -2496,75 +4246,43 @@
       </p:sp>
       <p:sp>
         <p:nvSpPr>
-          <p:cNvPr id="5" name="Espace réservé de la date 4"/>
-          <p:cNvSpPr>
-            <a:spLocks noGrp="1"/>
-          </p:cNvSpPr>
-          <p:nvPr>
-            <p:ph type="dt" sz="half" idx="10"/>
-          </p:nvPr>
-        </p:nvSpPr>
-        <p:spPr/>
-        <p:txBody>
-          <a:bodyPr/>
-          <a:lstStyle/>
-          <a:p>
-            <a:fld id="{129D1520-23EB-4C9E-B686-D110DC775BB8}" type="datetimeFigureOut">
-              <a:rPr lang="en-US" smtClean="0"/>
-              <a:t>1/25/2015</a:t>
-            </a:fld>
-            <a:endParaRPr lang="en-US"/>
-          </a:p>
-        </p:txBody>
-      </p:sp>
-      <p:sp>
-        <p:nvSpPr>
-          <p:cNvPr id="6" name="Espace réservé du pied de page 5"/>
-          <p:cNvSpPr>
-            <a:spLocks noGrp="1"/>
-          </p:cNvSpPr>
-          <p:nvPr>
-            <p:ph type="ftr" sz="quarter" idx="11"/>
-          </p:nvPr>
-        </p:nvSpPr>
-        <p:spPr/>
-        <p:txBody>
-          <a:bodyPr/>
-          <a:lstStyle/>
-          <a:p>
-            <a:endParaRPr lang="en-US"/>
-          </a:p>
-        </p:txBody>
-      </p:sp>
-      <p:sp>
-        <p:nvSpPr>
-          <p:cNvPr id="7" name="Espace réservé du numéro de diapositive 6"/>
-          <p:cNvSpPr>
-            <a:spLocks noGrp="1"/>
-          </p:cNvSpPr>
-          <p:nvPr>
-            <p:ph type="sldNum" sz="quarter" idx="12"/>
-          </p:nvPr>
-        </p:nvSpPr>
-        <p:spPr/>
-        <p:txBody>
-          <a:bodyPr/>
-          <a:lstStyle/>
-          <a:p>
-            <a:fld id="{B7A829E3-38C6-4CB0-9AAB-6DF7D752CC12}" type="slidenum">
-              <a:rPr lang="en-US" smtClean="0"/>
-              <a:t>‹N°›</a:t>
-            </a:fld>
-            <a:endParaRPr lang="en-US"/>
+          <p:cNvPr id="2" name="Title 1"/>
+          <p:cNvSpPr>
+            <a:spLocks noGrp="1"/>
+          </p:cNvSpPr>
+          <p:nvPr>
+            <p:ph type="title"/>
+          </p:nvPr>
+        </p:nvSpPr>
+        <p:spPr>
+          <a:xfrm>
+            <a:off x="914400" y="5105400"/>
+            <a:ext cx="7328514" cy="523043"/>
+          </a:xfrm>
+        </p:spPr>
+        <p:txBody>
+          <a:bodyPr anchor="ctr" anchorCtr="0"/>
+          <a:lstStyle>
+            <a:lvl1pPr algn="ctr">
+              <a:defRPr sz="2000" b="0">
+                <a:solidFill>
+                  <a:schemeClr val="accent1">
+                    <a:lumMod val="75000"/>
+                  </a:schemeClr>
+                </a:solidFill>
+              </a:defRPr>
+            </a:lvl1pPr>
+          </a:lstStyle>
+          <a:p>
+            <a:r>
+              <a:rPr lang="fr-FR" smtClean="0"/>
+              <a:t>Modifiez le style du titre</a:t>
+            </a:r>
+            <a:endParaRPr lang="en-US" dirty="0"/>
           </a:p>
         </p:txBody>
       </p:sp>
     </p:spTree>
-    <p:extLst>
-      <p:ext uri="{BB962C8B-B14F-4D97-AF65-F5344CB8AC3E}">
-        <p14:creationId xmlns:p14="http://schemas.microsoft.com/office/powerpoint/2010/main" val="3851101820"/>
-      </p:ext>
-    </p:extLst>
   </p:cSld>
   <p:clrMapOvr>
     <a:masterClrMapping/>
@@ -2576,7 +4294,7 @@
 <p:sldMaster xmlns:a="http://schemas.openxmlformats.org/drawingml/2006/main" xmlns:r="http://schemas.openxmlformats.org/officeDocument/2006/relationships" xmlns:p="http://schemas.openxmlformats.org/presentationml/2006/main">
   <p:cSld>
     <p:bg>
-      <p:bgRef idx="1001">
+      <p:bgRef idx="1003">
         <a:schemeClr val="bg1"/>
       </p:bgRef>
     </p:bg>
@@ -2596,57 +4314,115 @@
       </p:grpSpPr>
       <p:sp>
         <p:nvSpPr>
-          <p:cNvPr id="2" name="Espace réservé du titre 1"/>
-          <p:cNvSpPr>
-            <a:spLocks noGrp="1"/>
-          </p:cNvSpPr>
-          <p:nvPr>
-            <p:ph type="title"/>
-          </p:nvPr>
+          <p:cNvPr id="8" name="Rectangle 7"/>
+          <p:cNvSpPr/>
+          <p:nvPr/>
         </p:nvSpPr>
         <p:spPr>
           <a:xfrm>
-            <a:off x="457200" y="274638"/>
-            <a:ext cx="8229600" cy="1143000"/>
+            <a:off x="0" y="0"/>
+            <a:ext cx="9144000" cy="6858000"/>
+          </a:xfrm>
+          <a:prstGeom prst="rect">
+            <a:avLst/>
+          </a:prstGeom>
+          <a:solidFill>
+            <a:srgbClr val="FFFFFF"/>
+          </a:solidFill>
+          <a:ln>
+            <a:noFill/>
+          </a:ln>
+        </p:spPr>
+        <p:style>
+          <a:lnRef idx="2">
+            <a:schemeClr val="accent1">
+              <a:shade val="50000"/>
+            </a:schemeClr>
+          </a:lnRef>
+          <a:fillRef idx="1">
+            <a:schemeClr val="accent1"/>
+          </a:fillRef>
+          <a:effectRef idx="0">
+            <a:schemeClr val="accent1"/>
+          </a:effectRef>
+          <a:fontRef idx="minor">
+            <a:schemeClr val="lt1"/>
+          </a:fontRef>
+        </p:style>
+        <p:txBody>
+          <a:bodyPr rtlCol="0" anchor="ctr"/>
+          <a:lstStyle/>
+          <a:p>
+            <a:pPr algn="ctr"/>
+            <a:endParaRPr lang="en-US"/>
+          </a:p>
+        </p:txBody>
+      </p:sp>
+      <p:sp useBgFill="1">
+        <p:nvSpPr>
+          <p:cNvPr id="7" name="Rounded Rectangle 6"/>
+          <p:cNvSpPr/>
+          <p:nvPr/>
+        </p:nvSpPr>
+        <p:spPr>
+          <a:xfrm>
+            <a:off x="91440" y="101600"/>
+            <a:ext cx="8961120" cy="6664960"/>
+          </a:xfrm>
+          <a:prstGeom prst="roundRect">
+            <a:avLst>
+              <a:gd name="adj" fmla="val 1735"/>
+            </a:avLst>
+          </a:prstGeom>
+          <a:ln w="12700" cmpd="sng">
+            <a:noFill/>
+          </a:ln>
+        </p:spPr>
+        <p:style>
+          <a:lnRef idx="2">
+            <a:schemeClr val="accent1">
+              <a:shade val="50000"/>
+            </a:schemeClr>
+          </a:lnRef>
+          <a:fillRef idx="1">
+            <a:schemeClr val="accent1"/>
+          </a:fillRef>
+          <a:effectRef idx="0">
+            <a:schemeClr val="accent1"/>
+          </a:effectRef>
+          <a:fontRef idx="minor">
+            <a:schemeClr val="lt1"/>
+          </a:fontRef>
+        </p:style>
+        <p:txBody>
+          <a:bodyPr rtlCol="0" anchor="ctr"/>
+          <a:lstStyle/>
+          <a:p>
+            <a:pPr algn="ctr"/>
+            <a:endParaRPr lang="en-US"/>
+          </a:p>
+        </p:txBody>
+      </p:sp>
+      <p:sp>
+        <p:nvSpPr>
+          <p:cNvPr id="3" name="Text Placeholder 2"/>
+          <p:cNvSpPr>
+            <a:spLocks noGrp="1"/>
+          </p:cNvSpPr>
+          <p:nvPr>
+            <p:ph type="body" idx="1"/>
+          </p:nvPr>
+        </p:nvSpPr>
+        <p:spPr>
+          <a:xfrm>
+            <a:off x="457200" y="1752600"/>
+            <a:ext cx="8229600" cy="4373563"/>
           </a:xfrm>
           <a:prstGeom prst="rect">
             <a:avLst/>
           </a:prstGeom>
         </p:spPr>
         <p:txBody>
-          <a:bodyPr vert="horz" lIns="91440" tIns="45720" rIns="91440" bIns="45720" rtlCol="0" anchor="ctr">
-            <a:normAutofit/>
-          </a:bodyPr>
-          <a:lstStyle/>
-          <a:p>
-            <a:r>
-              <a:rPr lang="fr-FR" smtClean="0"/>
-              <a:t>Modifiez le style du titre</a:t>
-            </a:r>
-            <a:endParaRPr lang="en-US"/>
-          </a:p>
-        </p:txBody>
-      </p:sp>
-      <p:sp>
-        <p:nvSpPr>
-          <p:cNvPr id="3" name="Espace réservé du texte 2"/>
-          <p:cNvSpPr>
-            <a:spLocks noGrp="1"/>
-          </p:cNvSpPr>
-          <p:nvPr>
-            <p:ph type="body" idx="1"/>
-          </p:nvPr>
-        </p:nvSpPr>
-        <p:spPr>
-          <a:xfrm>
-            <a:off x="457200" y="1600200"/>
-            <a:ext cx="8229600" cy="4525963"/>
-          </a:xfrm>
-          <a:prstGeom prst="rect">
-            <a:avLst/>
-          </a:prstGeom>
-        </p:spPr>
-        <p:txBody>
           <a:bodyPr vert="horz" lIns="91440" tIns="45720" rIns="91440" bIns="45720" rtlCol="0">
             <a:normAutofit/>
           </a:bodyPr>
@@ -2685,13 +4461,13 @@
               <a:rPr lang="fr-FR" smtClean="0"/>
               <a:t>Cinquième niveau</a:t>
             </a:r>
-            <a:endParaRPr lang="en-US"/>
-          </a:p>
-        </p:txBody>
-      </p:sp>
-      <p:sp>
-        <p:nvSpPr>
-          <p:cNvPr id="4" name="Espace réservé de la date 3"/>
+            <a:endParaRPr lang="en-US" dirty="0"/>
+          </a:p>
+        </p:txBody>
+      </p:sp>
+      <p:sp>
+        <p:nvSpPr>
+          <p:cNvPr id="4" name="Date Placeholder 3"/>
           <p:cNvSpPr>
             <a:spLocks noGrp="1"/>
           </p:cNvSpPr>
@@ -2714,15 +4490,13 @@
             <a:lvl1pPr algn="l">
               <a:defRPr sz="1200">
                 <a:solidFill>
-                  <a:schemeClr val="tx1">
-                    <a:tint val="75000"/>
-                  </a:schemeClr>
+                  <a:schemeClr val="tx2"/>
                 </a:solidFill>
               </a:defRPr>
             </a:lvl1pPr>
           </a:lstStyle>
           <a:p>
-            <a:fld id="{129D1520-23EB-4C9E-B686-D110DC775BB8}" type="datetimeFigureOut">
+            <a:fld id="{2124E1BC-776F-450F-BDD6-354362BE5F93}" type="datetime1">
               <a:rPr lang="en-US" smtClean="0"/>
               <a:t>1/25/2015</a:t>
             </a:fld>
@@ -2732,7 +4506,7 @@
       </p:sp>
       <p:sp>
         <p:nvSpPr>
-          <p:cNvPr id="5" name="Espace réservé du pied de page 4"/>
+          <p:cNvPr id="5" name="Footer Placeholder 4"/>
           <p:cNvSpPr>
             <a:spLocks noGrp="1"/>
           </p:cNvSpPr>
@@ -2755,21 +4529,23 @@
             <a:lvl1pPr algn="ctr">
               <a:defRPr sz="1200">
                 <a:solidFill>
-                  <a:schemeClr val="tx1">
-                    <a:tint val="75000"/>
-                  </a:schemeClr>
+                  <a:schemeClr val="tx2"/>
                 </a:solidFill>
               </a:defRPr>
             </a:lvl1pPr>
           </a:lstStyle>
           <a:p>
-            <a:endParaRPr lang="en-US"/>
-          </a:p>
-        </p:txBody>
-      </p:sp>
-      <p:sp>
-        <p:nvSpPr>
-          <p:cNvPr id="6" name="Espace réservé du numéro de diapositive 5"/>
+            <a:r>
+              <a:rPr lang="fr-FR" smtClean="0"/>
+              <a:t>INSA de Rennes - Projet 5 Info/EII</a:t>
+            </a:r>
+            <a:endParaRPr lang="en-US"/>
+          </a:p>
+        </p:txBody>
+      </p:sp>
+      <p:sp>
+        <p:nvSpPr>
+          <p:cNvPr id="6" name="Slide Number Placeholder 5"/>
           <p:cNvSpPr>
             <a:spLocks noGrp="1"/>
           </p:cNvSpPr>
@@ -2792,9 +4568,7 @@
             <a:lvl1pPr algn="r">
               <a:defRPr sz="1200">
                 <a:solidFill>
-                  <a:schemeClr val="tx1">
-                    <a:tint val="75000"/>
-                  </a:schemeClr>
+                  <a:schemeClr val="tx2"/>
                 </a:solidFill>
               </a:defRPr>
             </a:lvl1pPr>
@@ -2808,27 +4582,167 @@
           </a:p>
         </p:txBody>
       </p:sp>
+      <p:sp>
+        <p:nvSpPr>
+          <p:cNvPr id="9" name="Rectangle 8"/>
+          <p:cNvSpPr/>
+          <p:nvPr/>
+        </p:nvSpPr>
+        <p:spPr>
+          <a:xfrm>
+            <a:off x="274320" y="278166"/>
+            <a:ext cx="8595360" cy="1325880"/>
+          </a:xfrm>
+          <a:prstGeom prst="rect">
+            <a:avLst/>
+          </a:prstGeom>
+          <a:solidFill>
+            <a:srgbClr val="FFFFFF">
+              <a:alpha val="83000"/>
+            </a:srgbClr>
+          </a:solidFill>
+          <a:ln>
+            <a:noFill/>
+          </a:ln>
+          <a:effectLst>
+            <a:softEdge rad="12700"/>
+          </a:effectLst>
+        </p:spPr>
+        <p:style>
+          <a:lnRef idx="2">
+            <a:schemeClr val="accent1">
+              <a:shade val="50000"/>
+            </a:schemeClr>
+          </a:lnRef>
+          <a:fillRef idx="1">
+            <a:schemeClr val="accent1"/>
+          </a:fillRef>
+          <a:effectRef idx="0">
+            <a:schemeClr val="accent1"/>
+          </a:effectRef>
+          <a:fontRef idx="minor">
+            <a:schemeClr val="lt1"/>
+          </a:fontRef>
+        </p:style>
+        <p:txBody>
+          <a:bodyPr rtlCol="0" anchor="ctr"/>
+          <a:lstStyle/>
+          <a:p>
+            <a:pPr marL="0" algn="ctr" defTabSz="914400" rtl="0" eaLnBrk="1" latinLnBrk="0" hangingPunct="1"/>
+            <a:endParaRPr lang="en-US" sz="1800" kern="1200">
+              <a:solidFill>
+                <a:schemeClr val="lt1"/>
+              </a:solidFill>
+              <a:latin typeface="+mn-lt"/>
+              <a:ea typeface="+mn-ea"/>
+              <a:cs typeface="+mn-cs"/>
+            </a:endParaRPr>
+          </a:p>
+        </p:txBody>
+      </p:sp>
+      <p:sp>
+        <p:nvSpPr>
+          <p:cNvPr id="10" name="Rectangle 9"/>
+          <p:cNvSpPr/>
+          <p:nvPr/>
+        </p:nvSpPr>
+        <p:spPr>
+          <a:xfrm>
+            <a:off x="372863" y="372862"/>
+            <a:ext cx="8380520" cy="1118587"/>
+          </a:xfrm>
+          <a:prstGeom prst="rect">
+            <a:avLst/>
+          </a:prstGeom>
+          <a:solidFill>
+            <a:srgbClr val="FFFFFF"/>
+          </a:solidFill>
+          <a:ln w="6350">
+            <a:noFill/>
+          </a:ln>
+        </p:spPr>
+        <p:style>
+          <a:lnRef idx="2">
+            <a:schemeClr val="accent1">
+              <a:shade val="50000"/>
+            </a:schemeClr>
+          </a:lnRef>
+          <a:fillRef idx="1">
+            <a:schemeClr val="accent1"/>
+          </a:fillRef>
+          <a:effectRef idx="0">
+            <a:schemeClr val="accent1"/>
+          </a:effectRef>
+          <a:fontRef idx="minor">
+            <a:schemeClr val="lt1"/>
+          </a:fontRef>
+        </p:style>
+        <p:txBody>
+          <a:bodyPr rtlCol="0" anchor="ctr"/>
+          <a:lstStyle/>
+          <a:p>
+            <a:pPr algn="ctr"/>
+            <a:endParaRPr lang="en-US"/>
+          </a:p>
+        </p:txBody>
+      </p:sp>
+      <p:sp>
+        <p:nvSpPr>
+          <p:cNvPr id="2" name="Title Placeholder 1"/>
+          <p:cNvSpPr>
+            <a:spLocks noGrp="1"/>
+          </p:cNvSpPr>
+          <p:nvPr>
+            <p:ph type="title"/>
+          </p:nvPr>
+        </p:nvSpPr>
+        <p:spPr>
+          <a:xfrm>
+            <a:off x="426128" y="408372"/>
+            <a:ext cx="8260672" cy="1039427"/>
+          </a:xfrm>
+          <a:prstGeom prst="rect">
+            <a:avLst/>
+          </a:prstGeom>
+        </p:spPr>
+        <p:txBody>
+          <a:bodyPr vert="horz" lIns="91440" tIns="45720" rIns="91440" bIns="45720" rtlCol="0" anchor="ctr">
+            <a:normAutofit/>
+          </a:bodyPr>
+          <a:lstStyle/>
+          <a:p>
+            <a:r>
+              <a:rPr lang="fr-FR" smtClean="0"/>
+              <a:t>Modifiez le style du titre</a:t>
+            </a:r>
+            <a:endParaRPr lang="en-US" dirty="0"/>
+          </a:p>
+        </p:txBody>
+      </p:sp>
     </p:spTree>
-    <p:extLst>
-      <p:ext uri="{BB962C8B-B14F-4D97-AF65-F5344CB8AC3E}">
-        <p14:creationId xmlns:p14="http://schemas.microsoft.com/office/powerpoint/2010/main" val="4036546141"/>
-      </p:ext>
-    </p:extLst>
   </p:cSld>
   <p:clrMap bg1="lt1" tx1="dk1" bg2="lt2" tx2="dk2" accent1="accent1" accent2="accent2" accent3="accent3" accent4="accent4" accent5="accent5" accent6="accent6" hlink="hlink" folHlink="folHlink"/>
   <p:sldLayoutIdLst>
-    <p:sldLayoutId id="2147483649" r:id="rId1"/>
-    <p:sldLayoutId id="2147483650" r:id="rId2"/>
-    <p:sldLayoutId id="2147483651" r:id="rId3"/>
-    <p:sldLayoutId id="2147483652" r:id="rId4"/>
-    <p:sldLayoutId id="2147483653" r:id="rId5"/>
-    <p:sldLayoutId id="2147483654" r:id="rId6"/>
-    <p:sldLayoutId id="2147483655" r:id="rId7"/>
-    <p:sldLayoutId id="2147483656" r:id="rId8"/>
-    <p:sldLayoutId id="2147483657" r:id="rId9"/>
-    <p:sldLayoutId id="2147483658" r:id="rId10"/>
-    <p:sldLayoutId id="2147483659" r:id="rId11"/>
+    <p:sldLayoutId id="2147483685" r:id="rId1"/>
+    <p:sldLayoutId id="2147483686" r:id="rId2"/>
+    <p:sldLayoutId id="2147483687" r:id="rId3"/>
+    <p:sldLayoutId id="2147483688" r:id="rId4"/>
+    <p:sldLayoutId id="2147483689" r:id="rId5"/>
+    <p:sldLayoutId id="2147483690" r:id="rId6"/>
+    <p:sldLayoutId id="2147483691" r:id="rId7"/>
+    <p:sldLayoutId id="2147483692" r:id="rId8"/>
+    <p:sldLayoutId id="2147483693" r:id="rId9"/>
+    <p:sldLayoutId id="2147483694" r:id="rId10"/>
+    <p:sldLayoutId id="2147483695" r:id="rId11"/>
   </p:sldLayoutIdLst>
+  <p:timing>
+    <p:tnLst>
+      <p:par>
+        <p:cTn id="1" dur="indefinite" restart="never" nodeType="tmRoot"/>
+      </p:par>
+    </p:tnLst>
+  </p:timing>
+  <p:hf hdr="0"/>
   <p:txStyles>
     <p:titleStyle>
       <a:lvl1pPr algn="ctr" defTabSz="914400" rtl="0" eaLnBrk="1" latinLnBrk="0" hangingPunct="1">
@@ -2836,9 +4750,11 @@
           <a:spcPct val="0"/>
         </a:spcBef>
         <a:buNone/>
-        <a:defRPr sz="4400" kern="1200">
+        <a:defRPr sz="3500" kern="1200" cap="all" baseline="0">
           <a:solidFill>
-            <a:schemeClr val="tx1"/>
+            <a:schemeClr val="accent1">
+              <a:lumMod val="75000"/>
+            </a:schemeClr>
           </a:solidFill>
           <a:latin typeface="+mj-lt"/>
           <a:ea typeface="+mj-ea"/>
@@ -2847,135 +4763,162 @@
       </a:lvl1pPr>
     </p:titleStyle>
     <p:bodyStyle>
-      <a:lvl1pPr marL="342900" indent="-342900" algn="l" defTabSz="914400" rtl="0" eaLnBrk="1" latinLnBrk="0" hangingPunct="1">
+      <a:lvl1pPr marL="342900" indent="-228600" algn="l" defTabSz="914400" rtl="0" eaLnBrk="1" latinLnBrk="0" hangingPunct="1">
         <a:spcBef>
           <a:spcPct val="20000"/>
         </a:spcBef>
-        <a:buFont typeface="Arial" panose="020B0604020202020204" pitchFamily="34" charset="0"/>
+        <a:buClr>
+          <a:schemeClr val="accent1"/>
+        </a:buClr>
+        <a:buFont typeface="Arial" pitchFamily="34" charset="0"/>
         <a:buChar char="•"/>
-        <a:defRPr sz="3200" kern="1200">
+        <a:defRPr sz="2400" kern="1200">
           <a:solidFill>
-            <a:schemeClr val="tx1"/>
+            <a:schemeClr val="tx2"/>
           </a:solidFill>
           <a:latin typeface="+mn-lt"/>
           <a:ea typeface="+mn-ea"/>
           <a:cs typeface="+mn-cs"/>
         </a:defRPr>
       </a:lvl1pPr>
-      <a:lvl2pPr marL="742950" indent="-285750" algn="l" defTabSz="914400" rtl="0" eaLnBrk="1" latinLnBrk="0" hangingPunct="1">
+      <a:lvl2pPr marL="640080" indent="-228600" algn="l" defTabSz="914400" rtl="0" eaLnBrk="1" latinLnBrk="0" hangingPunct="1">
         <a:spcBef>
           <a:spcPct val="20000"/>
         </a:spcBef>
-        <a:buFont typeface="Arial" panose="020B0604020202020204" pitchFamily="34" charset="0"/>
-        <a:buChar char="–"/>
-        <a:defRPr sz="2800" kern="1200">
+        <a:buClr>
+          <a:schemeClr val="accent2"/>
+        </a:buClr>
+        <a:buFont typeface="Arial" pitchFamily="34" charset="0"/>
+        <a:buChar char="•"/>
+        <a:defRPr sz="2000" kern="1200">
           <a:solidFill>
-            <a:schemeClr val="tx1"/>
+            <a:schemeClr val="tx2"/>
           </a:solidFill>
           <a:latin typeface="+mn-lt"/>
           <a:ea typeface="+mn-ea"/>
           <a:cs typeface="+mn-cs"/>
         </a:defRPr>
       </a:lvl2pPr>
-      <a:lvl3pPr marL="1143000" indent="-228600" algn="l" defTabSz="914400" rtl="0" eaLnBrk="1" latinLnBrk="0" hangingPunct="1">
+      <a:lvl3pPr marL="914400" indent="-228600" algn="l" defTabSz="914400" rtl="0" eaLnBrk="1" latinLnBrk="0" hangingPunct="1">
         <a:spcBef>
           <a:spcPct val="20000"/>
         </a:spcBef>
-        <a:buFont typeface="Arial" panose="020B0604020202020204" pitchFamily="34" charset="0"/>
+        <a:buClr>
+          <a:schemeClr val="accent3"/>
+        </a:buClr>
+        <a:buFont typeface="Arial" pitchFamily="34" charset="0"/>
         <a:buChar char="•"/>
-        <a:defRPr sz="2400" kern="1200">
+        <a:defRPr sz="1800" kern="1200">
           <a:solidFill>
-            <a:schemeClr val="tx1"/>
+            <a:schemeClr val="tx2"/>
           </a:solidFill>
           <a:latin typeface="+mn-lt"/>
           <a:ea typeface="+mn-ea"/>
           <a:cs typeface="+mn-cs"/>
         </a:defRPr>
       </a:lvl3pPr>
-      <a:lvl4pPr marL="1600200" indent="-228600" algn="l" defTabSz="914400" rtl="0" eaLnBrk="1" latinLnBrk="0" hangingPunct="1">
+      <a:lvl4pPr marL="1280160" indent="-228600" algn="l" defTabSz="914400" rtl="0" eaLnBrk="1" latinLnBrk="0" hangingPunct="1">
         <a:spcBef>
           <a:spcPct val="20000"/>
         </a:spcBef>
-        <a:buFont typeface="Arial" panose="020B0604020202020204" pitchFamily="34" charset="0"/>
-        <a:buChar char="–"/>
-        <a:defRPr sz="2000" kern="1200">
+        <a:buClr>
+          <a:schemeClr val="accent4"/>
+        </a:buClr>
+        <a:buFont typeface="Arial" pitchFamily="34" charset="0"/>
+        <a:buChar char="•"/>
+        <a:defRPr sz="1600" kern="1200">
           <a:solidFill>
-            <a:schemeClr val="tx1"/>
+            <a:schemeClr val="tx2"/>
           </a:solidFill>
           <a:latin typeface="+mn-lt"/>
           <a:ea typeface="+mn-ea"/>
           <a:cs typeface="+mn-cs"/>
         </a:defRPr>
       </a:lvl4pPr>
-      <a:lvl5pPr marL="2057400" indent="-228600" algn="l" defTabSz="914400" rtl="0" eaLnBrk="1" latinLnBrk="0" hangingPunct="1">
+      <a:lvl5pPr marL="1554480" indent="-228600" algn="l" defTabSz="914400" rtl="0" eaLnBrk="1" latinLnBrk="0" hangingPunct="1">
         <a:spcBef>
           <a:spcPct val="20000"/>
         </a:spcBef>
-        <a:buFont typeface="Arial" panose="020B0604020202020204" pitchFamily="34" charset="0"/>
-        <a:buChar char="»"/>
-        <a:defRPr sz="2000" kern="1200">
+        <a:buClr>
+          <a:schemeClr val="accent5"/>
+        </a:buClr>
+        <a:buFont typeface="Arial" pitchFamily="34" charset="0"/>
+        <a:buChar char="•"/>
+        <a:defRPr sz="1600" kern="1200" baseline="0">
           <a:solidFill>
-            <a:schemeClr val="tx1"/>
+            <a:schemeClr val="tx2"/>
           </a:solidFill>
           <a:latin typeface="+mn-lt"/>
           <a:ea typeface="+mn-ea"/>
           <a:cs typeface="+mn-cs"/>
         </a:defRPr>
       </a:lvl5pPr>
-      <a:lvl6pPr marL="2514600" indent="-228600" algn="l" defTabSz="914400" rtl="0" eaLnBrk="1" latinLnBrk="0" hangingPunct="1">
+      <a:lvl6pPr marL="1737360" indent="-182880" algn="l" defTabSz="914400" rtl="0" eaLnBrk="1" latinLnBrk="0" hangingPunct="1">
         <a:spcBef>
           <a:spcPct val="20000"/>
         </a:spcBef>
-        <a:buFont typeface="Arial" panose="020B0604020202020204" pitchFamily="34" charset="0"/>
+        <a:buClr>
+          <a:schemeClr val="accent1"/>
+        </a:buClr>
+        <a:buFont typeface="Arial" pitchFamily="34" charset="0"/>
         <a:buChar char="•"/>
-        <a:defRPr sz="2000" kern="1200">
+        <a:defRPr sz="1400" kern="1200">
           <a:solidFill>
-            <a:schemeClr val="tx1"/>
+            <a:schemeClr val="tx2"/>
           </a:solidFill>
           <a:latin typeface="+mn-lt"/>
           <a:ea typeface="+mn-ea"/>
           <a:cs typeface="+mn-cs"/>
         </a:defRPr>
       </a:lvl6pPr>
-      <a:lvl7pPr marL="2971800" indent="-228600" algn="l" defTabSz="914400" rtl="0" eaLnBrk="1" latinLnBrk="0" hangingPunct="1">
+      <a:lvl7pPr marL="2011680" indent="-182880" algn="l" defTabSz="914400" rtl="0" eaLnBrk="1" latinLnBrk="0" hangingPunct="1">
         <a:spcBef>
           <a:spcPct val="20000"/>
         </a:spcBef>
-        <a:buFont typeface="Arial" panose="020B0604020202020204" pitchFamily="34" charset="0"/>
+        <a:buClr>
+          <a:schemeClr val="accent2"/>
+        </a:buClr>
+        <a:buFont typeface="Arial" pitchFamily="34" charset="0"/>
         <a:buChar char="•"/>
-        <a:defRPr sz="2000" kern="1200">
+        <a:defRPr sz="1400" kern="1200">
           <a:solidFill>
-            <a:schemeClr val="tx1"/>
+            <a:schemeClr val="tx2"/>
           </a:solidFill>
           <a:latin typeface="+mn-lt"/>
           <a:ea typeface="+mn-ea"/>
           <a:cs typeface="+mn-cs"/>
         </a:defRPr>
       </a:lvl7pPr>
-      <a:lvl8pPr marL="3429000" indent="-228600" algn="l" defTabSz="914400" rtl="0" eaLnBrk="1" latinLnBrk="0" hangingPunct="1">
+      <a:lvl8pPr marL="2194560" indent="-182880" algn="l" defTabSz="914400" rtl="0" eaLnBrk="1" latinLnBrk="0" hangingPunct="1">
         <a:spcBef>
           <a:spcPct val="20000"/>
         </a:spcBef>
-        <a:buFont typeface="Arial" panose="020B0604020202020204" pitchFamily="34" charset="0"/>
+        <a:buClr>
+          <a:schemeClr val="accent3"/>
+        </a:buClr>
+        <a:buFont typeface="Arial" pitchFamily="34" charset="0"/>
         <a:buChar char="•"/>
-        <a:defRPr sz="2000" kern="1200">
+        <a:defRPr sz="1400" kern="1200">
           <a:solidFill>
-            <a:schemeClr val="tx1"/>
+            <a:schemeClr val="tx2"/>
           </a:solidFill>
           <a:latin typeface="+mn-lt"/>
           <a:ea typeface="+mn-ea"/>
           <a:cs typeface="+mn-cs"/>
         </a:defRPr>
       </a:lvl8pPr>
-      <a:lvl9pPr marL="3886200" indent="-228600" algn="l" defTabSz="914400" rtl="0" eaLnBrk="1" latinLnBrk="0" hangingPunct="1">
+      <a:lvl9pPr marL="2377440" indent="-182880" algn="l" defTabSz="914400" rtl="0" eaLnBrk="1" latinLnBrk="0" hangingPunct="1">
         <a:spcBef>
           <a:spcPct val="20000"/>
         </a:spcBef>
-        <a:buFont typeface="Arial" panose="020B0604020202020204" pitchFamily="34" charset="0"/>
+        <a:buClr>
+          <a:schemeClr val="accent4"/>
+        </a:buClr>
+        <a:buFont typeface="Arial" pitchFamily="34" charset="0"/>
         <a:buChar char="•"/>
-        <a:defRPr sz="2000" kern="1200">
+        <a:defRPr sz="1400" kern="1200">
           <a:solidFill>
-            <a:schemeClr val="tx1"/>
+            <a:schemeClr val="tx2"/>
           </a:solidFill>
           <a:latin typeface="+mn-lt"/>
           <a:ea typeface="+mn-ea"/>
@@ -3101,6 +5044,29 @@
       </p:grpSpPr>
       <p:sp>
         <p:nvSpPr>
+          <p:cNvPr id="3" name="Sous-titre 2"/>
+          <p:cNvSpPr>
+            <a:spLocks noGrp="1"/>
+          </p:cNvSpPr>
+          <p:nvPr>
+            <p:ph type="subTitle" idx="1"/>
+          </p:nvPr>
+        </p:nvSpPr>
+        <p:spPr/>
+        <p:txBody>
+          <a:bodyPr/>
+          <a:lstStyle/>
+          <a:p>
+            <a:r>
+              <a:rPr lang="fr-FR" dirty="0" smtClean="0"/>
+              <a:t>Intelligence artificielle</a:t>
+            </a:r>
+            <a:endParaRPr lang="en-US" dirty="0"/>
+          </a:p>
+        </p:txBody>
+      </p:sp>
+      <p:sp>
+        <p:nvSpPr>
           <p:cNvPr id="2" name="Titre 1"/>
           <p:cNvSpPr>
             <a:spLocks noGrp="1"/>
@@ -3114,26 +5080,121 @@
           <a:bodyPr/>
           <a:lstStyle/>
           <a:p>
+            <a:r>
+              <a:rPr lang="fr-FR" dirty="0" smtClean="0"/>
+              <a:t>Belote</a:t>
+            </a:r>
             <a:endParaRPr lang="en-US" dirty="0"/>
           </a:p>
         </p:txBody>
       </p:sp>
       <p:sp>
         <p:nvSpPr>
-          <p:cNvPr id="3" name="Sous-titre 2"/>
-          <p:cNvSpPr>
-            <a:spLocks noGrp="1"/>
-          </p:cNvSpPr>
-          <p:nvPr>
-            <p:ph type="subTitle" idx="1"/>
-          </p:nvPr>
-        </p:nvSpPr>
-        <p:spPr/>
-        <p:txBody>
-          <a:bodyPr/>
-          <a:lstStyle/>
-          <a:p>
-            <a:endParaRPr lang="en-US"/>
+          <p:cNvPr id="9" name="ZoneTexte 8"/>
+          <p:cNvSpPr txBox="1"/>
+          <p:nvPr/>
+        </p:nvSpPr>
+        <p:spPr>
+          <a:xfrm>
+            <a:off x="467544" y="5301208"/>
+            <a:ext cx="2592288" cy="369332"/>
+          </a:xfrm>
+          <a:prstGeom prst="rect">
+            <a:avLst/>
+          </a:prstGeom>
+          <a:noFill/>
+        </p:spPr>
+        <p:txBody>
+          <a:bodyPr wrap="square" rtlCol="0">
+            <a:spAutoFit/>
+          </a:bodyPr>
+          <a:lstStyle/>
+          <a:p>
+            <a:endParaRPr lang="en-US" dirty="0"/>
+          </a:p>
+        </p:txBody>
+      </p:sp>
+      <p:sp>
+        <p:nvSpPr>
+          <p:cNvPr id="10" name="ZoneTexte 9"/>
+          <p:cNvSpPr txBox="1"/>
+          <p:nvPr/>
+        </p:nvSpPr>
+        <p:spPr>
+          <a:xfrm>
+            <a:off x="467544" y="4797152"/>
+            <a:ext cx="2160240" cy="923330"/>
+          </a:xfrm>
+          <a:prstGeom prst="rect">
+            <a:avLst/>
+          </a:prstGeom>
+          <a:noFill/>
+        </p:spPr>
+        <p:txBody>
+          <a:bodyPr wrap="square" rtlCol="0">
+            <a:spAutoFit/>
+          </a:bodyPr>
+          <a:lstStyle/>
+          <a:p>
+            <a:r>
+              <a:rPr lang="fr-FR" dirty="0" smtClean="0"/>
+              <a:t>Étudiants :</a:t>
+            </a:r>
+          </a:p>
+          <a:p>
+            <a:r>
+              <a:rPr lang="fr-FR" dirty="0" smtClean="0"/>
+              <a:t>Aurélien Hébert</a:t>
+            </a:r>
+          </a:p>
+          <a:p>
+            <a:r>
+              <a:rPr lang="fr-FR" dirty="0" smtClean="0"/>
+              <a:t>Élaine </a:t>
+            </a:r>
+            <a:r>
+              <a:rPr lang="fr-FR" dirty="0" err="1" smtClean="0"/>
+              <a:t>Dauchart</a:t>
+            </a:r>
+            <a:endParaRPr lang="en-US" dirty="0"/>
+          </a:p>
+        </p:txBody>
+      </p:sp>
+      <p:sp>
+        <p:nvSpPr>
+          <p:cNvPr id="11" name="ZoneTexte 10"/>
+          <p:cNvSpPr txBox="1"/>
+          <p:nvPr/>
+        </p:nvSpPr>
+        <p:spPr>
+          <a:xfrm>
+            <a:off x="6588224" y="4797152"/>
+            <a:ext cx="2160240" cy="646331"/>
+          </a:xfrm>
+          <a:prstGeom prst="rect">
+            <a:avLst/>
+          </a:prstGeom>
+          <a:noFill/>
+        </p:spPr>
+        <p:txBody>
+          <a:bodyPr wrap="square" rtlCol="0">
+            <a:spAutoFit/>
+          </a:bodyPr>
+          <a:lstStyle/>
+          <a:p>
+            <a:pPr algn="r"/>
+            <a:r>
+              <a:rPr lang="fr-FR" dirty="0" smtClean="0"/>
+              <a:t>Encadrant :   </a:t>
+            </a:r>
+          </a:p>
+          <a:p>
+            <a:pPr algn="r"/>
+            <a:r>
+              <a:rPr lang="fr-FR" dirty="0" smtClean="0"/>
+              <a:t>Pascal Garcia</a:t>
+            </a:r>
+            <a:endParaRPr lang="fr-FR" dirty="0" smtClean="0"/>
           </a:p>
         </p:txBody>
       </p:sp>
@@ -3141,6 +5202,729 @@
     <p:extLst>
       <p:ext uri="{BB962C8B-B14F-4D97-AF65-F5344CB8AC3E}">
         <p14:creationId xmlns:p14="http://schemas.microsoft.com/office/powerpoint/2010/main" val="1427424892"/>
+      </p:ext>
+    </p:extLst>
+  </p:cSld>
+  <p:clrMapOvr>
+    <a:masterClrMapping/>
+  </p:clrMapOvr>
+  <p:timing>
+    <p:tnLst>
+      <p:par>
+        <p:cTn id="1" dur="indefinite" restart="never" nodeType="tmRoot"/>
+      </p:par>
+    </p:tnLst>
+  </p:timing>
+</p:sld>
+</file>
+
+<file path=ppt/slides/slide10.xml><?xml version="1.0" encoding="utf-8"?>
+<p:sld xmlns:a="http://schemas.openxmlformats.org/drawingml/2006/main" xmlns:r="http://schemas.openxmlformats.org/officeDocument/2006/relationships" xmlns:p="http://schemas.openxmlformats.org/presentationml/2006/main">
+  <p:cSld>
+    <p:spTree>
+      <p:nvGrpSpPr>
+        <p:cNvPr id="1" name=""/>
+        <p:cNvGrpSpPr/>
+        <p:nvPr/>
+      </p:nvGrpSpPr>
+      <p:grpSpPr>
+        <a:xfrm>
+          <a:off x="0" y="0"/>
+          <a:ext cx="0" cy="0"/>
+          <a:chOff x="0" y="0"/>
+          <a:chExt cx="0" cy="0"/>
+        </a:xfrm>
+      </p:grpSpPr>
+      <p:sp>
+        <p:nvSpPr>
+          <p:cNvPr id="2" name="Espace réservé de la date 1"/>
+          <p:cNvSpPr>
+            <a:spLocks noGrp="1"/>
+          </p:cNvSpPr>
+          <p:nvPr>
+            <p:ph type="dt" sz="half" idx="10"/>
+          </p:nvPr>
+        </p:nvSpPr>
+        <p:spPr/>
+        <p:txBody>
+          <a:bodyPr/>
+          <a:lstStyle/>
+          <a:p>
+            <a:fld id="{86260F56-9C94-4C82-AE8B-7040A9C47954}" type="datetime1">
+              <a:rPr lang="en-US" smtClean="0"/>
+              <a:t>1/25/2015</a:t>
+            </a:fld>
+            <a:endParaRPr lang="en-US"/>
+          </a:p>
+        </p:txBody>
+      </p:sp>
+      <p:sp>
+        <p:nvSpPr>
+          <p:cNvPr id="3" name="Espace réservé du pied de page 2"/>
+          <p:cNvSpPr>
+            <a:spLocks noGrp="1"/>
+          </p:cNvSpPr>
+          <p:nvPr>
+            <p:ph type="ftr" sz="quarter" idx="11"/>
+          </p:nvPr>
+        </p:nvSpPr>
+        <p:spPr/>
+        <p:txBody>
+          <a:bodyPr/>
+          <a:lstStyle/>
+          <a:p>
+            <a:r>
+              <a:rPr lang="fr-FR" smtClean="0"/>
+              <a:t>INSA de Rennes - Projet 5 Info/EII</a:t>
+            </a:r>
+            <a:endParaRPr lang="en-US"/>
+          </a:p>
+        </p:txBody>
+      </p:sp>
+      <p:sp>
+        <p:nvSpPr>
+          <p:cNvPr id="4" name="Espace réservé du numéro de diapositive 3"/>
+          <p:cNvSpPr>
+            <a:spLocks noGrp="1"/>
+          </p:cNvSpPr>
+          <p:nvPr>
+            <p:ph type="sldNum" sz="quarter" idx="12"/>
+          </p:nvPr>
+        </p:nvSpPr>
+        <p:spPr/>
+        <p:txBody>
+          <a:bodyPr/>
+          <a:lstStyle/>
+          <a:p>
+            <a:fld id="{B7A829E3-38C6-4CB0-9AAB-6DF7D752CC12}" type="slidenum">
+              <a:rPr lang="en-US" smtClean="0"/>
+              <a:t>10</a:t>
+            </a:fld>
+            <a:endParaRPr lang="en-US"/>
+          </a:p>
+        </p:txBody>
+      </p:sp>
+      <p:sp>
+        <p:nvSpPr>
+          <p:cNvPr id="5" name="Titre 4"/>
+          <p:cNvSpPr>
+            <a:spLocks noGrp="1"/>
+          </p:cNvSpPr>
+          <p:nvPr>
+            <p:ph type="title"/>
+          </p:nvPr>
+        </p:nvSpPr>
+        <p:spPr/>
+        <p:txBody>
+          <a:bodyPr/>
+          <a:lstStyle/>
+          <a:p>
+            <a:r>
+              <a:rPr lang="fr-FR" dirty="0" smtClean="0"/>
+              <a:t>Bilan</a:t>
+            </a:r>
+            <a:endParaRPr lang="en-US" dirty="0"/>
+          </a:p>
+        </p:txBody>
+      </p:sp>
+    </p:spTree>
+    <p:extLst>
+      <p:ext uri="{BB962C8B-B14F-4D97-AF65-F5344CB8AC3E}">
+        <p14:creationId xmlns:p14="http://schemas.microsoft.com/office/powerpoint/2010/main" val="2202310891"/>
+      </p:ext>
+    </p:extLst>
+  </p:cSld>
+  <p:clrMapOvr>
+    <a:masterClrMapping/>
+  </p:clrMapOvr>
+  <p:timing>
+    <p:tnLst>
+      <p:par>
+        <p:cTn id="1" dur="indefinite" restart="never" nodeType="tmRoot"/>
+      </p:par>
+    </p:tnLst>
+  </p:timing>
+</p:sld>
+</file>
+
+<file path=ppt/slides/slide11.xml><?xml version="1.0" encoding="utf-8"?>
+<p:sld xmlns:a="http://schemas.openxmlformats.org/drawingml/2006/main" xmlns:r="http://schemas.openxmlformats.org/officeDocument/2006/relationships" xmlns:p="http://schemas.openxmlformats.org/presentationml/2006/main">
+  <p:cSld>
+    <p:spTree>
+      <p:nvGrpSpPr>
+        <p:cNvPr id="1" name=""/>
+        <p:cNvGrpSpPr/>
+        <p:nvPr/>
+      </p:nvGrpSpPr>
+      <p:grpSpPr>
+        <a:xfrm>
+          <a:off x="0" y="0"/>
+          <a:ext cx="0" cy="0"/>
+          <a:chOff x="0" y="0"/>
+          <a:chExt cx="0" cy="0"/>
+        </a:xfrm>
+      </p:grpSpPr>
+      <p:sp>
+        <p:nvSpPr>
+          <p:cNvPr id="2" name="Titre 1"/>
+          <p:cNvSpPr>
+            <a:spLocks noGrp="1"/>
+          </p:cNvSpPr>
+          <p:nvPr>
+            <p:ph type="title"/>
+          </p:nvPr>
+        </p:nvSpPr>
+        <p:spPr/>
+        <p:txBody>
+          <a:bodyPr/>
+          <a:lstStyle/>
+          <a:p>
+            <a:r>
+              <a:rPr lang="fr-FR" dirty="0" smtClean="0"/>
+              <a:t>Point d’efforts</a:t>
+            </a:r>
+            <a:endParaRPr lang="en-US" dirty="0"/>
+          </a:p>
+        </p:txBody>
+      </p:sp>
+      <p:sp>
+        <p:nvSpPr>
+          <p:cNvPr id="3" name="Espace réservé du contenu 2"/>
+          <p:cNvSpPr>
+            <a:spLocks noGrp="1"/>
+          </p:cNvSpPr>
+          <p:nvPr>
+            <p:ph idx="1"/>
+          </p:nvPr>
+        </p:nvSpPr>
+        <p:spPr/>
+        <p:txBody>
+          <a:bodyPr/>
+          <a:lstStyle/>
+          <a:p>
+            <a:r>
+              <a:rPr lang="fr-FR" dirty="0" smtClean="0"/>
+              <a:t>Jeu non complet </a:t>
+            </a:r>
+          </a:p>
+          <a:p>
+            <a:r>
+              <a:rPr lang="fr-FR" dirty="0" smtClean="0"/>
+              <a:t>Alpha beta n’est pas le plus adapté</a:t>
+            </a:r>
+          </a:p>
+          <a:p>
+            <a:pPr lvl="1"/>
+            <a:r>
+              <a:rPr lang="fr-FR" dirty="0" smtClean="0"/>
+              <a:t>Simulation d’une partie prend du temps</a:t>
+            </a:r>
+          </a:p>
+          <a:p>
+            <a:pPr lvl="1"/>
+            <a:r>
+              <a:rPr lang="fr-FR" dirty="0" smtClean="0"/>
+              <a:t>Toutes les possibilités ne sont pas évaluées</a:t>
+            </a:r>
+          </a:p>
+          <a:p>
+            <a:r>
+              <a:rPr lang="fr-FR" dirty="0" smtClean="0"/>
+              <a:t>Interface minimaliste</a:t>
+            </a:r>
+          </a:p>
+          <a:p>
+            <a:r>
+              <a:rPr lang="fr-FR" dirty="0" smtClean="0"/>
+              <a:t>Mode release pose des problèmes </a:t>
+            </a:r>
+          </a:p>
+          <a:p>
+            <a:pPr lvl="1"/>
+            <a:r>
+              <a:rPr lang="fr-FR" dirty="0" err="1" smtClean="0"/>
+              <a:t>Parallélisation</a:t>
+            </a:r>
+            <a:endParaRPr lang="fr-FR" dirty="0" smtClean="0"/>
+          </a:p>
+          <a:p>
+            <a:endParaRPr lang="fr-FR" dirty="0" smtClean="0"/>
+          </a:p>
+        </p:txBody>
+      </p:sp>
+      <p:sp>
+        <p:nvSpPr>
+          <p:cNvPr id="7" name="Espace réservé du numéro de diapositive 6"/>
+          <p:cNvSpPr>
+            <a:spLocks noGrp="1"/>
+          </p:cNvSpPr>
+          <p:nvPr>
+            <p:ph type="sldNum" sz="quarter" idx="12"/>
+          </p:nvPr>
+        </p:nvSpPr>
+        <p:spPr/>
+        <p:txBody>
+          <a:bodyPr/>
+          <a:lstStyle/>
+          <a:p>
+            <a:fld id="{B7A829E3-38C6-4CB0-9AAB-6DF7D752CC12}" type="slidenum">
+              <a:rPr lang="en-US" smtClean="0"/>
+              <a:t>11</a:t>
+            </a:fld>
+            <a:endParaRPr lang="en-US"/>
+          </a:p>
+        </p:txBody>
+      </p:sp>
+      <p:sp>
+        <p:nvSpPr>
+          <p:cNvPr id="8" name="Espace réservé du pied de page 7"/>
+          <p:cNvSpPr>
+            <a:spLocks noGrp="1"/>
+          </p:cNvSpPr>
+          <p:nvPr>
+            <p:ph type="ftr" sz="quarter" idx="11"/>
+          </p:nvPr>
+        </p:nvSpPr>
+        <p:spPr/>
+        <p:txBody>
+          <a:bodyPr/>
+          <a:lstStyle/>
+          <a:p>
+            <a:r>
+              <a:rPr lang="fr-FR" smtClean="0"/>
+              <a:t>INSA de Rennes - Projet 5 Info/EII</a:t>
+            </a:r>
+            <a:endParaRPr lang="en-US"/>
+          </a:p>
+        </p:txBody>
+      </p:sp>
+      <p:sp>
+        <p:nvSpPr>
+          <p:cNvPr id="9" name="Espace réservé de la date 8"/>
+          <p:cNvSpPr>
+            <a:spLocks noGrp="1"/>
+          </p:cNvSpPr>
+          <p:nvPr>
+            <p:ph type="dt" sz="half" idx="10"/>
+          </p:nvPr>
+        </p:nvSpPr>
+        <p:spPr/>
+        <p:txBody>
+          <a:bodyPr/>
+          <a:lstStyle/>
+          <a:p>
+            <a:fld id="{CD2BBDD8-B337-4B49-8B40-C7FA2D56E37C}" type="datetime1">
+              <a:rPr lang="en-US" smtClean="0"/>
+              <a:t>1/25/2015</a:t>
+            </a:fld>
+            <a:endParaRPr lang="en-US"/>
+          </a:p>
+        </p:txBody>
+      </p:sp>
+    </p:spTree>
+    <p:extLst>
+      <p:ext uri="{BB962C8B-B14F-4D97-AF65-F5344CB8AC3E}">
+        <p14:creationId xmlns:p14="http://schemas.microsoft.com/office/powerpoint/2010/main" val="2690770655"/>
+      </p:ext>
+    </p:extLst>
+  </p:cSld>
+  <p:clrMapOvr>
+    <a:masterClrMapping/>
+  </p:clrMapOvr>
+  <p:timing>
+    <p:tnLst>
+      <p:par>
+        <p:cTn id="1" dur="indefinite" restart="never" nodeType="tmRoot"/>
+      </p:par>
+    </p:tnLst>
+  </p:timing>
+</p:sld>
+</file>
+
+<file path=ppt/slides/slide12.xml><?xml version="1.0" encoding="utf-8"?>
+<p:sld xmlns:a="http://schemas.openxmlformats.org/drawingml/2006/main" xmlns:r="http://schemas.openxmlformats.org/officeDocument/2006/relationships" xmlns:p="http://schemas.openxmlformats.org/presentationml/2006/main">
+  <p:cSld>
+    <p:spTree>
+      <p:nvGrpSpPr>
+        <p:cNvPr id="1" name=""/>
+        <p:cNvGrpSpPr/>
+        <p:nvPr/>
+      </p:nvGrpSpPr>
+      <p:grpSpPr>
+        <a:xfrm>
+          <a:off x="0" y="0"/>
+          <a:ext cx="0" cy="0"/>
+          <a:chOff x="0" y="0"/>
+          <a:chExt cx="0" cy="0"/>
+        </a:xfrm>
+      </p:grpSpPr>
+      <p:sp>
+        <p:nvSpPr>
+          <p:cNvPr id="2" name="Titre 1"/>
+          <p:cNvSpPr>
+            <a:spLocks noGrp="1"/>
+          </p:cNvSpPr>
+          <p:nvPr>
+            <p:ph type="title"/>
+          </p:nvPr>
+        </p:nvSpPr>
+        <p:spPr/>
+        <p:txBody>
+          <a:bodyPr/>
+          <a:lstStyle/>
+          <a:p>
+            <a:r>
+              <a:rPr lang="fr-FR" dirty="0" smtClean="0"/>
+              <a:t>Points Forts</a:t>
+            </a:r>
+            <a:endParaRPr lang="en-US" dirty="0"/>
+          </a:p>
+        </p:txBody>
+      </p:sp>
+      <p:sp>
+        <p:nvSpPr>
+          <p:cNvPr id="3" name="Espace réservé du contenu 2"/>
+          <p:cNvSpPr>
+            <a:spLocks noGrp="1"/>
+          </p:cNvSpPr>
+          <p:nvPr>
+            <p:ph idx="1"/>
+          </p:nvPr>
+        </p:nvSpPr>
+        <p:spPr/>
+        <p:txBody>
+          <a:bodyPr/>
+          <a:lstStyle/>
+          <a:p>
+            <a:r>
+              <a:rPr lang="fr-FR" dirty="0" smtClean="0"/>
+              <a:t>A partir du 3è tour, une partie est entièrement déroulée</a:t>
+            </a:r>
+          </a:p>
+          <a:p>
+            <a:r>
+              <a:rPr lang="fr-FR" dirty="0" smtClean="0"/>
+              <a:t>IA est capable de choisir une carte « forte » sur plusieurs parties </a:t>
+            </a:r>
+          </a:p>
+          <a:p>
+            <a:pPr lvl="1"/>
+            <a:r>
+              <a:rPr lang="fr-FR" dirty="0" err="1" smtClean="0"/>
+              <a:t>Parallélisation</a:t>
+            </a:r>
+            <a:endParaRPr lang="fr-FR" dirty="0" smtClean="0"/>
+          </a:p>
+          <a:p>
+            <a:r>
+              <a:rPr lang="fr-FR" dirty="0" smtClean="0"/>
+              <a:t>Le joueur peut encore gagner </a:t>
+            </a:r>
+            <a:r>
+              <a:rPr lang="fr-FR" dirty="0" smtClean="0">
+                <a:sym typeface="Wingdings" panose="05000000000000000000" pitchFamily="2" charset="2"/>
+              </a:rPr>
+              <a:t></a:t>
+            </a:r>
+            <a:endParaRPr lang="fr-FR" dirty="0" smtClean="0"/>
+          </a:p>
+          <a:p>
+            <a:r>
+              <a:rPr lang="fr-FR" dirty="0" smtClean="0"/>
+              <a:t>Fonctionnel</a:t>
+            </a:r>
+            <a:endParaRPr lang="en-US" dirty="0"/>
+          </a:p>
+        </p:txBody>
+      </p:sp>
+      <p:sp>
+        <p:nvSpPr>
+          <p:cNvPr id="7" name="Espace réservé du numéro de diapositive 6"/>
+          <p:cNvSpPr>
+            <a:spLocks noGrp="1"/>
+          </p:cNvSpPr>
+          <p:nvPr>
+            <p:ph type="sldNum" sz="quarter" idx="12"/>
+          </p:nvPr>
+        </p:nvSpPr>
+        <p:spPr/>
+        <p:txBody>
+          <a:bodyPr/>
+          <a:lstStyle/>
+          <a:p>
+            <a:fld id="{B7A829E3-38C6-4CB0-9AAB-6DF7D752CC12}" type="slidenum">
+              <a:rPr lang="en-US" smtClean="0"/>
+              <a:t>12</a:t>
+            </a:fld>
+            <a:endParaRPr lang="en-US"/>
+          </a:p>
+        </p:txBody>
+      </p:sp>
+      <p:sp>
+        <p:nvSpPr>
+          <p:cNvPr id="8" name="Espace réservé du pied de page 7"/>
+          <p:cNvSpPr>
+            <a:spLocks noGrp="1"/>
+          </p:cNvSpPr>
+          <p:nvPr>
+            <p:ph type="ftr" sz="quarter" idx="11"/>
+          </p:nvPr>
+        </p:nvSpPr>
+        <p:spPr/>
+        <p:txBody>
+          <a:bodyPr/>
+          <a:lstStyle/>
+          <a:p>
+            <a:r>
+              <a:rPr lang="fr-FR" smtClean="0"/>
+              <a:t>INSA de Rennes - Projet 5 Info/EII</a:t>
+            </a:r>
+            <a:endParaRPr lang="en-US"/>
+          </a:p>
+        </p:txBody>
+      </p:sp>
+      <p:sp>
+        <p:nvSpPr>
+          <p:cNvPr id="9" name="Espace réservé de la date 8"/>
+          <p:cNvSpPr>
+            <a:spLocks noGrp="1"/>
+          </p:cNvSpPr>
+          <p:nvPr>
+            <p:ph type="dt" sz="half" idx="10"/>
+          </p:nvPr>
+        </p:nvSpPr>
+        <p:spPr/>
+        <p:txBody>
+          <a:bodyPr/>
+          <a:lstStyle/>
+          <a:p>
+            <a:fld id="{DA9DDE5A-740E-4326-94CC-54B57EA5F097}" type="datetime1">
+              <a:rPr lang="en-US" smtClean="0"/>
+              <a:t>1/25/2015</a:t>
+            </a:fld>
+            <a:endParaRPr lang="en-US"/>
+          </a:p>
+        </p:txBody>
+      </p:sp>
+    </p:spTree>
+    <p:extLst>
+      <p:ext uri="{BB962C8B-B14F-4D97-AF65-F5344CB8AC3E}">
+        <p14:creationId xmlns:p14="http://schemas.microsoft.com/office/powerpoint/2010/main" val="1067287253"/>
+      </p:ext>
+    </p:extLst>
+  </p:cSld>
+  <p:clrMapOvr>
+    <a:masterClrMapping/>
+  </p:clrMapOvr>
+  <p:timing>
+    <p:tnLst>
+      <p:par>
+        <p:cTn id="1" dur="indefinite" restart="never" nodeType="tmRoot"/>
+      </p:par>
+    </p:tnLst>
+  </p:timing>
+</p:sld>
+</file>
+
+<file path=ppt/slides/slide13.xml><?xml version="1.0" encoding="utf-8"?>
+<p:sld xmlns:a="http://schemas.openxmlformats.org/drawingml/2006/main" xmlns:r="http://schemas.openxmlformats.org/officeDocument/2006/relationships" xmlns:p="http://schemas.openxmlformats.org/presentationml/2006/main">
+  <p:cSld>
+    <p:spTree>
+      <p:nvGrpSpPr>
+        <p:cNvPr id="1" name=""/>
+        <p:cNvGrpSpPr/>
+        <p:nvPr/>
+      </p:nvGrpSpPr>
+      <p:grpSpPr>
+        <a:xfrm>
+          <a:off x="0" y="0"/>
+          <a:ext cx="0" cy="0"/>
+          <a:chOff x="0" y="0"/>
+          <a:chExt cx="0" cy="0"/>
+        </a:xfrm>
+      </p:grpSpPr>
+      <p:sp>
+        <p:nvSpPr>
+          <p:cNvPr id="2" name="Titre 1"/>
+          <p:cNvSpPr>
+            <a:spLocks noGrp="1"/>
+          </p:cNvSpPr>
+          <p:nvPr>
+            <p:ph type="title"/>
+          </p:nvPr>
+        </p:nvSpPr>
+        <p:spPr/>
+        <p:txBody>
+          <a:bodyPr/>
+          <a:lstStyle/>
+          <a:p>
+            <a:r>
+              <a:rPr lang="fr-FR" dirty="0" smtClean="0"/>
+              <a:t>Aller plus loin</a:t>
+            </a:r>
+            <a:endParaRPr lang="en-US" dirty="0"/>
+          </a:p>
+        </p:txBody>
+      </p:sp>
+      <p:sp>
+        <p:nvSpPr>
+          <p:cNvPr id="3" name="Espace réservé du contenu 2"/>
+          <p:cNvSpPr>
+            <a:spLocks noGrp="1"/>
+          </p:cNvSpPr>
+          <p:nvPr>
+            <p:ph idx="1"/>
+          </p:nvPr>
+        </p:nvSpPr>
+        <p:spPr/>
+        <p:txBody>
+          <a:bodyPr/>
+          <a:lstStyle/>
+          <a:p>
+            <a:r>
+              <a:rPr lang="fr-FR" dirty="0" err="1" smtClean="0"/>
+              <a:t>Pruner</a:t>
+            </a:r>
+            <a:r>
+              <a:rPr lang="fr-FR" dirty="0" smtClean="0"/>
+              <a:t> plus l’arbre </a:t>
+            </a:r>
+          </a:p>
+          <a:p>
+            <a:pPr lvl="1"/>
+            <a:r>
+              <a:rPr lang="fr-FR" dirty="0" smtClean="0"/>
+              <a:t>Cartes maîtresse/faible</a:t>
+            </a:r>
+          </a:p>
+          <a:p>
+            <a:r>
+              <a:rPr lang="fr-FR" dirty="0" smtClean="0"/>
+              <a:t>Equilibre de </a:t>
+            </a:r>
+            <a:r>
+              <a:rPr lang="fr-FR" dirty="0" err="1" smtClean="0"/>
+              <a:t>nash</a:t>
+            </a:r>
+            <a:endParaRPr lang="fr-FR" dirty="0" smtClean="0"/>
+          </a:p>
+          <a:p>
+            <a:pPr lvl="1"/>
+            <a:r>
+              <a:rPr lang="fr-FR" dirty="0" smtClean="0"/>
+              <a:t>Prédiction des atouts adversaires</a:t>
+            </a:r>
+          </a:p>
+          <a:p>
+            <a:pPr lvl="1"/>
+            <a:r>
+              <a:rPr lang="fr-FR" dirty="0" smtClean="0"/>
+              <a:t>Prédiction des</a:t>
+            </a:r>
+            <a:r>
+              <a:rPr lang="fr-FR" dirty="0" smtClean="0"/>
+              <a:t> cartes maitresses</a:t>
+            </a:r>
+          </a:p>
+          <a:p>
+            <a:r>
+              <a:rPr lang="fr-FR" dirty="0" smtClean="0"/>
+              <a:t>Programmation génétique</a:t>
+            </a:r>
+          </a:p>
+          <a:p>
+            <a:pPr lvl="1"/>
+            <a:r>
+              <a:rPr lang="fr-FR" dirty="0" smtClean="0"/>
+              <a:t>Meilleurs programmes</a:t>
+            </a:r>
+            <a:endParaRPr lang="fr-FR" dirty="0" smtClean="0"/>
+          </a:p>
+          <a:p>
+            <a:r>
+              <a:rPr lang="fr-FR" dirty="0" smtClean="0"/>
+              <a:t>Travail sur l’interface</a:t>
+            </a:r>
+            <a:endParaRPr lang="en-US" dirty="0" smtClean="0"/>
+          </a:p>
+          <a:p>
+            <a:endParaRPr lang="en-US" dirty="0"/>
+          </a:p>
+        </p:txBody>
+      </p:sp>
+      <p:sp>
+        <p:nvSpPr>
+          <p:cNvPr id="7" name="Espace réservé du numéro de diapositive 6"/>
+          <p:cNvSpPr>
+            <a:spLocks noGrp="1"/>
+          </p:cNvSpPr>
+          <p:nvPr>
+            <p:ph type="sldNum" sz="quarter" idx="12"/>
+          </p:nvPr>
+        </p:nvSpPr>
+        <p:spPr/>
+        <p:txBody>
+          <a:bodyPr/>
+          <a:lstStyle/>
+          <a:p>
+            <a:fld id="{B7A829E3-38C6-4CB0-9AAB-6DF7D752CC12}" type="slidenum">
+              <a:rPr lang="en-US" smtClean="0"/>
+              <a:t>13</a:t>
+            </a:fld>
+            <a:endParaRPr lang="en-US"/>
+          </a:p>
+        </p:txBody>
+      </p:sp>
+      <p:sp>
+        <p:nvSpPr>
+          <p:cNvPr id="8" name="Espace réservé du pied de page 7"/>
+          <p:cNvSpPr>
+            <a:spLocks noGrp="1"/>
+          </p:cNvSpPr>
+          <p:nvPr>
+            <p:ph type="ftr" sz="quarter" idx="11"/>
+          </p:nvPr>
+        </p:nvSpPr>
+        <p:spPr/>
+        <p:txBody>
+          <a:bodyPr/>
+          <a:lstStyle/>
+          <a:p>
+            <a:r>
+              <a:rPr lang="fr-FR" smtClean="0"/>
+              <a:t>INSA de Rennes - Projet 5 Info/EII</a:t>
+            </a:r>
+            <a:endParaRPr lang="en-US"/>
+          </a:p>
+        </p:txBody>
+      </p:sp>
+      <p:sp>
+        <p:nvSpPr>
+          <p:cNvPr id="9" name="Espace réservé de la date 8"/>
+          <p:cNvSpPr>
+            <a:spLocks noGrp="1"/>
+          </p:cNvSpPr>
+          <p:nvPr>
+            <p:ph type="dt" sz="half" idx="10"/>
+          </p:nvPr>
+        </p:nvSpPr>
+        <p:spPr/>
+        <p:txBody>
+          <a:bodyPr/>
+          <a:lstStyle/>
+          <a:p>
+            <a:fld id="{20A2738B-CF5C-4268-9662-E1E0A12F10CF}" type="datetime1">
+              <a:rPr lang="en-US" smtClean="0"/>
+              <a:t>1/25/2015</a:t>
+            </a:fld>
+            <a:endParaRPr lang="en-US"/>
+          </a:p>
+        </p:txBody>
+      </p:sp>
+    </p:spTree>
+    <p:extLst>
+      <p:ext uri="{BB962C8B-B14F-4D97-AF65-F5344CB8AC3E}">
+        <p14:creationId xmlns:p14="http://schemas.microsoft.com/office/powerpoint/2010/main" val="3281564846"/>
       </p:ext>
     </p:extLst>
   </p:cSld>
@@ -3191,6 +5975,78 @@
           <a:p>
             <a:r>
               <a:rPr lang="fr-FR" dirty="0" smtClean="0"/>
+              <a:t>Plan</a:t>
+            </a:r>
+            <a:endParaRPr lang="en-US" dirty="0"/>
+          </a:p>
+        </p:txBody>
+      </p:sp>
+      <p:sp>
+        <p:nvSpPr>
+          <p:cNvPr id="3" name="Espace réservé du contenu 2"/>
+          <p:cNvSpPr>
+            <a:spLocks noGrp="1"/>
+          </p:cNvSpPr>
+          <p:nvPr>
+            <p:ph idx="1"/>
+          </p:nvPr>
+        </p:nvSpPr>
+        <p:spPr/>
+        <p:txBody>
+          <a:bodyPr/>
+          <a:lstStyle/>
+          <a:p>
+            <a:r>
+              <a:rPr lang="fr-FR" dirty="0" smtClean="0"/>
+              <a:t>Belote</a:t>
+            </a:r>
+          </a:p>
+          <a:p>
+            <a:pPr lvl="1"/>
+            <a:r>
+              <a:rPr lang="fr-FR" dirty="0"/>
+              <a:t> </a:t>
+            </a:r>
+            <a:r>
+              <a:rPr lang="fr-FR" dirty="0" err="1" smtClean="0"/>
+              <a:t>Regles</a:t>
+            </a:r>
+            <a:r>
+              <a:rPr lang="fr-FR" dirty="0" smtClean="0"/>
+              <a:t> + Modélisation</a:t>
+            </a:r>
+          </a:p>
+          <a:p>
+            <a:r>
+              <a:rPr lang="fr-FR" dirty="0" smtClean="0"/>
+              <a:t>Notre Solution</a:t>
+            </a:r>
+          </a:p>
+          <a:p>
+            <a:pPr lvl="1"/>
+            <a:r>
+              <a:rPr lang="fr-FR" dirty="0" smtClean="0"/>
+              <a:t>Utilisation minimax Alpha Beta</a:t>
+            </a:r>
+          </a:p>
+          <a:p>
+            <a:pPr lvl="1"/>
+            <a:r>
+              <a:rPr lang="fr-FR" dirty="0" err="1" smtClean="0"/>
+              <a:t>Parallélisation</a:t>
+            </a:r>
+            <a:endParaRPr lang="fr-FR" dirty="0" smtClean="0"/>
+          </a:p>
+          <a:p>
+            <a:r>
+              <a:rPr lang="fr-FR" dirty="0" err="1" smtClean="0"/>
+              <a:t>Demo</a:t>
+            </a:r>
+            <a:endParaRPr lang="fr-FR" dirty="0" smtClean="0"/>
+          </a:p>
+          <a:p>
+            <a:r>
+              <a:rPr lang="fr-FR" dirty="0" smtClean="0"/>
               <a:t>Bilan</a:t>
             </a:r>
             <a:endParaRPr lang="en-US" dirty="0"/>
@@ -3199,19 +6055,69 @@
       </p:sp>
       <p:sp>
         <p:nvSpPr>
-          <p:cNvPr id="3" name="Espace réservé du contenu 2"/>
-          <p:cNvSpPr>
-            <a:spLocks noGrp="1"/>
-          </p:cNvSpPr>
-          <p:nvPr>
-            <p:ph idx="1"/>
-          </p:nvPr>
-        </p:nvSpPr>
-        <p:spPr/>
-        <p:txBody>
-          <a:bodyPr/>
-          <a:lstStyle/>
-          <a:p>
+          <p:cNvPr id="7" name="Espace réservé du numéro de diapositive 6"/>
+          <p:cNvSpPr>
+            <a:spLocks noGrp="1"/>
+          </p:cNvSpPr>
+          <p:nvPr>
+            <p:ph type="sldNum" sz="quarter" idx="12"/>
+          </p:nvPr>
+        </p:nvSpPr>
+        <p:spPr/>
+        <p:txBody>
+          <a:bodyPr/>
+          <a:lstStyle/>
+          <a:p>
+            <a:fld id="{B7A829E3-38C6-4CB0-9AAB-6DF7D752CC12}" type="slidenum">
+              <a:rPr lang="en-US" smtClean="0"/>
+              <a:t>2</a:t>
+            </a:fld>
+            <a:endParaRPr lang="en-US"/>
+          </a:p>
+        </p:txBody>
+      </p:sp>
+      <p:sp>
+        <p:nvSpPr>
+          <p:cNvPr id="8" name="Espace réservé du pied de page 7"/>
+          <p:cNvSpPr>
+            <a:spLocks noGrp="1"/>
+          </p:cNvSpPr>
+          <p:nvPr>
+            <p:ph type="ftr" sz="quarter" idx="11"/>
+          </p:nvPr>
+        </p:nvSpPr>
+        <p:spPr/>
+        <p:txBody>
+          <a:bodyPr/>
+          <a:lstStyle/>
+          <a:p>
+            <a:r>
+              <a:rPr lang="fr-FR" smtClean="0"/>
+              <a:t>INSA de Rennes - Projet 5 Info/EII</a:t>
+            </a:r>
+            <a:endParaRPr lang="en-US"/>
+          </a:p>
+        </p:txBody>
+      </p:sp>
+      <p:sp>
+        <p:nvSpPr>
+          <p:cNvPr id="9" name="Espace réservé de la date 8"/>
+          <p:cNvSpPr>
+            <a:spLocks noGrp="1"/>
+          </p:cNvSpPr>
+          <p:nvPr>
+            <p:ph type="dt" sz="half" idx="10"/>
+          </p:nvPr>
+        </p:nvSpPr>
+        <p:spPr/>
+        <p:txBody>
+          <a:bodyPr/>
+          <a:lstStyle/>
+          <a:p>
+            <a:fld id="{D3057730-527A-48F4-A355-4440E7E94B2B}" type="datetime1">
+              <a:rPr lang="en-US" smtClean="0"/>
+              <a:t>1/25/2015</a:t>
+            </a:fld>
             <a:endParaRPr lang="en-US"/>
           </a:p>
         </p:txBody>
@@ -3219,7 +6125,7 @@
     </p:spTree>
     <p:extLst>
       <p:ext uri="{BB962C8B-B14F-4D97-AF65-F5344CB8AC3E}">
-        <p14:creationId xmlns:p14="http://schemas.microsoft.com/office/powerpoint/2010/main" val="1790180659"/>
+        <p14:creationId xmlns:p14="http://schemas.microsoft.com/office/powerpoint/2010/main" val="2965461672"/>
       </p:ext>
     </p:extLst>
   </p:cSld>
@@ -3255,7 +6161,76 @@
       </p:grpSpPr>
       <p:sp>
         <p:nvSpPr>
-          <p:cNvPr id="2" name="Titre 1"/>
+          <p:cNvPr id="2" name="Espace réservé de la date 1"/>
+          <p:cNvSpPr>
+            <a:spLocks noGrp="1"/>
+          </p:cNvSpPr>
+          <p:nvPr>
+            <p:ph type="dt" sz="half" idx="10"/>
+          </p:nvPr>
+        </p:nvSpPr>
+        <p:spPr/>
+        <p:txBody>
+          <a:bodyPr/>
+          <a:lstStyle/>
+          <a:p>
+            <a:fld id="{86260F56-9C94-4C82-AE8B-7040A9C47954}" type="datetime1">
+              <a:rPr lang="en-US" smtClean="0"/>
+              <a:t>1/25/2015</a:t>
+            </a:fld>
+            <a:endParaRPr lang="en-US"/>
+          </a:p>
+        </p:txBody>
+      </p:sp>
+      <p:sp>
+        <p:nvSpPr>
+          <p:cNvPr id="3" name="Espace réservé du pied de page 2"/>
+          <p:cNvSpPr>
+            <a:spLocks noGrp="1"/>
+          </p:cNvSpPr>
+          <p:nvPr>
+            <p:ph type="ftr" sz="quarter" idx="11"/>
+          </p:nvPr>
+        </p:nvSpPr>
+        <p:spPr/>
+        <p:txBody>
+          <a:bodyPr/>
+          <a:lstStyle/>
+          <a:p>
+            <a:r>
+              <a:rPr lang="fr-FR" smtClean="0"/>
+              <a:t>INSA de Rennes - Projet 5 Info/EII</a:t>
+            </a:r>
+            <a:endParaRPr lang="en-US"/>
+          </a:p>
+        </p:txBody>
+      </p:sp>
+      <p:sp>
+        <p:nvSpPr>
+          <p:cNvPr id="4" name="Espace réservé du numéro de diapositive 3"/>
+          <p:cNvSpPr>
+            <a:spLocks noGrp="1"/>
+          </p:cNvSpPr>
+          <p:nvPr>
+            <p:ph type="sldNum" sz="quarter" idx="12"/>
+          </p:nvPr>
+        </p:nvSpPr>
+        <p:spPr/>
+        <p:txBody>
+          <a:bodyPr/>
+          <a:lstStyle/>
+          <a:p>
+            <a:fld id="{B7A829E3-38C6-4CB0-9AAB-6DF7D752CC12}" type="slidenum">
+              <a:rPr lang="en-US" smtClean="0"/>
+              <a:t>3</a:t>
+            </a:fld>
+            <a:endParaRPr lang="en-US"/>
+          </a:p>
+        </p:txBody>
+      </p:sp>
+      <p:sp>
+        <p:nvSpPr>
+          <p:cNvPr id="5" name="Titre 4"/>
           <p:cNvSpPr>
             <a:spLocks noGrp="1"/>
           </p:cNvSpPr>
@@ -3270,81 +6245,16 @@
           <a:p>
             <a:r>
               <a:rPr lang="fr-FR" dirty="0" smtClean="0"/>
-              <a:t>Point d’efforts</a:t>
+              <a:t>Contexte</a:t>
             </a:r>
             <a:endParaRPr lang="en-US" dirty="0"/>
-          </a:p>
-        </p:txBody>
-      </p:sp>
-      <p:sp>
-        <p:nvSpPr>
-          <p:cNvPr id="3" name="Espace réservé du contenu 2"/>
-          <p:cNvSpPr>
-            <a:spLocks noGrp="1"/>
-          </p:cNvSpPr>
-          <p:nvPr>
-            <p:ph idx="1"/>
-          </p:nvPr>
-        </p:nvSpPr>
-        <p:spPr/>
-        <p:txBody>
-          <a:bodyPr/>
-          <a:lstStyle/>
-          <a:p>
-            <a:r>
-              <a:rPr lang="fr-FR" dirty="0" smtClean="0"/>
-              <a:t>Jeu non complet </a:t>
-            </a:r>
-          </a:p>
-          <a:p>
-            <a:r>
-              <a:rPr lang="fr-FR" dirty="0" smtClean="0"/>
-              <a:t>Alpha beta n’est pas le plus adapté</a:t>
-            </a:r>
-          </a:p>
-          <a:p>
-            <a:pPr lvl="1"/>
-            <a:r>
-              <a:rPr lang="fr-FR" dirty="0" smtClean="0"/>
-              <a:t>Simulation d’une partie prend du temps</a:t>
-            </a:r>
-          </a:p>
-          <a:p>
-            <a:pPr lvl="1"/>
-            <a:r>
-              <a:rPr lang="fr-FR" dirty="0" smtClean="0"/>
-              <a:t>Toutes les possibilités ne sont pas évaluées</a:t>
-            </a:r>
-          </a:p>
-          <a:p>
-            <a:r>
-              <a:rPr lang="fr-FR" dirty="0" smtClean="0"/>
-              <a:t>Interface minimaliste</a:t>
-            </a:r>
-          </a:p>
-          <a:p>
-            <a:r>
-              <a:rPr lang="fr-FR" dirty="0" smtClean="0"/>
-              <a:t>Mode release pose des problèmes </a:t>
-            </a:r>
-          </a:p>
-          <a:p>
-            <a:pPr lvl="1"/>
-            <a:r>
-              <a:rPr lang="fr-FR" smtClean="0"/>
-              <a:t>Parallélisation</a:t>
-            </a:r>
-            <a:endParaRPr lang="fr-FR" dirty="0" smtClean="0"/>
-          </a:p>
-          <a:p>
-            <a:endParaRPr lang="fr-FR" dirty="0" smtClean="0"/>
           </a:p>
         </p:txBody>
       </p:sp>
     </p:spTree>
     <p:extLst>
       <p:ext uri="{BB962C8B-B14F-4D97-AF65-F5344CB8AC3E}">
-        <p14:creationId xmlns:p14="http://schemas.microsoft.com/office/powerpoint/2010/main" val="2690770655"/>
+        <p14:creationId xmlns:p14="http://schemas.microsoft.com/office/powerpoint/2010/main" val="1223494020"/>
       </p:ext>
     </p:extLst>
   </p:cSld>
@@ -3395,7 +6305,7 @@
           <a:p>
             <a:r>
               <a:rPr lang="fr-FR" dirty="0" smtClean="0"/>
-              <a:t>Points Forts</a:t>
+              <a:t>Belote</a:t>
             </a:r>
             <a:endParaRPr lang="en-US" dirty="0"/>
           </a:p>
@@ -3416,36 +6326,174 @@
           <a:bodyPr/>
           <a:lstStyle/>
           <a:p>
-            <a:r>
-              <a:rPr lang="fr-FR" dirty="0" smtClean="0"/>
-              <a:t>A partir du 3è tour, une partie est entièrement déroulée</a:t>
-            </a:r>
-          </a:p>
-          <a:p>
-            <a:r>
-              <a:rPr lang="fr-FR" dirty="0" smtClean="0"/>
-              <a:t>IA est capable de choisir une carte « forte » sur plusieurs parties</a:t>
-            </a:r>
-          </a:p>
-          <a:p>
-            <a:r>
-              <a:rPr lang="fr-FR" dirty="0" smtClean="0"/>
-              <a:t>Joueur peut encore gagner</a:t>
-            </a:r>
-          </a:p>
-          <a:p>
-            <a:r>
-              <a:rPr lang="fr-FR" dirty="0" smtClean="0"/>
-              <a:t>Fonctionnel</a:t>
+            <a:pPr>
+              <a:lnSpc>
+                <a:spcPct val="150000"/>
+              </a:lnSpc>
+            </a:pPr>
+            <a:r>
+              <a:rPr lang="fr-FR" dirty="0" smtClean="0"/>
+              <a:t>Règles</a:t>
+            </a:r>
+          </a:p>
+          <a:p>
+            <a:pPr lvl="1">
+              <a:lnSpc>
+                <a:spcPct val="150000"/>
+              </a:lnSpc>
+            </a:pPr>
+            <a:r>
+              <a:rPr lang="fr-FR" dirty="0" smtClean="0"/>
+              <a:t>Quatre couleurs, choix d’un atout</a:t>
+            </a:r>
+            <a:endParaRPr lang="fr-FR" dirty="0"/>
+          </a:p>
+          <a:p>
+            <a:pPr lvl="1">
+              <a:lnSpc>
+                <a:spcPct val="150000"/>
+              </a:lnSpc>
+            </a:pPr>
+            <a:r>
+              <a:rPr lang="fr-FR" dirty="0"/>
+              <a:t>Obligation de jouer la couleur </a:t>
+            </a:r>
+            <a:r>
+              <a:rPr lang="fr-FR" dirty="0" smtClean="0"/>
+              <a:t>demandée</a:t>
+            </a:r>
+          </a:p>
+          <a:p>
+            <a:pPr lvl="1">
+              <a:lnSpc>
+                <a:spcPct val="150000"/>
+              </a:lnSpc>
+            </a:pPr>
+            <a:r>
+              <a:rPr lang="fr-FR" dirty="0" smtClean="0"/>
+              <a:t>Coupe sauf quand le partenaire est maître</a:t>
+            </a:r>
+          </a:p>
+          <a:p>
+            <a:pPr>
+              <a:lnSpc>
+                <a:spcPct val="150000"/>
+              </a:lnSpc>
+            </a:pPr>
+            <a:r>
+              <a:rPr lang="fr-FR" dirty="0" smtClean="0"/>
+              <a:t>4 joueurs</a:t>
+            </a:r>
+          </a:p>
+          <a:p>
+            <a:pPr lvl="1">
+              <a:lnSpc>
+                <a:spcPct val="150000"/>
+              </a:lnSpc>
+            </a:pPr>
+            <a:r>
+              <a:rPr lang="fr-FR" dirty="0" smtClean="0"/>
+              <a:t>Chacun son tour</a:t>
+            </a:r>
+          </a:p>
+          <a:p>
+            <a:pPr lvl="1">
+              <a:lnSpc>
+                <a:spcPct val="150000"/>
+              </a:lnSpc>
+            </a:pPr>
+            <a:r>
+              <a:rPr lang="fr-FR" dirty="0" smtClean="0"/>
+              <a:t>Pli de 4 cartes</a:t>
+            </a:r>
+          </a:p>
+          <a:p>
+            <a:pPr lvl="1">
+              <a:lnSpc>
+                <a:spcPct val="150000"/>
+              </a:lnSpc>
+            </a:pPr>
+            <a:r>
+              <a:rPr lang="fr-FR" dirty="0" smtClean="0"/>
+              <a:t>82 points pour remporter un tour</a:t>
             </a:r>
             <a:endParaRPr lang="en-US" dirty="0"/>
+          </a:p>
+        </p:txBody>
+      </p:sp>
+      <p:sp>
+        <p:nvSpPr>
+          <p:cNvPr id="7" name="Espace réservé du numéro de diapositive 6"/>
+          <p:cNvSpPr>
+            <a:spLocks noGrp="1"/>
+          </p:cNvSpPr>
+          <p:nvPr>
+            <p:ph type="sldNum" sz="quarter" idx="12"/>
+          </p:nvPr>
+        </p:nvSpPr>
+        <p:spPr/>
+        <p:txBody>
+          <a:bodyPr/>
+          <a:lstStyle/>
+          <a:p>
+            <a:fld id="{B7A829E3-38C6-4CB0-9AAB-6DF7D752CC12}" type="slidenum">
+              <a:rPr lang="en-US" smtClean="0"/>
+              <a:t>4</a:t>
+            </a:fld>
+            <a:endParaRPr lang="en-US"/>
+          </a:p>
+        </p:txBody>
+      </p:sp>
+      <p:sp>
+        <p:nvSpPr>
+          <p:cNvPr id="8" name="Espace réservé du pied de page 7"/>
+          <p:cNvSpPr>
+            <a:spLocks noGrp="1"/>
+          </p:cNvSpPr>
+          <p:nvPr>
+            <p:ph type="ftr" sz="quarter" idx="11"/>
+          </p:nvPr>
+        </p:nvSpPr>
+        <p:spPr/>
+        <p:txBody>
+          <a:bodyPr/>
+          <a:lstStyle/>
+          <a:p>
+            <a:r>
+              <a:rPr lang="fr-FR" smtClean="0"/>
+              <a:t>INSA de Rennes - Projet 5 Info/EII</a:t>
+            </a:r>
+            <a:endParaRPr lang="en-US"/>
+          </a:p>
+        </p:txBody>
+      </p:sp>
+      <p:sp>
+        <p:nvSpPr>
+          <p:cNvPr id="9" name="Espace réservé de la date 8"/>
+          <p:cNvSpPr>
+            <a:spLocks noGrp="1"/>
+          </p:cNvSpPr>
+          <p:nvPr>
+            <p:ph type="dt" sz="half" idx="10"/>
+          </p:nvPr>
+        </p:nvSpPr>
+        <p:spPr/>
+        <p:txBody>
+          <a:bodyPr/>
+          <a:lstStyle/>
+          <a:p>
+            <a:fld id="{8395046B-6EAF-45A8-948F-DBEB73E70487}" type="datetime1">
+              <a:rPr lang="en-US" smtClean="0"/>
+              <a:t>1/25/2015</a:t>
+            </a:fld>
+            <a:endParaRPr lang="en-US"/>
           </a:p>
         </p:txBody>
       </p:sp>
     </p:spTree>
     <p:extLst>
       <p:ext uri="{BB962C8B-B14F-4D97-AF65-F5344CB8AC3E}">
-        <p14:creationId xmlns:p14="http://schemas.microsoft.com/office/powerpoint/2010/main" val="1067287253"/>
+        <p14:creationId xmlns:p14="http://schemas.microsoft.com/office/powerpoint/2010/main" val="544529363"/>
       </p:ext>
     </p:extLst>
   </p:cSld>
@@ -3496,7 +6544,7 @@
           <a:p>
             <a:r>
               <a:rPr lang="fr-FR" dirty="0" smtClean="0"/>
-              <a:t>Aller plus loin</a:t>
+              <a:t>Notre Solution</a:t>
             </a:r>
             <a:endParaRPr lang="en-US" dirty="0"/>
           </a:p>
@@ -3518,83 +6566,951 @@
           <a:lstStyle/>
           <a:p>
             <a:r>
-              <a:rPr lang="fr-FR" dirty="0" err="1" smtClean="0"/>
-              <a:t>Pruner</a:t>
-            </a:r>
-            <a:r>
-              <a:rPr lang="fr-FR" dirty="0" smtClean="0"/>
-              <a:t> plus l’arbre </a:t>
+              <a:rPr lang="fr-FR" dirty="0" smtClean="0"/>
+              <a:t>Carte</a:t>
             </a:r>
           </a:p>
           <a:p>
             <a:pPr lvl="1"/>
             <a:r>
               <a:rPr lang="fr-FR" dirty="0" smtClean="0"/>
-              <a:t>Cartes maîtresse/faible</a:t>
-            </a:r>
-          </a:p>
-          <a:p>
-            <a:r>
-              <a:rPr lang="fr-FR" dirty="0" smtClean="0"/>
-              <a:t>Equilibre de </a:t>
-            </a:r>
-            <a:r>
-              <a:rPr lang="fr-FR" dirty="0" err="1" smtClean="0"/>
-              <a:t>nash</a:t>
-            </a:r>
-            <a:r>
-              <a:rPr lang="fr-FR" dirty="0" smtClean="0"/>
-              <a:t> (</a:t>
+              <a:t>Couleur, valeur et les points</a:t>
+            </a:r>
+          </a:p>
+          <a:p>
+            <a:r>
+              <a:rPr lang="fr-FR" dirty="0" smtClean="0"/>
+              <a:t>Main</a:t>
             </a:r>
           </a:p>
           <a:p>
             <a:pPr lvl="1"/>
             <a:r>
               <a:rPr lang="fr-FR" dirty="0" smtClean="0"/>
-              <a:t>Prédiction des atouts adversaires,</a:t>
+              <a:t>Tableau de carte ordonné</a:t>
+            </a:r>
+          </a:p>
+          <a:p>
+            <a:r>
+              <a:rPr lang="fr-FR" dirty="0" smtClean="0"/>
+              <a:t>Minimax alpha beta</a:t>
             </a:r>
           </a:p>
           <a:p>
             <a:pPr lvl="1"/>
             <a:r>
               <a:rPr lang="fr-FR" dirty="0" smtClean="0"/>
-              <a:t>Prédiction des</a:t>
-            </a:r>
-            <a:r>
-              <a:rPr lang="fr-FR" dirty="0" smtClean="0"/>
-              <a:t> cartes maitresses</a:t>
-            </a:r>
-          </a:p>
-          <a:p>
-            <a:r>
-              <a:rPr lang="fr-FR" dirty="0" smtClean="0"/>
-              <a:t>Programmation génétique</a:t>
+              <a:t>Structure connaitre l’état</a:t>
             </a:r>
           </a:p>
           <a:p>
             <a:pPr lvl="1"/>
             <a:r>
               <a:rPr lang="fr-FR" dirty="0" smtClean="0"/>
-              <a:t>Meilleurs programmes</a:t>
-            </a:r>
-            <a:endParaRPr lang="fr-FR" dirty="0" smtClean="0"/>
-          </a:p>
-          <a:p>
-            <a:r>
-              <a:rPr lang="fr-FR" dirty="0" smtClean="0"/>
-              <a:t>Travail sur l’interface</a:t>
-            </a:r>
-            <a:endParaRPr lang="en-US" dirty="0" smtClean="0"/>
-          </a:p>
-          <a:p>
+              <a:t>Deux cas d’arrêt</a:t>
+            </a:r>
+          </a:p>
+          <a:p>
+            <a:pPr lvl="2"/>
+            <a:r>
+              <a:rPr lang="fr-FR" dirty="0" smtClean="0"/>
+              <a:t>Fin d’un pli (dans max ou min value)</a:t>
+            </a:r>
+          </a:p>
+          <a:p>
+            <a:pPr lvl="2"/>
+            <a:r>
+              <a:rPr lang="fr-FR" dirty="0" smtClean="0"/>
+              <a:t>Fin du jeu (minimax)</a:t>
+            </a:r>
+          </a:p>
+          <a:p>
+            <a:r>
+              <a:rPr lang="fr-FR" dirty="0" smtClean="0"/>
+              <a:t>Jeu</a:t>
+            </a:r>
+          </a:p>
+          <a:p>
+            <a:pPr lvl="1"/>
+            <a:r>
+              <a:rPr lang="fr-FR" dirty="0" smtClean="0"/>
+              <a:t>Gestion en ligne de commande</a:t>
+            </a:r>
             <a:endParaRPr lang="en-US" dirty="0"/>
+          </a:p>
+        </p:txBody>
+      </p:sp>
+      <p:sp>
+        <p:nvSpPr>
+          <p:cNvPr id="7" name="Espace réservé du numéro de diapositive 6"/>
+          <p:cNvSpPr>
+            <a:spLocks noGrp="1"/>
+          </p:cNvSpPr>
+          <p:nvPr>
+            <p:ph type="sldNum" sz="quarter" idx="12"/>
+          </p:nvPr>
+        </p:nvSpPr>
+        <p:spPr/>
+        <p:txBody>
+          <a:bodyPr/>
+          <a:lstStyle/>
+          <a:p>
+            <a:fld id="{B7A829E3-38C6-4CB0-9AAB-6DF7D752CC12}" type="slidenum">
+              <a:rPr lang="en-US" smtClean="0"/>
+              <a:t>5</a:t>
+            </a:fld>
+            <a:endParaRPr lang="en-US"/>
+          </a:p>
+        </p:txBody>
+      </p:sp>
+      <p:sp>
+        <p:nvSpPr>
+          <p:cNvPr id="8" name="Espace réservé du pied de page 7"/>
+          <p:cNvSpPr>
+            <a:spLocks noGrp="1"/>
+          </p:cNvSpPr>
+          <p:nvPr>
+            <p:ph type="ftr" sz="quarter" idx="11"/>
+          </p:nvPr>
+        </p:nvSpPr>
+        <p:spPr/>
+        <p:txBody>
+          <a:bodyPr/>
+          <a:lstStyle/>
+          <a:p>
+            <a:r>
+              <a:rPr lang="fr-FR" smtClean="0"/>
+              <a:t>INSA de Rennes - Projet 5 Info/EII</a:t>
+            </a:r>
+            <a:endParaRPr lang="en-US"/>
+          </a:p>
+        </p:txBody>
+      </p:sp>
+      <p:sp>
+        <p:nvSpPr>
+          <p:cNvPr id="9" name="Espace réservé de la date 8"/>
+          <p:cNvSpPr>
+            <a:spLocks noGrp="1"/>
+          </p:cNvSpPr>
+          <p:nvPr>
+            <p:ph type="dt" sz="half" idx="10"/>
+          </p:nvPr>
+        </p:nvSpPr>
+        <p:spPr/>
+        <p:txBody>
+          <a:bodyPr/>
+          <a:lstStyle/>
+          <a:p>
+            <a:fld id="{6A704D40-7BAA-4726-AB3D-48FC27486AA0}" type="datetime1">
+              <a:rPr lang="en-US" smtClean="0"/>
+              <a:t>1/25/2015</a:t>
+            </a:fld>
+            <a:endParaRPr lang="en-US"/>
           </a:p>
         </p:txBody>
       </p:sp>
     </p:spTree>
     <p:extLst>
       <p:ext uri="{BB962C8B-B14F-4D97-AF65-F5344CB8AC3E}">
-        <p14:creationId xmlns:p14="http://schemas.microsoft.com/office/powerpoint/2010/main" val="3281564846"/>
+        <p14:creationId xmlns:p14="http://schemas.microsoft.com/office/powerpoint/2010/main" val="215323341"/>
+      </p:ext>
+    </p:extLst>
+  </p:cSld>
+  <p:clrMapOvr>
+    <a:masterClrMapping/>
+  </p:clrMapOvr>
+  <p:timing>
+    <p:tnLst>
+      <p:par>
+        <p:cTn id="1" dur="indefinite" restart="never" nodeType="tmRoot"/>
+      </p:par>
+    </p:tnLst>
+  </p:timing>
+</p:sld>
+</file>
+
+<file path=ppt/slides/slide6.xml><?xml version="1.0" encoding="utf-8"?>
+<p:sld xmlns:a="http://schemas.openxmlformats.org/drawingml/2006/main" xmlns:r="http://schemas.openxmlformats.org/officeDocument/2006/relationships" xmlns:p="http://schemas.openxmlformats.org/presentationml/2006/main">
+  <p:cSld>
+    <p:spTree>
+      <p:nvGrpSpPr>
+        <p:cNvPr id="1" name=""/>
+        <p:cNvGrpSpPr/>
+        <p:nvPr/>
+      </p:nvGrpSpPr>
+      <p:grpSpPr>
+        <a:xfrm>
+          <a:off x="0" y="0"/>
+          <a:ext cx="0" cy="0"/>
+          <a:chOff x="0" y="0"/>
+          <a:chExt cx="0" cy="0"/>
+        </a:xfrm>
+      </p:grpSpPr>
+      <p:sp>
+        <p:nvSpPr>
+          <p:cNvPr id="2" name="Titre 1"/>
+          <p:cNvSpPr>
+            <a:spLocks noGrp="1"/>
+          </p:cNvSpPr>
+          <p:nvPr>
+            <p:ph type="title"/>
+          </p:nvPr>
+        </p:nvSpPr>
+        <p:spPr/>
+        <p:txBody>
+          <a:bodyPr/>
+          <a:lstStyle/>
+          <a:p>
+            <a:r>
+              <a:rPr lang="fr-FR" dirty="0"/>
+              <a:t>É</a:t>
+            </a:r>
+            <a:r>
+              <a:rPr lang="fr-FR" dirty="0" smtClean="0"/>
+              <a:t>volution</a:t>
+            </a:r>
+            <a:endParaRPr lang="en-US" dirty="0"/>
+          </a:p>
+        </p:txBody>
+      </p:sp>
+      <p:sp>
+        <p:nvSpPr>
+          <p:cNvPr id="3" name="Espace réservé du contenu 2"/>
+          <p:cNvSpPr>
+            <a:spLocks noGrp="1"/>
+          </p:cNvSpPr>
+          <p:nvPr>
+            <p:ph idx="1"/>
+          </p:nvPr>
+        </p:nvSpPr>
+        <p:spPr/>
+        <p:txBody>
+          <a:bodyPr>
+            <a:normAutofit/>
+          </a:bodyPr>
+          <a:lstStyle/>
+          <a:p>
+            <a:r>
+              <a:rPr lang="fr-FR" dirty="0" smtClean="0"/>
+              <a:t>Première étape : Minimax simple</a:t>
+            </a:r>
+          </a:p>
+          <a:p>
+            <a:pPr lvl="1"/>
+            <a:r>
+              <a:rPr lang="fr-FR" dirty="0" smtClean="0"/>
+              <a:t>Génération aléatoire des mains des 3 autres joueurs</a:t>
+            </a:r>
+          </a:p>
+          <a:p>
+            <a:pPr lvl="1"/>
+            <a:r>
+              <a:rPr lang="fr-FR" dirty="0" smtClean="0"/>
+              <a:t>Premier pli toutes les possibilités sont développées</a:t>
+            </a:r>
+          </a:p>
+          <a:p>
+            <a:pPr lvl="2"/>
+            <a:r>
+              <a:rPr lang="fr-FR" dirty="0" smtClean="0"/>
+              <a:t>Respect des règles</a:t>
+            </a:r>
+          </a:p>
+          <a:p>
+            <a:pPr lvl="1"/>
+            <a:r>
+              <a:rPr lang="fr-FR" dirty="0" smtClean="0"/>
+              <a:t>Ensuite règles simplifiées</a:t>
+            </a:r>
+          </a:p>
+          <a:p>
+            <a:pPr lvl="2"/>
+            <a:r>
+              <a:rPr lang="fr-FR" dirty="0" smtClean="0"/>
+              <a:t>Carte aléatoire pour le premier joueur</a:t>
+            </a:r>
+          </a:p>
+          <a:p>
+            <a:pPr lvl="1"/>
+            <a:endParaRPr lang="fr-FR" dirty="0"/>
+          </a:p>
+          <a:p>
+            <a:r>
+              <a:rPr lang="fr-FR" dirty="0" smtClean="0"/>
+              <a:t>Seconde étape : Minimax Alpha Beta</a:t>
+            </a:r>
+          </a:p>
+          <a:p>
+            <a:pPr lvl="1"/>
+            <a:r>
+              <a:rPr lang="fr-FR" dirty="0" err="1" smtClean="0"/>
+              <a:t>Prunage</a:t>
+            </a:r>
+            <a:r>
+              <a:rPr lang="fr-FR" dirty="0" smtClean="0"/>
+              <a:t> des résultats</a:t>
+            </a:r>
+          </a:p>
+          <a:p>
+            <a:pPr lvl="1"/>
+            <a:r>
+              <a:rPr lang="fr-FR" dirty="0" smtClean="0"/>
+              <a:t>Deux plis quand 8 cartes en main</a:t>
+            </a:r>
+          </a:p>
+          <a:p>
+            <a:pPr lvl="1"/>
+            <a:r>
+              <a:rPr lang="fr-FR" dirty="0" smtClean="0"/>
+              <a:t>Déroulement complet à partir de 6 cartes en main</a:t>
+            </a:r>
+          </a:p>
+          <a:p>
+            <a:pPr lvl="2"/>
+            <a:endParaRPr lang="en-US" dirty="0"/>
+          </a:p>
+        </p:txBody>
+      </p:sp>
+      <p:sp>
+        <p:nvSpPr>
+          <p:cNvPr id="4" name="Espace réservé de la date 3"/>
+          <p:cNvSpPr>
+            <a:spLocks noGrp="1"/>
+          </p:cNvSpPr>
+          <p:nvPr>
+            <p:ph type="dt" sz="half" idx="10"/>
+          </p:nvPr>
+        </p:nvSpPr>
+        <p:spPr/>
+        <p:txBody>
+          <a:bodyPr/>
+          <a:lstStyle/>
+          <a:p>
+            <a:fld id="{6EBC5AF1-2798-4883-9BF4-69A5875AB82F}" type="datetime1">
+              <a:rPr lang="en-US" smtClean="0"/>
+              <a:t>1/25/2015</a:t>
+            </a:fld>
+            <a:endParaRPr lang="en-US"/>
+          </a:p>
+        </p:txBody>
+      </p:sp>
+      <p:sp>
+        <p:nvSpPr>
+          <p:cNvPr id="5" name="Espace réservé du pied de page 4"/>
+          <p:cNvSpPr>
+            <a:spLocks noGrp="1"/>
+          </p:cNvSpPr>
+          <p:nvPr>
+            <p:ph type="ftr" sz="quarter" idx="11"/>
+          </p:nvPr>
+        </p:nvSpPr>
+        <p:spPr/>
+        <p:txBody>
+          <a:bodyPr/>
+          <a:lstStyle/>
+          <a:p>
+            <a:r>
+              <a:rPr lang="fr-FR" smtClean="0"/>
+              <a:t>INSA de Rennes - Projet 5 Info/EII</a:t>
+            </a:r>
+            <a:endParaRPr lang="en-US"/>
+          </a:p>
+        </p:txBody>
+      </p:sp>
+      <p:sp>
+        <p:nvSpPr>
+          <p:cNvPr id="6" name="Espace réservé du numéro de diapositive 5"/>
+          <p:cNvSpPr>
+            <a:spLocks noGrp="1"/>
+          </p:cNvSpPr>
+          <p:nvPr>
+            <p:ph type="sldNum" sz="quarter" idx="12"/>
+          </p:nvPr>
+        </p:nvSpPr>
+        <p:spPr/>
+        <p:txBody>
+          <a:bodyPr/>
+          <a:lstStyle/>
+          <a:p>
+            <a:fld id="{B7A829E3-38C6-4CB0-9AAB-6DF7D752CC12}" type="slidenum">
+              <a:rPr lang="en-US" smtClean="0"/>
+              <a:t>6</a:t>
+            </a:fld>
+            <a:endParaRPr lang="en-US"/>
+          </a:p>
+        </p:txBody>
+      </p:sp>
+    </p:spTree>
+    <p:extLst>
+      <p:ext uri="{BB962C8B-B14F-4D97-AF65-F5344CB8AC3E}">
+        <p14:creationId xmlns:p14="http://schemas.microsoft.com/office/powerpoint/2010/main" val="1987713974"/>
+      </p:ext>
+    </p:extLst>
+  </p:cSld>
+  <p:clrMapOvr>
+    <a:masterClrMapping/>
+  </p:clrMapOvr>
+  <p:timing>
+    <p:tnLst>
+      <p:par>
+        <p:cTn id="1" dur="indefinite" restart="never" nodeType="tmRoot"/>
+      </p:par>
+    </p:tnLst>
+  </p:timing>
+</p:sld>
+</file>
+
+<file path=ppt/slides/slide7.xml><?xml version="1.0" encoding="utf-8"?>
+<p:sld xmlns:a="http://schemas.openxmlformats.org/drawingml/2006/main" xmlns:r="http://schemas.openxmlformats.org/officeDocument/2006/relationships" xmlns:p="http://schemas.openxmlformats.org/presentationml/2006/main">
+  <p:cSld>
+    <p:spTree>
+      <p:nvGrpSpPr>
+        <p:cNvPr id="1" name=""/>
+        <p:cNvGrpSpPr/>
+        <p:nvPr/>
+      </p:nvGrpSpPr>
+      <p:grpSpPr>
+        <a:xfrm>
+          <a:off x="0" y="0"/>
+          <a:ext cx="0" cy="0"/>
+          <a:chOff x="0" y="0"/>
+          <a:chExt cx="0" cy="0"/>
+        </a:xfrm>
+      </p:grpSpPr>
+      <p:sp>
+        <p:nvSpPr>
+          <p:cNvPr id="2" name="Titre 1"/>
+          <p:cNvSpPr>
+            <a:spLocks noGrp="1"/>
+          </p:cNvSpPr>
+          <p:nvPr>
+            <p:ph type="title"/>
+          </p:nvPr>
+        </p:nvSpPr>
+        <p:spPr/>
+        <p:txBody>
+          <a:bodyPr/>
+          <a:lstStyle/>
+          <a:p>
+            <a:r>
+              <a:rPr lang="fr-FR" dirty="0" smtClean="0"/>
+              <a:t>Fonctionnement du jeu</a:t>
+            </a:r>
+            <a:endParaRPr lang="en-US" dirty="0"/>
+          </a:p>
+        </p:txBody>
+      </p:sp>
+      <p:sp>
+        <p:nvSpPr>
+          <p:cNvPr id="3" name="Espace réservé du contenu 2"/>
+          <p:cNvSpPr>
+            <a:spLocks noGrp="1"/>
+          </p:cNvSpPr>
+          <p:nvPr>
+            <p:ph idx="1"/>
+          </p:nvPr>
+        </p:nvSpPr>
+        <p:spPr/>
+        <p:txBody>
+          <a:bodyPr/>
+          <a:lstStyle/>
+          <a:p>
+            <a:r>
+              <a:rPr lang="fr-FR" dirty="0" smtClean="0"/>
+              <a:t>Global</a:t>
+            </a:r>
+          </a:p>
+          <a:p>
+            <a:pPr lvl="1"/>
+            <a:r>
+              <a:rPr lang="fr-FR" dirty="0" smtClean="0"/>
+              <a:t>4 joueurs avec 4 mains aléatoires</a:t>
+            </a:r>
+          </a:p>
+          <a:p>
+            <a:pPr lvl="1"/>
+            <a:r>
+              <a:rPr lang="fr-FR" dirty="0" smtClean="0"/>
+              <a:t>Choix du premier joueur</a:t>
+            </a:r>
+          </a:p>
+          <a:p>
+            <a:pPr lvl="1"/>
+            <a:r>
+              <a:rPr lang="fr-FR" dirty="0" smtClean="0"/>
+              <a:t>Utilisateur joue les cartes des joueurs 1, 2 et 3</a:t>
+            </a:r>
+          </a:p>
+          <a:p>
+            <a:pPr lvl="2"/>
+            <a:r>
+              <a:rPr lang="fr-FR" dirty="0" smtClean="0"/>
+              <a:t>0 est l’IA</a:t>
+            </a:r>
+          </a:p>
+          <a:p>
+            <a:pPr lvl="2"/>
+            <a:r>
+              <a:rPr lang="fr-FR" dirty="0" smtClean="0"/>
+              <a:t>Code portable pour changer l’IA</a:t>
+            </a:r>
+          </a:p>
+          <a:p>
+            <a:pPr lvl="8"/>
+            <a:endParaRPr lang="fr-FR" dirty="0"/>
+          </a:p>
+          <a:p>
+            <a:r>
+              <a:rPr lang="fr-FR" dirty="0"/>
+              <a:t>Tour de </a:t>
+            </a:r>
+            <a:r>
+              <a:rPr lang="fr-FR" dirty="0" smtClean="0"/>
+              <a:t>l’IA</a:t>
+            </a:r>
+          </a:p>
+          <a:p>
+            <a:pPr lvl="1"/>
+            <a:r>
+              <a:rPr lang="fr-FR" dirty="0" err="1" smtClean="0"/>
+              <a:t>Parallélisation</a:t>
+            </a:r>
+            <a:r>
+              <a:rPr lang="fr-FR" dirty="0" smtClean="0"/>
+              <a:t> mis en place</a:t>
+            </a:r>
+          </a:p>
+          <a:p>
+            <a:pPr lvl="1"/>
+            <a:r>
+              <a:rPr lang="fr-FR" dirty="0" smtClean="0"/>
+              <a:t>15 parties sont simulées</a:t>
+            </a:r>
+          </a:p>
+          <a:p>
+            <a:pPr lvl="1"/>
+            <a:r>
+              <a:rPr lang="fr-FR" dirty="0" smtClean="0"/>
+              <a:t>L’IA joue la carte de sa main jouée le plus souvent</a:t>
+            </a:r>
+            <a:endParaRPr lang="en-US" dirty="0"/>
+          </a:p>
+        </p:txBody>
+      </p:sp>
+      <p:sp>
+        <p:nvSpPr>
+          <p:cNvPr id="4" name="Espace réservé de la date 3"/>
+          <p:cNvSpPr>
+            <a:spLocks noGrp="1"/>
+          </p:cNvSpPr>
+          <p:nvPr>
+            <p:ph type="dt" sz="half" idx="10"/>
+          </p:nvPr>
+        </p:nvSpPr>
+        <p:spPr/>
+        <p:txBody>
+          <a:bodyPr/>
+          <a:lstStyle/>
+          <a:p>
+            <a:fld id="{6EBC5AF1-2798-4883-9BF4-69A5875AB82F}" type="datetime1">
+              <a:rPr lang="en-US" smtClean="0"/>
+              <a:t>1/25/2015</a:t>
+            </a:fld>
+            <a:endParaRPr lang="en-US"/>
+          </a:p>
+        </p:txBody>
+      </p:sp>
+      <p:sp>
+        <p:nvSpPr>
+          <p:cNvPr id="5" name="Espace réservé du pied de page 4"/>
+          <p:cNvSpPr>
+            <a:spLocks noGrp="1"/>
+          </p:cNvSpPr>
+          <p:nvPr>
+            <p:ph type="ftr" sz="quarter" idx="11"/>
+          </p:nvPr>
+        </p:nvSpPr>
+        <p:spPr/>
+        <p:txBody>
+          <a:bodyPr/>
+          <a:lstStyle/>
+          <a:p>
+            <a:r>
+              <a:rPr lang="fr-FR" smtClean="0"/>
+              <a:t>INSA de Rennes - Projet 5 Info/EII</a:t>
+            </a:r>
+            <a:endParaRPr lang="en-US"/>
+          </a:p>
+        </p:txBody>
+      </p:sp>
+      <p:sp>
+        <p:nvSpPr>
+          <p:cNvPr id="6" name="Espace réservé du numéro de diapositive 5"/>
+          <p:cNvSpPr>
+            <a:spLocks noGrp="1"/>
+          </p:cNvSpPr>
+          <p:nvPr>
+            <p:ph type="sldNum" sz="quarter" idx="12"/>
+          </p:nvPr>
+        </p:nvSpPr>
+        <p:spPr/>
+        <p:txBody>
+          <a:bodyPr/>
+          <a:lstStyle/>
+          <a:p>
+            <a:fld id="{B7A829E3-38C6-4CB0-9AAB-6DF7D752CC12}" type="slidenum">
+              <a:rPr lang="en-US" smtClean="0"/>
+              <a:t>7</a:t>
+            </a:fld>
+            <a:endParaRPr lang="en-US"/>
+          </a:p>
+        </p:txBody>
+      </p:sp>
+    </p:spTree>
+    <p:extLst>
+      <p:ext uri="{BB962C8B-B14F-4D97-AF65-F5344CB8AC3E}">
+        <p14:creationId xmlns:p14="http://schemas.microsoft.com/office/powerpoint/2010/main" val="1723122597"/>
+      </p:ext>
+    </p:extLst>
+  </p:cSld>
+  <p:clrMapOvr>
+    <a:masterClrMapping/>
+  </p:clrMapOvr>
+  <p:timing>
+    <p:tnLst>
+      <p:par>
+        <p:cTn id="1" dur="indefinite" restart="never" nodeType="tmRoot"/>
+      </p:par>
+    </p:tnLst>
+  </p:timing>
+</p:sld>
+</file>
+
+<file path=ppt/slides/slide8.xml><?xml version="1.0" encoding="utf-8"?>
+<p:sld xmlns:a="http://schemas.openxmlformats.org/drawingml/2006/main" xmlns:r="http://schemas.openxmlformats.org/officeDocument/2006/relationships" xmlns:p="http://schemas.openxmlformats.org/presentationml/2006/main">
+  <p:cSld>
+    <p:spTree>
+      <p:nvGrpSpPr>
+        <p:cNvPr id="1" name=""/>
+        <p:cNvGrpSpPr/>
+        <p:nvPr/>
+      </p:nvGrpSpPr>
+      <p:grpSpPr>
+        <a:xfrm>
+          <a:off x="0" y="0"/>
+          <a:ext cx="0" cy="0"/>
+          <a:chOff x="0" y="0"/>
+          <a:chExt cx="0" cy="0"/>
+        </a:xfrm>
+      </p:grpSpPr>
+      <p:sp>
+        <p:nvSpPr>
+          <p:cNvPr id="2" name="Titre 1"/>
+          <p:cNvSpPr>
+            <a:spLocks noGrp="1"/>
+          </p:cNvSpPr>
+          <p:nvPr>
+            <p:ph type="title"/>
+          </p:nvPr>
+        </p:nvSpPr>
+        <p:spPr/>
+        <p:txBody>
+          <a:bodyPr/>
+          <a:lstStyle/>
+          <a:p>
+            <a:r>
+              <a:rPr lang="fr-FR" dirty="0" smtClean="0"/>
+              <a:t>Ajout de la prise</a:t>
+            </a:r>
+            <a:endParaRPr lang="en-US" dirty="0"/>
+          </a:p>
+        </p:txBody>
+      </p:sp>
+      <p:sp>
+        <p:nvSpPr>
+          <p:cNvPr id="3" name="Espace réservé du contenu 2"/>
+          <p:cNvSpPr>
+            <a:spLocks noGrp="1"/>
+          </p:cNvSpPr>
+          <p:nvPr>
+            <p:ph idx="1"/>
+          </p:nvPr>
+        </p:nvSpPr>
+        <p:spPr/>
+        <p:txBody>
+          <a:bodyPr/>
+          <a:lstStyle/>
+          <a:p>
+            <a:r>
+              <a:rPr lang="fr-FR" dirty="0" smtClean="0"/>
+              <a:t>Lance Minimax </a:t>
+            </a:r>
+          </a:p>
+          <a:p>
+            <a:pPr lvl="1"/>
+            <a:r>
+              <a:rPr lang="fr-FR" dirty="0" smtClean="0"/>
+              <a:t>Sur la main complète du joueur</a:t>
+            </a:r>
+          </a:p>
+          <a:p>
+            <a:pPr lvl="1"/>
+            <a:r>
+              <a:rPr lang="fr-FR" dirty="0" smtClean="0"/>
+              <a:t>Test si le score est supérieur à 130</a:t>
+            </a:r>
+          </a:p>
+          <a:p>
+            <a:r>
+              <a:rPr lang="fr-FR" dirty="0" smtClean="0"/>
+              <a:t>Test de la meilleure couleur</a:t>
+            </a:r>
+          </a:p>
+          <a:p>
+            <a:endParaRPr lang="fr-FR" dirty="0" smtClean="0"/>
+          </a:p>
+          <a:p>
+            <a:r>
+              <a:rPr lang="fr-FR" dirty="0" err="1" smtClean="0"/>
+              <a:t>Parallélisation</a:t>
+            </a:r>
+            <a:r>
+              <a:rPr lang="fr-FR" dirty="0" smtClean="0"/>
+              <a:t> difficile en release</a:t>
+            </a:r>
+          </a:p>
+          <a:p>
+            <a:r>
+              <a:rPr lang="fr-FR" dirty="0" smtClean="0"/>
+              <a:t>Simplification du code</a:t>
+            </a:r>
+          </a:p>
+          <a:p>
+            <a:pPr lvl="1"/>
+            <a:r>
+              <a:rPr lang="fr-FR" dirty="0" smtClean="0"/>
+              <a:t>Main de 8 cartes</a:t>
+            </a:r>
+          </a:p>
+          <a:p>
+            <a:pPr lvl="1"/>
+            <a:r>
+              <a:rPr lang="fr-FR" dirty="0" smtClean="0"/>
+              <a:t>Test si l’IA prend </a:t>
+            </a:r>
+          </a:p>
+          <a:p>
+            <a:pPr lvl="1"/>
+            <a:r>
+              <a:rPr lang="fr-FR" dirty="0" smtClean="0"/>
+              <a:t>Sinon pique est atout par défaut</a:t>
+            </a:r>
+            <a:endParaRPr lang="en-US" dirty="0"/>
+          </a:p>
+        </p:txBody>
+      </p:sp>
+      <p:sp>
+        <p:nvSpPr>
+          <p:cNvPr id="7" name="Espace réservé du numéro de diapositive 6"/>
+          <p:cNvSpPr>
+            <a:spLocks noGrp="1"/>
+          </p:cNvSpPr>
+          <p:nvPr>
+            <p:ph type="sldNum" sz="quarter" idx="12"/>
+          </p:nvPr>
+        </p:nvSpPr>
+        <p:spPr/>
+        <p:txBody>
+          <a:bodyPr/>
+          <a:lstStyle/>
+          <a:p>
+            <a:fld id="{B7A829E3-38C6-4CB0-9AAB-6DF7D752CC12}" type="slidenum">
+              <a:rPr lang="en-US" smtClean="0"/>
+              <a:t>8</a:t>
+            </a:fld>
+            <a:endParaRPr lang="en-US"/>
+          </a:p>
+        </p:txBody>
+      </p:sp>
+      <p:sp>
+        <p:nvSpPr>
+          <p:cNvPr id="8" name="Espace réservé du pied de page 7"/>
+          <p:cNvSpPr>
+            <a:spLocks noGrp="1"/>
+          </p:cNvSpPr>
+          <p:nvPr>
+            <p:ph type="ftr" sz="quarter" idx="11"/>
+          </p:nvPr>
+        </p:nvSpPr>
+        <p:spPr/>
+        <p:txBody>
+          <a:bodyPr/>
+          <a:lstStyle/>
+          <a:p>
+            <a:r>
+              <a:rPr lang="fr-FR" smtClean="0"/>
+              <a:t>INSA de Rennes - Projet 5 Info/EII</a:t>
+            </a:r>
+            <a:endParaRPr lang="en-US"/>
+          </a:p>
+        </p:txBody>
+      </p:sp>
+      <p:sp>
+        <p:nvSpPr>
+          <p:cNvPr id="9" name="Espace réservé de la date 8"/>
+          <p:cNvSpPr>
+            <a:spLocks noGrp="1"/>
+          </p:cNvSpPr>
+          <p:nvPr>
+            <p:ph type="dt" sz="half" idx="10"/>
+          </p:nvPr>
+        </p:nvSpPr>
+        <p:spPr/>
+        <p:txBody>
+          <a:bodyPr/>
+          <a:lstStyle/>
+          <a:p>
+            <a:fld id="{50DDBD9F-EEF5-4F3C-ADE4-F67A15180899}" type="datetime1">
+              <a:rPr lang="en-US" smtClean="0"/>
+              <a:t>1/25/2015</a:t>
+            </a:fld>
+            <a:endParaRPr lang="en-US"/>
+          </a:p>
+        </p:txBody>
+      </p:sp>
+    </p:spTree>
+    <p:extLst>
+      <p:ext uri="{BB962C8B-B14F-4D97-AF65-F5344CB8AC3E}">
+        <p14:creationId xmlns:p14="http://schemas.microsoft.com/office/powerpoint/2010/main" val="37319656"/>
+      </p:ext>
+    </p:extLst>
+  </p:cSld>
+  <p:clrMapOvr>
+    <a:masterClrMapping/>
+  </p:clrMapOvr>
+  <p:timing>
+    <p:tnLst>
+      <p:par>
+        <p:cTn id="1" dur="indefinite" restart="never" nodeType="tmRoot"/>
+      </p:par>
+    </p:tnLst>
+  </p:timing>
+</p:sld>
+</file>
+
+<file path=ppt/slides/slide9.xml><?xml version="1.0" encoding="utf-8"?>
+<p:sld xmlns:a="http://schemas.openxmlformats.org/drawingml/2006/main" xmlns:r="http://schemas.openxmlformats.org/officeDocument/2006/relationships" xmlns:p="http://schemas.openxmlformats.org/presentationml/2006/main">
+  <p:cSld>
+    <p:spTree>
+      <p:nvGrpSpPr>
+        <p:cNvPr id="1" name=""/>
+        <p:cNvGrpSpPr/>
+        <p:nvPr/>
+      </p:nvGrpSpPr>
+      <p:grpSpPr>
+        <a:xfrm>
+          <a:off x="0" y="0"/>
+          <a:ext cx="0" cy="0"/>
+          <a:chOff x="0" y="0"/>
+          <a:chExt cx="0" cy="0"/>
+        </a:xfrm>
+      </p:grpSpPr>
+      <p:sp>
+        <p:nvSpPr>
+          <p:cNvPr id="2" name="Espace réservé de la date 1"/>
+          <p:cNvSpPr>
+            <a:spLocks noGrp="1"/>
+          </p:cNvSpPr>
+          <p:nvPr>
+            <p:ph type="dt" sz="half" idx="10"/>
+          </p:nvPr>
+        </p:nvSpPr>
+        <p:spPr/>
+        <p:txBody>
+          <a:bodyPr/>
+          <a:lstStyle/>
+          <a:p>
+            <a:fld id="{86260F56-9C94-4C82-AE8B-7040A9C47954}" type="datetime1">
+              <a:rPr lang="en-US" smtClean="0"/>
+              <a:t>1/25/2015</a:t>
+            </a:fld>
+            <a:endParaRPr lang="en-US"/>
+          </a:p>
+        </p:txBody>
+      </p:sp>
+      <p:sp>
+        <p:nvSpPr>
+          <p:cNvPr id="3" name="Espace réservé du pied de page 2"/>
+          <p:cNvSpPr>
+            <a:spLocks noGrp="1"/>
+          </p:cNvSpPr>
+          <p:nvPr>
+            <p:ph type="ftr" sz="quarter" idx="11"/>
+          </p:nvPr>
+        </p:nvSpPr>
+        <p:spPr/>
+        <p:txBody>
+          <a:bodyPr/>
+          <a:lstStyle/>
+          <a:p>
+            <a:r>
+              <a:rPr lang="fr-FR" smtClean="0"/>
+              <a:t>INSA de Rennes - Projet 5 Info/EII</a:t>
+            </a:r>
+            <a:endParaRPr lang="en-US"/>
+          </a:p>
+        </p:txBody>
+      </p:sp>
+      <p:sp>
+        <p:nvSpPr>
+          <p:cNvPr id="4" name="Espace réservé du numéro de diapositive 3"/>
+          <p:cNvSpPr>
+            <a:spLocks noGrp="1"/>
+          </p:cNvSpPr>
+          <p:nvPr>
+            <p:ph type="sldNum" sz="quarter" idx="12"/>
+          </p:nvPr>
+        </p:nvSpPr>
+        <p:spPr/>
+        <p:txBody>
+          <a:bodyPr/>
+          <a:lstStyle/>
+          <a:p>
+            <a:fld id="{B7A829E3-38C6-4CB0-9AAB-6DF7D752CC12}" type="slidenum">
+              <a:rPr lang="en-US" smtClean="0"/>
+              <a:t>9</a:t>
+            </a:fld>
+            <a:endParaRPr lang="en-US"/>
+          </a:p>
+        </p:txBody>
+      </p:sp>
+      <p:sp>
+        <p:nvSpPr>
+          <p:cNvPr id="5" name="Titre 4"/>
+          <p:cNvSpPr>
+            <a:spLocks noGrp="1"/>
+          </p:cNvSpPr>
+          <p:nvPr>
+            <p:ph type="title"/>
+          </p:nvPr>
+        </p:nvSpPr>
+        <p:spPr/>
+        <p:txBody>
+          <a:bodyPr/>
+          <a:lstStyle/>
+          <a:p>
+            <a:r>
+              <a:rPr lang="fr-FR" dirty="0" smtClean="0"/>
+              <a:t>Démonstration</a:t>
+            </a:r>
+            <a:endParaRPr lang="en-US" dirty="0"/>
+          </a:p>
+        </p:txBody>
+      </p:sp>
+    </p:spTree>
+    <p:extLst>
+      <p:ext uri="{BB962C8B-B14F-4D97-AF65-F5344CB8AC3E}">
+        <p14:creationId xmlns:p14="http://schemas.microsoft.com/office/powerpoint/2010/main" val="4274158074"/>
       </p:ext>
     </p:extLst>
   </p:cSld>
@@ -3612,6 +7528,324 @@
 </file>
 
 <file path=ppt/theme/theme1.xml><?xml version="1.0" encoding="utf-8"?>
+<a:theme xmlns:a="http://schemas.openxmlformats.org/drawingml/2006/main" name="Apothicaire">
+  <a:themeElements>
+    <a:clrScheme name="Apothicaire">
+      <a:dk1>
+        <a:sysClr val="windowText" lastClr="000000"/>
+      </a:dk1>
+      <a:lt1>
+        <a:sysClr val="window" lastClr="FFFFFF"/>
+      </a:lt1>
+      <a:dk2>
+        <a:srgbClr val="564B3C"/>
+      </a:dk2>
+      <a:lt2>
+        <a:srgbClr val="ECEDD1"/>
+      </a:lt2>
+      <a:accent1>
+        <a:srgbClr val="93A299"/>
+      </a:accent1>
+      <a:accent2>
+        <a:srgbClr val="CF543F"/>
+      </a:accent2>
+      <a:accent3>
+        <a:srgbClr val="B5AE53"/>
+      </a:accent3>
+      <a:accent4>
+        <a:srgbClr val="848058"/>
+      </a:accent4>
+      <a:accent5>
+        <a:srgbClr val="E8B54D"/>
+      </a:accent5>
+      <a:accent6>
+        <a:srgbClr val="786C71"/>
+      </a:accent6>
+      <a:hlink>
+        <a:srgbClr val="CCCC00"/>
+      </a:hlink>
+      <a:folHlink>
+        <a:srgbClr val="B2B2B2"/>
+      </a:folHlink>
+    </a:clrScheme>
+    <a:fontScheme name="Apothicaire">
+      <a:majorFont>
+        <a:latin typeface="Book Antiqua"/>
+        <a:ea typeface=""/>
+        <a:cs typeface=""/>
+        <a:font script="Jpan" typeface="HGS明朝B"/>
+        <a:font script="Hang" typeface="HY견명조"/>
+        <a:font script="Hans" typeface="宋体"/>
+        <a:font script="Hant" typeface="新細明體"/>
+        <a:font script="Arab" typeface="Times New Roman"/>
+        <a:font script="Hebr" typeface="David"/>
+        <a:font script="Thai" typeface="EucrosiaUPC"/>
+        <a:font script="Ethi" typeface="Nyala"/>
+        <a:font script="Beng" typeface="Vrinda"/>
+        <a:font script="Gujr" typeface="Shruti"/>
+        <a:font script="Khmr" typeface="MoolBoran"/>
+        <a:font script="Knda" typeface="Tunga"/>
+        <a:font script="Guru" typeface="Raavi"/>
+        <a:font script="Cans" typeface="Euphemia"/>
+        <a:font script="Cher" typeface="Plantagenet Cherokee"/>
+        <a:font script="Yiii" typeface="Microsoft Yi Baiti"/>
+        <a:font script="Tibt" typeface="Microsoft Himalaya"/>
+        <a:font script="Thaa" typeface="MV Boli"/>
+        <a:font script="Deva" typeface="Mangal"/>
+        <a:font script="Telu" typeface="Gautami"/>
+        <a:font script="Taml" typeface="Latha"/>
+        <a:font script="Syrc" typeface="Estrangelo Edessa"/>
+        <a:font script="Orya" typeface="Kalinga"/>
+        <a:font script="Mlym" typeface="Kartika"/>
+        <a:font script="Laoo" typeface="DokChampa"/>
+        <a:font script="Sinh" typeface="Iskoola Pota"/>
+        <a:font script="Mong" typeface="Mongolian Baiti"/>
+        <a:font script="Viet" typeface="Times New Roman"/>
+        <a:font script="Uigh" typeface="Microsoft Uighur"/>
+        <a:font script="Geor" typeface="Sylfaen"/>
+      </a:majorFont>
+      <a:minorFont>
+        <a:latin typeface="Century Gothic"/>
+        <a:ea typeface=""/>
+        <a:cs typeface=""/>
+        <a:font script="Jpan" typeface="ＭＳ ゴシック"/>
+        <a:font script="Hang" typeface="HY견명조"/>
+        <a:font script="Hans" typeface="幼圆"/>
+        <a:font script="Hant" typeface="微軟正黑體"/>
+        <a:font script="Arab" typeface="Tahoma"/>
+        <a:font script="Hebr" typeface="Gisha"/>
+        <a:font script="Thai" typeface="DilleniaUPC"/>
+        <a:font script="Ethi" typeface="Nyala"/>
+        <a:font script="Beng" typeface="Vrinda"/>
+        <a:font script="Gujr" typeface="Shruti"/>
+        <a:font script="Khmr" typeface="DaunPenh"/>
+        <a:font script="Knda" typeface="Tunga"/>
+        <a:font script="Guru" typeface="Raavi"/>
+        <a:font script="Cans" typeface="Euphemia"/>
+        <a:font script="Cher" typeface="Plantagenet Cherokee"/>
+        <a:font script="Yiii" typeface="Microsoft Yi Baiti"/>
+        <a:font script="Tibt" typeface="Microsoft Himalaya"/>
+        <a:font script="Thaa" typeface="MV Boli"/>
+        <a:font script="Deva" typeface="Mangal"/>
+        <a:font script="Telu" typeface="Gautami"/>
+        <a:font script="Taml" typeface="Latha"/>
+        <a:font script="Syrc" typeface="Estrangelo Edessa"/>
+        <a:font script="Orya" typeface="Kalinga"/>
+        <a:font script="Mlym" typeface="Kartika"/>
+        <a:font script="Laoo" typeface="DokChampa"/>
+        <a:font script="Sinh" typeface="Iskoola Pota"/>
+        <a:font script="Mong" typeface="Mongolian Baiti"/>
+        <a:font script="Viet" typeface="Verdana"/>
+        <a:font script="Uigh" typeface="Microsoft Uighur"/>
+        <a:font script="Geor" typeface="Sylfaen"/>
+      </a:minorFont>
+    </a:fontScheme>
+    <a:fmtScheme name="Apothicaire">
+      <a:fillStyleLst>
+        <a:solidFill>
+          <a:schemeClr val="phClr"/>
+        </a:solidFill>
+        <a:gradFill rotWithShape="1">
+          <a:gsLst>
+            <a:gs pos="0">
+              <a:schemeClr val="phClr">
+                <a:tint val="1000"/>
+                <a:satMod val="100000"/>
+              </a:schemeClr>
+            </a:gs>
+            <a:gs pos="68000">
+              <a:schemeClr val="phClr">
+                <a:tint val="77000"/>
+                <a:satMod val="100000"/>
+              </a:schemeClr>
+            </a:gs>
+            <a:gs pos="81000">
+              <a:schemeClr val="phClr">
+                <a:tint val="79000"/>
+                <a:satMod val="100000"/>
+              </a:schemeClr>
+            </a:gs>
+            <a:gs pos="86000">
+              <a:schemeClr val="phClr">
+                <a:tint val="73000"/>
+                <a:satMod val="100000"/>
+              </a:schemeClr>
+            </a:gs>
+            <a:gs pos="100000">
+              <a:schemeClr val="phClr">
+                <a:tint val="35000"/>
+                <a:satMod val="100000"/>
+              </a:schemeClr>
+            </a:gs>
+          </a:gsLst>
+          <a:lin ang="5400000" scaled="0"/>
+        </a:gradFill>
+        <a:gradFill rotWithShape="1">
+          <a:gsLst>
+            <a:gs pos="0">
+              <a:schemeClr val="phClr">
+                <a:tint val="73000"/>
+                <a:shade val="100000"/>
+                <a:satMod val="150000"/>
+              </a:schemeClr>
+            </a:gs>
+            <a:gs pos="25000">
+              <a:schemeClr val="phClr">
+                <a:tint val="96000"/>
+                <a:shade val="80000"/>
+                <a:satMod val="105000"/>
+              </a:schemeClr>
+            </a:gs>
+            <a:gs pos="38000">
+              <a:schemeClr val="phClr">
+                <a:tint val="96000"/>
+                <a:shade val="59000"/>
+                <a:satMod val="120000"/>
+              </a:schemeClr>
+            </a:gs>
+            <a:gs pos="55000">
+              <a:schemeClr val="phClr">
+                <a:tint val="100000"/>
+                <a:shade val="57000"/>
+                <a:satMod val="120000"/>
+              </a:schemeClr>
+            </a:gs>
+            <a:gs pos="80000">
+              <a:schemeClr val="phClr">
+                <a:tint val="100000"/>
+                <a:shade val="56000"/>
+                <a:satMod val="145000"/>
+              </a:schemeClr>
+            </a:gs>
+            <a:gs pos="88000">
+              <a:schemeClr val="phClr">
+                <a:tint val="100000"/>
+                <a:shade val="63000"/>
+                <a:satMod val="160000"/>
+              </a:schemeClr>
+            </a:gs>
+            <a:gs pos="100000">
+              <a:schemeClr val="phClr">
+                <a:tint val="99000"/>
+                <a:shade val="100000"/>
+                <a:satMod val="155000"/>
+              </a:schemeClr>
+            </a:gs>
+          </a:gsLst>
+          <a:lin ang="5400000" scaled="0"/>
+        </a:gradFill>
+      </a:fillStyleLst>
+      <a:lnStyleLst>
+        <a:ln w="9525" cap="flat" cmpd="sng" algn="ctr">
+          <a:solidFill>
+            <a:schemeClr val="phClr">
+              <a:shade val="95000"/>
+              <a:satMod val="105000"/>
+            </a:schemeClr>
+          </a:solidFill>
+          <a:prstDash val="solid"/>
+        </a:ln>
+        <a:ln w="25400" cap="flat" cmpd="sng" algn="ctr">
+          <a:solidFill>
+            <a:schemeClr val="phClr"/>
+          </a:solidFill>
+          <a:prstDash val="solid"/>
+        </a:ln>
+        <a:ln w="38100" cap="flat" cmpd="sng" algn="ctr">
+          <a:solidFill>
+            <a:schemeClr val="phClr"/>
+          </a:solidFill>
+          <a:prstDash val="solid"/>
+        </a:ln>
+      </a:lnStyleLst>
+      <a:effectStyleLst>
+        <a:effectStyle>
+          <a:effectLst/>
+        </a:effectStyle>
+        <a:effectStyle>
+          <a:effectLst/>
+          <a:scene3d>
+            <a:camera prst="orthographicFront">
+              <a:rot lat="0" lon="0" rev="0"/>
+            </a:camera>
+            <a:lightRig rig="glow" dir="tl">
+              <a:rot lat="0" lon="0" rev="1800000"/>
+            </a:lightRig>
+          </a:scene3d>
+          <a:sp3d contourW="10160" prstMaterial="dkEdge">
+            <a:bevelT w="0" h="0" prst="angle"/>
+            <a:contourClr>
+              <a:schemeClr val="phClr">
+                <a:shade val="30000"/>
+                <a:satMod val="150000"/>
+              </a:schemeClr>
+            </a:contourClr>
+          </a:sp3d>
+        </a:effectStyle>
+        <a:effectStyle>
+          <a:effectLst>
+            <a:glow rad="50800">
+              <a:schemeClr val="phClr">
+                <a:tint val="68000"/>
+                <a:shade val="93000"/>
+                <a:alpha val="37000"/>
+                <a:satMod val="250000"/>
+              </a:schemeClr>
+            </a:glow>
+          </a:effectLst>
+          <a:scene3d>
+            <a:camera prst="orthographicFront">
+              <a:rot lat="0" lon="0" rev="0"/>
+            </a:camera>
+            <a:lightRig rig="glow" dir="t">
+              <a:rot lat="0" lon="0" rev="1800000"/>
+            </a:lightRig>
+          </a:scene3d>
+          <a:sp3d contourW="10160" prstMaterial="dkEdge">
+            <a:bevelT w="20320" h="19050" prst="angle"/>
+            <a:contourClr>
+              <a:schemeClr val="phClr">
+                <a:shade val="30000"/>
+                <a:satMod val="150000"/>
+              </a:schemeClr>
+            </a:contourClr>
+          </a:sp3d>
+        </a:effectStyle>
+      </a:effectStyleLst>
+      <a:bgFillStyleLst>
+        <a:solidFill>
+          <a:schemeClr val="phClr"/>
+        </a:solidFill>
+        <a:solidFill>
+          <a:schemeClr val="phClr">
+            <a:tint val="93000"/>
+            <a:satMod val="140000"/>
+          </a:schemeClr>
+        </a:solidFill>
+        <a:blipFill rotWithShape="1">
+          <a:blip xmlns:r="http://schemas.openxmlformats.org/officeDocument/2006/relationships" r:embed="rId1">
+            <a:duotone>
+              <a:schemeClr val="phClr">
+                <a:tint val="70000"/>
+                <a:satMod val="170000"/>
+              </a:schemeClr>
+              <a:schemeClr val="phClr">
+                <a:shade val="70000"/>
+                <a:satMod val="130000"/>
+              </a:schemeClr>
+            </a:duotone>
+          </a:blip>
+          <a:tile tx="0" ty="0" sx="100000" sy="100000" flip="none" algn="tl"/>
+        </a:blipFill>
+      </a:bgFillStyleLst>
+    </a:fmtScheme>
+  </a:themeElements>
+  <a:objectDefaults/>
+  <a:extraClrSchemeLst/>
+</a:theme>
+</file>
+
+<file path=ppt/theme/theme2.xml><?xml version="1.0" encoding="utf-8"?>
 <a:theme xmlns:a="http://schemas.openxmlformats.org/drawingml/2006/main" name="Thème Office">
   <a:themeElements>
     <a:clrScheme name="Office">

--- a/doc/presentation.pptx
+++ b/doc/presentation.pptx
@@ -5942,7 +5942,7 @@
 </file>
 
 <file path=ppt/slides/slide2.xml><?xml version="1.0" encoding="utf-8"?>
-<p:sld xmlns:a="http://schemas.openxmlformats.org/drawingml/2006/main" xmlns:r="http://schemas.openxmlformats.org/officeDocument/2006/relationships" xmlns:p="http://schemas.openxmlformats.org/presentationml/2006/main">
+<p:sld xmlns:a="http://schemas.openxmlformats.org/drawingml/2006/main" xmlns:r="http://schemas.openxmlformats.org/officeDocument/2006/relationships" xmlns:p="http://schemas.openxmlformats.org/presentationml/2006/main" show="0">
   <p:cSld>
     <p:spTree>
       <p:nvGrpSpPr>
@@ -6132,6 +6132,14 @@
   <p:clrMapOvr>
     <a:masterClrMapping/>
   </p:clrMapOvr>
+  <mc:AlternateContent xmlns:mc="http://schemas.openxmlformats.org/markup-compatibility/2006">
+    <mc:Choice xmlns:p14="http://schemas.microsoft.com/office/powerpoint/2010/main" Requires="p14">
+      <p:transition spd="slow" p14:dur="2000"/>
+    </mc:Choice>
+    <mc:Fallback>
+      <p:transition spd="slow"/>
+    </mc:Fallback>
+  </mc:AlternateContent>
   <p:timing>
     <p:tnLst>
       <p:par>
@@ -6323,7 +6331,9 @@
         </p:nvSpPr>
         <p:spPr/>
         <p:txBody>
-          <a:bodyPr/>
+          <a:bodyPr>
+            <a:normAutofit fontScale="85000" lnSpcReduction="10000"/>
+          </a:bodyPr>
           <a:lstStyle/>
           <a:p>
             <a:pPr>
@@ -6360,7 +6370,15 @@
             </a:r>
             <a:r>
               <a:rPr lang="fr-FR" dirty="0" smtClean="0"/>
-              <a:t>demandée</a:t>
+              <a:t>demandée, sinon obligation </a:t>
+            </a:r>
+            <a:r>
+              <a:rPr lang="fr-FR" dirty="0"/>
+              <a:t>de </a:t>
+            </a:r>
+            <a:r>
+              <a:rPr lang="fr-FR" dirty="0" smtClean="0"/>
+              <a:t>couper</a:t>
             </a:r>
           </a:p>
           <a:p>
@@ -6371,7 +6389,18 @@
             </a:pPr>
             <a:r>
               <a:rPr lang="fr-FR" dirty="0" smtClean="0"/>
-              <a:t>Coupe sauf quand le partenaire est maître</a:t>
+              <a:t>Obligation de monter si atout demandé </a:t>
+            </a:r>
+          </a:p>
+          <a:p>
+            <a:pPr lvl="1">
+              <a:lnSpc>
+                <a:spcPct val="150000"/>
+              </a:lnSpc>
+            </a:pPr>
+            <a:r>
+              <a:rPr lang="fr-FR" dirty="0" smtClean="0"/>
+              <a:t>Si le partenaire est maître, la coupe n’est pas obligatoire</a:t>
             </a:r>
           </a:p>
           <a:p>
@@ -6404,7 +6433,7 @@
             </a:pPr>
             <a:r>
               <a:rPr lang="fr-FR" dirty="0" smtClean="0"/>
-              <a:t>Pli de 4 cartes</a:t>
+              <a:t>4 cartes par pli</a:t>
             </a:r>
           </a:p>
           <a:p>
@@ -6415,7 +6444,18 @@
             </a:pPr>
             <a:r>
               <a:rPr lang="fr-FR" dirty="0" smtClean="0"/>
-              <a:t>82 points pour remporter un tour</a:t>
+              <a:t>8 tours</a:t>
+            </a:r>
+          </a:p>
+          <a:p>
+            <a:pPr lvl="1">
+              <a:lnSpc>
+                <a:spcPct val="150000"/>
+              </a:lnSpc>
+            </a:pPr>
+            <a:r>
+              <a:rPr lang="fr-FR" dirty="0" smtClean="0"/>
+              <a:t>Quand une équipe prend, elle doit faire plus de 81 points</a:t>
             </a:r>
             <a:endParaRPr lang="en-US" dirty="0"/>
           </a:p>
@@ -6574,7 +6614,7 @@
             <a:pPr lvl="1"/>
             <a:r>
               <a:rPr lang="fr-FR" dirty="0" smtClean="0"/>
-              <a:t>Couleur, valeur et les points</a:t>
+              <a:t>1 Couleur, 1 valeur et des points</a:t>
             </a:r>
           </a:p>
           <a:p>
@@ -6600,7 +6640,7 @@
             <a:pPr lvl="1"/>
             <a:r>
               <a:rPr lang="fr-FR" dirty="0" smtClean="0"/>
-              <a:t>Structure connaitre l’état</a:t>
+              <a:t>Structure afin de connaitre l’état courant</a:t>
             </a:r>
           </a:p>
           <a:p>
@@ -6837,8 +6877,21 @@
           <a:p>
             <a:r>
               <a:rPr lang="fr-FR" dirty="0" smtClean="0"/>
-              <a:t>Seconde étape : Minimax Alpha Beta</a:t>
-            </a:r>
+              <a:t>Seconde étape : </a:t>
+            </a:r>
+            <a:r>
+              <a:rPr lang="fr-FR" smtClean="0"/>
+              <a:t>Minimax alpha </a:t>
+            </a:r>
+            <a:r>
+              <a:rPr lang="fr-FR" dirty="0"/>
+              <a:t>b</a:t>
+            </a:r>
+            <a:r>
+              <a:rPr lang="fr-FR" smtClean="0"/>
+              <a:t>eta</a:t>
+            </a:r>
+            <a:endParaRPr lang="fr-FR" dirty="0" smtClean="0"/>
           </a:p>
           <a:p>
             <a:pPr lvl="1"/>

--- a/doc/presentation.pptx
+++ b/doc/presentation.pptx
@@ -5,22 +5,21 @@
     <p:sldMasterId id="2147483684" r:id="rId1"/>
   </p:sldMasterIdLst>
   <p:notesMasterIdLst>
-    <p:notesMasterId r:id="rId15"/>
+    <p:notesMasterId r:id="rId14"/>
   </p:notesMasterIdLst>
   <p:sldIdLst>
     <p:sldId id="256" r:id="rId2"/>
-    <p:sldId id="261" r:id="rId3"/>
-    <p:sldId id="270" r:id="rId4"/>
-    <p:sldId id="264" r:id="rId5"/>
-    <p:sldId id="263" r:id="rId6"/>
-    <p:sldId id="265" r:id="rId7"/>
-    <p:sldId id="266" r:id="rId8"/>
-    <p:sldId id="262" r:id="rId9"/>
-    <p:sldId id="267" r:id="rId10"/>
-    <p:sldId id="268" r:id="rId11"/>
-    <p:sldId id="257" r:id="rId12"/>
-    <p:sldId id="258" r:id="rId13"/>
-    <p:sldId id="259" r:id="rId14"/>
+    <p:sldId id="270" r:id="rId3"/>
+    <p:sldId id="264" r:id="rId4"/>
+    <p:sldId id="263" r:id="rId5"/>
+    <p:sldId id="265" r:id="rId6"/>
+    <p:sldId id="266" r:id="rId7"/>
+    <p:sldId id="262" r:id="rId8"/>
+    <p:sldId id="267" r:id="rId9"/>
+    <p:sldId id="268" r:id="rId10"/>
+    <p:sldId id="257" r:id="rId11"/>
+    <p:sldId id="258" r:id="rId12"/>
+    <p:sldId id="259" r:id="rId13"/>
   </p:sldIdLst>
   <p:sldSz cx="9144000" cy="6858000" type="screen4x3"/>
   <p:notesSz cx="6858000" cy="9144000"/>
@@ -204,7 +203,7 @@
           <a:p>
             <a:fld id="{1CF03306-DFAE-4C84-B071-54FE7C597BC6}" type="datetimeFigureOut">
               <a:rPr lang="en-US" smtClean="0"/>
-              <a:t>1/25/2015</a:t>
+              <a:t>1/26/2015</a:t>
             </a:fld>
             <a:endParaRPr lang="en-US"/>
           </a:p>
@@ -681,7 +680,7 @@
           <a:p>
             <a:fld id="{4855DD1D-A7A4-4661-A85D-2C1E60CFDA35}" type="datetime1">
               <a:rPr lang="en-US" smtClean="0"/>
-              <a:t>1/25/2015</a:t>
+              <a:t>1/26/2015</a:t>
             </a:fld>
             <a:endParaRPr lang="en-US"/>
           </a:p>
@@ -1325,7 +1324,7 @@
           <a:p>
             <a:fld id="{B8FECBF3-D68E-4BDF-AC32-361EAD887DBC}" type="datetime1">
               <a:rPr lang="en-US" smtClean="0"/>
-              <a:t>1/25/2015</a:t>
+              <a:t>1/26/2015</a:t>
             </a:fld>
             <a:endParaRPr lang="en-US"/>
           </a:p>
@@ -1606,7 +1605,7 @@
           <a:p>
             <a:fld id="{B1D4257E-FBDC-4BD0-A762-18691614C1E2}" type="datetime1">
               <a:rPr lang="en-US" smtClean="0"/>
-              <a:t>1/25/2015</a:t>
+              <a:t>1/26/2015</a:t>
             </a:fld>
             <a:endParaRPr lang="en-US"/>
           </a:p>
@@ -1775,7 +1774,7 @@
           <a:p>
             <a:fld id="{6EBC5AF1-2798-4883-9BF4-69A5875AB82F}" type="datetime1">
               <a:rPr lang="en-US" smtClean="0"/>
-              <a:t>1/25/2015</a:t>
+              <a:t>1/26/2015</a:t>
             </a:fld>
             <a:endParaRPr lang="en-US"/>
           </a:p>
@@ -1967,7 +1966,7 @@
           <a:p>
             <a:fld id="{86260F56-9C94-4C82-AE8B-7040A9C47954}" type="datetime1">
               <a:rPr lang="en-US" smtClean="0"/>
-              <a:t>1/25/2015</a:t>
+              <a:t>1/26/2015</a:t>
             </a:fld>
             <a:endParaRPr lang="en-US"/>
           </a:p>
@@ -2458,7 +2457,7 @@
           <a:p>
             <a:fld id="{DBBAACAF-7E45-47DC-8113-E488D08A66B3}" type="datetime1">
               <a:rPr lang="en-US" smtClean="0"/>
-              <a:t>1/25/2015</a:t>
+              <a:t>1/26/2015</a:t>
             </a:fld>
             <a:endParaRPr lang="en-US"/>
           </a:p>
@@ -2888,7 +2887,7 @@
           <a:p>
             <a:fld id="{96365790-2B05-402A-A9A4-7FEBB7588484}" type="datetime1">
               <a:rPr lang="en-US" smtClean="0"/>
-              <a:t>1/25/2015</a:t>
+              <a:t>1/26/2015</a:t>
             </a:fld>
             <a:endParaRPr lang="en-US"/>
           </a:p>
@@ -3005,7 +3004,7 @@
           <a:p>
             <a:fld id="{4C383CAE-8156-480F-AA8E-2B248C52EEC0}" type="datetime1">
               <a:rPr lang="en-US" smtClean="0"/>
-              <a:t>1/25/2015</a:t>
+              <a:t>1/26/2015</a:t>
             </a:fld>
             <a:endParaRPr lang="en-US"/>
           </a:p>
@@ -3190,7 +3189,7 @@
           <a:p>
             <a:fld id="{E801013B-FD6D-4163-A7A5-C5660D4750B8}" type="datetime1">
               <a:rPr lang="en-US" smtClean="0"/>
-              <a:t>1/25/2015</a:t>
+              <a:t>1/26/2015</a:t>
             </a:fld>
             <a:endParaRPr lang="en-US"/>
           </a:p>
@@ -3460,7 +3459,7 @@
           <a:p>
             <a:fld id="{A719A948-48B9-4D47-9DC6-E3266F6F4D9E}" type="datetime1">
               <a:rPr lang="en-US" smtClean="0"/>
-              <a:t>1/25/2015</a:t>
+              <a:t>1/26/2015</a:t>
             </a:fld>
             <a:endParaRPr lang="en-US"/>
           </a:p>
@@ -3934,7 +3933,7 @@
           <a:p>
             <a:fld id="{0B5C994B-3F28-47E2-B1D4-14A5B4F38C5A}" type="datetime1">
               <a:rPr lang="en-US" smtClean="0"/>
-              <a:t>1/25/2015</a:t>
+              <a:t>1/26/2015</a:t>
             </a:fld>
             <a:endParaRPr lang="en-US"/>
           </a:p>
@@ -4498,7 +4497,7 @@
           <a:p>
             <a:fld id="{2124E1BC-776F-450F-BDD6-354362BE5F93}" type="datetime1">
               <a:rPr lang="en-US" smtClean="0"/>
-              <a:t>1/25/2015</a:t>
+              <a:t>1/26/2015</a:t>
             </a:fld>
             <a:endParaRPr lang="en-US"/>
           </a:p>
@@ -5194,7 +5193,6 @@
               <a:rPr lang="fr-FR" dirty="0" smtClean="0"/>
               <a:t>Pascal Garcia</a:t>
             </a:r>
-            <a:endParaRPr lang="fr-FR" dirty="0" smtClean="0"/>
           </a:p>
         </p:txBody>
       </p:sp>
@@ -5237,53 +5235,95 @@
       </p:grpSpPr>
       <p:sp>
         <p:nvSpPr>
-          <p:cNvPr id="2" name="Espace réservé de la date 1"/>
-          <p:cNvSpPr>
-            <a:spLocks noGrp="1"/>
-          </p:cNvSpPr>
-          <p:nvPr>
-            <p:ph type="dt" sz="half" idx="10"/>
-          </p:nvPr>
-        </p:nvSpPr>
-        <p:spPr/>
-        <p:txBody>
-          <a:bodyPr/>
-          <a:lstStyle/>
-          <a:p>
-            <a:fld id="{86260F56-9C94-4C82-AE8B-7040A9C47954}" type="datetime1">
-              <a:rPr lang="en-US" smtClean="0"/>
-              <a:t>1/25/2015</a:t>
-            </a:fld>
-            <a:endParaRPr lang="en-US"/>
-          </a:p>
-        </p:txBody>
-      </p:sp>
-      <p:sp>
-        <p:nvSpPr>
-          <p:cNvPr id="3" name="Espace réservé du pied de page 2"/>
-          <p:cNvSpPr>
-            <a:spLocks noGrp="1"/>
-          </p:cNvSpPr>
-          <p:nvPr>
-            <p:ph type="ftr" sz="quarter" idx="11"/>
-          </p:nvPr>
-        </p:nvSpPr>
-        <p:spPr/>
-        <p:txBody>
-          <a:bodyPr/>
-          <a:lstStyle/>
-          <a:p>
-            <a:r>
-              <a:rPr lang="fr-FR" smtClean="0"/>
-              <a:t>INSA de Rennes - Projet 5 Info/EII</a:t>
-            </a:r>
-            <a:endParaRPr lang="en-US"/>
-          </a:p>
-        </p:txBody>
-      </p:sp>
-      <p:sp>
-        <p:nvSpPr>
-          <p:cNvPr id="4" name="Espace réservé du numéro de diapositive 3"/>
+          <p:cNvPr id="2" name="Titre 1"/>
+          <p:cNvSpPr>
+            <a:spLocks noGrp="1"/>
+          </p:cNvSpPr>
+          <p:nvPr>
+            <p:ph type="title"/>
+          </p:nvPr>
+        </p:nvSpPr>
+        <p:spPr/>
+        <p:txBody>
+          <a:bodyPr/>
+          <a:lstStyle/>
+          <a:p>
+            <a:r>
+              <a:rPr lang="fr-FR" dirty="0" smtClean="0"/>
+              <a:t>Point d’efforts</a:t>
+            </a:r>
+            <a:endParaRPr lang="en-US" dirty="0"/>
+          </a:p>
+        </p:txBody>
+      </p:sp>
+      <p:sp>
+        <p:nvSpPr>
+          <p:cNvPr id="3" name="Espace réservé du contenu 2"/>
+          <p:cNvSpPr>
+            <a:spLocks noGrp="1"/>
+          </p:cNvSpPr>
+          <p:nvPr>
+            <p:ph idx="1"/>
+          </p:nvPr>
+        </p:nvSpPr>
+        <p:spPr/>
+        <p:txBody>
+          <a:bodyPr/>
+          <a:lstStyle/>
+          <a:p>
+            <a:r>
+              <a:rPr lang="fr-FR" dirty="0" smtClean="0"/>
+              <a:t>Jeu non complet </a:t>
+            </a:r>
+          </a:p>
+          <a:p>
+            <a:r>
+              <a:rPr lang="fr-FR" dirty="0" smtClean="0"/>
+              <a:t>Alpha beta n’est pas le plus adapté</a:t>
+            </a:r>
+          </a:p>
+          <a:p>
+            <a:pPr lvl="1"/>
+            <a:r>
+              <a:rPr lang="fr-FR" dirty="0" smtClean="0"/>
+              <a:t>Simulation d’une partie prend du temps</a:t>
+            </a:r>
+          </a:p>
+          <a:p>
+            <a:pPr lvl="1"/>
+            <a:r>
+              <a:rPr lang="fr-FR" dirty="0" smtClean="0"/>
+              <a:t>Toutes les possibilités ne sont pas évaluées</a:t>
+            </a:r>
+          </a:p>
+          <a:p>
+            <a:r>
+              <a:rPr lang="fr-FR" dirty="0" smtClean="0"/>
+              <a:t>Interface minimaliste</a:t>
+            </a:r>
+          </a:p>
+          <a:p>
+            <a:r>
+              <a:rPr lang="fr-FR" dirty="0" smtClean="0"/>
+              <a:t>Mode release pose des problèmes </a:t>
+            </a:r>
+          </a:p>
+          <a:p>
+            <a:pPr lvl="1"/>
+            <a:r>
+              <a:rPr lang="fr-FR" dirty="0" err="1" smtClean="0"/>
+              <a:t>Parallélisation</a:t>
+            </a:r>
+            <a:endParaRPr lang="fr-FR" dirty="0" smtClean="0"/>
+          </a:p>
+          <a:p>
+            <a:endParaRPr lang="fr-FR" dirty="0" smtClean="0"/>
+          </a:p>
+        </p:txBody>
+      </p:sp>
+      <p:sp>
+        <p:nvSpPr>
+          <p:cNvPr id="7" name="Espace réservé du numéro de diapositive 6"/>
           <p:cNvSpPr>
             <a:spLocks noGrp="1"/>
           </p:cNvSpPr>
@@ -5306,31 +5346,54 @@
       </p:sp>
       <p:sp>
         <p:nvSpPr>
-          <p:cNvPr id="5" name="Titre 4"/>
-          <p:cNvSpPr>
-            <a:spLocks noGrp="1"/>
-          </p:cNvSpPr>
-          <p:nvPr>
-            <p:ph type="title"/>
-          </p:nvPr>
-        </p:nvSpPr>
-        <p:spPr/>
-        <p:txBody>
-          <a:bodyPr/>
-          <a:lstStyle/>
-          <a:p>
-            <a:r>
-              <a:rPr lang="fr-FR" dirty="0" smtClean="0"/>
-              <a:t>Bilan</a:t>
-            </a:r>
-            <a:endParaRPr lang="en-US" dirty="0"/>
+          <p:cNvPr id="8" name="Espace réservé du pied de page 7"/>
+          <p:cNvSpPr>
+            <a:spLocks noGrp="1"/>
+          </p:cNvSpPr>
+          <p:nvPr>
+            <p:ph type="ftr" sz="quarter" idx="11"/>
+          </p:nvPr>
+        </p:nvSpPr>
+        <p:spPr/>
+        <p:txBody>
+          <a:bodyPr/>
+          <a:lstStyle/>
+          <a:p>
+            <a:r>
+              <a:rPr lang="fr-FR" smtClean="0"/>
+              <a:t>INSA de Rennes - Projet 5 Info/EII</a:t>
+            </a:r>
+            <a:endParaRPr lang="en-US"/>
+          </a:p>
+        </p:txBody>
+      </p:sp>
+      <p:sp>
+        <p:nvSpPr>
+          <p:cNvPr id="9" name="Espace réservé de la date 8"/>
+          <p:cNvSpPr>
+            <a:spLocks noGrp="1"/>
+          </p:cNvSpPr>
+          <p:nvPr>
+            <p:ph type="dt" sz="half" idx="10"/>
+          </p:nvPr>
+        </p:nvSpPr>
+        <p:spPr/>
+        <p:txBody>
+          <a:bodyPr/>
+          <a:lstStyle/>
+          <a:p>
+            <a:fld id="{CD2BBDD8-B337-4B49-8B40-C7FA2D56E37C}" type="datetime1">
+              <a:rPr lang="en-US" smtClean="0"/>
+              <a:t>1/26/2015</a:t>
+            </a:fld>
+            <a:endParaRPr lang="en-US"/>
           </a:p>
         </p:txBody>
       </p:sp>
     </p:spTree>
     <p:extLst>
       <p:ext uri="{BB962C8B-B14F-4D97-AF65-F5344CB8AC3E}">
-        <p14:creationId xmlns:p14="http://schemas.microsoft.com/office/powerpoint/2010/main" val="2202310891"/>
+        <p14:creationId xmlns:p14="http://schemas.microsoft.com/office/powerpoint/2010/main" val="2690770655"/>
       </p:ext>
     </p:extLst>
   </p:cSld>
@@ -5381,7 +5444,7 @@
           <a:p>
             <a:r>
               <a:rPr lang="fr-FR" dirty="0" smtClean="0"/>
-              <a:t>Point d’efforts</a:t>
+              <a:t>Points Forts</a:t>
             </a:r>
             <a:endParaRPr lang="en-US" dirty="0"/>
           </a:p>
@@ -5404,39 +5467,13 @@
           <a:p>
             <a:r>
               <a:rPr lang="fr-FR" dirty="0" smtClean="0"/>
-              <a:t>Jeu non complet </a:t>
-            </a:r>
-          </a:p>
-          <a:p>
-            <a:r>
-              <a:rPr lang="fr-FR" dirty="0" smtClean="0"/>
-              <a:t>Alpha beta n’est pas le plus adapté</a:t>
-            </a:r>
-          </a:p>
-          <a:p>
-            <a:pPr lvl="1"/>
-            <a:r>
-              <a:rPr lang="fr-FR" dirty="0" smtClean="0"/>
-              <a:t>Simulation d’une partie prend du temps</a:t>
-            </a:r>
-          </a:p>
-          <a:p>
-            <a:pPr lvl="1"/>
-            <a:r>
-              <a:rPr lang="fr-FR" dirty="0" smtClean="0"/>
-              <a:t>Toutes les possibilités ne sont pas évaluées</a:t>
-            </a:r>
-          </a:p>
-          <a:p>
-            <a:r>
-              <a:rPr lang="fr-FR" dirty="0" smtClean="0"/>
-              <a:t>Interface minimaliste</a:t>
-            </a:r>
-          </a:p>
-          <a:p>
-            <a:r>
-              <a:rPr lang="fr-FR" dirty="0" smtClean="0"/>
-              <a:t>Mode release pose des problèmes </a:t>
+              <a:t>A partir du 3è tour, une partie est entièrement déroulée</a:t>
+            </a:r>
+          </a:p>
+          <a:p>
+            <a:r>
+              <a:rPr lang="fr-FR" dirty="0" smtClean="0"/>
+              <a:t>IA est capable de choisir une carte « forte » sur plusieurs parties </a:t>
             </a:r>
           </a:p>
           <a:p>
@@ -5448,7 +5485,24 @@
             <a:endParaRPr lang="fr-FR" dirty="0" smtClean="0"/>
           </a:p>
           <a:p>
+            <a:r>
+              <a:rPr lang="fr-FR" dirty="0" smtClean="0"/>
+              <a:t>Le joueur peut encore gagner </a:t>
+            </a:r>
+            <a:r>
+              <a:rPr lang="fr-FR" dirty="0" smtClean="0">
+                <a:sym typeface="Wingdings" panose="05000000000000000000" pitchFamily="2" charset="2"/>
+              </a:rPr>
+              <a:t></a:t>
+            </a:r>
             <a:endParaRPr lang="fr-FR" dirty="0" smtClean="0"/>
+          </a:p>
+          <a:p>
+            <a:r>
+              <a:rPr lang="fr-FR" dirty="0" smtClean="0"/>
+              <a:t>Fonctionnel</a:t>
+            </a:r>
+            <a:endParaRPr lang="en-US" dirty="0"/>
           </a:p>
         </p:txBody>
       </p:sp>
@@ -5513,9 +5567,9 @@
           <a:bodyPr/>
           <a:lstStyle/>
           <a:p>
-            <a:fld id="{CD2BBDD8-B337-4B49-8B40-C7FA2D56E37C}" type="datetime1">
+            <a:fld id="{DA9DDE5A-740E-4326-94CC-54B57EA5F097}" type="datetime1">
               <a:rPr lang="en-US" smtClean="0"/>
-              <a:t>1/25/2015</a:t>
+              <a:t>1/26/2015</a:t>
             </a:fld>
             <a:endParaRPr lang="en-US"/>
           </a:p>
@@ -5524,7 +5578,7 @@
     </p:spTree>
     <p:extLst>
       <p:ext uri="{BB962C8B-B14F-4D97-AF65-F5344CB8AC3E}">
-        <p14:creationId xmlns:p14="http://schemas.microsoft.com/office/powerpoint/2010/main" val="2690770655"/>
+        <p14:creationId xmlns:p14="http://schemas.microsoft.com/office/powerpoint/2010/main" val="1067287253"/>
       </p:ext>
     </p:extLst>
   </p:cSld>
@@ -5575,7 +5629,7 @@
           <a:p>
             <a:r>
               <a:rPr lang="fr-FR" dirty="0" smtClean="0"/>
-              <a:t>Points Forts</a:t>
+              <a:t>Aller plus loin</a:t>
             </a:r>
             <a:endParaRPr lang="en-US" dirty="0"/>
           </a:p>
@@ -5597,42 +5651,71 @@
           <a:lstStyle/>
           <a:p>
             <a:r>
-              <a:rPr lang="fr-FR" dirty="0" smtClean="0"/>
-              <a:t>A partir du 3è tour, une partie est entièrement déroulée</a:t>
-            </a:r>
-          </a:p>
-          <a:p>
-            <a:r>
-              <a:rPr lang="fr-FR" dirty="0" smtClean="0"/>
-              <a:t>IA est capable de choisir une carte « forte » sur plusieurs parties </a:t>
+              <a:rPr lang="fr-FR" dirty="0" err="1" smtClean="0"/>
+              <a:t>Pruner</a:t>
+            </a:r>
+            <a:r>
+              <a:rPr lang="fr-FR" dirty="0" smtClean="0"/>
+              <a:t> plus l’arbre </a:t>
             </a:r>
           </a:p>
           <a:p>
             <a:pPr lvl="1"/>
             <a:r>
+              <a:rPr lang="fr-FR" dirty="0" smtClean="0"/>
+              <a:t>Cartes maîtresse/faible</a:t>
+            </a:r>
+          </a:p>
+          <a:p>
+            <a:r>
+              <a:rPr lang="fr-FR" dirty="0"/>
+              <a:t>Équilibre </a:t>
+            </a:r>
+            <a:r>
+              <a:rPr lang="fr-FR" dirty="0" smtClean="0"/>
+              <a:t>de </a:t>
+            </a:r>
+            <a:r>
               <a:rPr lang="fr-FR" dirty="0" err="1" smtClean="0"/>
-              <a:t>Parallélisation</a:t>
+              <a:t>nash</a:t>
             </a:r>
             <a:endParaRPr lang="fr-FR" dirty="0" smtClean="0"/>
           </a:p>
           <a:p>
-            <a:r>
-              <a:rPr lang="fr-FR" dirty="0" smtClean="0"/>
-              <a:t>Le joueur peut encore gagner </a:t>
-            </a:r>
-            <a:r>
-              <a:rPr lang="fr-FR" dirty="0" smtClean="0">
-                <a:sym typeface="Wingdings" panose="05000000000000000000" pitchFamily="2" charset="2"/>
-              </a:rPr>
-              <a:t></a:t>
-            </a:r>
-            <a:endParaRPr lang="fr-FR" dirty="0" smtClean="0"/>
-          </a:p>
-          <a:p>
-            <a:r>
-              <a:rPr lang="fr-FR" dirty="0" smtClean="0"/>
-              <a:t>Fonctionnel</a:t>
-            </a:r>
+            <a:pPr lvl="1"/>
+            <a:r>
+              <a:rPr lang="fr-FR" dirty="0" smtClean="0"/>
+              <a:t>Prédiction des atouts adversaires</a:t>
+            </a:r>
+          </a:p>
+          <a:p>
+            <a:pPr lvl="1"/>
+            <a:r>
+              <a:rPr lang="fr-FR" dirty="0" smtClean="0"/>
+              <a:t>Prédiction des cartes maitresses</a:t>
+            </a:r>
+          </a:p>
+          <a:p>
+            <a:r>
+              <a:rPr lang="fr-FR" dirty="0" smtClean="0"/>
+              <a:t>Programmation génétique</a:t>
+            </a:r>
+          </a:p>
+          <a:p>
+            <a:pPr lvl="1"/>
+            <a:r>
+              <a:rPr lang="fr-FR" dirty="0" smtClean="0"/>
+              <a:t>Meilleurs programmes</a:t>
+            </a:r>
+          </a:p>
+          <a:p>
+            <a:r>
+              <a:rPr lang="fr-FR" dirty="0" smtClean="0"/>
+              <a:t>Travail sur l’interface</a:t>
+            </a:r>
+            <a:endParaRPr lang="en-US" dirty="0" smtClean="0"/>
+          </a:p>
+          <a:p>
             <a:endParaRPr lang="en-US" dirty="0"/>
           </a:p>
         </p:txBody>
@@ -5698,224 +5781,9 @@
           <a:bodyPr/>
           <a:lstStyle/>
           <a:p>
-            <a:fld id="{DA9DDE5A-740E-4326-94CC-54B57EA5F097}" type="datetime1">
-              <a:rPr lang="en-US" smtClean="0"/>
-              <a:t>1/25/2015</a:t>
-            </a:fld>
-            <a:endParaRPr lang="en-US"/>
-          </a:p>
-        </p:txBody>
-      </p:sp>
-    </p:spTree>
-    <p:extLst>
-      <p:ext uri="{BB962C8B-B14F-4D97-AF65-F5344CB8AC3E}">
-        <p14:creationId xmlns:p14="http://schemas.microsoft.com/office/powerpoint/2010/main" val="1067287253"/>
-      </p:ext>
-    </p:extLst>
-  </p:cSld>
-  <p:clrMapOvr>
-    <a:masterClrMapping/>
-  </p:clrMapOvr>
-  <p:timing>
-    <p:tnLst>
-      <p:par>
-        <p:cTn id="1" dur="indefinite" restart="never" nodeType="tmRoot"/>
-      </p:par>
-    </p:tnLst>
-  </p:timing>
-</p:sld>
-</file>
-
-<file path=ppt/slides/slide13.xml><?xml version="1.0" encoding="utf-8"?>
-<p:sld xmlns:a="http://schemas.openxmlformats.org/drawingml/2006/main" xmlns:r="http://schemas.openxmlformats.org/officeDocument/2006/relationships" xmlns:p="http://schemas.openxmlformats.org/presentationml/2006/main">
-  <p:cSld>
-    <p:spTree>
-      <p:nvGrpSpPr>
-        <p:cNvPr id="1" name=""/>
-        <p:cNvGrpSpPr/>
-        <p:nvPr/>
-      </p:nvGrpSpPr>
-      <p:grpSpPr>
-        <a:xfrm>
-          <a:off x="0" y="0"/>
-          <a:ext cx="0" cy="0"/>
-          <a:chOff x="0" y="0"/>
-          <a:chExt cx="0" cy="0"/>
-        </a:xfrm>
-      </p:grpSpPr>
-      <p:sp>
-        <p:nvSpPr>
-          <p:cNvPr id="2" name="Titre 1"/>
-          <p:cNvSpPr>
-            <a:spLocks noGrp="1"/>
-          </p:cNvSpPr>
-          <p:nvPr>
-            <p:ph type="title"/>
-          </p:nvPr>
-        </p:nvSpPr>
-        <p:spPr/>
-        <p:txBody>
-          <a:bodyPr/>
-          <a:lstStyle/>
-          <a:p>
-            <a:r>
-              <a:rPr lang="fr-FR" dirty="0" smtClean="0"/>
-              <a:t>Aller plus loin</a:t>
-            </a:r>
-            <a:endParaRPr lang="en-US" dirty="0"/>
-          </a:p>
-        </p:txBody>
-      </p:sp>
-      <p:sp>
-        <p:nvSpPr>
-          <p:cNvPr id="3" name="Espace réservé du contenu 2"/>
-          <p:cNvSpPr>
-            <a:spLocks noGrp="1"/>
-          </p:cNvSpPr>
-          <p:nvPr>
-            <p:ph idx="1"/>
-          </p:nvPr>
-        </p:nvSpPr>
-        <p:spPr/>
-        <p:txBody>
-          <a:bodyPr/>
-          <a:lstStyle/>
-          <a:p>
-            <a:r>
-              <a:rPr lang="fr-FR" dirty="0" err="1" smtClean="0"/>
-              <a:t>Pruner</a:t>
-            </a:r>
-            <a:r>
-              <a:rPr lang="fr-FR" dirty="0" smtClean="0"/>
-              <a:t> plus l’arbre </a:t>
-            </a:r>
-          </a:p>
-          <a:p>
-            <a:pPr lvl="1"/>
-            <a:r>
-              <a:rPr lang="fr-FR" dirty="0" smtClean="0"/>
-              <a:t>Cartes maîtresse/faible</a:t>
-            </a:r>
-          </a:p>
-          <a:p>
-            <a:r>
-              <a:rPr lang="fr-FR" dirty="0" smtClean="0"/>
-              <a:t>Equilibre de </a:t>
-            </a:r>
-            <a:r>
-              <a:rPr lang="fr-FR" dirty="0" err="1" smtClean="0"/>
-              <a:t>nash</a:t>
-            </a:r>
-            <a:endParaRPr lang="fr-FR" dirty="0" smtClean="0"/>
-          </a:p>
-          <a:p>
-            <a:pPr lvl="1"/>
-            <a:r>
-              <a:rPr lang="fr-FR" dirty="0" smtClean="0"/>
-              <a:t>Prédiction des atouts adversaires</a:t>
-            </a:r>
-          </a:p>
-          <a:p>
-            <a:pPr lvl="1"/>
-            <a:r>
-              <a:rPr lang="fr-FR" dirty="0" smtClean="0"/>
-              <a:t>Prédiction des</a:t>
-            </a:r>
-            <a:r>
-              <a:rPr lang="fr-FR" dirty="0" smtClean="0"/>
-              <a:t> cartes maitresses</a:t>
-            </a:r>
-          </a:p>
-          <a:p>
-            <a:r>
-              <a:rPr lang="fr-FR" dirty="0" smtClean="0"/>
-              <a:t>Programmation génétique</a:t>
-            </a:r>
-          </a:p>
-          <a:p>
-            <a:pPr lvl="1"/>
-            <a:r>
-              <a:rPr lang="fr-FR" dirty="0" smtClean="0"/>
-              <a:t>Meilleurs programmes</a:t>
-            </a:r>
-            <a:endParaRPr lang="fr-FR" dirty="0" smtClean="0"/>
-          </a:p>
-          <a:p>
-            <a:r>
-              <a:rPr lang="fr-FR" dirty="0" smtClean="0"/>
-              <a:t>Travail sur l’interface</a:t>
-            </a:r>
-            <a:endParaRPr lang="en-US" dirty="0" smtClean="0"/>
-          </a:p>
-          <a:p>
-            <a:endParaRPr lang="en-US" dirty="0"/>
-          </a:p>
-        </p:txBody>
-      </p:sp>
-      <p:sp>
-        <p:nvSpPr>
-          <p:cNvPr id="7" name="Espace réservé du numéro de diapositive 6"/>
-          <p:cNvSpPr>
-            <a:spLocks noGrp="1"/>
-          </p:cNvSpPr>
-          <p:nvPr>
-            <p:ph type="sldNum" sz="quarter" idx="12"/>
-          </p:nvPr>
-        </p:nvSpPr>
-        <p:spPr/>
-        <p:txBody>
-          <a:bodyPr/>
-          <a:lstStyle/>
-          <a:p>
-            <a:fld id="{B7A829E3-38C6-4CB0-9AAB-6DF7D752CC12}" type="slidenum">
-              <a:rPr lang="en-US" smtClean="0"/>
-              <a:t>13</a:t>
-            </a:fld>
-            <a:endParaRPr lang="en-US"/>
-          </a:p>
-        </p:txBody>
-      </p:sp>
-      <p:sp>
-        <p:nvSpPr>
-          <p:cNvPr id="8" name="Espace réservé du pied de page 7"/>
-          <p:cNvSpPr>
-            <a:spLocks noGrp="1"/>
-          </p:cNvSpPr>
-          <p:nvPr>
-            <p:ph type="ftr" sz="quarter" idx="11"/>
-          </p:nvPr>
-        </p:nvSpPr>
-        <p:spPr/>
-        <p:txBody>
-          <a:bodyPr/>
-          <a:lstStyle/>
-          <a:p>
-            <a:r>
-              <a:rPr lang="fr-FR" smtClean="0"/>
-              <a:t>INSA de Rennes - Projet 5 Info/EII</a:t>
-            </a:r>
-            <a:endParaRPr lang="en-US"/>
-          </a:p>
-        </p:txBody>
-      </p:sp>
-      <p:sp>
-        <p:nvSpPr>
-          <p:cNvPr id="9" name="Espace réservé de la date 8"/>
-          <p:cNvSpPr>
-            <a:spLocks noGrp="1"/>
-          </p:cNvSpPr>
-          <p:nvPr>
-            <p:ph type="dt" sz="half" idx="10"/>
-          </p:nvPr>
-        </p:nvSpPr>
-        <p:spPr/>
-        <p:txBody>
-          <a:bodyPr/>
-          <a:lstStyle/>
-          <a:p>
             <a:fld id="{20A2738B-CF5C-4268-9662-E1E0A12F10CF}" type="datetime1">
               <a:rPr lang="en-US" smtClean="0"/>
-              <a:t>1/25/2015</a:t>
+              <a:t>1/26/2015</a:t>
             </a:fld>
             <a:endParaRPr lang="en-US"/>
           </a:p>
@@ -5942,7 +5810,7 @@
 </file>
 
 <file path=ppt/slides/slide2.xml><?xml version="1.0" encoding="utf-8"?>
-<p:sld xmlns:a="http://schemas.openxmlformats.org/drawingml/2006/main" xmlns:r="http://schemas.openxmlformats.org/officeDocument/2006/relationships" xmlns:p="http://schemas.openxmlformats.org/presentationml/2006/main" show="0">
+<p:sld xmlns:a="http://schemas.openxmlformats.org/drawingml/2006/main" xmlns:r="http://schemas.openxmlformats.org/officeDocument/2006/relationships" xmlns:p="http://schemas.openxmlformats.org/presentationml/2006/main">
   <p:cSld>
     <p:spTree>
       <p:nvGrpSpPr>
@@ -5960,102 +5828,53 @@
       </p:grpSpPr>
       <p:sp>
         <p:nvSpPr>
-          <p:cNvPr id="2" name="Titre 1"/>
-          <p:cNvSpPr>
-            <a:spLocks noGrp="1"/>
-          </p:cNvSpPr>
-          <p:nvPr>
-            <p:ph type="title"/>
-          </p:nvPr>
-        </p:nvSpPr>
-        <p:spPr/>
-        <p:txBody>
-          <a:bodyPr/>
-          <a:lstStyle/>
-          <a:p>
-            <a:r>
-              <a:rPr lang="fr-FR" dirty="0" smtClean="0"/>
-              <a:t>Plan</a:t>
-            </a:r>
-            <a:endParaRPr lang="en-US" dirty="0"/>
-          </a:p>
-        </p:txBody>
-      </p:sp>
-      <p:sp>
-        <p:nvSpPr>
-          <p:cNvPr id="3" name="Espace réservé du contenu 2"/>
-          <p:cNvSpPr>
-            <a:spLocks noGrp="1"/>
-          </p:cNvSpPr>
-          <p:nvPr>
-            <p:ph idx="1"/>
-          </p:nvPr>
-        </p:nvSpPr>
-        <p:spPr/>
-        <p:txBody>
-          <a:bodyPr/>
-          <a:lstStyle/>
-          <a:p>
-            <a:r>
-              <a:rPr lang="fr-FR" dirty="0" smtClean="0"/>
-              <a:t>Belote</a:t>
-            </a:r>
-          </a:p>
-          <a:p>
-            <a:pPr lvl="1"/>
-            <a:r>
-              <a:rPr lang="fr-FR" dirty="0"/>
-              <a:t> </a:t>
-            </a:r>
-            <a:r>
-              <a:rPr lang="fr-FR" dirty="0" err="1" smtClean="0"/>
-              <a:t>Regles</a:t>
-            </a:r>
-            <a:r>
-              <a:rPr lang="fr-FR" dirty="0" smtClean="0"/>
-              <a:t> + Modélisation</a:t>
-            </a:r>
-          </a:p>
-          <a:p>
-            <a:r>
-              <a:rPr lang="fr-FR" dirty="0" smtClean="0"/>
-              <a:t>Notre Solution</a:t>
-            </a:r>
-          </a:p>
-          <a:p>
-            <a:pPr lvl="1"/>
-            <a:r>
-              <a:rPr lang="fr-FR" dirty="0" smtClean="0"/>
-              <a:t>Utilisation minimax Alpha Beta</a:t>
-            </a:r>
-          </a:p>
-          <a:p>
-            <a:pPr lvl="1"/>
-            <a:r>
-              <a:rPr lang="fr-FR" dirty="0" err="1" smtClean="0"/>
-              <a:t>Parallélisation</a:t>
-            </a:r>
-            <a:endParaRPr lang="fr-FR" dirty="0" smtClean="0"/>
-          </a:p>
-          <a:p>
-            <a:r>
-              <a:rPr lang="fr-FR" dirty="0" err="1" smtClean="0"/>
-              <a:t>Demo</a:t>
-            </a:r>
-            <a:endParaRPr lang="fr-FR" dirty="0" smtClean="0"/>
-          </a:p>
-          <a:p>
-            <a:r>
-              <a:rPr lang="fr-FR" dirty="0" smtClean="0"/>
-              <a:t>Bilan</a:t>
-            </a:r>
-            <a:endParaRPr lang="en-US" dirty="0"/>
-          </a:p>
-        </p:txBody>
-      </p:sp>
-      <p:sp>
-        <p:nvSpPr>
-          <p:cNvPr id="7" name="Espace réservé du numéro de diapositive 6"/>
+          <p:cNvPr id="2" name="Espace réservé de la date 1"/>
+          <p:cNvSpPr>
+            <a:spLocks noGrp="1"/>
+          </p:cNvSpPr>
+          <p:nvPr>
+            <p:ph type="dt" sz="half" idx="10"/>
+          </p:nvPr>
+        </p:nvSpPr>
+        <p:spPr/>
+        <p:txBody>
+          <a:bodyPr/>
+          <a:lstStyle/>
+          <a:p>
+            <a:fld id="{86260F56-9C94-4C82-AE8B-7040A9C47954}" type="datetime1">
+              <a:rPr lang="en-US" smtClean="0"/>
+              <a:t>1/26/2015</a:t>
+            </a:fld>
+            <a:endParaRPr lang="en-US"/>
+          </a:p>
+        </p:txBody>
+      </p:sp>
+      <p:sp>
+        <p:nvSpPr>
+          <p:cNvPr id="3" name="Espace réservé du pied de page 2"/>
+          <p:cNvSpPr>
+            <a:spLocks noGrp="1"/>
+          </p:cNvSpPr>
+          <p:nvPr>
+            <p:ph type="ftr" sz="quarter" idx="11"/>
+          </p:nvPr>
+        </p:nvSpPr>
+        <p:spPr/>
+        <p:txBody>
+          <a:bodyPr/>
+          <a:lstStyle/>
+          <a:p>
+            <a:r>
+              <a:rPr lang="fr-FR" smtClean="0"/>
+              <a:t>INSA de Rennes - Projet 5 Info/EII</a:t>
+            </a:r>
+            <a:endParaRPr lang="en-US"/>
+          </a:p>
+        </p:txBody>
+      </p:sp>
+      <p:sp>
+        <p:nvSpPr>
+          <p:cNvPr id="4" name="Espace réservé du numéro de diapositive 3"/>
           <p:cNvSpPr>
             <a:spLocks noGrp="1"/>
           </p:cNvSpPr>
@@ -6078,68 +5897,37 @@
       </p:sp>
       <p:sp>
         <p:nvSpPr>
-          <p:cNvPr id="8" name="Espace réservé du pied de page 7"/>
-          <p:cNvSpPr>
-            <a:spLocks noGrp="1"/>
-          </p:cNvSpPr>
-          <p:nvPr>
-            <p:ph type="ftr" sz="quarter" idx="11"/>
-          </p:nvPr>
-        </p:nvSpPr>
-        <p:spPr/>
-        <p:txBody>
-          <a:bodyPr/>
-          <a:lstStyle/>
-          <a:p>
-            <a:r>
-              <a:rPr lang="fr-FR" smtClean="0"/>
-              <a:t>INSA de Rennes - Projet 5 Info/EII</a:t>
-            </a:r>
-            <a:endParaRPr lang="en-US"/>
-          </a:p>
-        </p:txBody>
-      </p:sp>
-      <p:sp>
-        <p:nvSpPr>
-          <p:cNvPr id="9" name="Espace réservé de la date 8"/>
-          <p:cNvSpPr>
-            <a:spLocks noGrp="1"/>
-          </p:cNvSpPr>
-          <p:nvPr>
-            <p:ph type="dt" sz="half" idx="10"/>
-          </p:nvPr>
-        </p:nvSpPr>
-        <p:spPr/>
-        <p:txBody>
-          <a:bodyPr/>
-          <a:lstStyle/>
-          <a:p>
-            <a:fld id="{D3057730-527A-48F4-A355-4440E7E94B2B}" type="datetime1">
-              <a:rPr lang="en-US" smtClean="0"/>
-              <a:t>1/25/2015</a:t>
-            </a:fld>
-            <a:endParaRPr lang="en-US"/>
+          <p:cNvPr id="5" name="Titre 4"/>
+          <p:cNvSpPr>
+            <a:spLocks noGrp="1"/>
+          </p:cNvSpPr>
+          <p:nvPr>
+            <p:ph type="title"/>
+          </p:nvPr>
+        </p:nvSpPr>
+        <p:spPr/>
+        <p:txBody>
+          <a:bodyPr/>
+          <a:lstStyle/>
+          <a:p>
+            <a:r>
+              <a:rPr lang="fr-FR" dirty="0" smtClean="0"/>
+              <a:t>Contexte</a:t>
+            </a:r>
+            <a:endParaRPr lang="en-US" dirty="0"/>
           </a:p>
         </p:txBody>
       </p:sp>
     </p:spTree>
     <p:extLst>
       <p:ext uri="{BB962C8B-B14F-4D97-AF65-F5344CB8AC3E}">
-        <p14:creationId xmlns:p14="http://schemas.microsoft.com/office/powerpoint/2010/main" val="2965461672"/>
+        <p14:creationId xmlns:p14="http://schemas.microsoft.com/office/powerpoint/2010/main" val="1223494020"/>
       </p:ext>
     </p:extLst>
   </p:cSld>
   <p:clrMapOvr>
     <a:masterClrMapping/>
   </p:clrMapOvr>
-  <mc:AlternateContent xmlns:mc="http://schemas.openxmlformats.org/markup-compatibility/2006">
-    <mc:Choice xmlns:p14="http://schemas.microsoft.com/office/powerpoint/2010/main" Requires="p14">
-      <p:transition spd="slow" p14:dur="2000"/>
-    </mc:Choice>
-    <mc:Fallback>
-      <p:transition spd="slow"/>
-    </mc:Fallback>
-  </mc:AlternateContent>
   <p:timing>
     <p:tnLst>
       <p:par>
@@ -6169,53 +5957,172 @@
       </p:grpSpPr>
       <p:sp>
         <p:nvSpPr>
-          <p:cNvPr id="2" name="Espace réservé de la date 1"/>
-          <p:cNvSpPr>
-            <a:spLocks noGrp="1"/>
-          </p:cNvSpPr>
-          <p:nvPr>
-            <p:ph type="dt" sz="half" idx="10"/>
-          </p:nvPr>
-        </p:nvSpPr>
-        <p:spPr/>
-        <p:txBody>
-          <a:bodyPr/>
-          <a:lstStyle/>
-          <a:p>
-            <a:fld id="{86260F56-9C94-4C82-AE8B-7040A9C47954}" type="datetime1">
-              <a:rPr lang="en-US" smtClean="0"/>
-              <a:t>1/25/2015</a:t>
-            </a:fld>
-            <a:endParaRPr lang="en-US"/>
-          </a:p>
-        </p:txBody>
-      </p:sp>
-      <p:sp>
-        <p:nvSpPr>
-          <p:cNvPr id="3" name="Espace réservé du pied de page 2"/>
-          <p:cNvSpPr>
-            <a:spLocks noGrp="1"/>
-          </p:cNvSpPr>
-          <p:nvPr>
-            <p:ph type="ftr" sz="quarter" idx="11"/>
-          </p:nvPr>
-        </p:nvSpPr>
-        <p:spPr/>
-        <p:txBody>
-          <a:bodyPr/>
-          <a:lstStyle/>
-          <a:p>
-            <a:r>
-              <a:rPr lang="fr-FR" smtClean="0"/>
-              <a:t>INSA de Rennes - Projet 5 Info/EII</a:t>
-            </a:r>
-            <a:endParaRPr lang="en-US"/>
-          </a:p>
-        </p:txBody>
-      </p:sp>
-      <p:sp>
-        <p:nvSpPr>
-          <p:cNvPr id="4" name="Espace réservé du numéro de diapositive 3"/>
+          <p:cNvPr id="2" name="Titre 1"/>
+          <p:cNvSpPr>
+            <a:spLocks noGrp="1"/>
+          </p:cNvSpPr>
+          <p:nvPr>
+            <p:ph type="title"/>
+          </p:nvPr>
+        </p:nvSpPr>
+        <p:spPr/>
+        <p:txBody>
+          <a:bodyPr/>
+          <a:lstStyle/>
+          <a:p>
+            <a:r>
+              <a:rPr lang="fr-FR" dirty="0" smtClean="0"/>
+              <a:t>Belote</a:t>
+            </a:r>
+            <a:endParaRPr lang="en-US" dirty="0"/>
+          </a:p>
+        </p:txBody>
+      </p:sp>
+      <p:sp>
+        <p:nvSpPr>
+          <p:cNvPr id="3" name="Espace réservé du contenu 2"/>
+          <p:cNvSpPr>
+            <a:spLocks noGrp="1"/>
+          </p:cNvSpPr>
+          <p:nvPr>
+            <p:ph idx="1"/>
+          </p:nvPr>
+        </p:nvSpPr>
+        <p:spPr/>
+        <p:txBody>
+          <a:bodyPr>
+            <a:normAutofit fontScale="85000" lnSpcReduction="10000"/>
+          </a:bodyPr>
+          <a:lstStyle/>
+          <a:p>
+            <a:pPr>
+              <a:lnSpc>
+                <a:spcPct val="150000"/>
+              </a:lnSpc>
+            </a:pPr>
+            <a:r>
+              <a:rPr lang="fr-FR" dirty="0" smtClean="0"/>
+              <a:t>Règles</a:t>
+            </a:r>
+          </a:p>
+          <a:p>
+            <a:pPr lvl="1">
+              <a:lnSpc>
+                <a:spcPct val="150000"/>
+              </a:lnSpc>
+            </a:pPr>
+            <a:r>
+              <a:rPr lang="fr-FR" dirty="0" smtClean="0"/>
+              <a:t>Quatre couleurs, choix d’un atout</a:t>
+            </a:r>
+            <a:endParaRPr lang="fr-FR" dirty="0"/>
+          </a:p>
+          <a:p>
+            <a:pPr lvl="1">
+              <a:lnSpc>
+                <a:spcPct val="150000"/>
+              </a:lnSpc>
+            </a:pPr>
+            <a:r>
+              <a:rPr lang="fr-FR" dirty="0"/>
+              <a:t>Obligation de jouer la couleur </a:t>
+            </a:r>
+            <a:r>
+              <a:rPr lang="fr-FR" dirty="0" smtClean="0"/>
+              <a:t>demandée, sinon obligation </a:t>
+            </a:r>
+            <a:r>
+              <a:rPr lang="fr-FR" dirty="0"/>
+              <a:t>de </a:t>
+            </a:r>
+            <a:r>
+              <a:rPr lang="fr-FR" dirty="0" smtClean="0"/>
+              <a:t>couper</a:t>
+            </a:r>
+          </a:p>
+          <a:p>
+            <a:pPr lvl="1">
+              <a:lnSpc>
+                <a:spcPct val="150000"/>
+              </a:lnSpc>
+            </a:pPr>
+            <a:r>
+              <a:rPr lang="fr-FR" dirty="0" smtClean="0"/>
+              <a:t>Obligation de monter si atout demandé </a:t>
+            </a:r>
+          </a:p>
+          <a:p>
+            <a:pPr lvl="1">
+              <a:lnSpc>
+                <a:spcPct val="150000"/>
+              </a:lnSpc>
+            </a:pPr>
+            <a:r>
+              <a:rPr lang="fr-FR" dirty="0" smtClean="0"/>
+              <a:t>Si le partenaire est maître, la coupe n’est pas obligatoire</a:t>
+            </a:r>
+          </a:p>
+          <a:p>
+            <a:pPr>
+              <a:lnSpc>
+                <a:spcPct val="150000"/>
+              </a:lnSpc>
+            </a:pPr>
+            <a:r>
+              <a:rPr lang="fr-FR" dirty="0" smtClean="0"/>
+              <a:t>4 joueurs</a:t>
+            </a:r>
+          </a:p>
+          <a:p>
+            <a:pPr lvl="1">
+              <a:lnSpc>
+                <a:spcPct val="150000"/>
+              </a:lnSpc>
+            </a:pPr>
+            <a:r>
+              <a:rPr lang="fr-FR" dirty="0" smtClean="0"/>
+              <a:t>Chacun son tour</a:t>
+            </a:r>
+          </a:p>
+          <a:p>
+            <a:pPr lvl="1">
+              <a:lnSpc>
+                <a:spcPct val="150000"/>
+              </a:lnSpc>
+            </a:pPr>
+            <a:r>
+              <a:rPr lang="fr-FR" dirty="0" smtClean="0"/>
+              <a:t>4 cartes par pli</a:t>
+            </a:r>
+          </a:p>
+          <a:p>
+            <a:pPr lvl="1">
+              <a:lnSpc>
+                <a:spcPct val="150000"/>
+              </a:lnSpc>
+            </a:pPr>
+            <a:r>
+              <a:rPr lang="fr-FR" dirty="0" smtClean="0"/>
+              <a:t>8 tours</a:t>
+            </a:r>
+          </a:p>
+          <a:p>
+            <a:pPr lvl="1">
+              <a:lnSpc>
+                <a:spcPct val="150000"/>
+              </a:lnSpc>
+            </a:pPr>
+            <a:r>
+              <a:rPr lang="fr-FR" dirty="0" smtClean="0"/>
+              <a:t>Quand une équipe prend, elle doit faire plus de 81 points</a:t>
+            </a:r>
+            <a:endParaRPr lang="en-US" dirty="0"/>
+          </a:p>
+        </p:txBody>
+      </p:sp>
+      <p:sp>
+        <p:nvSpPr>
+          <p:cNvPr id="7" name="Espace réservé du numéro de diapositive 6"/>
           <p:cNvSpPr>
             <a:spLocks noGrp="1"/>
           </p:cNvSpPr>
@@ -6238,31 +6145,54 @@
       </p:sp>
       <p:sp>
         <p:nvSpPr>
-          <p:cNvPr id="5" name="Titre 4"/>
-          <p:cNvSpPr>
-            <a:spLocks noGrp="1"/>
-          </p:cNvSpPr>
-          <p:nvPr>
-            <p:ph type="title"/>
-          </p:nvPr>
-        </p:nvSpPr>
-        <p:spPr/>
-        <p:txBody>
-          <a:bodyPr/>
-          <a:lstStyle/>
-          <a:p>
-            <a:r>
-              <a:rPr lang="fr-FR" dirty="0" smtClean="0"/>
-              <a:t>Contexte</a:t>
-            </a:r>
-            <a:endParaRPr lang="en-US" dirty="0"/>
+          <p:cNvPr id="8" name="Espace réservé du pied de page 7"/>
+          <p:cNvSpPr>
+            <a:spLocks noGrp="1"/>
+          </p:cNvSpPr>
+          <p:nvPr>
+            <p:ph type="ftr" sz="quarter" idx="11"/>
+          </p:nvPr>
+        </p:nvSpPr>
+        <p:spPr/>
+        <p:txBody>
+          <a:bodyPr/>
+          <a:lstStyle/>
+          <a:p>
+            <a:r>
+              <a:rPr lang="fr-FR" smtClean="0"/>
+              <a:t>INSA de Rennes - Projet 5 Info/EII</a:t>
+            </a:r>
+            <a:endParaRPr lang="en-US"/>
+          </a:p>
+        </p:txBody>
+      </p:sp>
+      <p:sp>
+        <p:nvSpPr>
+          <p:cNvPr id="9" name="Espace réservé de la date 8"/>
+          <p:cNvSpPr>
+            <a:spLocks noGrp="1"/>
+          </p:cNvSpPr>
+          <p:nvPr>
+            <p:ph type="dt" sz="half" idx="10"/>
+          </p:nvPr>
+        </p:nvSpPr>
+        <p:spPr/>
+        <p:txBody>
+          <a:bodyPr/>
+          <a:lstStyle/>
+          <a:p>
+            <a:fld id="{8395046B-6EAF-45A8-948F-DBEB73E70487}" type="datetime1">
+              <a:rPr lang="en-US" smtClean="0"/>
+              <a:t>1/26/2015</a:t>
+            </a:fld>
+            <a:endParaRPr lang="en-US"/>
           </a:p>
         </p:txBody>
       </p:sp>
     </p:spTree>
     <p:extLst>
       <p:ext uri="{BB962C8B-B14F-4D97-AF65-F5344CB8AC3E}">
-        <p14:creationId xmlns:p14="http://schemas.microsoft.com/office/powerpoint/2010/main" val="1223494020"/>
+        <p14:creationId xmlns:p14="http://schemas.microsoft.com/office/powerpoint/2010/main" val="544529363"/>
       </p:ext>
     </p:extLst>
   </p:cSld>
@@ -6313,7 +6243,7 @@
           <a:p>
             <a:r>
               <a:rPr lang="fr-FR" dirty="0" smtClean="0"/>
-              <a:t>Belote</a:t>
+              <a:t>Notre Solution</a:t>
             </a:r>
             <a:endParaRPr lang="en-US" dirty="0"/>
           </a:p>
@@ -6331,131 +6261,79 @@
         </p:nvSpPr>
         <p:spPr/>
         <p:txBody>
-          <a:bodyPr>
-            <a:normAutofit fontScale="85000" lnSpcReduction="10000"/>
-          </a:bodyPr>
-          <a:lstStyle/>
-          <a:p>
-            <a:pPr>
-              <a:lnSpc>
-                <a:spcPct val="150000"/>
-              </a:lnSpc>
-            </a:pPr>
-            <a:r>
-              <a:rPr lang="fr-FR" dirty="0" smtClean="0"/>
-              <a:t>Règles</a:t>
-            </a:r>
-          </a:p>
-          <a:p>
-            <a:pPr lvl="1">
-              <a:lnSpc>
-                <a:spcPct val="150000"/>
-              </a:lnSpc>
-            </a:pPr>
-            <a:r>
-              <a:rPr lang="fr-FR" dirty="0" smtClean="0"/>
-              <a:t>Quatre couleurs, choix d’un atout</a:t>
-            </a:r>
-            <a:endParaRPr lang="fr-FR" dirty="0"/>
-          </a:p>
-          <a:p>
-            <a:pPr lvl="1">
-              <a:lnSpc>
-                <a:spcPct val="150000"/>
-              </a:lnSpc>
-            </a:pPr>
-            <a:r>
-              <a:rPr lang="fr-FR" dirty="0"/>
-              <a:t>Obligation de jouer la couleur </a:t>
-            </a:r>
-            <a:r>
-              <a:rPr lang="fr-FR" dirty="0" smtClean="0"/>
-              <a:t>demandée, sinon obligation </a:t>
-            </a:r>
-            <a:r>
-              <a:rPr lang="fr-FR" dirty="0"/>
-              <a:t>de </a:t>
-            </a:r>
-            <a:r>
-              <a:rPr lang="fr-FR" dirty="0" smtClean="0"/>
-              <a:t>couper</a:t>
-            </a:r>
-          </a:p>
-          <a:p>
-            <a:pPr lvl="1">
-              <a:lnSpc>
-                <a:spcPct val="150000"/>
-              </a:lnSpc>
-            </a:pPr>
-            <a:r>
-              <a:rPr lang="fr-FR" dirty="0" smtClean="0"/>
-              <a:t>Obligation de monter si atout demandé </a:t>
-            </a:r>
-          </a:p>
-          <a:p>
-            <a:pPr lvl="1">
-              <a:lnSpc>
-                <a:spcPct val="150000"/>
-              </a:lnSpc>
-            </a:pPr>
-            <a:r>
-              <a:rPr lang="fr-FR" dirty="0" smtClean="0"/>
-              <a:t>Si le partenaire est maître, la coupe n’est pas obligatoire</a:t>
-            </a:r>
-          </a:p>
-          <a:p>
-            <a:pPr>
-              <a:lnSpc>
-                <a:spcPct val="150000"/>
-              </a:lnSpc>
-            </a:pPr>
-            <a:r>
-              <a:rPr lang="fr-FR" dirty="0" smtClean="0"/>
-              <a:t>4 joueurs</a:t>
-            </a:r>
-          </a:p>
-          <a:p>
-            <a:pPr lvl="1">
-              <a:lnSpc>
-                <a:spcPct val="150000"/>
-              </a:lnSpc>
-            </a:pPr>
-            <a:r>
-              <a:rPr lang="fr-FR" dirty="0" smtClean="0"/>
-              <a:t>Chacun son tour</a:t>
-            </a:r>
-          </a:p>
-          <a:p>
-            <a:pPr lvl="1">
-              <a:lnSpc>
-                <a:spcPct val="150000"/>
-              </a:lnSpc>
-            </a:pPr>
-            <a:r>
-              <a:rPr lang="fr-FR" dirty="0" smtClean="0"/>
-              <a:t>4 cartes par pli</a:t>
-            </a:r>
-          </a:p>
-          <a:p>
-            <a:pPr lvl="1">
-              <a:lnSpc>
-                <a:spcPct val="150000"/>
-              </a:lnSpc>
-            </a:pPr>
-            <a:r>
-              <a:rPr lang="fr-FR" dirty="0" smtClean="0"/>
-              <a:t>8 tours</a:t>
-            </a:r>
-          </a:p>
-          <a:p>
-            <a:pPr lvl="1">
-              <a:lnSpc>
-                <a:spcPct val="150000"/>
-              </a:lnSpc>
-            </a:pPr>
-            <a:r>
-              <a:rPr lang="fr-FR" dirty="0" smtClean="0"/>
-              <a:t>Quand une équipe prend, elle doit faire plus de 81 points</a:t>
+          <a:bodyPr/>
+          <a:lstStyle/>
+          <a:p>
+            <a:r>
+              <a:rPr lang="fr-FR" dirty="0" smtClean="0"/>
+              <a:t>Carte</a:t>
+            </a:r>
+          </a:p>
+          <a:p>
+            <a:pPr lvl="1"/>
+            <a:r>
+              <a:rPr lang="fr-FR" dirty="0" smtClean="0"/>
+              <a:t>1 Couleur, 1 valeur et des points</a:t>
+            </a:r>
+          </a:p>
+          <a:p>
+            <a:r>
+              <a:rPr lang="fr-FR" dirty="0" smtClean="0"/>
+              <a:t>Main</a:t>
+            </a:r>
+          </a:p>
+          <a:p>
+            <a:pPr lvl="1"/>
+            <a:r>
+              <a:rPr lang="fr-FR" dirty="0" smtClean="0"/>
+              <a:t>Tableau de carte ordonné</a:t>
+            </a:r>
+          </a:p>
+          <a:p>
+            <a:r>
+              <a:rPr lang="fr-FR" dirty="0" smtClean="0"/>
+              <a:t>Minimax alpha beta</a:t>
+            </a:r>
+          </a:p>
+          <a:p>
+            <a:pPr lvl="1"/>
+            <a:r>
+              <a:rPr lang="fr-FR" dirty="0" smtClean="0"/>
+              <a:t>Structure afin de connaitre l’état courant</a:t>
+            </a:r>
+          </a:p>
+          <a:p>
+            <a:pPr lvl="1"/>
+            <a:r>
+              <a:rPr lang="fr-FR" dirty="0" smtClean="0"/>
+              <a:t>Deux cas d’arrêt</a:t>
+            </a:r>
+          </a:p>
+          <a:p>
+            <a:pPr lvl="2"/>
+            <a:r>
+              <a:rPr lang="fr-FR" dirty="0" smtClean="0"/>
+              <a:t>Fin d’un pli (dans max ou min value)</a:t>
+            </a:r>
+          </a:p>
+          <a:p>
+            <a:pPr lvl="2"/>
+            <a:r>
+              <a:rPr lang="fr-FR" dirty="0" smtClean="0"/>
+              <a:t>Fin du jeu (minimax)</a:t>
+            </a:r>
+          </a:p>
+          <a:p>
+            <a:r>
+              <a:rPr lang="fr-FR" dirty="0" smtClean="0"/>
+              <a:t>Jeu</a:t>
+            </a:r>
+          </a:p>
+          <a:p>
+            <a:pPr lvl="1"/>
+            <a:r>
+              <a:rPr lang="fr-FR" dirty="0" smtClean="0"/>
+              <a:t>Gestion en ligne de commande</a:t>
             </a:r>
             <a:endParaRPr lang="en-US" dirty="0"/>
           </a:p>
@@ -6522,9 +6400,9 @@
           <a:bodyPr/>
           <a:lstStyle/>
           <a:p>
-            <a:fld id="{8395046B-6EAF-45A8-948F-DBEB73E70487}" type="datetime1">
+            <a:fld id="{6A704D40-7BAA-4726-AB3D-48FC27486AA0}" type="datetime1">
               <a:rPr lang="en-US" smtClean="0"/>
-              <a:t>1/25/2015</a:t>
+              <a:t>1/26/2015</a:t>
             </a:fld>
             <a:endParaRPr lang="en-US"/>
           </a:p>
@@ -6533,7 +6411,7 @@
     </p:spTree>
     <p:extLst>
       <p:ext uri="{BB962C8B-B14F-4D97-AF65-F5344CB8AC3E}">
-        <p14:creationId xmlns:p14="http://schemas.microsoft.com/office/powerpoint/2010/main" val="544529363"/>
+        <p14:creationId xmlns:p14="http://schemas.microsoft.com/office/powerpoint/2010/main" val="215323341"/>
       </p:ext>
     </p:extLst>
   </p:cSld>
@@ -6583,8 +6461,12 @@
           <a:lstStyle/>
           <a:p>
             <a:r>
-              <a:rPr lang="fr-FR" dirty="0" smtClean="0"/>
-              <a:t>Notre Solution</a:t>
+              <a:rPr lang="fr-FR" dirty="0"/>
+              <a:t>É</a:t>
+            </a:r>
+            <a:r>
+              <a:rPr lang="fr-FR" dirty="0" smtClean="0"/>
+              <a:t>volution</a:t>
             </a:r>
             <a:endParaRPr lang="en-US" dirty="0"/>
           </a:p>
@@ -6602,87 +6484,149 @@
         </p:nvSpPr>
         <p:spPr/>
         <p:txBody>
-          <a:bodyPr/>
-          <a:lstStyle/>
-          <a:p>
-            <a:r>
-              <a:rPr lang="fr-FR" dirty="0" smtClean="0"/>
-              <a:t>Carte</a:t>
+          <a:bodyPr>
+            <a:normAutofit/>
+          </a:bodyPr>
+          <a:lstStyle/>
+          <a:p>
+            <a:r>
+              <a:rPr lang="fr-FR" dirty="0" smtClean="0"/>
+              <a:t>Première étape : Minimax simple</a:t>
             </a:r>
           </a:p>
           <a:p>
             <a:pPr lvl="1"/>
             <a:r>
               <a:rPr lang="fr-FR" dirty="0" smtClean="0"/>
-              <a:t>1 Couleur, 1 valeur et des points</a:t>
-            </a:r>
-          </a:p>
-          <a:p>
-            <a:r>
-              <a:rPr lang="fr-FR" dirty="0" smtClean="0"/>
-              <a:t>Main</a:t>
+              <a:t>Génération aléatoire des mains des 3 autres joueurs</a:t>
             </a:r>
           </a:p>
           <a:p>
             <a:pPr lvl="1"/>
             <a:r>
               <a:rPr lang="fr-FR" dirty="0" smtClean="0"/>
-              <a:t>Tableau de carte ordonné</a:t>
-            </a:r>
-          </a:p>
-          <a:p>
-            <a:r>
-              <a:rPr lang="fr-FR" dirty="0" smtClean="0"/>
-              <a:t>Minimax alpha beta</a:t>
+              <a:t>Premier pli toutes les possibilités sont développées</a:t>
+            </a:r>
+          </a:p>
+          <a:p>
+            <a:pPr lvl="2"/>
+            <a:r>
+              <a:rPr lang="fr-FR" dirty="0" smtClean="0"/>
+              <a:t>Respect des règles</a:t>
             </a:r>
           </a:p>
           <a:p>
             <a:pPr lvl="1"/>
             <a:r>
               <a:rPr lang="fr-FR" dirty="0" smtClean="0"/>
-              <a:t>Structure afin de connaitre l’état courant</a:t>
+              <a:t>Ensuite règles simplifiées</a:t>
+            </a:r>
+          </a:p>
+          <a:p>
+            <a:pPr lvl="2"/>
+            <a:r>
+              <a:rPr lang="fr-FR" dirty="0" smtClean="0"/>
+              <a:t>Carte aléatoire pour le premier joueur</a:t>
             </a:r>
           </a:p>
           <a:p>
             <a:pPr lvl="1"/>
-            <a:r>
-              <a:rPr lang="fr-FR" dirty="0" smtClean="0"/>
-              <a:t>Deux cas d’arrêt</a:t>
+            <a:endParaRPr lang="fr-FR" dirty="0"/>
+          </a:p>
+          <a:p>
+            <a:r>
+              <a:rPr lang="fr-FR" dirty="0" smtClean="0"/>
+              <a:t>Seconde étape : Minimax alpha </a:t>
+            </a:r>
+            <a:r>
+              <a:rPr lang="fr-FR" dirty="0"/>
+              <a:t>b</a:t>
+            </a:r>
+            <a:r>
+              <a:rPr lang="fr-FR" dirty="0" smtClean="0"/>
+              <a:t>eta</a:t>
+            </a:r>
+          </a:p>
+          <a:p>
+            <a:pPr lvl="1"/>
+            <a:r>
+              <a:rPr lang="fr-FR" dirty="0" err="1" smtClean="0"/>
+              <a:t>Prunage</a:t>
+            </a:r>
+            <a:r>
+              <a:rPr lang="fr-FR" dirty="0" smtClean="0"/>
+              <a:t> des résultats</a:t>
+            </a:r>
+          </a:p>
+          <a:p>
+            <a:pPr lvl="1"/>
+            <a:r>
+              <a:rPr lang="fr-FR" dirty="0" smtClean="0"/>
+              <a:t>Deux plis quand 8 cartes en main</a:t>
+            </a:r>
+          </a:p>
+          <a:p>
+            <a:pPr lvl="1"/>
+            <a:r>
+              <a:rPr lang="fr-FR" dirty="0" smtClean="0"/>
+              <a:t>Déroulement complet à partir de 6 cartes en main</a:t>
             </a:r>
           </a:p>
           <a:p>
             <a:pPr lvl="2"/>
-            <a:r>
-              <a:rPr lang="fr-FR" dirty="0" smtClean="0"/>
-              <a:t>Fin d’un pli (dans max ou min value)</a:t>
-            </a:r>
-          </a:p>
-          <a:p>
-            <a:pPr lvl="2"/>
-            <a:r>
-              <a:rPr lang="fr-FR" dirty="0" smtClean="0"/>
-              <a:t>Fin du jeu (minimax)</a:t>
-            </a:r>
-          </a:p>
-          <a:p>
-            <a:r>
-              <a:rPr lang="fr-FR" dirty="0" smtClean="0"/>
-              <a:t>Jeu</a:t>
-            </a:r>
-          </a:p>
-          <a:p>
-            <a:pPr lvl="1"/>
-            <a:r>
-              <a:rPr lang="fr-FR" dirty="0" smtClean="0"/>
-              <a:t>Gestion en ligne de commande</a:t>
-            </a:r>
             <a:endParaRPr lang="en-US" dirty="0"/>
           </a:p>
         </p:txBody>
       </p:sp>
       <p:sp>
         <p:nvSpPr>
-          <p:cNvPr id="7" name="Espace réservé du numéro de diapositive 6"/>
+          <p:cNvPr id="4" name="Espace réservé de la date 3"/>
+          <p:cNvSpPr>
+            <a:spLocks noGrp="1"/>
+          </p:cNvSpPr>
+          <p:nvPr>
+            <p:ph type="dt" sz="half" idx="10"/>
+          </p:nvPr>
+        </p:nvSpPr>
+        <p:spPr/>
+        <p:txBody>
+          <a:bodyPr/>
+          <a:lstStyle/>
+          <a:p>
+            <a:fld id="{6EBC5AF1-2798-4883-9BF4-69A5875AB82F}" type="datetime1">
+              <a:rPr lang="en-US" smtClean="0"/>
+              <a:t>1/26/2015</a:t>
+            </a:fld>
+            <a:endParaRPr lang="en-US"/>
+          </a:p>
+        </p:txBody>
+      </p:sp>
+      <p:sp>
+        <p:nvSpPr>
+          <p:cNvPr id="5" name="Espace réservé du pied de page 4"/>
+          <p:cNvSpPr>
+            <a:spLocks noGrp="1"/>
+          </p:cNvSpPr>
+          <p:nvPr>
+            <p:ph type="ftr" sz="quarter" idx="11"/>
+          </p:nvPr>
+        </p:nvSpPr>
+        <p:spPr/>
+        <p:txBody>
+          <a:bodyPr/>
+          <a:lstStyle/>
+          <a:p>
+            <a:r>
+              <a:rPr lang="fr-FR" smtClean="0"/>
+              <a:t>INSA de Rennes - Projet 5 Info/EII</a:t>
+            </a:r>
+            <a:endParaRPr lang="en-US"/>
+          </a:p>
+        </p:txBody>
+      </p:sp>
+      <p:sp>
+        <p:nvSpPr>
+          <p:cNvPr id="6" name="Espace réservé du numéro de diapositive 5"/>
           <p:cNvSpPr>
             <a:spLocks noGrp="1"/>
           </p:cNvSpPr>
@@ -6703,56 +6647,10 @@
           </a:p>
         </p:txBody>
       </p:sp>
-      <p:sp>
-        <p:nvSpPr>
-          <p:cNvPr id="8" name="Espace réservé du pied de page 7"/>
-          <p:cNvSpPr>
-            <a:spLocks noGrp="1"/>
-          </p:cNvSpPr>
-          <p:nvPr>
-            <p:ph type="ftr" sz="quarter" idx="11"/>
-          </p:nvPr>
-        </p:nvSpPr>
-        <p:spPr/>
-        <p:txBody>
-          <a:bodyPr/>
-          <a:lstStyle/>
-          <a:p>
-            <a:r>
-              <a:rPr lang="fr-FR" smtClean="0"/>
-              <a:t>INSA de Rennes - Projet 5 Info/EII</a:t>
-            </a:r>
-            <a:endParaRPr lang="en-US"/>
-          </a:p>
-        </p:txBody>
-      </p:sp>
-      <p:sp>
-        <p:nvSpPr>
-          <p:cNvPr id="9" name="Espace réservé de la date 8"/>
-          <p:cNvSpPr>
-            <a:spLocks noGrp="1"/>
-          </p:cNvSpPr>
-          <p:nvPr>
-            <p:ph type="dt" sz="half" idx="10"/>
-          </p:nvPr>
-        </p:nvSpPr>
-        <p:spPr/>
-        <p:txBody>
-          <a:bodyPr/>
-          <a:lstStyle/>
-          <a:p>
-            <a:fld id="{6A704D40-7BAA-4726-AB3D-48FC27486AA0}" type="datetime1">
-              <a:rPr lang="en-US" smtClean="0"/>
-              <a:t>1/25/2015</a:t>
-            </a:fld>
-            <a:endParaRPr lang="en-US"/>
-          </a:p>
-        </p:txBody>
-      </p:sp>
     </p:spTree>
     <p:extLst>
       <p:ext uri="{BB962C8B-B14F-4D97-AF65-F5344CB8AC3E}">
-        <p14:creationId xmlns:p14="http://schemas.microsoft.com/office/powerpoint/2010/main" val="215323341"/>
+        <p14:creationId xmlns:p14="http://schemas.microsoft.com/office/powerpoint/2010/main" val="1987713974"/>
       </p:ext>
     </p:extLst>
   </p:cSld>
@@ -6802,124 +6700,106 @@
           <a:lstStyle/>
           <a:p>
             <a:r>
+              <a:rPr lang="fr-FR" dirty="0" smtClean="0"/>
+              <a:t>Fonctionnement du jeu</a:t>
+            </a:r>
+            <a:endParaRPr lang="en-US" dirty="0"/>
+          </a:p>
+        </p:txBody>
+      </p:sp>
+      <p:sp>
+        <p:nvSpPr>
+          <p:cNvPr id="3" name="Espace réservé du contenu 2"/>
+          <p:cNvSpPr>
+            <a:spLocks noGrp="1"/>
+          </p:cNvSpPr>
+          <p:nvPr>
+            <p:ph idx="1"/>
+          </p:nvPr>
+        </p:nvSpPr>
+        <p:spPr/>
+        <p:txBody>
+          <a:bodyPr/>
+          <a:lstStyle/>
+          <a:p>
+            <a:r>
+              <a:rPr lang="fr-FR" dirty="0" smtClean="0"/>
+              <a:t>Global</a:t>
+            </a:r>
+          </a:p>
+          <a:p>
+            <a:pPr lvl="1"/>
+            <a:r>
+              <a:rPr lang="fr-FR" dirty="0" smtClean="0"/>
+              <a:t>4 joueurs avec 4 mains aléatoires</a:t>
+            </a:r>
+          </a:p>
+          <a:p>
+            <a:pPr lvl="1"/>
+            <a:r>
+              <a:rPr lang="fr-FR" dirty="0" smtClean="0"/>
+              <a:t>Choix du premier joueur</a:t>
+            </a:r>
+          </a:p>
+          <a:p>
+            <a:pPr lvl="1"/>
+            <a:r>
+              <a:rPr lang="fr-FR" dirty="0" smtClean="0"/>
+              <a:t>Utilisateur joue les cartes des joueurs 1, 2 et 3</a:t>
+            </a:r>
+          </a:p>
+          <a:p>
+            <a:pPr lvl="2"/>
+            <a:r>
+              <a:rPr lang="fr-FR" dirty="0" smtClean="0"/>
+              <a:t>0 est l’IA</a:t>
+            </a:r>
+          </a:p>
+          <a:p>
+            <a:pPr lvl="2"/>
+            <a:r>
+              <a:rPr lang="fr-FR" dirty="0" smtClean="0"/>
+              <a:t>Code portable pour changer l’IA</a:t>
+            </a:r>
+          </a:p>
+          <a:p>
+            <a:pPr lvl="8"/>
+            <a:endParaRPr lang="fr-FR" dirty="0"/>
+          </a:p>
+          <a:p>
+            <a:r>
               <a:rPr lang="fr-FR" dirty="0"/>
-              <a:t>É</a:t>
-            </a:r>
-            <a:r>
-              <a:rPr lang="fr-FR" dirty="0" smtClean="0"/>
-              <a:t>volution</a:t>
-            </a:r>
-            <a:endParaRPr lang="en-US" dirty="0"/>
-          </a:p>
-        </p:txBody>
-      </p:sp>
-      <p:sp>
-        <p:nvSpPr>
-          <p:cNvPr id="3" name="Espace réservé du contenu 2"/>
-          <p:cNvSpPr>
-            <a:spLocks noGrp="1"/>
-          </p:cNvSpPr>
-          <p:nvPr>
-            <p:ph idx="1"/>
-          </p:nvPr>
-        </p:nvSpPr>
-        <p:spPr/>
-        <p:txBody>
-          <a:bodyPr>
-            <a:normAutofit/>
-          </a:bodyPr>
-          <a:lstStyle/>
-          <a:p>
-            <a:r>
-              <a:rPr lang="fr-FR" dirty="0" smtClean="0"/>
-              <a:t>Première étape : Minimax simple</a:t>
+              <a:t>Tour de </a:t>
+            </a:r>
+            <a:r>
+              <a:rPr lang="fr-FR" dirty="0" smtClean="0"/>
+              <a:t>l’IA</a:t>
             </a:r>
           </a:p>
           <a:p>
             <a:pPr lvl="1"/>
             <a:r>
-              <a:rPr lang="fr-FR" dirty="0" smtClean="0"/>
-              <a:t>Génération aléatoire des mains des 3 autres joueurs</a:t>
+              <a:rPr lang="fr-FR" dirty="0" err="1" smtClean="0"/>
+              <a:t>Parallélisation</a:t>
+            </a:r>
+            <a:r>
+              <a:rPr lang="fr-FR" dirty="0" smtClean="0"/>
+              <a:t> mis en place</a:t>
             </a:r>
           </a:p>
           <a:p>
             <a:pPr lvl="1"/>
             <a:r>
               <a:rPr lang="fr-FR" dirty="0" smtClean="0"/>
-              <a:t>Premier pli toutes les possibilités sont développées</a:t>
-            </a:r>
-          </a:p>
-          <a:p>
-            <a:pPr lvl="2"/>
-            <a:r>
-              <a:rPr lang="fr-FR" dirty="0" smtClean="0"/>
-              <a:t>Respect des règles</a:t>
+              <a:t>15 parties sont simulées</a:t>
             </a:r>
           </a:p>
           <a:p>
             <a:pPr lvl="1"/>
             <a:r>
               <a:rPr lang="fr-FR" dirty="0" smtClean="0"/>
-              <a:t>Ensuite règles simplifiées</a:t>
-            </a:r>
-          </a:p>
-          <a:p>
-            <a:pPr lvl="2"/>
-            <a:r>
-              <a:rPr lang="fr-FR" dirty="0" smtClean="0"/>
-              <a:t>Carte aléatoire pour le premier joueur</a:t>
-            </a:r>
-          </a:p>
-          <a:p>
-            <a:pPr lvl="1"/>
-            <a:endParaRPr lang="fr-FR" dirty="0"/>
-          </a:p>
-          <a:p>
-            <a:r>
-              <a:rPr lang="fr-FR" dirty="0" smtClean="0"/>
-              <a:t>Seconde étape : </a:t>
-            </a:r>
-            <a:r>
-              <a:rPr lang="fr-FR" smtClean="0"/>
-              <a:t>Minimax alpha </a:t>
-            </a:r>
-            <a:r>
-              <a:rPr lang="fr-FR" dirty="0"/>
-              <a:t>b</a:t>
-            </a:r>
-            <a:r>
-              <a:rPr lang="fr-FR" smtClean="0"/>
-              <a:t>eta</a:t>
-            </a:r>
-            <a:endParaRPr lang="fr-FR" dirty="0" smtClean="0"/>
-          </a:p>
-          <a:p>
-            <a:pPr lvl="1"/>
-            <a:r>
-              <a:rPr lang="fr-FR" dirty="0" err="1" smtClean="0"/>
-              <a:t>Prunage</a:t>
-            </a:r>
-            <a:r>
-              <a:rPr lang="fr-FR" dirty="0" smtClean="0"/>
-              <a:t> des résultats</a:t>
-            </a:r>
-          </a:p>
-          <a:p>
-            <a:pPr lvl="1"/>
-            <a:r>
-              <a:rPr lang="fr-FR" dirty="0" smtClean="0"/>
-              <a:t>Deux plis quand 8 cartes en main</a:t>
-            </a:r>
-          </a:p>
-          <a:p>
-            <a:pPr lvl="1"/>
-            <a:r>
-              <a:rPr lang="fr-FR" dirty="0" smtClean="0"/>
-              <a:t>Déroulement complet à partir de 6 cartes en main</a:t>
-            </a:r>
-          </a:p>
-          <a:p>
-            <a:pPr lvl="2"/>
+              <a:t>L’IA joue la carte de sa main jouée le plus souvent</a:t>
+            </a:r>
             <a:endParaRPr lang="en-US" dirty="0"/>
           </a:p>
         </p:txBody>
@@ -6941,7 +6821,7 @@
           <a:p>
             <a:fld id="{6EBC5AF1-2798-4883-9BF4-69A5875AB82F}" type="datetime1">
               <a:rPr lang="en-US" smtClean="0"/>
-              <a:t>1/25/2015</a:t>
+              <a:t>1/26/2015</a:t>
             </a:fld>
             <a:endParaRPr lang="en-US"/>
           </a:p>
@@ -6996,7 +6876,7 @@
     </p:spTree>
     <p:extLst>
       <p:ext uri="{BB962C8B-B14F-4D97-AF65-F5344CB8AC3E}">
-        <p14:creationId xmlns:p14="http://schemas.microsoft.com/office/powerpoint/2010/main" val="1987713974"/>
+        <p14:creationId xmlns:p14="http://schemas.microsoft.com/office/powerpoint/2010/main" val="1723122597"/>
       </p:ext>
     </p:extLst>
   </p:cSld>
@@ -7047,7 +6927,7 @@
           <a:p>
             <a:r>
               <a:rPr lang="fr-FR" dirty="0" smtClean="0"/>
-              <a:t>Fonctionnement du jeu</a:t>
+              <a:t>Ajout de la prise</a:t>
             </a:r>
             <a:endParaRPr lang="en-US" dirty="0"/>
           </a:p>
@@ -7065,86 +6945,98 @@
         </p:nvSpPr>
         <p:spPr/>
         <p:txBody>
-          <a:bodyPr/>
-          <a:lstStyle/>
-          <a:p>
-            <a:r>
-              <a:rPr lang="fr-FR" dirty="0" smtClean="0"/>
-              <a:t>Global</a:t>
+          <a:bodyPr>
+            <a:normAutofit lnSpcReduction="10000"/>
+          </a:bodyPr>
+          <a:lstStyle/>
+          <a:p>
+            <a:r>
+              <a:rPr lang="fr-FR" dirty="0" smtClean="0"/>
+              <a:t>Lance Minimax </a:t>
             </a:r>
           </a:p>
           <a:p>
             <a:pPr lvl="1"/>
             <a:r>
               <a:rPr lang="fr-FR" dirty="0" smtClean="0"/>
-              <a:t>4 joueurs avec 4 mains aléatoires</a:t>
+              <a:t>Sur la main complète du joueur</a:t>
             </a:r>
           </a:p>
           <a:p>
             <a:pPr lvl="1"/>
             <a:r>
               <a:rPr lang="fr-FR" dirty="0" smtClean="0"/>
-              <a:t>Choix du premier joueur</a:t>
-            </a:r>
-          </a:p>
-          <a:p>
-            <a:pPr lvl="1"/>
-            <a:r>
-              <a:rPr lang="fr-FR" dirty="0" smtClean="0"/>
-              <a:t>Utilisateur joue les cartes des joueurs 1, 2 et 3</a:t>
+              <a:t>Test si le score est supérieur à 130</a:t>
+            </a:r>
+          </a:p>
+          <a:p>
+            <a:r>
+              <a:rPr lang="fr-FR" dirty="0" smtClean="0"/>
+              <a:t>Test de la meilleure </a:t>
+            </a:r>
+            <a:r>
+              <a:rPr lang="fr-FR" dirty="0" smtClean="0"/>
+              <a:t>couleur</a:t>
             </a:r>
           </a:p>
           <a:p>
             <a:pPr lvl="2"/>
-            <a:r>
-              <a:rPr lang="fr-FR" dirty="0" smtClean="0"/>
-              <a:t>0 est l’IA</a:t>
-            </a:r>
-          </a:p>
-          <a:p>
-            <a:pPr lvl="2"/>
-            <a:r>
-              <a:rPr lang="fr-FR" dirty="0" smtClean="0"/>
-              <a:t>Code portable pour changer l’IA</a:t>
-            </a:r>
-          </a:p>
-          <a:p>
-            <a:pPr lvl="8"/>
-            <a:endParaRPr lang="fr-FR" dirty="0"/>
-          </a:p>
-          <a:p>
-            <a:r>
-              <a:rPr lang="fr-FR" dirty="0"/>
-              <a:t>Tour de </a:t>
-            </a:r>
-            <a:r>
-              <a:rPr lang="fr-FR" dirty="0" smtClean="0"/>
-              <a:t>l’IA</a:t>
-            </a:r>
-          </a:p>
-          <a:p>
-            <a:pPr lvl="1"/>
+            <a:endParaRPr lang="fr-FR" dirty="0" smtClean="0"/>
+          </a:p>
+          <a:p>
             <a:r>
               <a:rPr lang="fr-FR" dirty="0" err="1" smtClean="0"/>
               <a:t>Parallélisation</a:t>
             </a:r>
             <a:r>
               <a:rPr lang="fr-FR" dirty="0" smtClean="0"/>
-              <a:t> mis en place</a:t>
+              <a:t> difficile en </a:t>
+            </a:r>
+            <a:r>
+              <a:rPr lang="fr-FR" dirty="0" smtClean="0"/>
+              <a:t>release </a:t>
             </a:r>
           </a:p>
           <a:p>
             <a:pPr lvl="1"/>
             <a:r>
               <a:rPr lang="fr-FR" dirty="0" smtClean="0"/>
-              <a:t>15 parties sont simulées</a:t>
+              <a:t>avec des mains de 5 cartes</a:t>
             </a:r>
           </a:p>
           <a:p>
             <a:pPr lvl="1"/>
             <a:r>
               <a:rPr lang="fr-FR" dirty="0" smtClean="0"/>
-              <a:t>L’IA joue la carte de sa main jouée le plus souvent</a:t>
+              <a:t>Adapter le code</a:t>
+            </a:r>
+            <a:endParaRPr lang="fr-FR" dirty="0" smtClean="0"/>
+          </a:p>
+          <a:p>
+            <a:r>
+              <a:rPr lang="fr-FR" dirty="0" smtClean="0"/>
+              <a:t>Simplification du code</a:t>
+            </a:r>
+          </a:p>
+          <a:p>
+            <a:pPr lvl="1"/>
+            <a:r>
+              <a:rPr lang="fr-FR" dirty="0" smtClean="0"/>
+              <a:t>Main de 8 cartes</a:t>
+            </a:r>
+          </a:p>
+          <a:p>
+            <a:pPr lvl="1"/>
+            <a:r>
+              <a:rPr lang="fr-FR" dirty="0" smtClean="0"/>
+              <a:t>Test si l’IA prend </a:t>
+            </a:r>
+          </a:p>
+          <a:p>
+            <a:pPr lvl="1"/>
+            <a:r>
+              <a:rPr lang="fr-FR" dirty="0" smtClean="0"/>
+              <a:t>Sinon pique est atout par défaut</a:t>
             </a:r>
             <a:endParaRPr lang="en-US" dirty="0"/>
           </a:p>
@@ -7152,53 +7044,7 @@
       </p:sp>
       <p:sp>
         <p:nvSpPr>
-          <p:cNvPr id="4" name="Espace réservé de la date 3"/>
-          <p:cNvSpPr>
-            <a:spLocks noGrp="1"/>
-          </p:cNvSpPr>
-          <p:nvPr>
-            <p:ph type="dt" sz="half" idx="10"/>
-          </p:nvPr>
-        </p:nvSpPr>
-        <p:spPr/>
-        <p:txBody>
-          <a:bodyPr/>
-          <a:lstStyle/>
-          <a:p>
-            <a:fld id="{6EBC5AF1-2798-4883-9BF4-69A5875AB82F}" type="datetime1">
-              <a:rPr lang="en-US" smtClean="0"/>
-              <a:t>1/25/2015</a:t>
-            </a:fld>
-            <a:endParaRPr lang="en-US"/>
-          </a:p>
-        </p:txBody>
-      </p:sp>
-      <p:sp>
-        <p:nvSpPr>
-          <p:cNvPr id="5" name="Espace réservé du pied de page 4"/>
-          <p:cNvSpPr>
-            <a:spLocks noGrp="1"/>
-          </p:cNvSpPr>
-          <p:nvPr>
-            <p:ph type="ftr" sz="quarter" idx="11"/>
-          </p:nvPr>
-        </p:nvSpPr>
-        <p:spPr/>
-        <p:txBody>
-          <a:bodyPr/>
-          <a:lstStyle/>
-          <a:p>
-            <a:r>
-              <a:rPr lang="fr-FR" smtClean="0"/>
-              <a:t>INSA de Rennes - Projet 5 Info/EII</a:t>
-            </a:r>
-            <a:endParaRPr lang="en-US"/>
-          </a:p>
-        </p:txBody>
-      </p:sp>
-      <p:sp>
-        <p:nvSpPr>
-          <p:cNvPr id="6" name="Espace réservé du numéro de diapositive 5"/>
+          <p:cNvPr id="7" name="Espace réservé du numéro de diapositive 6"/>
           <p:cNvSpPr>
             <a:spLocks noGrp="1"/>
           </p:cNvSpPr>
@@ -7219,10 +7065,56 @@
           </a:p>
         </p:txBody>
       </p:sp>
+      <p:sp>
+        <p:nvSpPr>
+          <p:cNvPr id="8" name="Espace réservé du pied de page 7"/>
+          <p:cNvSpPr>
+            <a:spLocks noGrp="1"/>
+          </p:cNvSpPr>
+          <p:nvPr>
+            <p:ph type="ftr" sz="quarter" idx="11"/>
+          </p:nvPr>
+        </p:nvSpPr>
+        <p:spPr/>
+        <p:txBody>
+          <a:bodyPr/>
+          <a:lstStyle/>
+          <a:p>
+            <a:r>
+              <a:rPr lang="fr-FR" smtClean="0"/>
+              <a:t>INSA de Rennes - Projet 5 Info/EII</a:t>
+            </a:r>
+            <a:endParaRPr lang="en-US"/>
+          </a:p>
+        </p:txBody>
+      </p:sp>
+      <p:sp>
+        <p:nvSpPr>
+          <p:cNvPr id="9" name="Espace réservé de la date 8"/>
+          <p:cNvSpPr>
+            <a:spLocks noGrp="1"/>
+          </p:cNvSpPr>
+          <p:nvPr>
+            <p:ph type="dt" sz="half" idx="10"/>
+          </p:nvPr>
+        </p:nvSpPr>
+        <p:spPr/>
+        <p:txBody>
+          <a:bodyPr/>
+          <a:lstStyle/>
+          <a:p>
+            <a:fld id="{50DDBD9F-EEF5-4F3C-ADE4-F67A15180899}" type="datetime1">
+              <a:rPr lang="en-US" smtClean="0"/>
+              <a:t>1/26/2015</a:t>
+            </a:fld>
+            <a:endParaRPr lang="en-US"/>
+          </a:p>
+        </p:txBody>
+      </p:sp>
     </p:spTree>
     <p:extLst>
       <p:ext uri="{BB962C8B-B14F-4D97-AF65-F5344CB8AC3E}">
-        <p14:creationId xmlns:p14="http://schemas.microsoft.com/office/powerpoint/2010/main" val="1723122597"/>
+        <p14:creationId xmlns:p14="http://schemas.microsoft.com/office/powerpoint/2010/main" val="37319656"/>
       </p:ext>
     </p:extLst>
   </p:cSld>
@@ -7258,113 +7150,53 @@
       </p:grpSpPr>
       <p:sp>
         <p:nvSpPr>
-          <p:cNvPr id="2" name="Titre 1"/>
-          <p:cNvSpPr>
-            <a:spLocks noGrp="1"/>
-          </p:cNvSpPr>
-          <p:nvPr>
-            <p:ph type="title"/>
-          </p:nvPr>
-        </p:nvSpPr>
-        <p:spPr/>
-        <p:txBody>
-          <a:bodyPr/>
-          <a:lstStyle/>
-          <a:p>
-            <a:r>
-              <a:rPr lang="fr-FR" dirty="0" smtClean="0"/>
-              <a:t>Ajout de la prise</a:t>
-            </a:r>
-            <a:endParaRPr lang="en-US" dirty="0"/>
-          </a:p>
-        </p:txBody>
-      </p:sp>
-      <p:sp>
-        <p:nvSpPr>
-          <p:cNvPr id="3" name="Espace réservé du contenu 2"/>
-          <p:cNvSpPr>
-            <a:spLocks noGrp="1"/>
-          </p:cNvSpPr>
-          <p:nvPr>
-            <p:ph idx="1"/>
-          </p:nvPr>
-        </p:nvSpPr>
-        <p:spPr/>
-        <p:txBody>
-          <a:bodyPr/>
-          <a:lstStyle/>
-          <a:p>
-            <a:r>
-              <a:rPr lang="fr-FR" dirty="0" smtClean="0"/>
-              <a:t>Lance Minimax </a:t>
-            </a:r>
-          </a:p>
-          <a:p>
-            <a:pPr lvl="1"/>
-            <a:r>
-              <a:rPr lang="fr-FR" dirty="0" smtClean="0"/>
-              <a:t>Sur la main complète du joueur</a:t>
-            </a:r>
-          </a:p>
-          <a:p>
-            <a:pPr lvl="1"/>
-            <a:r>
-              <a:rPr lang="fr-FR" dirty="0" smtClean="0"/>
-              <a:t>Test si le score est supérieur à 130</a:t>
-            </a:r>
-          </a:p>
-          <a:p>
-            <a:r>
-              <a:rPr lang="fr-FR" dirty="0" smtClean="0"/>
-              <a:t>Test de la meilleure couleur</a:t>
-            </a:r>
-          </a:p>
-          <a:p>
-            <a:endParaRPr lang="fr-FR" dirty="0" smtClean="0"/>
-          </a:p>
-          <a:p>
-            <a:r>
-              <a:rPr lang="fr-FR" dirty="0" err="1" smtClean="0"/>
-              <a:t>Parallélisation</a:t>
-            </a:r>
-            <a:r>
-              <a:rPr lang="fr-FR" dirty="0" smtClean="0"/>
-              <a:t> difficile en release</a:t>
-            </a:r>
-          </a:p>
-          <a:p>
-            <a:r>
-              <a:rPr lang="fr-FR" dirty="0" smtClean="0"/>
-              <a:t>Simplification du code</a:t>
-            </a:r>
-          </a:p>
-          <a:p>
-            <a:pPr lvl="1"/>
-            <a:r>
-              <a:rPr lang="fr-FR" dirty="0" smtClean="0"/>
-              <a:t>Main de 8 cartes</a:t>
-            </a:r>
-          </a:p>
-          <a:p>
-            <a:pPr lvl="1"/>
-            <a:r>
-              <a:rPr lang="fr-FR" dirty="0" smtClean="0"/>
-              <a:t>Test si l’IA prend </a:t>
-            </a:r>
-          </a:p>
-          <a:p>
-            <a:pPr lvl="1"/>
-            <a:r>
-              <a:rPr lang="fr-FR" dirty="0" smtClean="0"/>
-              <a:t>Sinon pique est atout par défaut</a:t>
-            </a:r>
-            <a:endParaRPr lang="en-US" dirty="0"/>
-          </a:p>
-        </p:txBody>
-      </p:sp>
-      <p:sp>
-        <p:nvSpPr>
-          <p:cNvPr id="7" name="Espace réservé du numéro de diapositive 6"/>
+          <p:cNvPr id="2" name="Espace réservé de la date 1"/>
+          <p:cNvSpPr>
+            <a:spLocks noGrp="1"/>
+          </p:cNvSpPr>
+          <p:nvPr>
+            <p:ph type="dt" sz="half" idx="10"/>
+          </p:nvPr>
+        </p:nvSpPr>
+        <p:spPr/>
+        <p:txBody>
+          <a:bodyPr/>
+          <a:lstStyle/>
+          <a:p>
+            <a:fld id="{86260F56-9C94-4C82-AE8B-7040A9C47954}" type="datetime1">
+              <a:rPr lang="en-US" smtClean="0"/>
+              <a:t>1/26/2015</a:t>
+            </a:fld>
+            <a:endParaRPr lang="en-US"/>
+          </a:p>
+        </p:txBody>
+      </p:sp>
+      <p:sp>
+        <p:nvSpPr>
+          <p:cNvPr id="3" name="Espace réservé du pied de page 2"/>
+          <p:cNvSpPr>
+            <a:spLocks noGrp="1"/>
+          </p:cNvSpPr>
+          <p:nvPr>
+            <p:ph type="ftr" sz="quarter" idx="11"/>
+          </p:nvPr>
+        </p:nvSpPr>
+        <p:spPr/>
+        <p:txBody>
+          <a:bodyPr/>
+          <a:lstStyle/>
+          <a:p>
+            <a:r>
+              <a:rPr lang="fr-FR" smtClean="0"/>
+              <a:t>INSA de Rennes - Projet 5 Info/EII</a:t>
+            </a:r>
+            <a:endParaRPr lang="en-US"/>
+          </a:p>
+        </p:txBody>
+      </p:sp>
+      <p:sp>
+        <p:nvSpPr>
+          <p:cNvPr id="4" name="Espace réservé du numéro de diapositive 3"/>
           <p:cNvSpPr>
             <a:spLocks noGrp="1"/>
           </p:cNvSpPr>
@@ -7387,54 +7219,31 @@
       </p:sp>
       <p:sp>
         <p:nvSpPr>
-          <p:cNvPr id="8" name="Espace réservé du pied de page 7"/>
-          <p:cNvSpPr>
-            <a:spLocks noGrp="1"/>
-          </p:cNvSpPr>
-          <p:nvPr>
-            <p:ph type="ftr" sz="quarter" idx="11"/>
-          </p:nvPr>
-        </p:nvSpPr>
-        <p:spPr/>
-        <p:txBody>
-          <a:bodyPr/>
-          <a:lstStyle/>
-          <a:p>
-            <a:r>
-              <a:rPr lang="fr-FR" smtClean="0"/>
-              <a:t>INSA de Rennes - Projet 5 Info/EII</a:t>
-            </a:r>
-            <a:endParaRPr lang="en-US"/>
-          </a:p>
-        </p:txBody>
-      </p:sp>
-      <p:sp>
-        <p:nvSpPr>
-          <p:cNvPr id="9" name="Espace réservé de la date 8"/>
-          <p:cNvSpPr>
-            <a:spLocks noGrp="1"/>
-          </p:cNvSpPr>
-          <p:nvPr>
-            <p:ph type="dt" sz="half" idx="10"/>
-          </p:nvPr>
-        </p:nvSpPr>
-        <p:spPr/>
-        <p:txBody>
-          <a:bodyPr/>
-          <a:lstStyle/>
-          <a:p>
-            <a:fld id="{50DDBD9F-EEF5-4F3C-ADE4-F67A15180899}" type="datetime1">
-              <a:rPr lang="en-US" smtClean="0"/>
-              <a:t>1/25/2015</a:t>
-            </a:fld>
-            <a:endParaRPr lang="en-US"/>
+          <p:cNvPr id="5" name="Titre 4"/>
+          <p:cNvSpPr>
+            <a:spLocks noGrp="1"/>
+          </p:cNvSpPr>
+          <p:nvPr>
+            <p:ph type="title"/>
+          </p:nvPr>
+        </p:nvSpPr>
+        <p:spPr/>
+        <p:txBody>
+          <a:bodyPr/>
+          <a:lstStyle/>
+          <a:p>
+            <a:r>
+              <a:rPr lang="fr-FR" dirty="0" smtClean="0"/>
+              <a:t>Démonstration</a:t>
+            </a:r>
+            <a:endParaRPr lang="en-US" dirty="0"/>
           </a:p>
         </p:txBody>
       </p:sp>
     </p:spTree>
     <p:extLst>
       <p:ext uri="{BB962C8B-B14F-4D97-AF65-F5344CB8AC3E}">
-        <p14:creationId xmlns:p14="http://schemas.microsoft.com/office/powerpoint/2010/main" val="37319656"/>
+        <p14:creationId xmlns:p14="http://schemas.microsoft.com/office/powerpoint/2010/main" val="4274158074"/>
       </p:ext>
     </p:extLst>
   </p:cSld>
@@ -7485,7 +7294,7 @@
           <a:p>
             <a:fld id="{86260F56-9C94-4C82-AE8B-7040A9C47954}" type="datetime1">
               <a:rPr lang="en-US" smtClean="0"/>
-              <a:t>1/25/2015</a:t>
+              <a:t>1/26/2015</a:t>
             </a:fld>
             <a:endParaRPr lang="en-US"/>
           </a:p>
@@ -7554,7 +7363,7 @@
           <a:p>
             <a:r>
               <a:rPr lang="fr-FR" dirty="0" smtClean="0"/>
-              <a:t>Démonstration</a:t>
+              <a:t>Bilan</a:t>
             </a:r>
             <a:endParaRPr lang="en-US" dirty="0"/>
           </a:p>
@@ -7563,7 +7372,7 @@
     </p:spTree>
     <p:extLst>
       <p:ext uri="{BB962C8B-B14F-4D97-AF65-F5344CB8AC3E}">
-        <p14:creationId xmlns:p14="http://schemas.microsoft.com/office/powerpoint/2010/main" val="4274158074"/>
+        <p14:creationId xmlns:p14="http://schemas.microsoft.com/office/powerpoint/2010/main" val="2202310891"/>
       </p:ext>
     </p:extLst>
   </p:cSld>

--- a/doc/presentation.pptx
+++ b/doc/presentation.pptx
@@ -5149,11 +5149,7 @@
           <a:p>
             <a:r>
               <a:rPr lang="fr-FR" dirty="0" smtClean="0"/>
-              <a:t>Élaine </a:t>
-            </a:r>
-            <a:r>
-              <a:rPr lang="fr-FR" dirty="0" err="1" smtClean="0"/>
-              <a:t>Dauchart</a:t>
+              <a:t>Élaine Dauchart</a:t>
             </a:r>
             <a:endParaRPr lang="en-US" dirty="0"/>
           </a:p>
@@ -5317,6 +5313,18 @@
             <a:endParaRPr lang="fr-FR" dirty="0" smtClean="0"/>
           </a:p>
           <a:p>
+            <a:pPr lvl="1"/>
+            <a:r>
+              <a:rPr lang="fr-FR" dirty="0" smtClean="0"/>
+              <a:t>Assignation mémoire -&gt; tableaux de 9 cartes </a:t>
+            </a:r>
+            <a:r>
+              <a:rPr lang="fr-FR" smtClean="0"/>
+              <a:t>au lieu de 8</a:t>
+            </a:r>
+            <a:endParaRPr lang="fr-FR" dirty="0" smtClean="0"/>
+          </a:p>
+          <a:p>
             <a:endParaRPr lang="fr-FR" dirty="0" smtClean="0"/>
           </a:p>
         </p:txBody>
@@ -6114,7 +6122,15 @@
             </a:pPr>
             <a:r>
               <a:rPr lang="fr-FR" dirty="0" smtClean="0"/>
-              <a:t>Quand une équipe prend, elle doit faire plus de 81 points</a:t>
+              <a:t>Quand une équipe prend, elle doit faire plus de </a:t>
+            </a:r>
+            <a:r>
+              <a:rPr lang="fr-FR" dirty="0" smtClean="0"/>
+              <a:t>81 / 162  </a:t>
+            </a:r>
+            <a:r>
+              <a:rPr lang="fr-FR" dirty="0" smtClean="0"/>
+              <a:t>points</a:t>
             </a:r>
             <a:endParaRPr lang="en-US" dirty="0"/>
           </a:p>
@@ -6759,8 +6775,13 @@
             <a:pPr lvl="2"/>
             <a:r>
               <a:rPr lang="fr-FR" dirty="0" smtClean="0"/>
-              <a:t>Code portable pour changer l’IA</a:t>
-            </a:r>
+              <a:t>Code portable pour changer </a:t>
+            </a:r>
+            <a:r>
+              <a:rPr lang="fr-FR" dirty="0" smtClean="0"/>
+              <a:t>l’IA ou mettre plusieurs IA</a:t>
+            </a:r>
+            <a:endParaRPr lang="fr-FR" dirty="0" smtClean="0"/>
           </a:p>
           <a:p>
             <a:pPr lvl="8"/>
@@ -6954,6 +6975,11 @@
               <a:rPr lang="fr-FR" dirty="0" smtClean="0"/>
               <a:t>Lance Minimax </a:t>
             </a:r>
+            <a:r>
+              <a:rPr lang="fr-FR" dirty="0" smtClean="0"/>
+              <a:t> alpha beta</a:t>
+            </a:r>
+            <a:endParaRPr lang="fr-FR" dirty="0" smtClean="0"/>
           </a:p>
           <a:p>
             <a:pPr lvl="1"/>
@@ -6972,11 +6998,7 @@
           <a:p>
             <a:r>
               <a:rPr lang="fr-FR" dirty="0" smtClean="0"/>
-              <a:t>Test de la meilleure </a:t>
-            </a:r>
-            <a:r>
-              <a:rPr lang="fr-FR" dirty="0" smtClean="0"/>
-              <a:t>couleur</a:t>
+              <a:t>Test de la meilleure couleur</a:t>
             </a:r>
           </a:p>
           <a:p>
@@ -6990,11 +7012,7 @@
             </a:r>
             <a:r>
               <a:rPr lang="fr-FR" dirty="0" smtClean="0"/>
-              <a:t> difficile en </a:t>
-            </a:r>
-            <a:r>
-              <a:rPr lang="fr-FR" dirty="0" smtClean="0"/>
-              <a:t>release </a:t>
+              <a:t> difficile en release </a:t>
             </a:r>
           </a:p>
           <a:p>
@@ -7010,7 +7028,6 @@
               <a:rPr lang="fr-FR" dirty="0" smtClean="0"/>
               <a:t>Adapter le code</a:t>
             </a:r>
-            <a:endParaRPr lang="fr-FR" dirty="0" smtClean="0"/>
           </a:p>
           <a:p>
             <a:r>

--- a/doc/presentation.pptx
+++ b/doc/presentation.pptx
@@ -5,7 +5,7 @@
     <p:sldMasterId id="2147483684" r:id="rId1"/>
   </p:sldMasterIdLst>
   <p:notesMasterIdLst>
-    <p:notesMasterId r:id="rId14"/>
+    <p:notesMasterId r:id="rId15"/>
   </p:notesMasterIdLst>
   <p:sldIdLst>
     <p:sldId id="256" r:id="rId2"/>
@@ -20,6 +20,7 @@
     <p:sldId id="257" r:id="rId11"/>
     <p:sldId id="258" r:id="rId12"/>
     <p:sldId id="259" r:id="rId13"/>
+    <p:sldId id="271" r:id="rId14"/>
   </p:sldIdLst>
   <p:sldSz cx="9144000" cy="6858000" type="screen4x3"/>
   <p:notesSz cx="6858000" cy="9144000"/>
@@ -203,7 +204,7 @@
           <a:p>
             <a:fld id="{1CF03306-DFAE-4C84-B071-54FE7C597BC6}" type="datetimeFigureOut">
               <a:rPr lang="en-US" smtClean="0"/>
-              <a:t>1/26/2015</a:t>
+              <a:t>1/27/2015</a:t>
             </a:fld>
             <a:endParaRPr lang="en-US"/>
           </a:p>
@@ -555,6 +556,90 @@
 </p:notes>
 </file>
 
+<file path=ppt/notesSlides/notesSlide2.xml><?xml version="1.0" encoding="utf-8"?>
+<p:notes xmlns:a="http://schemas.openxmlformats.org/drawingml/2006/main" xmlns:r="http://schemas.openxmlformats.org/officeDocument/2006/relationships" xmlns:p="http://schemas.openxmlformats.org/presentationml/2006/main">
+  <p:cSld>
+    <p:spTree>
+      <p:nvGrpSpPr>
+        <p:cNvPr id="1" name=""/>
+        <p:cNvGrpSpPr/>
+        <p:nvPr/>
+      </p:nvGrpSpPr>
+      <p:grpSpPr>
+        <a:xfrm>
+          <a:off x="0" y="0"/>
+          <a:ext cx="0" cy="0"/>
+          <a:chOff x="0" y="0"/>
+          <a:chExt cx="0" cy="0"/>
+        </a:xfrm>
+      </p:grpSpPr>
+      <p:sp>
+        <p:nvSpPr>
+          <p:cNvPr id="2" name="Espace réservé de l'image des diapositives 1"/>
+          <p:cNvSpPr>
+            <a:spLocks noGrp="1" noRot="1" noChangeAspect="1"/>
+          </p:cNvSpPr>
+          <p:nvPr>
+            <p:ph type="sldImg"/>
+          </p:nvPr>
+        </p:nvSpPr>
+        <p:spPr/>
+      </p:sp>
+      <p:sp>
+        <p:nvSpPr>
+          <p:cNvPr id="3" name="Espace réservé des commentaires 2"/>
+          <p:cNvSpPr>
+            <a:spLocks noGrp="1"/>
+          </p:cNvSpPr>
+          <p:nvPr>
+            <p:ph type="body" idx="1"/>
+          </p:nvPr>
+        </p:nvSpPr>
+        <p:spPr/>
+        <p:txBody>
+          <a:bodyPr/>
+          <a:lstStyle/>
+          <a:p>
+            <a:endParaRPr lang="en-US" dirty="0"/>
+          </a:p>
+        </p:txBody>
+      </p:sp>
+      <p:sp>
+        <p:nvSpPr>
+          <p:cNvPr id="4" name="Espace réservé du numéro de diapositive 3"/>
+          <p:cNvSpPr>
+            <a:spLocks noGrp="1"/>
+          </p:cNvSpPr>
+          <p:nvPr>
+            <p:ph type="sldNum" sz="quarter" idx="10"/>
+          </p:nvPr>
+        </p:nvSpPr>
+        <p:spPr/>
+        <p:txBody>
+          <a:bodyPr/>
+          <a:lstStyle/>
+          <a:p>
+            <a:fld id="{CEC7B2FE-3BAD-407E-AC5A-B51F826AE798}" type="slidenum">
+              <a:rPr lang="en-US" smtClean="0"/>
+              <a:t>12</a:t>
+            </a:fld>
+            <a:endParaRPr lang="en-US"/>
+          </a:p>
+        </p:txBody>
+      </p:sp>
+    </p:spTree>
+    <p:extLst>
+      <p:ext uri="{BB962C8B-B14F-4D97-AF65-F5344CB8AC3E}">
+        <p14:creationId xmlns:p14="http://schemas.microsoft.com/office/powerpoint/2010/main" val="2310052479"/>
+      </p:ext>
+    </p:extLst>
+  </p:cSld>
+  <p:clrMapOvr>
+    <a:masterClrMapping/>
+  </p:clrMapOvr>
+</p:notes>
+</file>
+
 <file path=ppt/slideLayouts/slideLayout1.xml><?xml version="1.0" encoding="utf-8"?>
 <p:sldLayout xmlns:a="http://schemas.openxmlformats.org/drawingml/2006/main" xmlns:r="http://schemas.openxmlformats.org/officeDocument/2006/relationships" xmlns:p="http://schemas.openxmlformats.org/presentationml/2006/main" showMasterSp="0" type="title" preserve="1">
   <p:cSld name="Diapositive de titre">
@@ -678,9 +763,9 @@
           <a:bodyPr/>
           <a:lstStyle/>
           <a:p>
-            <a:fld id="{4855DD1D-A7A4-4661-A85D-2C1E60CFDA35}" type="datetime1">
-              <a:rPr lang="en-US" smtClean="0"/>
-              <a:t>1/26/2015</a:t>
+            <a:fld id="{432AD37A-ABC8-498A-BD4B-31304FC8885B}" type="datetime1">
+              <a:rPr lang="fr-FR" smtClean="0"/>
+              <a:t>27/01/2015</a:t>
             </a:fld>
             <a:endParaRPr lang="en-US"/>
           </a:p>
@@ -1322,9 +1407,9 @@
           <a:bodyPr/>
           <a:lstStyle/>
           <a:p>
-            <a:fld id="{B8FECBF3-D68E-4BDF-AC32-361EAD887DBC}" type="datetime1">
-              <a:rPr lang="en-US" smtClean="0"/>
-              <a:t>1/26/2015</a:t>
+            <a:fld id="{68930390-75B2-4C2B-B5C7-5E89D871EACA}" type="datetime1">
+              <a:rPr lang="fr-FR" smtClean="0"/>
+              <a:t>27/01/2015</a:t>
             </a:fld>
             <a:endParaRPr lang="en-US"/>
           </a:p>
@@ -1603,9 +1688,9 @@
           <a:bodyPr/>
           <a:lstStyle/>
           <a:p>
-            <a:fld id="{B1D4257E-FBDC-4BD0-A762-18691614C1E2}" type="datetime1">
-              <a:rPr lang="en-US" smtClean="0"/>
-              <a:t>1/26/2015</a:t>
+            <a:fld id="{4D3C9A9B-0ACB-4E23-B439-19E60AE62BEB}" type="datetime1">
+              <a:rPr lang="fr-FR" smtClean="0"/>
+              <a:t>27/01/2015</a:t>
             </a:fld>
             <a:endParaRPr lang="en-US"/>
           </a:p>
@@ -1772,9 +1857,9 @@
           <a:bodyPr/>
           <a:lstStyle/>
           <a:p>
-            <a:fld id="{6EBC5AF1-2798-4883-9BF4-69A5875AB82F}" type="datetime1">
-              <a:rPr lang="en-US" smtClean="0"/>
-              <a:t>1/26/2015</a:t>
+            <a:fld id="{5E460E18-5FFB-4260-AEE1-5ADCC6060039}" type="datetime1">
+              <a:rPr lang="fr-FR" smtClean="0"/>
+              <a:t>27/01/2015</a:t>
             </a:fld>
             <a:endParaRPr lang="en-US"/>
           </a:p>
@@ -1964,9 +2049,9 @@
           <a:bodyPr/>
           <a:lstStyle/>
           <a:p>
-            <a:fld id="{86260F56-9C94-4C82-AE8B-7040A9C47954}" type="datetime1">
-              <a:rPr lang="en-US" smtClean="0"/>
-              <a:t>1/26/2015</a:t>
+            <a:fld id="{21412FDF-F74E-48A9-A2A5-D4D8A15258E5}" type="datetime1">
+              <a:rPr lang="fr-FR" smtClean="0"/>
+              <a:t>27/01/2015</a:t>
             </a:fld>
             <a:endParaRPr lang="en-US"/>
           </a:p>
@@ -2455,9 +2540,9 @@
           <a:bodyPr/>
           <a:lstStyle/>
           <a:p>
-            <a:fld id="{DBBAACAF-7E45-47DC-8113-E488D08A66B3}" type="datetime1">
-              <a:rPr lang="en-US" smtClean="0"/>
-              <a:t>1/26/2015</a:t>
+            <a:fld id="{9136E8C3-D36D-4A9D-B0D2-B3E9B59EE007}" type="datetime1">
+              <a:rPr lang="fr-FR" smtClean="0"/>
+              <a:t>27/01/2015</a:t>
             </a:fld>
             <a:endParaRPr lang="en-US"/>
           </a:p>
@@ -2885,9 +2970,9 @@
           <a:bodyPr/>
           <a:lstStyle/>
           <a:p>
-            <a:fld id="{96365790-2B05-402A-A9A4-7FEBB7588484}" type="datetime1">
-              <a:rPr lang="en-US" smtClean="0"/>
-              <a:t>1/26/2015</a:t>
+            <a:fld id="{50F0498B-7398-4814-98E1-6902D225DBD3}" type="datetime1">
+              <a:rPr lang="fr-FR" smtClean="0"/>
+              <a:t>27/01/2015</a:t>
             </a:fld>
             <a:endParaRPr lang="en-US"/>
           </a:p>
@@ -3002,9 +3087,9 @@
           <a:bodyPr/>
           <a:lstStyle/>
           <a:p>
-            <a:fld id="{4C383CAE-8156-480F-AA8E-2B248C52EEC0}" type="datetime1">
-              <a:rPr lang="en-US" smtClean="0"/>
-              <a:t>1/26/2015</a:t>
+            <a:fld id="{909BBD6F-CB09-4DF3-BF3C-1FE0BCEAB163}" type="datetime1">
+              <a:rPr lang="fr-FR" smtClean="0"/>
+              <a:t>27/01/2015</a:t>
             </a:fld>
             <a:endParaRPr lang="en-US"/>
           </a:p>
@@ -3187,9 +3272,9 @@
           <a:bodyPr/>
           <a:lstStyle/>
           <a:p>
-            <a:fld id="{E801013B-FD6D-4163-A7A5-C5660D4750B8}" type="datetime1">
-              <a:rPr lang="en-US" smtClean="0"/>
-              <a:t>1/26/2015</a:t>
+            <a:fld id="{0C842A9E-0176-4332-8229-2086C9D367F3}" type="datetime1">
+              <a:rPr lang="fr-FR" smtClean="0"/>
+              <a:t>27/01/2015</a:t>
             </a:fld>
             <a:endParaRPr lang="en-US"/>
           </a:p>
@@ -3457,9 +3542,9 @@
           <a:bodyPr/>
           <a:lstStyle/>
           <a:p>
-            <a:fld id="{A719A948-48B9-4D47-9DC6-E3266F6F4D9E}" type="datetime1">
-              <a:rPr lang="en-US" smtClean="0"/>
-              <a:t>1/26/2015</a:t>
+            <a:fld id="{F5453548-840A-4025-9CF3-CED27D9FEF3E}" type="datetime1">
+              <a:rPr lang="fr-FR" smtClean="0"/>
+              <a:t>27/01/2015</a:t>
             </a:fld>
             <a:endParaRPr lang="en-US"/>
           </a:p>
@@ -3931,9 +4016,9 @@
           <a:bodyPr/>
           <a:lstStyle/>
           <a:p>
-            <a:fld id="{0B5C994B-3F28-47E2-B1D4-14A5B4F38C5A}" type="datetime1">
-              <a:rPr lang="en-US" smtClean="0"/>
-              <a:t>1/26/2015</a:t>
+            <a:fld id="{FC50BCC1-CF84-4701-94ED-7A7AC585D13D}" type="datetime1">
+              <a:rPr lang="fr-FR" smtClean="0"/>
+              <a:t>27/01/2015</a:t>
             </a:fld>
             <a:endParaRPr lang="en-US"/>
           </a:p>
@@ -4495,9 +4580,9 @@
             </a:lvl1pPr>
           </a:lstStyle>
           <a:p>
-            <a:fld id="{2124E1BC-776F-450F-BDD6-354362BE5F93}" type="datetime1">
-              <a:rPr lang="en-US" smtClean="0"/>
-              <a:t>1/26/2015</a:t>
+            <a:fld id="{3844EC5A-F7B4-40F9-9532-C495BC0A27B3}" type="datetime1">
+              <a:rPr lang="fr-FR" smtClean="0"/>
+              <a:t>27/01/2015</a:t>
             </a:fld>
             <a:endParaRPr lang="en-US"/>
           </a:p>
@@ -5390,9 +5475,9 @@
           <a:bodyPr/>
           <a:lstStyle/>
           <a:p>
-            <a:fld id="{CD2BBDD8-B337-4B49-8B40-C7FA2D56E37C}" type="datetime1">
-              <a:rPr lang="en-US" smtClean="0"/>
-              <a:t>1/26/2015</a:t>
+            <a:fld id="{4A40CEE9-0316-445E-B548-C11B5F9D459D}" type="datetime1">
+              <a:rPr lang="fr-FR" smtClean="0"/>
+              <a:t>27/01/2015</a:t>
             </a:fld>
             <a:endParaRPr lang="en-US"/>
           </a:p>
@@ -5575,9 +5660,9 @@
           <a:bodyPr/>
           <a:lstStyle/>
           <a:p>
-            <a:fld id="{DA9DDE5A-740E-4326-94CC-54B57EA5F097}" type="datetime1">
-              <a:rPr lang="en-US" smtClean="0"/>
-              <a:t>1/26/2015</a:t>
+            <a:fld id="{97E5C364-B4FC-4940-9DB6-89BEC3525C53}" type="datetime1">
+              <a:rPr lang="fr-FR" smtClean="0"/>
+              <a:t>27/01/2015</a:t>
             </a:fld>
             <a:endParaRPr lang="en-US"/>
           </a:p>
@@ -5789,9 +5874,9 @@
           <a:bodyPr/>
           <a:lstStyle/>
           <a:p>
-            <a:fld id="{20A2738B-CF5C-4268-9662-E1E0A12F10CF}" type="datetime1">
-              <a:rPr lang="en-US" smtClean="0"/>
-              <a:t>1/26/2015</a:t>
+            <a:fld id="{48CDC071-C531-4418-8B16-B58709488B97}" type="datetime1">
+              <a:rPr lang="fr-FR" smtClean="0"/>
+              <a:t>27/01/2015</a:t>
             </a:fld>
             <a:endParaRPr lang="en-US"/>
           </a:p>
@@ -5801,6 +5886,157 @@
     <p:extLst>
       <p:ext uri="{BB962C8B-B14F-4D97-AF65-F5344CB8AC3E}">
         <p14:creationId xmlns:p14="http://schemas.microsoft.com/office/powerpoint/2010/main" val="3281564846"/>
+      </p:ext>
+    </p:extLst>
+  </p:cSld>
+  <p:clrMapOvr>
+    <a:masterClrMapping/>
+  </p:clrMapOvr>
+  <p:timing>
+    <p:tnLst>
+      <p:par>
+        <p:cTn id="1" dur="indefinite" restart="never" nodeType="tmRoot"/>
+      </p:par>
+    </p:tnLst>
+  </p:timing>
+</p:sld>
+</file>
+
+<file path=ppt/slides/slide13.xml><?xml version="1.0" encoding="utf-8"?>
+<p:sld xmlns:a="http://schemas.openxmlformats.org/drawingml/2006/main" xmlns:r="http://schemas.openxmlformats.org/officeDocument/2006/relationships" xmlns:p="http://schemas.openxmlformats.org/presentationml/2006/main">
+  <p:cSld>
+    <p:spTree>
+      <p:nvGrpSpPr>
+        <p:cNvPr id="1" name=""/>
+        <p:cNvGrpSpPr/>
+        <p:nvPr/>
+      </p:nvGrpSpPr>
+      <p:grpSpPr>
+        <a:xfrm>
+          <a:off x="0" y="0"/>
+          <a:ext cx="0" cy="0"/>
+          <a:chOff x="0" y="0"/>
+          <a:chExt cx="0" cy="0"/>
+        </a:xfrm>
+      </p:grpSpPr>
+      <p:sp>
+        <p:nvSpPr>
+          <p:cNvPr id="2" name="Titre 1"/>
+          <p:cNvSpPr>
+            <a:spLocks noGrp="1"/>
+          </p:cNvSpPr>
+          <p:nvPr>
+            <p:ph type="title"/>
+          </p:nvPr>
+        </p:nvSpPr>
+        <p:spPr/>
+        <p:txBody>
+          <a:bodyPr/>
+          <a:lstStyle/>
+          <a:p>
+            <a:r>
+              <a:rPr lang="fr-FR" dirty="0" smtClean="0"/>
+              <a:t>Lien git</a:t>
+            </a:r>
+            <a:endParaRPr lang="en-US" dirty="0"/>
+          </a:p>
+        </p:txBody>
+      </p:sp>
+      <p:sp>
+        <p:nvSpPr>
+          <p:cNvPr id="3" name="Espace réservé du contenu 2"/>
+          <p:cNvSpPr>
+            <a:spLocks noGrp="1"/>
+          </p:cNvSpPr>
+          <p:nvPr>
+            <p:ph idx="1"/>
+          </p:nvPr>
+        </p:nvSpPr>
+        <p:spPr/>
+        <p:txBody>
+          <a:bodyPr/>
+          <a:lstStyle/>
+          <a:p>
+            <a:r>
+              <a:rPr lang="en-US" dirty="0"/>
+              <a:t>https://github.com/aurrelhebert/Projet_Belote.git</a:t>
+            </a:r>
+          </a:p>
+        </p:txBody>
+      </p:sp>
+      <p:sp>
+        <p:nvSpPr>
+          <p:cNvPr id="4" name="Espace réservé de la date 3"/>
+          <p:cNvSpPr>
+            <a:spLocks noGrp="1"/>
+          </p:cNvSpPr>
+          <p:nvPr>
+            <p:ph type="dt" sz="half" idx="10"/>
+          </p:nvPr>
+        </p:nvSpPr>
+        <p:spPr/>
+        <p:txBody>
+          <a:bodyPr/>
+          <a:lstStyle/>
+          <a:p>
+            <a:fld id="{5E460E18-5FFB-4260-AEE1-5ADCC6060039}" type="datetime1">
+              <a:rPr lang="fr-FR" smtClean="0"/>
+              <a:t>27/01/2015</a:t>
+            </a:fld>
+            <a:endParaRPr lang="en-US"/>
+          </a:p>
+        </p:txBody>
+      </p:sp>
+      <p:sp>
+        <p:nvSpPr>
+          <p:cNvPr id="5" name="Espace réservé du pied de page 4"/>
+          <p:cNvSpPr>
+            <a:spLocks noGrp="1"/>
+          </p:cNvSpPr>
+          <p:nvPr>
+            <p:ph type="ftr" sz="quarter" idx="11"/>
+          </p:nvPr>
+        </p:nvSpPr>
+        <p:spPr/>
+        <p:txBody>
+          <a:bodyPr/>
+          <a:lstStyle/>
+          <a:p>
+            <a:r>
+              <a:rPr lang="fr-FR" smtClean="0"/>
+              <a:t>INSA de Rennes - Projet 5 Info/EII</a:t>
+            </a:r>
+            <a:endParaRPr lang="en-US"/>
+          </a:p>
+        </p:txBody>
+      </p:sp>
+      <p:sp>
+        <p:nvSpPr>
+          <p:cNvPr id="6" name="Espace réservé du numéro de diapositive 5"/>
+          <p:cNvSpPr>
+            <a:spLocks noGrp="1"/>
+          </p:cNvSpPr>
+          <p:nvPr>
+            <p:ph type="sldNum" sz="quarter" idx="12"/>
+          </p:nvPr>
+        </p:nvSpPr>
+        <p:spPr/>
+        <p:txBody>
+          <a:bodyPr/>
+          <a:lstStyle/>
+          <a:p>
+            <a:fld id="{B7A829E3-38C6-4CB0-9AAB-6DF7D752CC12}" type="slidenum">
+              <a:rPr lang="en-US" smtClean="0"/>
+              <a:t>13</a:t>
+            </a:fld>
+            <a:endParaRPr lang="en-US"/>
+          </a:p>
+        </p:txBody>
+      </p:sp>
+    </p:spTree>
+    <p:extLst>
+      <p:ext uri="{BB962C8B-B14F-4D97-AF65-F5344CB8AC3E}">
+        <p14:creationId xmlns:p14="http://schemas.microsoft.com/office/powerpoint/2010/main" val="1407554205"/>
       </p:ext>
     </p:extLst>
   </p:cSld>
@@ -5849,9 +6085,9 @@
           <a:bodyPr/>
           <a:lstStyle/>
           <a:p>
-            <a:fld id="{86260F56-9C94-4C82-AE8B-7040A9C47954}" type="datetime1">
-              <a:rPr lang="en-US" smtClean="0"/>
-              <a:t>1/26/2015</a:t>
+            <a:fld id="{9442B19E-DA4E-4A3D-B957-50AFD6C62E00}" type="datetime1">
+              <a:rPr lang="fr-FR" smtClean="0"/>
+              <a:t>27/01/2015</a:t>
             </a:fld>
             <a:endParaRPr lang="en-US"/>
           </a:p>
@@ -6122,15 +6358,7 @@
             </a:pPr>
             <a:r>
               <a:rPr lang="fr-FR" dirty="0" smtClean="0"/>
-              <a:t>Quand une équipe prend, elle doit faire plus de </a:t>
-            </a:r>
-            <a:r>
-              <a:rPr lang="fr-FR" dirty="0" smtClean="0"/>
-              <a:t>81 / 162  </a:t>
-            </a:r>
-            <a:r>
-              <a:rPr lang="fr-FR" dirty="0" smtClean="0"/>
-              <a:t>points</a:t>
+              <a:t>Quand une équipe prend, elle doit faire plus de 81 / 162  points</a:t>
             </a:r>
             <a:endParaRPr lang="en-US" dirty="0"/>
           </a:p>
@@ -6197,9 +6425,9 @@
           <a:bodyPr/>
           <a:lstStyle/>
           <a:p>
-            <a:fld id="{8395046B-6EAF-45A8-948F-DBEB73E70487}" type="datetime1">
-              <a:rPr lang="en-US" smtClean="0"/>
-              <a:t>1/26/2015</a:t>
+            <a:fld id="{6F1C4324-9B06-4B29-80EA-62974D80D3C2}" type="datetime1">
+              <a:rPr lang="fr-FR" smtClean="0"/>
+              <a:t>27/01/2015</a:t>
             </a:fld>
             <a:endParaRPr lang="en-US"/>
           </a:p>
@@ -6416,9 +6644,9 @@
           <a:bodyPr/>
           <a:lstStyle/>
           <a:p>
-            <a:fld id="{6A704D40-7BAA-4726-AB3D-48FC27486AA0}" type="datetime1">
-              <a:rPr lang="en-US" smtClean="0"/>
-              <a:t>1/26/2015</a:t>
+            <a:fld id="{31EFE299-C4D8-40CF-9202-9BC80CC8F962}" type="datetime1">
+              <a:rPr lang="fr-FR" smtClean="0"/>
+              <a:t>27/01/2015</a:t>
             </a:fld>
             <a:endParaRPr lang="en-US"/>
           </a:p>
@@ -6609,9 +6837,9 @@
           <a:bodyPr/>
           <a:lstStyle/>
           <a:p>
-            <a:fld id="{6EBC5AF1-2798-4883-9BF4-69A5875AB82F}" type="datetime1">
-              <a:rPr lang="en-US" smtClean="0"/>
-              <a:t>1/26/2015</a:t>
+            <a:fld id="{617F684A-86AC-443B-9144-1EDD72A60686}" type="datetime1">
+              <a:rPr lang="fr-FR" smtClean="0"/>
+              <a:t>27/01/2015</a:t>
             </a:fld>
             <a:endParaRPr lang="en-US"/>
           </a:p>
@@ -6775,13 +7003,8 @@
             <a:pPr lvl="2"/>
             <a:r>
               <a:rPr lang="fr-FR" dirty="0" smtClean="0"/>
-              <a:t>Code portable pour changer </a:t>
-            </a:r>
-            <a:r>
-              <a:rPr lang="fr-FR" dirty="0" smtClean="0"/>
-              <a:t>l’IA ou mettre plusieurs IA</a:t>
-            </a:r>
-            <a:endParaRPr lang="fr-FR" dirty="0" smtClean="0"/>
+              <a:t>Code portable pour changer l’IA ou mettre plusieurs IA</a:t>
+            </a:r>
           </a:p>
           <a:p>
             <a:pPr lvl="8"/>
@@ -6840,9 +7063,9 @@
           <a:bodyPr/>
           <a:lstStyle/>
           <a:p>
-            <a:fld id="{6EBC5AF1-2798-4883-9BF4-69A5875AB82F}" type="datetime1">
-              <a:rPr lang="en-US" smtClean="0"/>
-              <a:t>1/26/2015</a:t>
+            <a:fld id="{C5DD5D2D-4BF7-44B3-B50B-131BF8AA099F}" type="datetime1">
+              <a:rPr lang="fr-FR" smtClean="0"/>
+              <a:t>27/01/2015</a:t>
             </a:fld>
             <a:endParaRPr lang="en-US"/>
           </a:p>
@@ -6973,13 +7196,8 @@
           <a:p>
             <a:r>
               <a:rPr lang="fr-FR" dirty="0" smtClean="0"/>
-              <a:t>Lance Minimax </a:t>
-            </a:r>
-            <a:r>
-              <a:rPr lang="fr-FR" dirty="0" smtClean="0"/>
-              <a:t> alpha beta</a:t>
-            </a:r>
-            <a:endParaRPr lang="fr-FR" dirty="0" smtClean="0"/>
+              <a:t>Lance Minimax  alpha beta</a:t>
+            </a:r>
           </a:p>
           <a:p>
             <a:pPr lvl="1"/>
@@ -7120,9 +7338,9 @@
           <a:bodyPr/>
           <a:lstStyle/>
           <a:p>
-            <a:fld id="{50DDBD9F-EEF5-4F3C-ADE4-F67A15180899}" type="datetime1">
-              <a:rPr lang="en-US" smtClean="0"/>
-              <a:t>1/26/2015</a:t>
+            <a:fld id="{A57F1F8E-BCCC-467D-8AF9-FC643628D088}" type="datetime1">
+              <a:rPr lang="fr-FR" smtClean="0"/>
+              <a:t>27/01/2015</a:t>
             </a:fld>
             <a:endParaRPr lang="en-US"/>
           </a:p>
@@ -7180,9 +7398,9 @@
           <a:bodyPr/>
           <a:lstStyle/>
           <a:p>
-            <a:fld id="{86260F56-9C94-4C82-AE8B-7040A9C47954}" type="datetime1">
-              <a:rPr lang="en-US" smtClean="0"/>
-              <a:t>1/26/2015</a:t>
+            <a:fld id="{2BCB6159-2D80-477F-88D4-CA05B4F0F1F5}" type="datetime1">
+              <a:rPr lang="fr-FR" smtClean="0"/>
+              <a:t>27/01/2015</a:t>
             </a:fld>
             <a:endParaRPr lang="en-US"/>
           </a:p>
@@ -7309,9 +7527,9 @@
           <a:bodyPr/>
           <a:lstStyle/>
           <a:p>
-            <a:fld id="{86260F56-9C94-4C82-AE8B-7040A9C47954}" type="datetime1">
-              <a:rPr lang="en-US" smtClean="0"/>
-              <a:t>1/26/2015</a:t>
+            <a:fld id="{9C73DE1C-351D-44D2-88B5-B60332DEB29D}" type="datetime1">
+              <a:rPr lang="fr-FR" smtClean="0"/>
+              <a:t>27/01/2015</a:t>
             </a:fld>
             <a:endParaRPr lang="en-US"/>
           </a:p>
